--- a/01 - Loads and Fatigue/Annotation.pptx
+++ b/01 - Loads and Fatigue/Annotation.pptx
@@ -104,13 +104,18 @@
       </a:defRPr>
     </a:lvl9pPr>
   </p:defaultTextStyle>
+  <p:extLst>
+    <p:ext uri="{EFAFB233-063F-42B5-8137-9DF3F51BA10A}">
+      <p15:sldGuideLst xmlns:p15="http://schemas.microsoft.com/office/powerpoint/2012/main"/>
+    </p:ext>
+  </p:extLst>
 </p:presentation>
 </file>
 
 <file path=ppt/revisionInfo.xml><?xml version="1.0" encoding="utf-8"?>
 <p1510:revInfo xmlns:a="http://schemas.openxmlformats.org/drawingml/2006/main" xmlns:r="http://schemas.openxmlformats.org/officeDocument/2006/relationships" xmlns:p1510="http://schemas.microsoft.com/office/powerpoint/2015/10/main">
   <p1510:revLst>
-    <p1510:client id="{C9DE8794-599A-48A2-8DAC-3CEC81A1BCD4}" v="1060" dt="2025-01-24T23:21:34.957"/>
+    <p1510:client id="{C9DE8794-599A-48A2-8DAC-3CEC81A1BCD4}" v="1087" dt="2025-01-24T23:29:26.057"/>
   </p1510:revLst>
 </p1510:revInfo>
 </file>
@@ -119,13 +124,13 @@
 <pc:chgInfo xmlns:a="http://schemas.openxmlformats.org/drawingml/2006/main" xmlns:r="http://schemas.openxmlformats.org/officeDocument/2006/relationships" xmlns:ac="http://schemas.microsoft.com/office/drawing/2013/main/command" xmlns:pc="http://schemas.microsoft.com/office/powerpoint/2013/main/command">
   <pc:docChgLst>
     <pc:chgData name="Li, Hanchen F" userId="3aee791e-6a2d-4da7-a77b-fbdf7bf15886" providerId="ADAL" clId="{C9DE8794-599A-48A2-8DAC-3CEC81A1BCD4}"/>
-    <pc:docChg chg="custSel addSld modSld">
-      <pc:chgData name="Li, Hanchen F" userId="3aee791e-6a2d-4da7-a77b-fbdf7bf15886" providerId="ADAL" clId="{C9DE8794-599A-48A2-8DAC-3CEC81A1BCD4}" dt="2025-01-24T23:21:55.052" v="1829" actId="14861"/>
+    <pc:docChg chg="undo custSel addSld modSld">
+      <pc:chgData name="Li, Hanchen F" userId="3aee791e-6a2d-4da7-a77b-fbdf7bf15886" providerId="ADAL" clId="{C9DE8794-599A-48A2-8DAC-3CEC81A1BCD4}" dt="2025-01-24T23:29:25.287" v="1989" actId="1076"/>
       <pc:docMkLst>
         <pc:docMk/>
       </pc:docMkLst>
       <pc:sldChg chg="addSp delSp modSp new mod">
-        <pc:chgData name="Li, Hanchen F" userId="3aee791e-6a2d-4da7-a77b-fbdf7bf15886" providerId="ADAL" clId="{C9DE8794-599A-48A2-8DAC-3CEC81A1BCD4}" dt="2025-01-24T23:21:55.052" v="1829" actId="14861"/>
+        <pc:chgData name="Li, Hanchen F" userId="3aee791e-6a2d-4da7-a77b-fbdf7bf15886" providerId="ADAL" clId="{C9DE8794-599A-48A2-8DAC-3CEC81A1BCD4}" dt="2025-01-24T23:29:25.287" v="1989" actId="1076"/>
         <pc:sldMkLst>
           <pc:docMk/>
           <pc:sldMk cId="3020923075" sldId="256"/>
@@ -138,12 +143,44 @@
             <ac:spMk id="2" creationId="{163E8C76-E5B5-A890-1927-309989D9CBA1}"/>
           </ac:spMkLst>
         </pc:spChg>
+        <pc:spChg chg="add mod ord">
+          <ac:chgData name="Li, Hanchen F" userId="3aee791e-6a2d-4da7-a77b-fbdf7bf15886" providerId="ADAL" clId="{C9DE8794-599A-48A2-8DAC-3CEC81A1BCD4}" dt="2025-01-24T23:27:10.554" v="1846" actId="1076"/>
+          <ac:spMkLst>
+            <pc:docMk/>
+            <pc:sldMk cId="3020923075" sldId="256"/>
+            <ac:spMk id="2" creationId="{89123ADF-7D7A-CD6F-3488-67AE30073D46}"/>
+          </ac:spMkLst>
+        </pc:spChg>
+        <pc:spChg chg="add del mod">
+          <ac:chgData name="Li, Hanchen F" userId="3aee791e-6a2d-4da7-a77b-fbdf7bf15886" providerId="ADAL" clId="{C9DE8794-599A-48A2-8DAC-3CEC81A1BCD4}" dt="2025-01-24T23:28:43.081" v="1963" actId="478"/>
+          <ac:spMkLst>
+            <pc:docMk/>
+            <pc:sldMk cId="3020923075" sldId="256"/>
+            <ac:spMk id="3" creationId="{66332BAB-FD43-8FE0-2DCD-8277FD4647CC}"/>
+          </ac:spMkLst>
+        </pc:spChg>
         <pc:spChg chg="del">
           <ac:chgData name="Li, Hanchen F" userId="3aee791e-6a2d-4da7-a77b-fbdf7bf15886" providerId="ADAL" clId="{C9DE8794-599A-48A2-8DAC-3CEC81A1BCD4}" dt="2025-01-24T23:03:20.941" v="2" actId="478"/>
           <ac:spMkLst>
             <pc:docMk/>
             <pc:sldMk cId="3020923075" sldId="256"/>
             <ac:spMk id="3" creationId="{AB6963D4-3D5B-5FD5-163E-CFDF92FA9B06}"/>
+          </ac:spMkLst>
+        </pc:spChg>
+        <pc:spChg chg="add mod">
+          <ac:chgData name="Li, Hanchen F" userId="3aee791e-6a2d-4da7-a77b-fbdf7bf15886" providerId="ADAL" clId="{C9DE8794-599A-48A2-8DAC-3CEC81A1BCD4}" dt="2025-01-24T23:28:39.014" v="1960" actId="1076"/>
+          <ac:spMkLst>
+            <pc:docMk/>
+            <pc:sldMk cId="3020923075" sldId="256"/>
+            <ac:spMk id="4" creationId="{AB217CA2-E2DD-E3E9-0BC0-75478F81E2B7}"/>
+          </ac:spMkLst>
+        </pc:spChg>
+        <pc:spChg chg="add mod">
+          <ac:chgData name="Li, Hanchen F" userId="3aee791e-6a2d-4da7-a77b-fbdf7bf15886" providerId="ADAL" clId="{C9DE8794-599A-48A2-8DAC-3CEC81A1BCD4}" dt="2025-01-24T23:28:49.557" v="1967" actId="1076"/>
+          <ac:spMkLst>
+            <pc:docMk/>
+            <pc:sldMk cId="3020923075" sldId="256"/>
+            <ac:spMk id="6" creationId="{0A18FE18-3806-4630-971C-DE8BFB3A94B5}"/>
           </ac:spMkLst>
         </pc:spChg>
         <pc:spChg chg="add del mod">
@@ -154,12 +191,28 @@
             <ac:spMk id="6" creationId="{2A12B6DC-B0E9-7CF8-1FB6-7337562699D2}"/>
           </ac:spMkLst>
         </pc:spChg>
+        <pc:spChg chg="add mod">
+          <ac:chgData name="Li, Hanchen F" userId="3aee791e-6a2d-4da7-a77b-fbdf7bf15886" providerId="ADAL" clId="{C9DE8794-599A-48A2-8DAC-3CEC81A1BCD4}" dt="2025-01-24T23:29:25.287" v="1989" actId="1076"/>
+          <ac:spMkLst>
+            <pc:docMk/>
+            <pc:sldMk cId="3020923075" sldId="256"/>
+            <ac:spMk id="7" creationId="{31944D76-2ABF-0DAD-F075-D4553DBEC726}"/>
+          </ac:spMkLst>
+        </pc:spChg>
         <pc:spChg chg="add del mod">
           <ac:chgData name="Li, Hanchen F" userId="3aee791e-6a2d-4da7-a77b-fbdf7bf15886" providerId="ADAL" clId="{C9DE8794-599A-48A2-8DAC-3CEC81A1BCD4}" dt="2025-01-24T23:08:18.506" v="893" actId="478"/>
           <ac:spMkLst>
             <pc:docMk/>
             <pc:sldMk cId="3020923075" sldId="256"/>
             <ac:spMk id="7" creationId="{5FC30A8C-83CC-043E-CB4C-D69397C7A8AA}"/>
+          </ac:spMkLst>
+        </pc:spChg>
+        <pc:spChg chg="add mod">
+          <ac:chgData name="Li, Hanchen F" userId="3aee791e-6a2d-4da7-a77b-fbdf7bf15886" providerId="ADAL" clId="{C9DE8794-599A-48A2-8DAC-3CEC81A1BCD4}" dt="2025-01-24T23:29:21.835" v="1985" actId="1076"/>
+          <ac:spMkLst>
+            <pc:docMk/>
+            <pc:sldMk cId="3020923075" sldId="256"/>
+            <ac:spMk id="8" creationId="{B39308F7-E6CF-7F18-5BDC-D2F278909EEB}"/>
           </ac:spMkLst>
         </pc:spChg>
         <pc:spChg chg="add del mod">
@@ -330,8 +383,8 @@
             <ac:spMk id="39" creationId="{9285C3F1-3048-F62F-8E3E-25840FA37413}"/>
           </ac:spMkLst>
         </pc:spChg>
-        <pc:spChg chg="add mod">
-          <ac:chgData name="Li, Hanchen F" userId="3aee791e-6a2d-4da7-a77b-fbdf7bf15886" providerId="ADAL" clId="{C9DE8794-599A-48A2-8DAC-3CEC81A1BCD4}" dt="2025-01-24T23:19:35.959" v="1660" actId="1076"/>
+        <pc:spChg chg="add del mod">
+          <ac:chgData name="Li, Hanchen F" userId="3aee791e-6a2d-4da7-a77b-fbdf7bf15886" providerId="ADAL" clId="{C9DE8794-599A-48A2-8DAC-3CEC81A1BCD4}" dt="2025-01-24T23:29:23.875" v="1987" actId="478"/>
           <ac:spMkLst>
             <pc:docMk/>
             <pc:sldMk cId="3020923075" sldId="256"/>
@@ -339,7 +392,7 @@
           </ac:spMkLst>
         </pc:spChg>
         <pc:spChg chg="add mod">
-          <ac:chgData name="Li, Hanchen F" userId="3aee791e-6a2d-4da7-a77b-fbdf7bf15886" providerId="ADAL" clId="{C9DE8794-599A-48A2-8DAC-3CEC81A1BCD4}" dt="2025-01-24T23:19:40.080" v="1662" actId="1076"/>
+          <ac:chgData name="Li, Hanchen F" userId="3aee791e-6a2d-4da7-a77b-fbdf7bf15886" providerId="ADAL" clId="{C9DE8794-599A-48A2-8DAC-3CEC81A1BCD4}" dt="2025-01-24T23:28:27.048" v="1956" actId="14861"/>
           <ac:spMkLst>
             <pc:docMk/>
             <pc:sldMk cId="3020923075" sldId="256"/>
@@ -354,8 +407,8 @@
             <ac:spMk id="58" creationId="{1523449D-72D2-9EAF-52F3-A8F8F8667977}"/>
           </ac:spMkLst>
         </pc:spChg>
-        <pc:spChg chg="add mod">
-          <ac:chgData name="Li, Hanchen F" userId="3aee791e-6a2d-4da7-a77b-fbdf7bf15886" providerId="ADAL" clId="{C9DE8794-599A-48A2-8DAC-3CEC81A1BCD4}" dt="2025-01-24T23:19:47.828" v="1664" actId="1076"/>
+        <pc:spChg chg="add del mod">
+          <ac:chgData name="Li, Hanchen F" userId="3aee791e-6a2d-4da7-a77b-fbdf7bf15886" providerId="ADAL" clId="{C9DE8794-599A-48A2-8DAC-3CEC81A1BCD4}" dt="2025-01-24T23:28:34.490" v="1959" actId="478"/>
           <ac:spMkLst>
             <pc:docMk/>
             <pc:sldMk cId="3020923075" sldId="256"/>
@@ -402,8 +455,8 @@
             <ac:cxnSpMk id="30" creationId="{C1686AF8-B6E2-595E-B762-AB52185E9F5C}"/>
           </ac:cxnSpMkLst>
         </pc:cxnChg>
-        <pc:cxnChg chg="add mod">
-          <ac:chgData name="Li, Hanchen F" userId="3aee791e-6a2d-4da7-a77b-fbdf7bf15886" providerId="ADAL" clId="{C9DE8794-599A-48A2-8DAC-3CEC81A1BCD4}" dt="2025-01-24T23:16:54.289" v="1565" actId="14100"/>
+        <pc:cxnChg chg="add mod ord">
+          <ac:chgData name="Li, Hanchen F" userId="3aee791e-6a2d-4da7-a77b-fbdf7bf15886" providerId="ADAL" clId="{C9DE8794-599A-48A2-8DAC-3CEC81A1BCD4}" dt="2025-01-24T23:26:39.045" v="1838" actId="166"/>
           <ac:cxnSpMkLst>
             <pc:docMk/>
             <pc:sldMk cId="3020923075" sldId="256"/>
@@ -3690,8 +3743,8 @@
           </a:prstGeom>
         </p:spPr>
       </p:pic>
-      <mc:AlternateContent xmlns:mc="http://schemas.openxmlformats.org/markup-compatibility/2006">
-        <mc:Choice xmlns:a14="http://schemas.microsoft.com/office/drawing/2010/main" Requires="a14">
+      <mc:AlternateContent xmlns:mc="http://schemas.openxmlformats.org/markup-compatibility/2006" xmlns:a14="http://schemas.microsoft.com/office/drawing/2010/main">
+        <mc:Choice Requires="a14">
           <p:sp>
             <p:nvSpPr>
               <p:cNvPr id="9" name="文本框 8">
@@ -3725,6 +3778,7 @@
               </a:bodyPr>
               <a:lstStyle/>
               <a:p>
+                <a:pPr/>
                 <a14:m>
                   <m:oMathPara xmlns:m="http://schemas.openxmlformats.org/officeDocument/2006/math">
                     <m:oMathParaPr>
@@ -3797,7 +3851,7 @@
             </p:txBody>
           </p:sp>
         </mc:Choice>
-        <mc:Fallback>
+        <mc:Fallback xmlns="">
           <p:sp>
             <p:nvSpPr>
               <p:cNvPr id="9" name="文本框 8">
@@ -3847,8 +3901,8 @@
           </p:sp>
         </mc:Fallback>
       </mc:AlternateContent>
-      <mc:AlternateContent xmlns:mc="http://schemas.openxmlformats.org/markup-compatibility/2006">
-        <mc:Choice xmlns:a14="http://schemas.microsoft.com/office/drawing/2010/main" Requires="a14">
+      <mc:AlternateContent xmlns:mc="http://schemas.openxmlformats.org/markup-compatibility/2006" xmlns:a14="http://schemas.microsoft.com/office/drawing/2010/main">
+        <mc:Choice Requires="a14">
           <p:sp>
             <p:nvSpPr>
               <p:cNvPr id="13" name="文本框 12">
@@ -3877,6 +3931,7 @@
               </a:bodyPr>
               <a:lstStyle/>
               <a:p>
+                <a:pPr/>
                 <a14:m>
                   <m:oMathPara xmlns:m="http://schemas.openxmlformats.org/officeDocument/2006/math">
                     <m:oMathParaPr>
@@ -3949,7 +4004,7 @@
             </p:txBody>
           </p:sp>
         </mc:Choice>
-        <mc:Fallback>
+        <mc:Fallback xmlns="">
           <p:sp>
             <p:nvSpPr>
               <p:cNvPr id="13" name="文本框 12">
@@ -3994,8 +4049,8 @@
           </p:sp>
         </mc:Fallback>
       </mc:AlternateContent>
-      <mc:AlternateContent xmlns:mc="http://schemas.openxmlformats.org/markup-compatibility/2006">
-        <mc:Choice xmlns:a14="http://schemas.microsoft.com/office/drawing/2010/main" Requires="a14">
+      <mc:AlternateContent xmlns:mc="http://schemas.openxmlformats.org/markup-compatibility/2006" xmlns:a14="http://schemas.microsoft.com/office/drawing/2010/main">
+        <mc:Choice Requires="a14">
           <p:sp>
             <p:nvSpPr>
               <p:cNvPr id="14" name="文本框 13">
@@ -4029,6 +4084,7 @@
               </a:bodyPr>
               <a:lstStyle/>
               <a:p>
+                <a:pPr/>
                 <a14:m>
                   <m:oMathPara xmlns:m="http://schemas.openxmlformats.org/officeDocument/2006/math">
                     <m:oMathParaPr>
@@ -4101,7 +4157,7 @@
             </p:txBody>
           </p:sp>
         </mc:Choice>
-        <mc:Fallback>
+        <mc:Fallback xmlns="">
           <p:sp>
             <p:nvSpPr>
               <p:cNvPr id="14" name="文本框 13">
@@ -4151,8 +4207,8 @@
           </p:sp>
         </mc:Fallback>
       </mc:AlternateContent>
-      <mc:AlternateContent xmlns:mc="http://schemas.openxmlformats.org/markup-compatibility/2006">
-        <mc:Choice xmlns:a14="http://schemas.microsoft.com/office/drawing/2010/main" Requires="a14">
+      <mc:AlternateContent xmlns:mc="http://schemas.openxmlformats.org/markup-compatibility/2006" xmlns:a14="http://schemas.microsoft.com/office/drawing/2010/main">
+        <mc:Choice Requires="a14">
           <p:sp>
             <p:nvSpPr>
               <p:cNvPr id="15" name="文本框 14">
@@ -4188,6 +4244,7 @@
               </a:bodyPr>
               <a:lstStyle/>
               <a:p>
+                <a:pPr/>
                 <a14:m>
                   <m:oMathPara xmlns:m="http://schemas.openxmlformats.org/officeDocument/2006/math">
                     <m:oMathParaPr>
@@ -4260,7 +4317,7 @@
             </p:txBody>
           </p:sp>
         </mc:Choice>
-        <mc:Fallback>
+        <mc:Fallback xmlns="">
           <p:sp>
             <p:nvSpPr>
               <p:cNvPr id="15" name="文本框 14">
@@ -4312,8 +4369,8 @@
           </p:sp>
         </mc:Fallback>
       </mc:AlternateContent>
-      <mc:AlternateContent xmlns:mc="http://schemas.openxmlformats.org/markup-compatibility/2006">
-        <mc:Choice xmlns:a14="http://schemas.microsoft.com/office/drawing/2010/main" Requires="a14">
+      <mc:AlternateContent xmlns:mc="http://schemas.openxmlformats.org/markup-compatibility/2006" xmlns:a14="http://schemas.microsoft.com/office/drawing/2010/main">
+        <mc:Choice Requires="a14">
           <p:sp>
             <p:nvSpPr>
               <p:cNvPr id="16" name="文本框 15">
@@ -4349,6 +4406,7 @@
               </a:bodyPr>
               <a:lstStyle/>
               <a:p>
+                <a:pPr/>
                 <a14:m>
                   <m:oMathPara xmlns:m="http://schemas.openxmlformats.org/officeDocument/2006/math">
                     <m:oMathParaPr>
@@ -4421,7 +4479,7 @@
             </p:txBody>
           </p:sp>
         </mc:Choice>
-        <mc:Fallback>
+        <mc:Fallback xmlns="">
           <p:sp>
             <p:nvSpPr>
               <p:cNvPr id="16" name="文本框 15">
@@ -4473,8 +4531,8 @@
           </p:sp>
         </mc:Fallback>
       </mc:AlternateContent>
-      <mc:AlternateContent xmlns:mc="http://schemas.openxmlformats.org/markup-compatibility/2006">
-        <mc:Choice xmlns:a14="http://schemas.microsoft.com/office/drawing/2010/main" Requires="a14">
+      <mc:AlternateContent xmlns:mc="http://schemas.openxmlformats.org/markup-compatibility/2006" xmlns:a14="http://schemas.microsoft.com/office/drawing/2010/main">
+        <mc:Choice Requires="a14">
           <p:sp>
             <p:nvSpPr>
               <p:cNvPr id="17" name="文本框 16">
@@ -4510,6 +4568,7 @@
               </a:bodyPr>
               <a:lstStyle/>
               <a:p>
+                <a:pPr/>
                 <a14:m>
                   <m:oMathPara xmlns:m="http://schemas.openxmlformats.org/officeDocument/2006/math">
                     <m:oMathParaPr>
@@ -4575,7 +4634,7 @@
             </p:txBody>
           </p:sp>
         </mc:Choice>
-        <mc:Fallback>
+        <mc:Fallback xmlns="">
           <p:sp>
             <p:nvSpPr>
               <p:cNvPr id="17" name="文本框 16">
@@ -4627,8 +4686,8 @@
           </p:sp>
         </mc:Fallback>
       </mc:AlternateContent>
-      <mc:AlternateContent xmlns:mc="http://schemas.openxmlformats.org/markup-compatibility/2006">
-        <mc:Choice xmlns:a14="http://schemas.microsoft.com/office/drawing/2010/main" Requires="a14">
+      <mc:AlternateContent xmlns:mc="http://schemas.openxmlformats.org/markup-compatibility/2006" xmlns:a14="http://schemas.microsoft.com/office/drawing/2010/main">
+        <mc:Choice Requires="a14">
           <p:sp>
             <p:nvSpPr>
               <p:cNvPr id="18" name="文本框 17">
@@ -4662,6 +4721,7 @@
               </a:bodyPr>
               <a:lstStyle/>
               <a:p>
+                <a:pPr/>
                 <a14:m>
                   <m:oMathPara xmlns:m="http://schemas.openxmlformats.org/officeDocument/2006/math">
                     <m:oMathParaPr>
@@ -4727,7 +4787,7 @@
             </p:txBody>
           </p:sp>
         </mc:Choice>
-        <mc:Fallback>
+        <mc:Fallback xmlns="">
           <p:sp>
             <p:nvSpPr>
               <p:cNvPr id="18" name="文本框 17">
@@ -4777,8 +4837,8 @@
           </p:sp>
         </mc:Fallback>
       </mc:AlternateContent>
-      <mc:AlternateContent xmlns:mc="http://schemas.openxmlformats.org/markup-compatibility/2006">
-        <mc:Choice xmlns:a14="http://schemas.microsoft.com/office/drawing/2010/main" Requires="a14">
+      <mc:AlternateContent xmlns:mc="http://schemas.openxmlformats.org/markup-compatibility/2006" xmlns:a14="http://schemas.microsoft.com/office/drawing/2010/main">
+        <mc:Choice Requires="a14">
           <p:sp>
             <p:nvSpPr>
               <p:cNvPr id="23" name="文本框 22">
@@ -4812,6 +4872,7 @@
               </a:bodyPr>
               <a:lstStyle/>
               <a:p>
+                <a:pPr/>
                 <a14:m>
                   <m:oMathPara xmlns:m="http://schemas.openxmlformats.org/officeDocument/2006/math">
                     <m:oMathParaPr>
@@ -4877,7 +4938,7 @@
             </p:txBody>
           </p:sp>
         </mc:Choice>
-        <mc:Fallback>
+        <mc:Fallback xmlns="">
           <p:sp>
             <p:nvSpPr>
               <p:cNvPr id="23" name="文本框 22">
@@ -4927,8 +4988,8 @@
           </p:sp>
         </mc:Fallback>
       </mc:AlternateContent>
-      <mc:AlternateContent xmlns:mc="http://schemas.openxmlformats.org/markup-compatibility/2006">
-        <mc:Choice xmlns:a14="http://schemas.microsoft.com/office/drawing/2010/main" Requires="a14">
+      <mc:AlternateContent xmlns:mc="http://schemas.openxmlformats.org/markup-compatibility/2006" xmlns:a14="http://schemas.microsoft.com/office/drawing/2010/main">
+        <mc:Choice Requires="a14">
           <p:sp>
             <p:nvSpPr>
               <p:cNvPr id="24" name="文本框 23">
@@ -4962,6 +5023,7 @@
               </a:bodyPr>
               <a:lstStyle/>
               <a:p>
+                <a:pPr/>
                 <a14:m>
                   <m:oMathPara xmlns:m="http://schemas.openxmlformats.org/officeDocument/2006/math">
                     <m:oMathParaPr>
@@ -5027,7 +5089,7 @@
             </p:txBody>
           </p:sp>
         </mc:Choice>
-        <mc:Fallback>
+        <mc:Fallback xmlns="">
           <p:sp>
             <p:nvSpPr>
               <p:cNvPr id="24" name="文本框 23">
@@ -5077,8 +5139,8 @@
           </p:sp>
         </mc:Fallback>
       </mc:AlternateContent>
-      <mc:AlternateContent xmlns:mc="http://schemas.openxmlformats.org/markup-compatibility/2006">
-        <mc:Choice xmlns:a14="http://schemas.microsoft.com/office/drawing/2010/main" Requires="a14">
+      <mc:AlternateContent xmlns:mc="http://schemas.openxmlformats.org/markup-compatibility/2006" xmlns:a14="http://schemas.microsoft.com/office/drawing/2010/main">
+        <mc:Choice Requires="a14">
           <p:sp>
             <p:nvSpPr>
               <p:cNvPr id="25" name="文本框 24">
@@ -5112,6 +5174,7 @@
               </a:bodyPr>
               <a:lstStyle/>
               <a:p>
+                <a:pPr/>
                 <a14:m>
                   <m:oMathPara xmlns:m="http://schemas.openxmlformats.org/officeDocument/2006/math">
                     <m:oMathParaPr>
@@ -5177,7 +5240,7 @@
             </p:txBody>
           </p:sp>
         </mc:Choice>
-        <mc:Fallback>
+        <mc:Fallback xmlns="">
           <p:sp>
             <p:nvSpPr>
               <p:cNvPr id="25" name="文本框 24">
@@ -5227,8 +5290,8 @@
           </p:sp>
         </mc:Fallback>
       </mc:AlternateContent>
-      <mc:AlternateContent xmlns:mc="http://schemas.openxmlformats.org/markup-compatibility/2006">
-        <mc:Choice xmlns:a14="http://schemas.microsoft.com/office/drawing/2010/main" Requires="a14">
+      <mc:AlternateContent xmlns:mc="http://schemas.openxmlformats.org/markup-compatibility/2006" xmlns:a14="http://schemas.microsoft.com/office/drawing/2010/main">
+        <mc:Choice Requires="a14">
           <p:sp>
             <p:nvSpPr>
               <p:cNvPr id="26" name="文本框 25">
@@ -5264,6 +5327,7 @@
               </a:bodyPr>
               <a:lstStyle/>
               <a:p>
+                <a:pPr/>
                 <a14:m>
                   <m:oMathPara xmlns:m="http://schemas.openxmlformats.org/officeDocument/2006/math">
                     <m:oMathParaPr>
@@ -5329,7 +5393,7 @@
             </p:txBody>
           </p:sp>
         </mc:Choice>
-        <mc:Fallback>
+        <mc:Fallback xmlns="">
           <p:sp>
             <p:nvSpPr>
               <p:cNvPr id="26" name="文本框 25">
@@ -5381,8 +5445,8 @@
           </p:sp>
         </mc:Fallback>
       </mc:AlternateContent>
-      <mc:AlternateContent xmlns:mc="http://schemas.openxmlformats.org/markup-compatibility/2006">
-        <mc:Choice xmlns:a14="http://schemas.microsoft.com/office/drawing/2010/main" Requires="a14">
+      <mc:AlternateContent xmlns:mc="http://schemas.openxmlformats.org/markup-compatibility/2006" xmlns:a14="http://schemas.microsoft.com/office/drawing/2010/main">
+        <mc:Choice Requires="a14">
           <p:sp>
             <p:nvSpPr>
               <p:cNvPr id="27" name="文本框 26">
@@ -5416,6 +5480,7 @@
               </a:bodyPr>
               <a:lstStyle/>
               <a:p>
+                <a:pPr/>
                 <a14:m>
                   <m:oMathPara xmlns:m="http://schemas.openxmlformats.org/officeDocument/2006/math">
                     <m:oMathParaPr>
@@ -5502,7 +5567,7 @@
             </p:txBody>
           </p:sp>
         </mc:Choice>
-        <mc:Fallback>
+        <mc:Fallback xmlns="">
           <p:sp>
             <p:nvSpPr>
               <p:cNvPr id="27" name="文本框 26">
@@ -5552,8 +5617,8 @@
           </p:sp>
         </mc:Fallback>
       </mc:AlternateContent>
-      <mc:AlternateContent xmlns:mc="http://schemas.openxmlformats.org/markup-compatibility/2006">
-        <mc:Choice xmlns:a14="http://schemas.microsoft.com/office/drawing/2010/main" Requires="a14">
+      <mc:AlternateContent xmlns:mc="http://schemas.openxmlformats.org/markup-compatibility/2006" xmlns:a14="http://schemas.microsoft.com/office/drawing/2010/main">
+        <mc:Choice Requires="a14">
           <p:sp>
             <p:nvSpPr>
               <p:cNvPr id="28" name="文本框 27">
@@ -5587,6 +5652,7 @@
               </a:bodyPr>
               <a:lstStyle/>
               <a:p>
+                <a:pPr/>
                 <a14:m>
                   <m:oMathPara xmlns:m="http://schemas.openxmlformats.org/officeDocument/2006/math">
                     <m:oMathParaPr>
@@ -5687,7 +5753,7 @@
             </p:txBody>
           </p:sp>
         </mc:Choice>
-        <mc:Fallback>
+        <mc:Fallback xmlns="">
           <p:sp>
             <p:nvSpPr>
               <p:cNvPr id="28" name="文本框 27">
@@ -5782,8 +5848,8 @@
           </a:fontRef>
         </p:style>
       </p:cxnSp>
-      <mc:AlternateContent xmlns:mc="http://schemas.openxmlformats.org/markup-compatibility/2006">
-        <mc:Choice xmlns:a14="http://schemas.microsoft.com/office/drawing/2010/main" Requires="a14">
+      <mc:AlternateContent xmlns:mc="http://schemas.openxmlformats.org/markup-compatibility/2006" xmlns:a14="http://schemas.microsoft.com/office/drawing/2010/main">
+        <mc:Choice Requires="a14">
           <p:sp>
             <p:nvSpPr>
               <p:cNvPr id="35" name="文本框 34">
@@ -5817,6 +5883,7 @@
               </a:bodyPr>
               <a:lstStyle/>
               <a:p>
+                <a:pPr/>
                 <a14:m>
                   <m:oMathPara xmlns:m="http://schemas.openxmlformats.org/officeDocument/2006/math">
                     <m:oMathParaPr>
@@ -5888,7 +5955,7 @@
             </p:txBody>
           </p:sp>
         </mc:Choice>
-        <mc:Fallback>
+        <mc:Fallback xmlns="">
           <p:sp>
             <p:nvSpPr>
               <p:cNvPr id="35" name="文本框 34">
@@ -5938,53 +6005,8 @@
           </p:sp>
         </mc:Fallback>
       </mc:AlternateContent>
-      <p:cxnSp>
-        <p:nvCxnSpPr>
-          <p:cNvPr id="38" name="直接箭头连接符 37">
-            <a:extLst>
-              <a:ext uri="{FF2B5EF4-FFF2-40B4-BE49-F238E27FC236}">
-                <a16:creationId xmlns:a16="http://schemas.microsoft.com/office/drawing/2014/main" id="{49F6A00E-618B-CD3A-8880-81B760DCEA3F}"/>
-              </a:ext>
-            </a:extLst>
-          </p:cNvPr>
-          <p:cNvCxnSpPr>
-            <a:cxnSpLocks/>
-            <a:stCxn id="39" idx="2"/>
-          </p:cNvCxnSpPr>
-          <p:nvPr/>
-        </p:nvCxnSpPr>
-        <p:spPr>
-          <a:xfrm>
-            <a:off x="5737476" y="1338850"/>
-            <a:ext cx="1142276" cy="1132713"/>
-          </a:xfrm>
-          <a:prstGeom prst="straightConnector1">
-            <a:avLst/>
-          </a:prstGeom>
-          <a:ln>
-            <a:solidFill>
-              <a:srgbClr val="0D0DB4"/>
-            </a:solidFill>
-            <a:tailEnd type="triangle"/>
-          </a:ln>
-        </p:spPr>
-        <p:style>
-          <a:lnRef idx="2">
-            <a:schemeClr val="accent1"/>
-          </a:lnRef>
-          <a:fillRef idx="0">
-            <a:schemeClr val="accent1"/>
-          </a:fillRef>
-          <a:effectRef idx="1">
-            <a:schemeClr val="accent1"/>
-          </a:effectRef>
-          <a:fontRef idx="minor">
-            <a:schemeClr val="tx1"/>
-          </a:fontRef>
-        </p:style>
-      </p:cxnSp>
-      <mc:AlternateContent xmlns:mc="http://schemas.openxmlformats.org/markup-compatibility/2006">
-        <mc:Choice xmlns:a14="http://schemas.microsoft.com/office/drawing/2010/main" Requires="a14">
+      <mc:AlternateContent xmlns:mc="http://schemas.openxmlformats.org/markup-compatibility/2006" xmlns:a14="http://schemas.microsoft.com/office/drawing/2010/main">
+        <mc:Choice Requires="a14">
           <p:sp>
             <p:nvSpPr>
               <p:cNvPr id="39" name="文本框 38">
@@ -6018,6 +6040,7 @@
               </a:bodyPr>
               <a:lstStyle/>
               <a:p>
+                <a:pPr/>
                 <a14:m>
                   <m:oMathPara xmlns:m="http://schemas.openxmlformats.org/officeDocument/2006/math">
                     <m:oMathParaPr>
@@ -6089,7 +6112,7 @@
             </p:txBody>
           </p:sp>
         </mc:Choice>
-        <mc:Fallback>
+        <mc:Fallback xmlns="">
           <p:sp>
             <p:nvSpPr>
               <p:cNvPr id="39" name="文本框 38">
@@ -6139,8 +6162,8 @@
           </p:sp>
         </mc:Fallback>
       </mc:AlternateContent>
-      <mc:AlternateContent xmlns:mc="http://schemas.openxmlformats.org/markup-compatibility/2006">
-        <mc:Choice xmlns:a14="http://schemas.microsoft.com/office/drawing/2010/main" Requires="a14">
+      <mc:AlternateContent xmlns:mc="http://schemas.openxmlformats.org/markup-compatibility/2006" xmlns:a14="http://schemas.microsoft.com/office/drawing/2010/main">
+        <mc:Choice Requires="a14">
           <p:sp>
             <p:nvSpPr>
               <p:cNvPr id="51" name="文本框 50">
@@ -6174,6 +6197,7 @@
               </a:bodyPr>
               <a:lstStyle/>
               <a:p>
+                <a:pPr/>
                 <a14:m>
                   <m:oMathPara xmlns:m="http://schemas.openxmlformats.org/officeDocument/2006/math">
                     <m:oMathParaPr>
@@ -6213,6 +6237,7 @@
                 </a:endParaRPr>
               </a:p>
               <a:p>
+                <a:pPr/>
                 <a14:m>
                   <m:oMathPara xmlns:m="http://schemas.openxmlformats.org/officeDocument/2006/math">
                     <m:oMathParaPr>
@@ -6284,7 +6309,7 @@
             </p:txBody>
           </p:sp>
         </mc:Choice>
-        <mc:Fallback>
+        <mc:Fallback xmlns="">
           <p:sp>
             <p:nvSpPr>
               <p:cNvPr id="51" name="文本框 50">
@@ -6350,17 +6375,22 @@
             </p:nvSpPr>
             <p:spPr>
               <a:xfrm>
-                <a:off x="8245702" y="875430"/>
+                <a:off x="6380405" y="1009461"/>
                 <a:ext cx="1677062" cy="276999"/>
               </a:xfrm>
               <a:prstGeom prst="rect">
                 <a:avLst/>
               </a:prstGeom>
-              <a:noFill/>
+              <a:solidFill>
+                <a:schemeClr val="bg1"/>
+              </a:solidFill>
+              <a:ln>
+                <a:solidFill>
+                  <a:schemeClr val="bg1"/>
+                </a:solidFill>
+              </a:ln>
               <a:effectLst>
-                <a:outerShdw blurRad="88900" sx="107000" sy="107000" algn="ctr" rotWithShape="0">
-                  <a:prstClr val="black"/>
-                </a:outerShdw>
+                <a:softEdge rad="38100"/>
               </a:effectLst>
             </p:spPr>
             <p:txBody>
@@ -6369,6 +6399,7 @@
               </a:bodyPr>
               <a:lstStyle/>
               <a:p>
+                <a:pPr/>
                 <a14:m>
                   <m:oMathPara xmlns:m="http://schemas.openxmlformats.org/officeDocument/2006/math">
                     <m:oMathParaPr>
@@ -6488,7 +6519,7 @@
             </p:nvSpPr>
             <p:spPr>
               <a:xfrm>
-                <a:off x="8245702" y="875430"/>
+                <a:off x="6380405" y="1009461"/>
                 <a:ext cx="1677062" cy="276999"/>
               </a:xfrm>
               <a:prstGeom prst="rect">
@@ -6497,13 +6528,16 @@
               <a:blipFill>
                 <a:blip r:embed="rId19"/>
                 <a:stretch>
-                  <a:fillRect/>
+                  <a:fillRect l="-1444" b="-2128"/>
                 </a:stretch>
               </a:blipFill>
+              <a:ln>
+                <a:solidFill>
+                  <a:schemeClr val="bg1"/>
+                </a:solidFill>
+              </a:ln>
               <a:effectLst>
-                <a:outerShdw blurRad="88900" sx="107000" sy="107000" algn="ctr" rotWithShape="0">
-                  <a:prstClr val="black"/>
-                </a:outerShdw>
+                <a:softEdge rad="38100"/>
               </a:effectLst>
             </p:spPr>
             <p:txBody>
@@ -6521,8 +6555,8 @@
           </p:sp>
         </mc:Fallback>
       </mc:AlternateContent>
-      <mc:AlternateContent xmlns:mc="http://schemas.openxmlformats.org/markup-compatibility/2006">
-        <mc:Choice xmlns:a14="http://schemas.microsoft.com/office/drawing/2010/main" Requires="a14">
+      <mc:AlternateContent xmlns:mc="http://schemas.openxmlformats.org/markup-compatibility/2006" xmlns:a14="http://schemas.microsoft.com/office/drawing/2010/main">
+        <mc:Choice Requires="a14">
           <p:sp>
             <p:nvSpPr>
               <p:cNvPr id="58" name="文本框 57">
@@ -6556,6 +6590,7 @@
               </a:bodyPr>
               <a:lstStyle/>
               <a:p>
+                <a:pPr/>
                 <a14:m>
                   <m:oMathPara xmlns:m="http://schemas.openxmlformats.org/officeDocument/2006/math">
                     <m:oMathParaPr>
@@ -6595,6 +6630,7 @@
                 </a:endParaRPr>
               </a:p>
               <a:p>
+                <a:pPr/>
                 <a14:m>
                   <m:oMathPara xmlns:m="http://schemas.openxmlformats.org/officeDocument/2006/math">
                     <m:oMathParaPr>
@@ -6666,7 +6702,7 @@
             </p:txBody>
           </p:sp>
         </mc:Choice>
-        <mc:Fallback>
+        <mc:Fallback xmlns="">
           <p:sp>
             <p:nvSpPr>
               <p:cNvPr id="58" name="文本框 57">
@@ -6716,195 +6752,8 @@
           </p:sp>
         </mc:Fallback>
       </mc:AlternateContent>
-      <mc:AlternateContent xmlns:mc="http://schemas.openxmlformats.org/markup-compatibility/2006">
-        <mc:Choice xmlns:a14="http://schemas.microsoft.com/office/drawing/2010/main" Requires="a14">
-          <p:sp>
-            <p:nvSpPr>
-              <p:cNvPr id="59" name="文本框 58">
-                <a:extLst>
-                  <a:ext uri="{FF2B5EF4-FFF2-40B4-BE49-F238E27FC236}">
-                    <a16:creationId xmlns:a16="http://schemas.microsoft.com/office/drawing/2014/main" id="{F0FD88C6-B640-9339-8BBB-4782331347F6}"/>
-                  </a:ext>
-                </a:extLst>
-              </p:cNvPr>
-              <p:cNvSpPr txBox="1"/>
-              <p:nvPr/>
-            </p:nvSpPr>
-            <p:spPr>
-              <a:xfrm>
-                <a:off x="6621724" y="5471749"/>
-                <a:ext cx="1677062" cy="276999"/>
-              </a:xfrm>
-              <a:prstGeom prst="rect">
-                <a:avLst/>
-              </a:prstGeom>
-              <a:noFill/>
-              <a:effectLst>
-                <a:outerShdw blurRad="88900" sx="107000" sy="107000" algn="ctr" rotWithShape="0">
-                  <a:prstClr val="black"/>
-                </a:outerShdw>
-              </a:effectLst>
-            </p:spPr>
-            <p:txBody>
-              <a:bodyPr wrap="none" rtlCol="0">
-                <a:spAutoFit/>
-              </a:bodyPr>
-              <a:lstStyle/>
-              <a:p>
-                <a14:m>
-                  <m:oMathPara xmlns:m="http://schemas.openxmlformats.org/officeDocument/2006/math">
-                    <m:oMathParaPr>
-                      <m:jc m:val="centerGroup"/>
-                    </m:oMathParaPr>
-                    <m:oMath xmlns:m="http://schemas.openxmlformats.org/officeDocument/2006/math">
-                      <m:r>
-                        <m:rPr>
-                          <m:sty m:val="p"/>
-                        </m:rPr>
-                        <a:rPr lang="en-US" altLang="zh-CN" sz="1200" b="0" i="0" smtClean="0">
-                          <a:solidFill>
-                            <a:schemeClr val="tx1"/>
-                          </a:solidFill>
-                          <a:effectLst>
-                            <a:outerShdw blurRad="127000" sx="107000" sy="107000" algn="ctr" rotWithShape="0">
-                              <a:schemeClr val="bg1"/>
-                            </a:outerShdw>
-                          </a:effectLst>
-                          <a:latin typeface="Cambria Math" panose="02040503050406030204" pitchFamily="18" charset="0"/>
-                        </a:rPr>
-                        <m:t>Structural</m:t>
-                      </m:r>
-                      <m:r>
-                        <a:rPr lang="en-US" altLang="zh-CN" sz="1200" b="0" i="0" smtClean="0">
-                          <a:solidFill>
-                            <a:schemeClr val="tx1"/>
-                          </a:solidFill>
-                          <a:effectLst>
-                            <a:outerShdw blurRad="127000" sx="107000" sy="107000" algn="ctr" rotWithShape="0">
-                              <a:schemeClr val="bg1"/>
-                            </a:outerShdw>
-                          </a:effectLst>
-                          <a:latin typeface="Cambria Math" panose="02040503050406030204" pitchFamily="18" charset="0"/>
-                        </a:rPr>
-                        <m:t> </m:t>
-                      </m:r>
-                      <m:r>
-                        <m:rPr>
-                          <m:sty m:val="p"/>
-                        </m:rPr>
-                        <a:rPr lang="en-US" altLang="zh-CN" sz="1200" b="0" i="0" smtClean="0">
-                          <a:solidFill>
-                            <a:schemeClr val="tx1"/>
-                          </a:solidFill>
-                          <a:effectLst>
-                            <a:outerShdw blurRad="127000" sx="107000" sy="107000" algn="ctr" rotWithShape="0">
-                              <a:schemeClr val="bg1"/>
-                            </a:outerShdw>
-                          </a:effectLst>
-                          <a:latin typeface="Cambria Math" panose="02040503050406030204" pitchFamily="18" charset="0"/>
-                        </a:rPr>
-                        <m:t>failure</m:t>
-                      </m:r>
-                      <m:r>
-                        <a:rPr lang="en-US" altLang="zh-CN" sz="1200" b="0" i="0" smtClean="0">
-                          <a:solidFill>
-                            <a:schemeClr val="tx1"/>
-                          </a:solidFill>
-                          <a:effectLst>
-                            <a:outerShdw blurRad="127000" sx="107000" sy="107000" algn="ctr" rotWithShape="0">
-                              <a:schemeClr val="bg1"/>
-                            </a:outerShdw>
-                          </a:effectLst>
-                          <a:latin typeface="Cambria Math" panose="02040503050406030204" pitchFamily="18" charset="0"/>
-                        </a:rPr>
-                        <m:t> </m:t>
-                      </m:r>
-                      <m:r>
-                        <m:rPr>
-                          <m:sty m:val="p"/>
-                        </m:rPr>
-                        <a:rPr lang="en-US" altLang="zh-CN" sz="1200" b="0" i="0" smtClean="0">
-                          <a:solidFill>
-                            <a:schemeClr val="tx1"/>
-                          </a:solidFill>
-                          <a:effectLst>
-                            <a:outerShdw blurRad="127000" sx="107000" sy="107000" algn="ctr" rotWithShape="0">
-                              <a:schemeClr val="bg1"/>
-                            </a:outerShdw>
-                          </a:effectLst>
-                          <a:latin typeface="Cambria Math" panose="02040503050406030204" pitchFamily="18" charset="0"/>
-                        </a:rPr>
-                        <m:t>area</m:t>
-                      </m:r>
-                    </m:oMath>
-                  </m:oMathPara>
-                </a14:m>
-                <a:endParaRPr lang="zh-CN" altLang="en-US" sz="1200" dirty="0">
-                  <a:solidFill>
-                    <a:schemeClr val="tx1"/>
-                  </a:solidFill>
-                  <a:effectLst>
-                    <a:outerShdw blurRad="127000" sx="107000" sy="107000" algn="ctr" rotWithShape="0">
-                      <a:schemeClr val="bg1"/>
-                    </a:outerShdw>
-                  </a:effectLst>
-                </a:endParaRPr>
-              </a:p>
-            </p:txBody>
-          </p:sp>
-        </mc:Choice>
-        <mc:Fallback>
-          <p:sp>
-            <p:nvSpPr>
-              <p:cNvPr id="59" name="文本框 58">
-                <a:extLst>
-                  <a:ext uri="{FF2B5EF4-FFF2-40B4-BE49-F238E27FC236}">
-                    <a16:creationId xmlns:a16="http://schemas.microsoft.com/office/drawing/2014/main" id="{F0FD88C6-B640-9339-8BBB-4782331347F6}"/>
-                  </a:ext>
-                </a:extLst>
-              </p:cNvPr>
-              <p:cNvSpPr txBox="1">
-                <a:spLocks noRot="1" noChangeAspect="1" noMove="1" noResize="1" noEditPoints="1" noAdjustHandles="1" noChangeArrowheads="1" noChangeShapeType="1" noTextEdit="1"/>
-              </p:cNvSpPr>
-              <p:nvPr/>
-            </p:nvSpPr>
-            <p:spPr>
-              <a:xfrm>
-                <a:off x="6621724" y="5471749"/>
-                <a:ext cx="1677062" cy="276999"/>
-              </a:xfrm>
-              <a:prstGeom prst="rect">
-                <a:avLst/>
-              </a:prstGeom>
-              <a:blipFill>
-                <a:blip r:embed="rId21"/>
-                <a:stretch>
-                  <a:fillRect/>
-                </a:stretch>
-              </a:blipFill>
-              <a:effectLst>
-                <a:outerShdw blurRad="88900" sx="107000" sy="107000" algn="ctr" rotWithShape="0">
-                  <a:prstClr val="black"/>
-                </a:outerShdw>
-              </a:effectLst>
-            </p:spPr>
-            <p:txBody>
-              <a:bodyPr/>
-              <a:lstStyle/>
-              <a:p>
-                <a:r>
-                  <a:rPr lang="zh-CN" altLang="en-US">
-                    <a:noFill/>
-                  </a:rPr>
-                  <a:t> </a:t>
-                </a:r>
-              </a:p>
-            </p:txBody>
-          </p:sp>
-        </mc:Fallback>
-      </mc:AlternateContent>
-      <mc:AlternateContent xmlns:mc="http://schemas.openxmlformats.org/markup-compatibility/2006">
-        <mc:Choice xmlns:a14="http://schemas.microsoft.com/office/drawing/2010/main" Requires="a14">
+      <mc:AlternateContent xmlns:mc="http://schemas.openxmlformats.org/markup-compatibility/2006" xmlns:a14="http://schemas.microsoft.com/office/drawing/2010/main">
+        <mc:Choice Requires="a14">
           <p:sp>
             <p:nvSpPr>
               <p:cNvPr id="60" name="文本框 59">
@@ -7088,7 +6937,7 @@
             </p:txBody>
           </p:sp>
         </mc:Choice>
-        <mc:Fallback>
+        <mc:Fallback xmlns="">
           <p:sp>
             <p:nvSpPr>
               <p:cNvPr id="60" name="文本框 59">
@@ -7119,6 +6968,649 @@
               </a:blipFill>
               <a:effectLst>
                 <a:softEdge rad="76200"/>
+              </a:effectLst>
+            </p:spPr>
+            <p:txBody>
+              <a:bodyPr/>
+              <a:lstStyle/>
+              <a:p>
+                <a:r>
+                  <a:rPr lang="zh-CN" altLang="en-US">
+                    <a:noFill/>
+                  </a:rPr>
+                  <a:t> </a:t>
+                </a:r>
+              </a:p>
+            </p:txBody>
+          </p:sp>
+        </mc:Fallback>
+      </mc:AlternateContent>
+      <mc:AlternateContent xmlns:mc="http://schemas.openxmlformats.org/markup-compatibility/2006">
+        <mc:Choice xmlns:a14="http://schemas.microsoft.com/office/drawing/2010/main" Requires="a14">
+          <p:sp>
+            <p:nvSpPr>
+              <p:cNvPr id="2" name="文本框 1">
+                <a:extLst>
+                  <a:ext uri="{FF2B5EF4-FFF2-40B4-BE49-F238E27FC236}">
+                    <a16:creationId xmlns:a16="http://schemas.microsoft.com/office/drawing/2014/main" id="{89123ADF-7D7A-CD6F-3488-67AE30073D46}"/>
+                  </a:ext>
+                </a:extLst>
+              </p:cNvPr>
+              <p:cNvSpPr txBox="1"/>
+              <p:nvPr/>
+            </p:nvSpPr>
+            <p:spPr>
+              <a:xfrm>
+                <a:off x="6089367" y="1926315"/>
+                <a:ext cx="1064714" cy="461665"/>
+              </a:xfrm>
+              <a:prstGeom prst="rect">
+                <a:avLst/>
+              </a:prstGeom>
+              <a:noFill/>
+              <a:effectLst>
+                <a:outerShdw blurRad="88900" sx="107000" sy="107000" algn="ctr" rotWithShape="0">
+                  <a:prstClr val="black"/>
+                </a:outerShdw>
+              </a:effectLst>
+            </p:spPr>
+            <p:txBody>
+              <a:bodyPr wrap="none" rtlCol="0">
+                <a:spAutoFit/>
+              </a:bodyPr>
+              <a:lstStyle/>
+              <a:p>
+                <a:pPr/>
+                <a14:m>
+                  <m:oMathPara xmlns:m="http://schemas.openxmlformats.org/officeDocument/2006/math">
+                    <m:oMathParaPr>
+                      <m:jc m:val="centerGroup"/>
+                    </m:oMathParaPr>
+                    <m:oMath xmlns:m="http://schemas.openxmlformats.org/officeDocument/2006/math">
+                      <m:r>
+                        <m:rPr>
+                          <m:sty m:val="p"/>
+                        </m:rPr>
+                        <a:rPr lang="en-US" altLang="zh-CN" sz="1200" b="0" i="0" smtClean="0">
+                          <a:solidFill>
+                            <a:srgbClr val="28E78B"/>
+                          </a:solidFill>
+                          <a:effectLst>
+                            <a:outerShdw blurRad="127000" sx="107000" sy="107000" algn="ctr" rotWithShape="0">
+                              <a:schemeClr val="bg1"/>
+                            </a:outerShdw>
+                          </a:effectLst>
+                          <a:latin typeface="Cambria Math" panose="02040503050406030204" pitchFamily="18" charset="0"/>
+                        </a:rPr>
+                        <m:t>Structural</m:t>
+                      </m:r>
+                    </m:oMath>
+                  </m:oMathPara>
+                </a14:m>
+                <a:endParaRPr lang="en-US" altLang="zh-CN" sz="1200" b="0" i="0" dirty="0">
+                  <a:solidFill>
+                    <a:srgbClr val="28E78B"/>
+                  </a:solidFill>
+                  <a:effectLst>
+                    <a:outerShdw blurRad="127000" sx="107000" sy="107000" algn="ctr" rotWithShape="0">
+                      <a:schemeClr val="bg1"/>
+                    </a:outerShdw>
+                  </a:effectLst>
+                  <a:latin typeface="Cambria Math" panose="02040503050406030204" pitchFamily="18" charset="0"/>
+                </a:endParaRPr>
+              </a:p>
+              <a:p>
+                <a:pPr/>
+                <a14:m>
+                  <m:oMathPara xmlns:m="http://schemas.openxmlformats.org/officeDocument/2006/math">
+                    <m:oMathParaPr>
+                      <m:jc m:val="centerGroup"/>
+                    </m:oMathParaPr>
+                    <m:oMath xmlns:m="http://schemas.openxmlformats.org/officeDocument/2006/math">
+                      <m:r>
+                        <m:rPr>
+                          <m:sty m:val="p"/>
+                        </m:rPr>
+                        <a:rPr lang="en-US" altLang="zh-CN" sz="1200" b="0" i="0" smtClean="0">
+                          <a:solidFill>
+                            <a:srgbClr val="28E78B"/>
+                          </a:solidFill>
+                          <a:effectLst>
+                            <a:outerShdw blurRad="127000" sx="107000" sy="107000" algn="ctr" rotWithShape="0">
+                              <a:schemeClr val="bg1"/>
+                            </a:outerShdw>
+                          </a:effectLst>
+                          <a:latin typeface="Cambria Math" panose="02040503050406030204" pitchFamily="18" charset="0"/>
+                        </a:rPr>
+                        <m:t>damage</m:t>
+                      </m:r>
+                      <m:r>
+                        <a:rPr lang="en-US" altLang="zh-CN" sz="1200" b="0" i="0" smtClean="0">
+                          <a:solidFill>
+                            <a:srgbClr val="28E78B"/>
+                          </a:solidFill>
+                          <a:effectLst>
+                            <a:outerShdw blurRad="127000" sx="107000" sy="107000" algn="ctr" rotWithShape="0">
+                              <a:schemeClr val="bg1"/>
+                            </a:outerShdw>
+                          </a:effectLst>
+                          <a:latin typeface="Cambria Math" panose="02040503050406030204" pitchFamily="18" charset="0"/>
+                        </a:rPr>
+                        <m:t> </m:t>
+                      </m:r>
+                      <m:r>
+                        <m:rPr>
+                          <m:sty m:val="p"/>
+                        </m:rPr>
+                        <a:rPr lang="en-US" altLang="zh-CN" sz="1200" b="0" i="0" smtClean="0">
+                          <a:solidFill>
+                            <a:srgbClr val="28E78B"/>
+                          </a:solidFill>
+                          <a:effectLst>
+                            <a:outerShdw blurRad="127000" sx="107000" sy="107000" algn="ctr" rotWithShape="0">
+                              <a:schemeClr val="bg1"/>
+                            </a:outerShdw>
+                          </a:effectLst>
+                          <a:latin typeface="Cambria Math" panose="02040503050406030204" pitchFamily="18" charset="0"/>
+                        </a:rPr>
+                        <m:t>area</m:t>
+                      </m:r>
+                    </m:oMath>
+                  </m:oMathPara>
+                </a14:m>
+                <a:endParaRPr lang="zh-CN" altLang="en-US" sz="1200" dirty="0">
+                  <a:solidFill>
+                    <a:srgbClr val="28E78B"/>
+                  </a:solidFill>
+                  <a:effectLst>
+                    <a:outerShdw blurRad="127000" sx="107000" sy="107000" algn="ctr" rotWithShape="0">
+                      <a:schemeClr val="bg1"/>
+                    </a:outerShdw>
+                  </a:effectLst>
+                </a:endParaRPr>
+              </a:p>
+            </p:txBody>
+          </p:sp>
+        </mc:Choice>
+        <mc:Fallback>
+          <p:sp>
+            <p:nvSpPr>
+              <p:cNvPr id="2" name="文本框 1">
+                <a:extLst>
+                  <a:ext uri="{FF2B5EF4-FFF2-40B4-BE49-F238E27FC236}">
+                    <a16:creationId xmlns:a16="http://schemas.microsoft.com/office/drawing/2014/main" id="{89123ADF-7D7A-CD6F-3488-67AE30073D46}"/>
+                  </a:ext>
+                </a:extLst>
+              </p:cNvPr>
+              <p:cNvSpPr txBox="1">
+                <a:spLocks noRot="1" noChangeAspect="1" noMove="1" noResize="1" noEditPoints="1" noAdjustHandles="1" noChangeArrowheads="1" noChangeShapeType="1" noTextEdit="1"/>
+              </p:cNvSpPr>
+              <p:nvPr/>
+            </p:nvSpPr>
+            <p:spPr>
+              <a:xfrm>
+                <a:off x="6089367" y="1926315"/>
+                <a:ext cx="1064714" cy="461665"/>
+              </a:xfrm>
+              <a:prstGeom prst="rect">
+                <a:avLst/>
+              </a:prstGeom>
+              <a:blipFill>
+                <a:blip r:embed="rId23"/>
+                <a:stretch>
+                  <a:fillRect/>
+                </a:stretch>
+              </a:blipFill>
+              <a:effectLst>
+                <a:outerShdw blurRad="88900" sx="107000" sy="107000" algn="ctr" rotWithShape="0">
+                  <a:prstClr val="black"/>
+                </a:outerShdw>
+              </a:effectLst>
+            </p:spPr>
+            <p:txBody>
+              <a:bodyPr/>
+              <a:lstStyle/>
+              <a:p>
+                <a:r>
+                  <a:rPr lang="zh-CN" altLang="en-US">
+                    <a:noFill/>
+                  </a:rPr>
+                  <a:t> </a:t>
+                </a:r>
+              </a:p>
+            </p:txBody>
+          </p:sp>
+        </mc:Fallback>
+      </mc:AlternateContent>
+      <p:cxnSp>
+        <p:nvCxnSpPr>
+          <p:cNvPr id="38" name="直接箭头连接符 37">
+            <a:extLst>
+              <a:ext uri="{FF2B5EF4-FFF2-40B4-BE49-F238E27FC236}">
+                <a16:creationId xmlns:a16="http://schemas.microsoft.com/office/drawing/2014/main" id="{49F6A00E-618B-CD3A-8880-81B760DCEA3F}"/>
+              </a:ext>
+            </a:extLst>
+          </p:cNvPr>
+          <p:cNvCxnSpPr>
+            <a:cxnSpLocks/>
+            <a:stCxn id="39" idx="2"/>
+          </p:cNvCxnSpPr>
+          <p:nvPr/>
+        </p:nvCxnSpPr>
+        <p:spPr>
+          <a:xfrm>
+            <a:off x="5737476" y="1338850"/>
+            <a:ext cx="1142276" cy="1132713"/>
+          </a:xfrm>
+          <a:prstGeom prst="straightConnector1">
+            <a:avLst/>
+          </a:prstGeom>
+          <a:ln>
+            <a:solidFill>
+              <a:srgbClr val="0D0DB4"/>
+            </a:solidFill>
+            <a:tailEnd type="triangle"/>
+          </a:ln>
+        </p:spPr>
+        <p:style>
+          <a:lnRef idx="2">
+            <a:schemeClr val="accent1"/>
+          </a:lnRef>
+          <a:fillRef idx="0">
+            <a:schemeClr val="accent1"/>
+          </a:fillRef>
+          <a:effectRef idx="1">
+            <a:schemeClr val="accent1"/>
+          </a:effectRef>
+          <a:fontRef idx="minor">
+            <a:schemeClr val="tx1"/>
+          </a:fontRef>
+        </p:style>
+      </p:cxnSp>
+      <mc:AlternateContent xmlns:mc="http://schemas.openxmlformats.org/markup-compatibility/2006">
+        <mc:Choice xmlns:a14="http://schemas.microsoft.com/office/drawing/2010/main" Requires="a14">
+          <p:sp>
+            <p:nvSpPr>
+              <p:cNvPr id="4" name="文本框 3">
+                <a:extLst>
+                  <a:ext uri="{FF2B5EF4-FFF2-40B4-BE49-F238E27FC236}">
+                    <a16:creationId xmlns:a16="http://schemas.microsoft.com/office/drawing/2014/main" id="{AB217CA2-E2DD-E3E9-0BC0-75478F81E2B7}"/>
+                  </a:ext>
+                </a:extLst>
+              </p:cNvPr>
+              <p:cNvSpPr txBox="1"/>
+              <p:nvPr/>
+            </p:nvSpPr>
+            <p:spPr>
+              <a:xfrm>
+                <a:off x="6683568" y="5519150"/>
+                <a:ext cx="1677062" cy="276999"/>
+              </a:xfrm>
+              <a:prstGeom prst="rect">
+                <a:avLst/>
+              </a:prstGeom>
+              <a:solidFill>
+                <a:schemeClr val="bg1"/>
+              </a:solidFill>
+              <a:ln>
+                <a:solidFill>
+                  <a:schemeClr val="bg1"/>
+                </a:solidFill>
+              </a:ln>
+              <a:effectLst>
+                <a:softEdge rad="38100"/>
+              </a:effectLst>
+            </p:spPr>
+            <p:txBody>
+              <a:bodyPr wrap="none" rtlCol="0">
+                <a:spAutoFit/>
+              </a:bodyPr>
+              <a:lstStyle/>
+              <a:p>
+                <a:pPr/>
+                <a14:m>
+                  <m:oMathPara xmlns:m="http://schemas.openxmlformats.org/officeDocument/2006/math">
+                    <m:oMathParaPr>
+                      <m:jc m:val="centerGroup"/>
+                    </m:oMathParaPr>
+                    <m:oMath xmlns:m="http://schemas.openxmlformats.org/officeDocument/2006/math">
+                      <m:r>
+                        <m:rPr>
+                          <m:sty m:val="p"/>
+                        </m:rPr>
+                        <a:rPr lang="en-US" altLang="zh-CN" sz="1200" b="0" i="0" smtClean="0">
+                          <a:solidFill>
+                            <a:schemeClr val="tx1"/>
+                          </a:solidFill>
+                          <a:effectLst>
+                            <a:outerShdw blurRad="127000" sx="107000" sy="107000" algn="ctr" rotWithShape="0">
+                              <a:schemeClr val="bg1"/>
+                            </a:outerShdw>
+                          </a:effectLst>
+                          <a:latin typeface="Cambria Math" panose="02040503050406030204" pitchFamily="18" charset="0"/>
+                        </a:rPr>
+                        <m:t>Structural</m:t>
+                      </m:r>
+                      <m:r>
+                        <a:rPr lang="en-US" altLang="zh-CN" sz="1200" b="0" i="0" smtClean="0">
+                          <a:solidFill>
+                            <a:schemeClr val="tx1"/>
+                          </a:solidFill>
+                          <a:effectLst>
+                            <a:outerShdw blurRad="127000" sx="107000" sy="107000" algn="ctr" rotWithShape="0">
+                              <a:schemeClr val="bg1"/>
+                            </a:outerShdw>
+                          </a:effectLst>
+                          <a:latin typeface="Cambria Math" panose="02040503050406030204" pitchFamily="18" charset="0"/>
+                        </a:rPr>
+                        <m:t> </m:t>
+                      </m:r>
+                      <m:r>
+                        <m:rPr>
+                          <m:sty m:val="p"/>
+                        </m:rPr>
+                        <a:rPr lang="en-US" altLang="zh-CN" sz="1200" b="0" i="0" smtClean="0">
+                          <a:solidFill>
+                            <a:schemeClr val="tx1"/>
+                          </a:solidFill>
+                          <a:effectLst>
+                            <a:outerShdw blurRad="127000" sx="107000" sy="107000" algn="ctr" rotWithShape="0">
+                              <a:schemeClr val="bg1"/>
+                            </a:outerShdw>
+                          </a:effectLst>
+                          <a:latin typeface="Cambria Math" panose="02040503050406030204" pitchFamily="18" charset="0"/>
+                        </a:rPr>
+                        <m:t>failure</m:t>
+                      </m:r>
+                      <m:r>
+                        <a:rPr lang="en-US" altLang="zh-CN" sz="1200" b="0" i="0" smtClean="0">
+                          <a:solidFill>
+                            <a:schemeClr val="tx1"/>
+                          </a:solidFill>
+                          <a:effectLst>
+                            <a:outerShdw blurRad="127000" sx="107000" sy="107000" algn="ctr" rotWithShape="0">
+                              <a:schemeClr val="bg1"/>
+                            </a:outerShdw>
+                          </a:effectLst>
+                          <a:latin typeface="Cambria Math" panose="02040503050406030204" pitchFamily="18" charset="0"/>
+                        </a:rPr>
+                        <m:t> </m:t>
+                      </m:r>
+                      <m:r>
+                        <m:rPr>
+                          <m:sty m:val="p"/>
+                        </m:rPr>
+                        <a:rPr lang="en-US" altLang="zh-CN" sz="1200" b="0" i="0" smtClean="0">
+                          <a:solidFill>
+                            <a:schemeClr val="tx1"/>
+                          </a:solidFill>
+                          <a:effectLst>
+                            <a:outerShdw blurRad="127000" sx="107000" sy="107000" algn="ctr" rotWithShape="0">
+                              <a:schemeClr val="bg1"/>
+                            </a:outerShdw>
+                          </a:effectLst>
+                          <a:latin typeface="Cambria Math" panose="02040503050406030204" pitchFamily="18" charset="0"/>
+                        </a:rPr>
+                        <m:t>area</m:t>
+                      </m:r>
+                    </m:oMath>
+                  </m:oMathPara>
+                </a14:m>
+                <a:endParaRPr lang="zh-CN" altLang="en-US" sz="1200" dirty="0">
+                  <a:solidFill>
+                    <a:schemeClr val="tx1"/>
+                  </a:solidFill>
+                  <a:effectLst>
+                    <a:outerShdw blurRad="127000" sx="107000" sy="107000" algn="ctr" rotWithShape="0">
+                      <a:schemeClr val="bg1"/>
+                    </a:outerShdw>
+                  </a:effectLst>
+                </a:endParaRPr>
+              </a:p>
+            </p:txBody>
+          </p:sp>
+        </mc:Choice>
+        <mc:Fallback>
+          <p:sp>
+            <p:nvSpPr>
+              <p:cNvPr id="4" name="文本框 3">
+                <a:extLst>
+                  <a:ext uri="{FF2B5EF4-FFF2-40B4-BE49-F238E27FC236}">
+                    <a16:creationId xmlns:a16="http://schemas.microsoft.com/office/drawing/2014/main" id="{AB217CA2-E2DD-E3E9-0BC0-75478F81E2B7}"/>
+                  </a:ext>
+                </a:extLst>
+              </p:cNvPr>
+              <p:cNvSpPr txBox="1">
+                <a:spLocks noRot="1" noChangeAspect="1" noMove="1" noResize="1" noEditPoints="1" noAdjustHandles="1" noChangeArrowheads="1" noChangeShapeType="1" noTextEdit="1"/>
+              </p:cNvSpPr>
+              <p:nvPr/>
+            </p:nvSpPr>
+            <p:spPr>
+              <a:xfrm>
+                <a:off x="6683568" y="5519150"/>
+                <a:ext cx="1677062" cy="276999"/>
+              </a:xfrm>
+              <a:prstGeom prst="rect">
+                <a:avLst/>
+              </a:prstGeom>
+              <a:blipFill>
+                <a:blip r:embed="rId24"/>
+                <a:stretch>
+                  <a:fillRect l="-1083"/>
+                </a:stretch>
+              </a:blipFill>
+              <a:ln>
+                <a:solidFill>
+                  <a:schemeClr val="bg1"/>
+                </a:solidFill>
+              </a:ln>
+              <a:effectLst>
+                <a:softEdge rad="38100"/>
+              </a:effectLst>
+            </p:spPr>
+            <p:txBody>
+              <a:bodyPr/>
+              <a:lstStyle/>
+              <a:p>
+                <a:r>
+                  <a:rPr lang="zh-CN" altLang="en-US">
+                    <a:noFill/>
+                  </a:rPr>
+                  <a:t> </a:t>
+                </a:r>
+              </a:p>
+            </p:txBody>
+          </p:sp>
+        </mc:Fallback>
+      </mc:AlternateContent>
+      <mc:AlternateContent xmlns:mc="http://schemas.openxmlformats.org/markup-compatibility/2006">
+        <mc:Choice xmlns:a14="http://schemas.microsoft.com/office/drawing/2010/main" Requires="a14">
+          <p:sp>
+            <p:nvSpPr>
+              <p:cNvPr id="6" name="文本框 5">
+                <a:extLst>
+                  <a:ext uri="{FF2B5EF4-FFF2-40B4-BE49-F238E27FC236}">
+                    <a16:creationId xmlns:a16="http://schemas.microsoft.com/office/drawing/2014/main" id="{0A18FE18-3806-4630-971C-DE8BFB3A94B5}"/>
+                  </a:ext>
+                </a:extLst>
+              </p:cNvPr>
+              <p:cNvSpPr txBox="1"/>
+              <p:nvPr/>
+            </p:nvSpPr>
+            <p:spPr>
+              <a:xfrm>
+                <a:off x="9853694" y="2660327"/>
+                <a:ext cx="981358" cy="461665"/>
+              </a:xfrm>
+              <a:prstGeom prst="rect">
+                <a:avLst/>
+              </a:prstGeom>
+              <a:solidFill>
+                <a:schemeClr val="bg1"/>
+              </a:solidFill>
+              <a:ln>
+                <a:solidFill>
+                  <a:schemeClr val="bg1"/>
+                </a:solidFill>
+              </a:ln>
+              <a:effectLst>
+                <a:softEdge rad="38100"/>
+              </a:effectLst>
+            </p:spPr>
+            <p:txBody>
+              <a:bodyPr wrap="none" rtlCol="0">
+                <a:spAutoFit/>
+              </a:bodyPr>
+              <a:lstStyle/>
+              <a:p>
+                <a:pPr/>
+                <a14:m>
+                  <m:oMathPara xmlns:m="http://schemas.openxmlformats.org/officeDocument/2006/math">
+                    <m:oMathParaPr>
+                      <m:jc m:val="centerGroup"/>
+                    </m:oMathParaPr>
+                    <m:oMath xmlns:m="http://schemas.openxmlformats.org/officeDocument/2006/math">
+                      <m:r>
+                        <m:rPr>
+                          <m:sty m:val="p"/>
+                        </m:rPr>
+                        <a:rPr lang="en-US" altLang="zh-CN" sz="1200" b="0" i="0" smtClean="0">
+                          <a:solidFill>
+                            <a:schemeClr val="tx1"/>
+                          </a:solidFill>
+                          <a:effectLst>
+                            <a:outerShdw blurRad="127000" sx="107000" sy="107000" algn="ctr" rotWithShape="0">
+                              <a:schemeClr val="bg1"/>
+                            </a:outerShdw>
+                          </a:effectLst>
+                          <a:latin typeface="Cambria Math" panose="02040503050406030204" pitchFamily="18" charset="0"/>
+                        </a:rPr>
+                        <m:t>Structural</m:t>
+                      </m:r>
+                    </m:oMath>
+                  </m:oMathPara>
+                </a14:m>
+                <a:endParaRPr lang="en-US" altLang="zh-CN" sz="1200" b="0" i="0" dirty="0">
+                  <a:solidFill>
+                    <a:schemeClr val="tx1"/>
+                  </a:solidFill>
+                  <a:effectLst>
+                    <a:outerShdw blurRad="127000" sx="107000" sy="107000" algn="ctr" rotWithShape="0">
+                      <a:schemeClr val="bg1"/>
+                    </a:outerShdw>
+                  </a:effectLst>
+                  <a:latin typeface="Cambria Math" panose="02040503050406030204" pitchFamily="18" charset="0"/>
+                </a:endParaRPr>
+              </a:p>
+              <a:p>
+                <a:pPr/>
+                <a14:m>
+                  <m:oMathPara xmlns:m="http://schemas.openxmlformats.org/officeDocument/2006/math">
+                    <m:oMathParaPr>
+                      <m:jc m:val="centerGroup"/>
+                    </m:oMathParaPr>
+                    <m:oMath xmlns:m="http://schemas.openxmlformats.org/officeDocument/2006/math">
+                      <m:r>
+                        <m:rPr>
+                          <m:sty m:val="p"/>
+                        </m:rPr>
+                        <a:rPr lang="en-US" altLang="zh-CN" sz="1200" b="0" i="0" smtClean="0">
+                          <a:solidFill>
+                            <a:schemeClr val="tx1"/>
+                          </a:solidFill>
+                          <a:effectLst>
+                            <a:outerShdw blurRad="127000" sx="107000" sy="107000" algn="ctr" rotWithShape="0">
+                              <a:schemeClr val="bg1"/>
+                            </a:outerShdw>
+                          </a:effectLst>
+                          <a:latin typeface="Cambria Math" panose="02040503050406030204" pitchFamily="18" charset="0"/>
+                        </a:rPr>
+                        <m:t>failure</m:t>
+                      </m:r>
+                      <m:r>
+                        <a:rPr lang="en-US" altLang="zh-CN" sz="1200" b="0" i="0" smtClean="0">
+                          <a:solidFill>
+                            <a:schemeClr val="tx1"/>
+                          </a:solidFill>
+                          <a:effectLst>
+                            <a:outerShdw blurRad="127000" sx="107000" sy="107000" algn="ctr" rotWithShape="0">
+                              <a:schemeClr val="bg1"/>
+                            </a:outerShdw>
+                          </a:effectLst>
+                          <a:latin typeface="Cambria Math" panose="02040503050406030204" pitchFamily="18" charset="0"/>
+                        </a:rPr>
+                        <m:t> </m:t>
+                      </m:r>
+                      <m:r>
+                        <m:rPr>
+                          <m:sty m:val="p"/>
+                        </m:rPr>
+                        <a:rPr lang="en-US" altLang="zh-CN" sz="1200" b="0" i="0" smtClean="0">
+                          <a:solidFill>
+                            <a:schemeClr val="tx1"/>
+                          </a:solidFill>
+                          <a:effectLst>
+                            <a:outerShdw blurRad="127000" sx="107000" sy="107000" algn="ctr" rotWithShape="0">
+                              <a:schemeClr val="bg1"/>
+                            </a:outerShdw>
+                          </a:effectLst>
+                          <a:latin typeface="Cambria Math" panose="02040503050406030204" pitchFamily="18" charset="0"/>
+                        </a:rPr>
+                        <m:t>area</m:t>
+                      </m:r>
+                    </m:oMath>
+                  </m:oMathPara>
+                </a14:m>
+                <a:endParaRPr lang="zh-CN" altLang="en-US" sz="1200" dirty="0">
+                  <a:solidFill>
+                    <a:schemeClr val="tx1"/>
+                  </a:solidFill>
+                  <a:effectLst>
+                    <a:outerShdw blurRad="127000" sx="107000" sy="107000" algn="ctr" rotWithShape="0">
+                      <a:schemeClr val="bg1"/>
+                    </a:outerShdw>
+                  </a:effectLst>
+                </a:endParaRPr>
+              </a:p>
+            </p:txBody>
+          </p:sp>
+        </mc:Choice>
+        <mc:Fallback>
+          <p:sp>
+            <p:nvSpPr>
+              <p:cNvPr id="6" name="文本框 5">
+                <a:extLst>
+                  <a:ext uri="{FF2B5EF4-FFF2-40B4-BE49-F238E27FC236}">
+                    <a16:creationId xmlns:a16="http://schemas.microsoft.com/office/drawing/2014/main" id="{0A18FE18-3806-4630-971C-DE8BFB3A94B5}"/>
+                  </a:ext>
+                </a:extLst>
+              </p:cNvPr>
+              <p:cNvSpPr txBox="1">
+                <a:spLocks noRot="1" noChangeAspect="1" noMove="1" noResize="1" noEditPoints="1" noAdjustHandles="1" noChangeArrowheads="1" noChangeShapeType="1" noTextEdit="1"/>
+              </p:cNvSpPr>
+              <p:nvPr/>
+            </p:nvSpPr>
+            <p:spPr>
+              <a:xfrm>
+                <a:off x="9853694" y="2660327"/>
+                <a:ext cx="981358" cy="461665"/>
+              </a:xfrm>
+              <a:prstGeom prst="rect">
+                <a:avLst/>
+              </a:prstGeom>
+              <a:blipFill>
+                <a:blip r:embed="rId25"/>
+                <a:stretch>
+                  <a:fillRect/>
+                </a:stretch>
+              </a:blipFill>
+              <a:ln>
+                <a:solidFill>
+                  <a:schemeClr val="bg1"/>
+                </a:solidFill>
+              </a:ln>
+              <a:effectLst>
+                <a:softEdge rad="38100"/>
               </a:effectLst>
             </p:spPr>
             <p:txBody>

--- a/01 - Loads and Fatigue/Annotation.pptx
+++ b/01 - Loads and Fatigue/Annotation.pptx
@@ -4,6 +4,9 @@
   <p:sldMasterIdLst>
     <p:sldMasterId id="2147483648" r:id="rId1"/>
   </p:sldMasterIdLst>
+  <p:notesMasterIdLst>
+    <p:notesMasterId r:id="rId3"/>
+  </p:notesMasterIdLst>
   <p:sldIdLst>
     <p:sldId id="256" r:id="rId2"/>
   </p:sldIdLst>
@@ -115,7 +118,7 @@
 <file path=ppt/revisionInfo.xml><?xml version="1.0" encoding="utf-8"?>
 <p1510:revInfo xmlns:a="http://schemas.openxmlformats.org/drawingml/2006/main" xmlns:r="http://schemas.openxmlformats.org/officeDocument/2006/relationships" xmlns:p1510="http://schemas.microsoft.com/office/powerpoint/2015/10/main">
   <p1510:revLst>
-    <p1510:client id="{C9DE8794-599A-48A2-8DAC-3CEC81A1BCD4}" v="1087" dt="2025-01-24T23:29:26.057"/>
+    <p1510:client id="{C9DE8794-599A-48A2-8DAC-3CEC81A1BCD4}" v="1237" dt="2025-01-25T13:43:04.019"/>
   </p1510:revLst>
 </p1510:revInfo>
 </file>
@@ -125,12 +128,12 @@
   <pc:docChgLst>
     <pc:chgData name="Li, Hanchen F" userId="3aee791e-6a2d-4da7-a77b-fbdf7bf15886" providerId="ADAL" clId="{C9DE8794-599A-48A2-8DAC-3CEC81A1BCD4}"/>
     <pc:docChg chg="undo custSel addSld modSld">
-      <pc:chgData name="Li, Hanchen F" userId="3aee791e-6a2d-4da7-a77b-fbdf7bf15886" providerId="ADAL" clId="{C9DE8794-599A-48A2-8DAC-3CEC81A1BCD4}" dt="2025-01-24T23:29:25.287" v="1989" actId="1076"/>
+      <pc:chgData name="Li, Hanchen F" userId="3aee791e-6a2d-4da7-a77b-fbdf7bf15886" providerId="ADAL" clId="{C9DE8794-599A-48A2-8DAC-3CEC81A1BCD4}" dt="2025-01-25T13:43:04.018" v="2668" actId="14826"/>
       <pc:docMkLst>
         <pc:docMk/>
       </pc:docMkLst>
       <pc:sldChg chg="addSp delSp modSp new mod">
-        <pc:chgData name="Li, Hanchen F" userId="3aee791e-6a2d-4da7-a77b-fbdf7bf15886" providerId="ADAL" clId="{C9DE8794-599A-48A2-8DAC-3CEC81A1BCD4}" dt="2025-01-24T23:29:25.287" v="1989" actId="1076"/>
+        <pc:chgData name="Li, Hanchen F" userId="3aee791e-6a2d-4da7-a77b-fbdf7bf15886" providerId="ADAL" clId="{C9DE8794-599A-48A2-8DAC-3CEC81A1BCD4}" dt="2025-01-25T13:43:04.018" v="2668" actId="14826"/>
         <pc:sldMkLst>
           <pc:docMk/>
           <pc:sldMk cId="3020923075" sldId="256"/>
@@ -144,11 +147,19 @@
           </ac:spMkLst>
         </pc:spChg>
         <pc:spChg chg="add mod ord">
-          <ac:chgData name="Li, Hanchen F" userId="3aee791e-6a2d-4da7-a77b-fbdf7bf15886" providerId="ADAL" clId="{C9DE8794-599A-48A2-8DAC-3CEC81A1BCD4}" dt="2025-01-24T23:27:10.554" v="1846" actId="1076"/>
+          <ac:chgData name="Li, Hanchen F" userId="3aee791e-6a2d-4da7-a77b-fbdf7bf15886" providerId="ADAL" clId="{C9DE8794-599A-48A2-8DAC-3CEC81A1BCD4}" dt="2025-01-25T13:38:59.349" v="2663" actId="14861"/>
           <ac:spMkLst>
             <pc:docMk/>
             <pc:sldMk cId="3020923075" sldId="256"/>
             <ac:spMk id="2" creationId="{89123ADF-7D7A-CD6F-3488-67AE30073D46}"/>
+          </ac:spMkLst>
+        </pc:spChg>
+        <pc:spChg chg="add mod">
+          <ac:chgData name="Li, Hanchen F" userId="3aee791e-6a2d-4da7-a77b-fbdf7bf15886" providerId="ADAL" clId="{C9DE8794-599A-48A2-8DAC-3CEC81A1BCD4}" dt="2025-01-25T13:39:29.194" v="2665" actId="1076"/>
+          <ac:spMkLst>
+            <pc:docMk/>
+            <pc:sldMk cId="3020923075" sldId="256"/>
+            <ac:spMk id="3" creationId="{40E66E2B-A159-8FCA-CFE2-F7003F93E399}"/>
           </ac:spMkLst>
         </pc:spChg>
         <pc:spChg chg="add del mod">
@@ -192,6 +203,14 @@
           </ac:spMkLst>
         </pc:spChg>
         <pc:spChg chg="add mod">
+          <ac:chgData name="Li, Hanchen F" userId="3aee791e-6a2d-4da7-a77b-fbdf7bf15886" providerId="ADAL" clId="{C9DE8794-599A-48A2-8DAC-3CEC81A1BCD4}" dt="2025-01-25T13:37:42.436" v="2529" actId="1037"/>
+          <ac:spMkLst>
+            <pc:docMk/>
+            <pc:sldMk cId="3020923075" sldId="256"/>
+            <ac:spMk id="7" creationId="{025894D4-CC23-8394-D340-D580287EBF61}"/>
+          </ac:spMkLst>
+        </pc:spChg>
+        <pc:spChg chg="add mod">
           <ac:chgData name="Li, Hanchen F" userId="3aee791e-6a2d-4da7-a77b-fbdf7bf15886" providerId="ADAL" clId="{C9DE8794-599A-48A2-8DAC-3CEC81A1BCD4}" dt="2025-01-24T23:29:25.287" v="1989" actId="1076"/>
           <ac:spMkLst>
             <pc:docMk/>
@@ -205,6 +224,14 @@
             <pc:docMk/>
             <pc:sldMk cId="3020923075" sldId="256"/>
             <ac:spMk id="7" creationId="{5FC30A8C-83CC-043E-CB4C-D69397C7A8AA}"/>
+          </ac:spMkLst>
+        </pc:spChg>
+        <pc:spChg chg="add mod">
+          <ac:chgData name="Li, Hanchen F" userId="3aee791e-6a2d-4da7-a77b-fbdf7bf15886" providerId="ADAL" clId="{C9DE8794-599A-48A2-8DAC-3CEC81A1BCD4}" dt="2025-01-25T13:37:50.662" v="2543" actId="1037"/>
+          <ac:spMkLst>
+            <pc:docMk/>
+            <pc:sldMk cId="3020923075" sldId="256"/>
+            <ac:spMk id="8" creationId="{846006D2-0187-E43A-5E53-47314F068361}"/>
           </ac:spMkLst>
         </pc:spChg>
         <pc:spChg chg="add mod">
@@ -231,6 +258,14 @@
             <ac:spMk id="9" creationId="{DBC67E9F-B47A-12B4-89C1-0440BA1A8F0A}"/>
           </ac:spMkLst>
         </pc:spChg>
+        <pc:spChg chg="add mod">
+          <ac:chgData name="Li, Hanchen F" userId="3aee791e-6a2d-4da7-a77b-fbdf7bf15886" providerId="ADAL" clId="{C9DE8794-599A-48A2-8DAC-3CEC81A1BCD4}" dt="2025-01-25T13:39:36.488" v="2666" actId="1076"/>
+          <ac:spMkLst>
+            <pc:docMk/>
+            <pc:sldMk cId="3020923075" sldId="256"/>
+            <ac:spMk id="10" creationId="{A7567434-8974-4A44-C62D-1D5055923708}"/>
+          </ac:spMkLst>
+        </pc:spChg>
         <pc:spChg chg="add del mod">
           <ac:chgData name="Li, Hanchen F" userId="3aee791e-6a2d-4da7-a77b-fbdf7bf15886" providerId="ADAL" clId="{C9DE8794-599A-48A2-8DAC-3CEC81A1BCD4}" dt="2025-01-24T23:08:55.461" v="917" actId="478"/>
           <ac:spMkLst>
@@ -247,12 +282,28 @@
             <ac:spMk id="11" creationId="{8FF26F8F-C87E-7336-831F-8A396BB065B9}"/>
           </ac:spMkLst>
         </pc:spChg>
+        <pc:spChg chg="add mod">
+          <ac:chgData name="Li, Hanchen F" userId="3aee791e-6a2d-4da7-a77b-fbdf7bf15886" providerId="ADAL" clId="{C9DE8794-599A-48A2-8DAC-3CEC81A1BCD4}" dt="2025-01-25T13:37:42.436" v="2529" actId="1037"/>
+          <ac:spMkLst>
+            <pc:docMk/>
+            <pc:sldMk cId="3020923075" sldId="256"/>
+            <ac:spMk id="11" creationId="{A182F31E-A293-8449-B14E-81C857CF5DAC}"/>
+          </ac:spMkLst>
+        </pc:spChg>
         <pc:spChg chg="add del mod">
           <ac:chgData name="Li, Hanchen F" userId="3aee791e-6a2d-4da7-a77b-fbdf7bf15886" providerId="ADAL" clId="{C9DE8794-599A-48A2-8DAC-3CEC81A1BCD4}" dt="2025-01-24T23:09:11.057" v="924" actId="478"/>
           <ac:spMkLst>
             <pc:docMk/>
             <pc:sldMk cId="3020923075" sldId="256"/>
             <ac:spMk id="12" creationId="{23A09CA9-57CC-FA46-5114-6C741AFF1F43}"/>
+          </ac:spMkLst>
+        </pc:spChg>
+        <pc:spChg chg="add del mod">
+          <ac:chgData name="Li, Hanchen F" userId="3aee791e-6a2d-4da7-a77b-fbdf7bf15886" providerId="ADAL" clId="{C9DE8794-599A-48A2-8DAC-3CEC81A1BCD4}" dt="2025-01-25T13:33:26.023" v="2418" actId="478"/>
+          <ac:spMkLst>
+            <pc:docMk/>
+            <pc:sldMk cId="3020923075" sldId="256"/>
+            <ac:spMk id="12" creationId="{6E666673-6FB0-6B2D-B1D5-C423F70EC27C}"/>
           </ac:spMkLst>
         </pc:spChg>
         <pc:spChg chg="add mod">
@@ -280,7 +331,7 @@
           </ac:spMkLst>
         </pc:spChg>
         <pc:spChg chg="add mod">
-          <ac:chgData name="Li, Hanchen F" userId="3aee791e-6a2d-4da7-a77b-fbdf7bf15886" providerId="ADAL" clId="{C9DE8794-599A-48A2-8DAC-3CEC81A1BCD4}" dt="2025-01-24T23:09:40.163" v="942" actId="14861"/>
+          <ac:chgData name="Li, Hanchen F" userId="3aee791e-6a2d-4da7-a77b-fbdf7bf15886" providerId="ADAL" clId="{C9DE8794-599A-48A2-8DAC-3CEC81A1BCD4}" dt="2025-01-25T13:23:11.776" v="2237" actId="14861"/>
           <ac:spMkLst>
             <pc:docMk/>
             <pc:sldMk cId="3020923075" sldId="256"/>
@@ -288,19 +339,27 @@
           </ac:spMkLst>
         </pc:spChg>
         <pc:spChg chg="add mod">
-          <ac:chgData name="Li, Hanchen F" userId="3aee791e-6a2d-4da7-a77b-fbdf7bf15886" providerId="ADAL" clId="{C9DE8794-599A-48A2-8DAC-3CEC81A1BCD4}" dt="2025-01-24T23:13:20.035" v="1494" actId="1076"/>
+          <ac:chgData name="Li, Hanchen F" userId="3aee791e-6a2d-4da7-a77b-fbdf7bf15886" providerId="ADAL" clId="{C9DE8794-599A-48A2-8DAC-3CEC81A1BCD4}" dt="2025-01-25T13:37:50.662" v="2543" actId="1037"/>
           <ac:spMkLst>
             <pc:docMk/>
             <pc:sldMk cId="3020923075" sldId="256"/>
             <ac:spMk id="17" creationId="{145DD101-E9A7-464F-61E5-F531D0165833}"/>
           </ac:spMkLst>
         </pc:spChg>
-        <pc:spChg chg="add mod">
-          <ac:chgData name="Li, Hanchen F" userId="3aee791e-6a2d-4da7-a77b-fbdf7bf15886" providerId="ADAL" clId="{C9DE8794-599A-48A2-8DAC-3CEC81A1BCD4}" dt="2025-01-24T23:12:51.119" v="1482" actId="1037"/>
+        <pc:spChg chg="add del mod">
+          <ac:chgData name="Li, Hanchen F" userId="3aee791e-6a2d-4da7-a77b-fbdf7bf15886" providerId="ADAL" clId="{C9DE8794-599A-48A2-8DAC-3CEC81A1BCD4}" dt="2025-01-25T13:25:28.053" v="2349" actId="478"/>
           <ac:spMkLst>
             <pc:docMk/>
             <pc:sldMk cId="3020923075" sldId="256"/>
             <ac:spMk id="18" creationId="{1F886CD0-38F7-CC38-37B3-48CB7CE4F726}"/>
+          </ac:spMkLst>
+        </pc:spChg>
+        <pc:spChg chg="add mod">
+          <ac:chgData name="Li, Hanchen F" userId="3aee791e-6a2d-4da7-a77b-fbdf7bf15886" providerId="ADAL" clId="{C9DE8794-599A-48A2-8DAC-3CEC81A1BCD4}" dt="2025-01-25T13:34:27.166" v="2453" actId="404"/>
+          <ac:spMkLst>
+            <pc:docMk/>
+            <pc:sldMk cId="3020923075" sldId="256"/>
+            <ac:spMk id="19" creationId="{7529E636-2BBD-2892-B544-5566526A5565}"/>
           </ac:spMkLst>
         </pc:spChg>
         <pc:spChg chg="add mod">
@@ -312,6 +371,22 @@
           </ac:spMkLst>
         </pc:spChg>
         <pc:spChg chg="add mod">
+          <ac:chgData name="Li, Hanchen F" userId="3aee791e-6a2d-4da7-a77b-fbdf7bf15886" providerId="ADAL" clId="{C9DE8794-599A-48A2-8DAC-3CEC81A1BCD4}" dt="2025-01-25T13:35:53.764" v="2481"/>
+          <ac:spMkLst>
+            <pc:docMk/>
+            <pc:sldMk cId="3020923075" sldId="256"/>
+            <ac:spMk id="20" creationId="{AEC8FE66-194A-53AB-ECDD-1AC7070D007E}"/>
+          </ac:spMkLst>
+        </pc:spChg>
+        <pc:spChg chg="add mod">
+          <ac:chgData name="Li, Hanchen F" userId="3aee791e-6a2d-4da7-a77b-fbdf7bf15886" providerId="ADAL" clId="{C9DE8794-599A-48A2-8DAC-3CEC81A1BCD4}" dt="2025-01-25T13:36:16.487" v="2489" actId="207"/>
+          <ac:spMkLst>
+            <pc:docMk/>
+            <pc:sldMk cId="3020923075" sldId="256"/>
+            <ac:spMk id="21" creationId="{A5303A97-0EE2-01F0-F748-02F22EC39D10}"/>
+          </ac:spMkLst>
+        </pc:spChg>
+        <pc:spChg chg="add mod">
           <ac:chgData name="Li, Hanchen F" userId="3aee791e-6a2d-4da7-a77b-fbdf7bf15886" providerId="ADAL" clId="{C9DE8794-599A-48A2-8DAC-3CEC81A1BCD4}" dt="2025-01-24T23:11:49.438" v="1454"/>
           <ac:spMkLst>
             <pc:docMk/>
@@ -319,32 +394,32 @@
             <ac:spMk id="22" creationId="{D0CDBB8E-6162-BD4B-3A41-3B35670F9109}"/>
           </ac:spMkLst>
         </pc:spChg>
-        <pc:spChg chg="add mod">
-          <ac:chgData name="Li, Hanchen F" userId="3aee791e-6a2d-4da7-a77b-fbdf7bf15886" providerId="ADAL" clId="{C9DE8794-599A-48A2-8DAC-3CEC81A1BCD4}" dt="2025-01-24T23:12:18.036" v="1464" actId="207"/>
+        <pc:spChg chg="add del mod">
+          <ac:chgData name="Li, Hanchen F" userId="3aee791e-6a2d-4da7-a77b-fbdf7bf15886" providerId="ADAL" clId="{C9DE8794-599A-48A2-8DAC-3CEC81A1BCD4}" dt="2025-01-25T13:25:08.012" v="2273" actId="478"/>
           <ac:spMkLst>
             <pc:docMk/>
             <pc:sldMk cId="3020923075" sldId="256"/>
             <ac:spMk id="23" creationId="{72096AA8-2AB7-17E0-A038-EDACD1D7DDDA}"/>
           </ac:spMkLst>
         </pc:spChg>
-        <pc:spChg chg="add mod">
-          <ac:chgData name="Li, Hanchen F" userId="3aee791e-6a2d-4da7-a77b-fbdf7bf15886" providerId="ADAL" clId="{C9DE8794-599A-48A2-8DAC-3CEC81A1BCD4}" dt="2025-01-24T23:12:34.396" v="1472" actId="20577"/>
+        <pc:spChg chg="add del mod">
+          <ac:chgData name="Li, Hanchen F" userId="3aee791e-6a2d-4da7-a77b-fbdf7bf15886" providerId="ADAL" clId="{C9DE8794-599A-48A2-8DAC-3CEC81A1BCD4}" dt="2025-01-25T13:26:31.348" v="2373" actId="478"/>
           <ac:spMkLst>
             <pc:docMk/>
             <pc:sldMk cId="3020923075" sldId="256"/>
             <ac:spMk id="24" creationId="{0DA9D31C-8FC2-FE73-9156-EDBFB9A4A6AD}"/>
           </ac:spMkLst>
         </pc:spChg>
-        <pc:spChg chg="add mod">
-          <ac:chgData name="Li, Hanchen F" userId="3aee791e-6a2d-4da7-a77b-fbdf7bf15886" providerId="ADAL" clId="{C9DE8794-599A-48A2-8DAC-3CEC81A1BCD4}" dt="2025-01-24T23:13:03.895" v="1490" actId="1038"/>
+        <pc:spChg chg="add del mod">
+          <ac:chgData name="Li, Hanchen F" userId="3aee791e-6a2d-4da7-a77b-fbdf7bf15886" providerId="ADAL" clId="{C9DE8794-599A-48A2-8DAC-3CEC81A1BCD4}" dt="2025-01-25T13:26:27.876" v="2370" actId="478"/>
           <ac:spMkLst>
             <pc:docMk/>
             <pc:sldMk cId="3020923075" sldId="256"/>
             <ac:spMk id="25" creationId="{BCB96291-CD61-0DA3-409B-6B24AF7187D6}"/>
           </ac:spMkLst>
         </pc:spChg>
-        <pc:spChg chg="add mod">
-          <ac:chgData name="Li, Hanchen F" userId="3aee791e-6a2d-4da7-a77b-fbdf7bf15886" providerId="ADAL" clId="{C9DE8794-599A-48A2-8DAC-3CEC81A1BCD4}" dt="2025-01-24T23:13:29.052" v="1497" actId="20577"/>
+        <pc:spChg chg="add del mod">
+          <ac:chgData name="Li, Hanchen F" userId="3aee791e-6a2d-4da7-a77b-fbdf7bf15886" providerId="ADAL" clId="{C9DE8794-599A-48A2-8DAC-3CEC81A1BCD4}" dt="2025-01-25T13:26:26.619" v="2369" actId="478"/>
           <ac:spMkLst>
             <pc:docMk/>
             <pc:sldMk cId="3020923075" sldId="256"/>
@@ -352,7 +427,7 @@
           </ac:spMkLst>
         </pc:spChg>
         <pc:spChg chg="add mod">
-          <ac:chgData name="Li, Hanchen F" userId="3aee791e-6a2d-4da7-a77b-fbdf7bf15886" providerId="ADAL" clId="{C9DE8794-599A-48A2-8DAC-3CEC81A1BCD4}" dt="2025-01-24T23:14:04.870" v="1515" actId="1076"/>
+          <ac:chgData name="Li, Hanchen F" userId="3aee791e-6a2d-4da7-a77b-fbdf7bf15886" providerId="ADAL" clId="{C9DE8794-599A-48A2-8DAC-3CEC81A1BCD4}" dt="2025-01-25T13:27:41.067" v="2394" actId="1076"/>
           <ac:spMkLst>
             <pc:docMk/>
             <pc:sldMk cId="3020923075" sldId="256"/>
@@ -360,7 +435,7 @@
           </ac:spMkLst>
         </pc:spChg>
         <pc:spChg chg="add mod">
-          <ac:chgData name="Li, Hanchen F" userId="3aee791e-6a2d-4da7-a77b-fbdf7bf15886" providerId="ADAL" clId="{C9DE8794-599A-48A2-8DAC-3CEC81A1BCD4}" dt="2025-01-24T23:13:59.082" v="1514" actId="1076"/>
+          <ac:chgData name="Li, Hanchen F" userId="3aee791e-6a2d-4da7-a77b-fbdf7bf15886" providerId="ADAL" clId="{C9DE8794-599A-48A2-8DAC-3CEC81A1BCD4}" dt="2025-01-25T13:33:14.797" v="2415" actId="1076"/>
           <ac:spMkLst>
             <pc:docMk/>
             <pc:sldMk cId="3020923075" sldId="256"/>
@@ -384,7 +459,7 @@
           </ac:spMkLst>
         </pc:spChg>
         <pc:spChg chg="add del mod">
-          <ac:chgData name="Li, Hanchen F" userId="3aee791e-6a2d-4da7-a77b-fbdf7bf15886" providerId="ADAL" clId="{C9DE8794-599A-48A2-8DAC-3CEC81A1BCD4}" dt="2025-01-24T23:29:23.875" v="1987" actId="478"/>
+          <ac:chgData name="Li, Hanchen F" userId="3aee791e-6a2d-4da7-a77b-fbdf7bf15886" providerId="ADAL" clId="{C9DE8794-599A-48A2-8DAC-3CEC81A1BCD4}" dt="2025-01-25T13:38:12.247" v="2586" actId="14861"/>
           <ac:spMkLst>
             <pc:docMk/>
             <pc:sldMk cId="3020923075" sldId="256"/>
@@ -392,7 +467,7 @@
           </ac:spMkLst>
         </pc:spChg>
         <pc:spChg chg="add mod">
-          <ac:chgData name="Li, Hanchen F" userId="3aee791e-6a2d-4da7-a77b-fbdf7bf15886" providerId="ADAL" clId="{C9DE8794-599A-48A2-8DAC-3CEC81A1BCD4}" dt="2025-01-24T23:28:27.048" v="1956" actId="14861"/>
+          <ac:chgData name="Li, Hanchen F" userId="3aee791e-6a2d-4da7-a77b-fbdf7bf15886" providerId="ADAL" clId="{C9DE8794-599A-48A2-8DAC-3CEC81A1BCD4}" dt="2025-01-25T13:39:13.533" v="2664" actId="1076"/>
           <ac:spMkLst>
             <pc:docMk/>
             <pc:sldMk cId="3020923075" sldId="256"/>
@@ -400,7 +475,7 @@
           </ac:spMkLst>
         </pc:spChg>
         <pc:spChg chg="add mod">
-          <ac:chgData name="Li, Hanchen F" userId="3aee791e-6a2d-4da7-a77b-fbdf7bf15886" providerId="ADAL" clId="{C9DE8794-599A-48A2-8DAC-3CEC81A1BCD4}" dt="2025-01-24T23:19:32.231" v="1658" actId="1076"/>
+          <ac:chgData name="Li, Hanchen F" userId="3aee791e-6a2d-4da7-a77b-fbdf7bf15886" providerId="ADAL" clId="{C9DE8794-599A-48A2-8DAC-3CEC81A1BCD4}" dt="2025-01-25T13:38:29.584" v="2613" actId="14861"/>
           <ac:spMkLst>
             <pc:docMk/>
             <pc:sldMk cId="3020923075" sldId="256"/>
@@ -423,8 +498,8 @@
             <ac:spMk id="60" creationId="{01C5EC58-269F-88A8-16C3-413B68A74ABF}"/>
           </ac:spMkLst>
         </pc:spChg>
-        <pc:picChg chg="add mod">
-          <ac:chgData name="Li, Hanchen F" userId="3aee791e-6a2d-4da7-a77b-fbdf7bf15886" providerId="ADAL" clId="{C9DE8794-599A-48A2-8DAC-3CEC81A1BCD4}" dt="2025-01-24T23:03:31.341" v="6" actId="34135"/>
+        <pc:picChg chg="add del mod">
+          <ac:chgData name="Li, Hanchen F" userId="3aee791e-6a2d-4da7-a77b-fbdf7bf15886" providerId="ADAL" clId="{C9DE8794-599A-48A2-8DAC-3CEC81A1BCD4}" dt="2025-01-25T13:43:04.018" v="2668" actId="14826"/>
           <ac:picMkLst>
             <pc:docMk/>
             <pc:sldMk cId="3020923075" sldId="256"/>
@@ -493,6 +568,439 @@
 </pc:chgInfo>
 </file>
 
+<file path=ppt/notesMasters/notesMaster1.xml><?xml version="1.0" encoding="utf-8"?>
+<p:notesMaster xmlns:a="http://schemas.openxmlformats.org/drawingml/2006/main" xmlns:r="http://schemas.openxmlformats.org/officeDocument/2006/relationships" xmlns:p="http://schemas.openxmlformats.org/presentationml/2006/main">
+  <p:cSld>
+    <p:bg>
+      <p:bgRef idx="1001">
+        <a:schemeClr val="bg1"/>
+      </p:bgRef>
+    </p:bg>
+    <p:spTree>
+      <p:nvGrpSpPr>
+        <p:cNvPr id="1" name=""/>
+        <p:cNvGrpSpPr/>
+        <p:nvPr/>
+      </p:nvGrpSpPr>
+      <p:grpSpPr>
+        <a:xfrm>
+          <a:off x="0" y="0"/>
+          <a:ext cx="0" cy="0"/>
+          <a:chOff x="0" y="0"/>
+          <a:chExt cx="0" cy="0"/>
+        </a:xfrm>
+      </p:grpSpPr>
+      <p:sp>
+        <p:nvSpPr>
+          <p:cNvPr id="2" name="页眉占位符 1"/>
+          <p:cNvSpPr>
+            <a:spLocks noGrp="1"/>
+          </p:cNvSpPr>
+          <p:nvPr>
+            <p:ph type="hdr" sz="quarter"/>
+          </p:nvPr>
+        </p:nvSpPr>
+        <p:spPr>
+          <a:xfrm>
+            <a:off x="0" y="0"/>
+            <a:ext cx="2971800" cy="458788"/>
+          </a:xfrm>
+          <a:prstGeom prst="rect">
+            <a:avLst/>
+          </a:prstGeom>
+        </p:spPr>
+        <p:txBody>
+          <a:bodyPr vert="horz" lIns="91440" tIns="45720" rIns="91440" bIns="45720" rtlCol="0"/>
+          <a:lstStyle>
+            <a:lvl1pPr algn="l">
+              <a:defRPr sz="1200"/>
+            </a:lvl1pPr>
+          </a:lstStyle>
+          <a:p>
+            <a:endParaRPr lang="zh-CN" altLang="en-US"/>
+          </a:p>
+        </p:txBody>
+      </p:sp>
+      <p:sp>
+        <p:nvSpPr>
+          <p:cNvPr id="3" name="日期占位符 2"/>
+          <p:cNvSpPr>
+            <a:spLocks noGrp="1"/>
+          </p:cNvSpPr>
+          <p:nvPr>
+            <p:ph type="dt" idx="1"/>
+          </p:nvPr>
+        </p:nvSpPr>
+        <p:spPr>
+          <a:xfrm>
+            <a:off x="3884613" y="0"/>
+            <a:ext cx="2971800" cy="458788"/>
+          </a:xfrm>
+          <a:prstGeom prst="rect">
+            <a:avLst/>
+          </a:prstGeom>
+        </p:spPr>
+        <p:txBody>
+          <a:bodyPr vert="horz" lIns="91440" tIns="45720" rIns="91440" bIns="45720" rtlCol="0"/>
+          <a:lstStyle>
+            <a:lvl1pPr algn="r">
+              <a:defRPr sz="1200"/>
+            </a:lvl1pPr>
+          </a:lstStyle>
+          <a:p>
+            <a:fld id="{8FB9B03E-5389-4B9C-999D-D8E7B42DF894}" type="datetimeFigureOut">
+              <a:rPr lang="zh-CN" altLang="en-US" smtClean="0"/>
+              <a:t>2025/1/25</a:t>
+            </a:fld>
+            <a:endParaRPr lang="zh-CN" altLang="en-US"/>
+          </a:p>
+        </p:txBody>
+      </p:sp>
+      <p:sp>
+        <p:nvSpPr>
+          <p:cNvPr id="4" name="幻灯片图像占位符 3"/>
+          <p:cNvSpPr>
+            <a:spLocks noGrp="1" noRot="1" noChangeAspect="1"/>
+          </p:cNvSpPr>
+          <p:nvPr>
+            <p:ph type="sldImg" idx="2"/>
+          </p:nvPr>
+        </p:nvSpPr>
+        <p:spPr>
+          <a:xfrm>
+            <a:off x="685800" y="1143000"/>
+            <a:ext cx="5486400" cy="3086100"/>
+          </a:xfrm>
+          <a:prstGeom prst="rect">
+            <a:avLst/>
+          </a:prstGeom>
+          <a:noFill/>
+          <a:ln w="12700">
+            <a:solidFill>
+              <a:prstClr val="black"/>
+            </a:solidFill>
+          </a:ln>
+        </p:spPr>
+        <p:txBody>
+          <a:bodyPr vert="horz" lIns="91440" tIns="45720" rIns="91440" bIns="45720" rtlCol="0" anchor="ctr"/>
+          <a:lstStyle/>
+          <a:p>
+            <a:endParaRPr lang="zh-CN" altLang="en-US"/>
+          </a:p>
+        </p:txBody>
+      </p:sp>
+      <p:sp>
+        <p:nvSpPr>
+          <p:cNvPr id="5" name="备注占位符 4"/>
+          <p:cNvSpPr>
+            <a:spLocks noGrp="1"/>
+          </p:cNvSpPr>
+          <p:nvPr>
+            <p:ph type="body" sz="quarter" idx="3"/>
+          </p:nvPr>
+        </p:nvSpPr>
+        <p:spPr>
+          <a:xfrm>
+            <a:off x="685800" y="4400550"/>
+            <a:ext cx="5486400" cy="3600450"/>
+          </a:xfrm>
+          <a:prstGeom prst="rect">
+            <a:avLst/>
+          </a:prstGeom>
+        </p:spPr>
+        <p:txBody>
+          <a:bodyPr vert="horz" lIns="91440" tIns="45720" rIns="91440" bIns="45720" rtlCol="0"/>
+          <a:lstStyle/>
+          <a:p>
+            <a:pPr lvl="0"/>
+            <a:r>
+              <a:rPr lang="zh-CN" altLang="en-US"/>
+              <a:t>单击此处编辑母版文本样式</a:t>
+            </a:r>
+          </a:p>
+          <a:p>
+            <a:pPr lvl="1"/>
+            <a:r>
+              <a:rPr lang="zh-CN" altLang="en-US"/>
+              <a:t>二级</a:t>
+            </a:r>
+          </a:p>
+          <a:p>
+            <a:pPr lvl="2"/>
+            <a:r>
+              <a:rPr lang="zh-CN" altLang="en-US"/>
+              <a:t>三级</a:t>
+            </a:r>
+          </a:p>
+          <a:p>
+            <a:pPr lvl="3"/>
+            <a:r>
+              <a:rPr lang="zh-CN" altLang="en-US"/>
+              <a:t>四级</a:t>
+            </a:r>
+          </a:p>
+          <a:p>
+            <a:pPr lvl="4"/>
+            <a:r>
+              <a:rPr lang="zh-CN" altLang="en-US"/>
+              <a:t>五级</a:t>
+            </a:r>
+          </a:p>
+        </p:txBody>
+      </p:sp>
+      <p:sp>
+        <p:nvSpPr>
+          <p:cNvPr id="6" name="页脚占位符 5"/>
+          <p:cNvSpPr>
+            <a:spLocks noGrp="1"/>
+          </p:cNvSpPr>
+          <p:nvPr>
+            <p:ph type="ftr" sz="quarter" idx="4"/>
+          </p:nvPr>
+        </p:nvSpPr>
+        <p:spPr>
+          <a:xfrm>
+            <a:off x="0" y="8685213"/>
+            <a:ext cx="2971800" cy="458787"/>
+          </a:xfrm>
+          <a:prstGeom prst="rect">
+            <a:avLst/>
+          </a:prstGeom>
+        </p:spPr>
+        <p:txBody>
+          <a:bodyPr vert="horz" lIns="91440" tIns="45720" rIns="91440" bIns="45720" rtlCol="0" anchor="b"/>
+          <a:lstStyle>
+            <a:lvl1pPr algn="l">
+              <a:defRPr sz="1200"/>
+            </a:lvl1pPr>
+          </a:lstStyle>
+          <a:p>
+            <a:endParaRPr lang="zh-CN" altLang="en-US"/>
+          </a:p>
+        </p:txBody>
+      </p:sp>
+      <p:sp>
+        <p:nvSpPr>
+          <p:cNvPr id="7" name="灯片编号占位符 6"/>
+          <p:cNvSpPr>
+            <a:spLocks noGrp="1"/>
+          </p:cNvSpPr>
+          <p:nvPr>
+            <p:ph type="sldNum" sz="quarter" idx="5"/>
+          </p:nvPr>
+        </p:nvSpPr>
+        <p:spPr>
+          <a:xfrm>
+            <a:off x="3884613" y="8685213"/>
+            <a:ext cx="2971800" cy="458787"/>
+          </a:xfrm>
+          <a:prstGeom prst="rect">
+            <a:avLst/>
+          </a:prstGeom>
+        </p:spPr>
+        <p:txBody>
+          <a:bodyPr vert="horz" lIns="91440" tIns="45720" rIns="91440" bIns="45720" rtlCol="0" anchor="b"/>
+          <a:lstStyle>
+            <a:lvl1pPr algn="r">
+              <a:defRPr sz="1200"/>
+            </a:lvl1pPr>
+          </a:lstStyle>
+          <a:p>
+            <a:fld id="{E45D91BD-AA59-4C54-A23D-D76D9AF0E466}" type="slidenum">
+              <a:rPr lang="zh-CN" altLang="en-US" smtClean="0"/>
+              <a:t>‹#›</a:t>
+            </a:fld>
+            <a:endParaRPr lang="zh-CN" altLang="en-US"/>
+          </a:p>
+        </p:txBody>
+      </p:sp>
+    </p:spTree>
+    <p:extLst>
+      <p:ext uri="{BB962C8B-B14F-4D97-AF65-F5344CB8AC3E}">
+        <p14:creationId xmlns:p14="http://schemas.microsoft.com/office/powerpoint/2010/main" val="3533442705"/>
+      </p:ext>
+    </p:extLst>
+  </p:cSld>
+  <p:clrMap bg1="lt1" tx1="dk1" bg2="lt2" tx2="dk2" accent1="accent1" accent2="accent2" accent3="accent3" accent4="accent4" accent5="accent5" accent6="accent6" hlink="hlink" folHlink="folHlink"/>
+  <p:notesStyle>
+    <a:lvl1pPr marL="0" algn="l" defTabSz="914400" rtl="0" eaLnBrk="1" latinLnBrk="0" hangingPunct="1">
+      <a:defRPr sz="1200" kern="1200">
+        <a:solidFill>
+          <a:schemeClr val="tx1"/>
+        </a:solidFill>
+        <a:latin typeface="+mn-lt"/>
+        <a:ea typeface="+mn-ea"/>
+        <a:cs typeface="+mn-cs"/>
+      </a:defRPr>
+    </a:lvl1pPr>
+    <a:lvl2pPr marL="457200" algn="l" defTabSz="914400" rtl="0" eaLnBrk="1" latinLnBrk="0" hangingPunct="1">
+      <a:defRPr sz="1200" kern="1200">
+        <a:solidFill>
+          <a:schemeClr val="tx1"/>
+        </a:solidFill>
+        <a:latin typeface="+mn-lt"/>
+        <a:ea typeface="+mn-ea"/>
+        <a:cs typeface="+mn-cs"/>
+      </a:defRPr>
+    </a:lvl2pPr>
+    <a:lvl3pPr marL="914400" algn="l" defTabSz="914400" rtl="0" eaLnBrk="1" latinLnBrk="0" hangingPunct="1">
+      <a:defRPr sz="1200" kern="1200">
+        <a:solidFill>
+          <a:schemeClr val="tx1"/>
+        </a:solidFill>
+        <a:latin typeface="+mn-lt"/>
+        <a:ea typeface="+mn-ea"/>
+        <a:cs typeface="+mn-cs"/>
+      </a:defRPr>
+    </a:lvl3pPr>
+    <a:lvl4pPr marL="1371600" algn="l" defTabSz="914400" rtl="0" eaLnBrk="1" latinLnBrk="0" hangingPunct="1">
+      <a:defRPr sz="1200" kern="1200">
+        <a:solidFill>
+          <a:schemeClr val="tx1"/>
+        </a:solidFill>
+        <a:latin typeface="+mn-lt"/>
+        <a:ea typeface="+mn-ea"/>
+        <a:cs typeface="+mn-cs"/>
+      </a:defRPr>
+    </a:lvl4pPr>
+    <a:lvl5pPr marL="1828800" algn="l" defTabSz="914400" rtl="0" eaLnBrk="1" latinLnBrk="0" hangingPunct="1">
+      <a:defRPr sz="1200" kern="1200">
+        <a:solidFill>
+          <a:schemeClr val="tx1"/>
+        </a:solidFill>
+        <a:latin typeface="+mn-lt"/>
+        <a:ea typeface="+mn-ea"/>
+        <a:cs typeface="+mn-cs"/>
+      </a:defRPr>
+    </a:lvl5pPr>
+    <a:lvl6pPr marL="2286000" algn="l" defTabSz="914400" rtl="0" eaLnBrk="1" latinLnBrk="0" hangingPunct="1">
+      <a:defRPr sz="1200" kern="1200">
+        <a:solidFill>
+          <a:schemeClr val="tx1"/>
+        </a:solidFill>
+        <a:latin typeface="+mn-lt"/>
+        <a:ea typeface="+mn-ea"/>
+        <a:cs typeface="+mn-cs"/>
+      </a:defRPr>
+    </a:lvl6pPr>
+    <a:lvl7pPr marL="2743200" algn="l" defTabSz="914400" rtl="0" eaLnBrk="1" latinLnBrk="0" hangingPunct="1">
+      <a:defRPr sz="1200" kern="1200">
+        <a:solidFill>
+          <a:schemeClr val="tx1"/>
+        </a:solidFill>
+        <a:latin typeface="+mn-lt"/>
+        <a:ea typeface="+mn-ea"/>
+        <a:cs typeface="+mn-cs"/>
+      </a:defRPr>
+    </a:lvl7pPr>
+    <a:lvl8pPr marL="3200400" algn="l" defTabSz="914400" rtl="0" eaLnBrk="1" latinLnBrk="0" hangingPunct="1">
+      <a:defRPr sz="1200" kern="1200">
+        <a:solidFill>
+          <a:schemeClr val="tx1"/>
+        </a:solidFill>
+        <a:latin typeface="+mn-lt"/>
+        <a:ea typeface="+mn-ea"/>
+        <a:cs typeface="+mn-cs"/>
+      </a:defRPr>
+    </a:lvl8pPr>
+    <a:lvl9pPr marL="3657600" algn="l" defTabSz="914400" rtl="0" eaLnBrk="1" latinLnBrk="0" hangingPunct="1">
+      <a:defRPr sz="1200" kern="1200">
+        <a:solidFill>
+          <a:schemeClr val="tx1"/>
+        </a:solidFill>
+        <a:latin typeface="+mn-lt"/>
+        <a:ea typeface="+mn-ea"/>
+        <a:cs typeface="+mn-cs"/>
+      </a:defRPr>
+    </a:lvl9pPr>
+  </p:notesStyle>
+</p:notesMaster>
+</file>
+
+<file path=ppt/notesSlides/notesSlide1.xml><?xml version="1.0" encoding="utf-8"?>
+<p:notes xmlns:a="http://schemas.openxmlformats.org/drawingml/2006/main" xmlns:r="http://schemas.openxmlformats.org/officeDocument/2006/relationships" xmlns:p="http://schemas.openxmlformats.org/presentationml/2006/main">
+  <p:cSld>
+    <p:spTree>
+      <p:nvGrpSpPr>
+        <p:cNvPr id="1" name=""/>
+        <p:cNvGrpSpPr/>
+        <p:nvPr/>
+      </p:nvGrpSpPr>
+      <p:grpSpPr>
+        <a:xfrm>
+          <a:off x="0" y="0"/>
+          <a:ext cx="0" cy="0"/>
+          <a:chOff x="0" y="0"/>
+          <a:chExt cx="0" cy="0"/>
+        </a:xfrm>
+      </p:grpSpPr>
+      <p:sp>
+        <p:nvSpPr>
+          <p:cNvPr id="2" name="幻灯片图像占位符 1"/>
+          <p:cNvSpPr>
+            <a:spLocks noGrp="1" noRot="1" noChangeAspect="1"/>
+          </p:cNvSpPr>
+          <p:nvPr>
+            <p:ph type="sldImg"/>
+          </p:nvPr>
+        </p:nvSpPr>
+        <p:spPr/>
+      </p:sp>
+      <p:sp>
+        <p:nvSpPr>
+          <p:cNvPr id="3" name="备注占位符 2"/>
+          <p:cNvSpPr>
+            <a:spLocks noGrp="1"/>
+          </p:cNvSpPr>
+          <p:nvPr>
+            <p:ph type="body" idx="1"/>
+          </p:nvPr>
+        </p:nvSpPr>
+        <p:spPr/>
+        <p:txBody>
+          <a:bodyPr/>
+          <a:lstStyle/>
+          <a:p>
+            <a:endParaRPr lang="zh-CN" altLang="en-US" dirty="0"/>
+          </a:p>
+        </p:txBody>
+      </p:sp>
+      <p:sp>
+        <p:nvSpPr>
+          <p:cNvPr id="4" name="灯片编号占位符 3"/>
+          <p:cNvSpPr>
+            <a:spLocks noGrp="1"/>
+          </p:cNvSpPr>
+          <p:nvPr>
+            <p:ph type="sldNum" sz="quarter" idx="5"/>
+          </p:nvPr>
+        </p:nvSpPr>
+        <p:spPr/>
+        <p:txBody>
+          <a:bodyPr/>
+          <a:lstStyle/>
+          <a:p>
+            <a:fld id="{E45D91BD-AA59-4C54-A23D-D76D9AF0E466}" type="slidenum">
+              <a:rPr lang="zh-CN" altLang="en-US" smtClean="0"/>
+              <a:t>1</a:t>
+            </a:fld>
+            <a:endParaRPr lang="zh-CN" altLang="en-US"/>
+          </a:p>
+        </p:txBody>
+      </p:sp>
+    </p:spTree>
+    <p:extLst>
+      <p:ext uri="{BB962C8B-B14F-4D97-AF65-F5344CB8AC3E}">
+        <p14:creationId xmlns:p14="http://schemas.microsoft.com/office/powerpoint/2010/main" val="3652137445"/>
+      </p:ext>
+    </p:extLst>
+  </p:cSld>
+  <p:clrMapOvr>
+    <a:masterClrMapping/>
+  </p:clrMapOvr>
+</p:notes>
+</file>
+
 <file path=ppt/slideLayouts/slideLayout1.xml><?xml version="1.0" encoding="utf-8"?>
 <p:sldLayout xmlns:a="http://schemas.openxmlformats.org/drawingml/2006/main" xmlns:r="http://schemas.openxmlformats.org/officeDocument/2006/relationships" xmlns:p="http://schemas.openxmlformats.org/presentationml/2006/main" type="title" preserve="1">
   <p:cSld name="标题幻灯片">
@@ -640,7 +1148,7 @@
           <a:p>
             <a:fld id="{F4112B75-22D4-4FE2-8E25-D0C9CB4A8A6E}" type="datetimeFigureOut">
               <a:rPr lang="zh-CN" altLang="en-US" smtClean="0"/>
-              <a:t>2025/1/24</a:t>
+              <a:t>2025/1/25</a:t>
             </a:fld>
             <a:endParaRPr lang="zh-CN" altLang="en-US"/>
           </a:p>
@@ -838,7 +1346,7 @@
           <a:p>
             <a:fld id="{F4112B75-22D4-4FE2-8E25-D0C9CB4A8A6E}" type="datetimeFigureOut">
               <a:rPr lang="zh-CN" altLang="en-US" smtClean="0"/>
-              <a:t>2025/1/24</a:t>
+              <a:t>2025/1/25</a:t>
             </a:fld>
             <a:endParaRPr lang="zh-CN" altLang="en-US"/>
           </a:p>
@@ -1046,7 +1554,7 @@
           <a:p>
             <a:fld id="{F4112B75-22D4-4FE2-8E25-D0C9CB4A8A6E}" type="datetimeFigureOut">
               <a:rPr lang="zh-CN" altLang="en-US" smtClean="0"/>
-              <a:t>2025/1/24</a:t>
+              <a:t>2025/1/25</a:t>
             </a:fld>
             <a:endParaRPr lang="zh-CN" altLang="en-US"/>
           </a:p>
@@ -1244,7 +1752,7 @@
           <a:p>
             <a:fld id="{F4112B75-22D4-4FE2-8E25-D0C9CB4A8A6E}" type="datetimeFigureOut">
               <a:rPr lang="zh-CN" altLang="en-US" smtClean="0"/>
-              <a:t>2025/1/24</a:t>
+              <a:t>2025/1/25</a:t>
             </a:fld>
             <a:endParaRPr lang="zh-CN" altLang="en-US"/>
           </a:p>
@@ -1519,7 +2027,7 @@
           <a:p>
             <a:fld id="{F4112B75-22D4-4FE2-8E25-D0C9CB4A8A6E}" type="datetimeFigureOut">
               <a:rPr lang="zh-CN" altLang="en-US" smtClean="0"/>
-              <a:t>2025/1/24</a:t>
+              <a:t>2025/1/25</a:t>
             </a:fld>
             <a:endParaRPr lang="zh-CN" altLang="en-US"/>
           </a:p>
@@ -1784,7 +2292,7 @@
           <a:p>
             <a:fld id="{F4112B75-22D4-4FE2-8E25-D0C9CB4A8A6E}" type="datetimeFigureOut">
               <a:rPr lang="zh-CN" altLang="en-US" smtClean="0"/>
-              <a:t>2025/1/24</a:t>
+              <a:t>2025/1/25</a:t>
             </a:fld>
             <a:endParaRPr lang="zh-CN" altLang="en-US"/>
           </a:p>
@@ -2196,7 +2704,7 @@
           <a:p>
             <a:fld id="{F4112B75-22D4-4FE2-8E25-D0C9CB4A8A6E}" type="datetimeFigureOut">
               <a:rPr lang="zh-CN" altLang="en-US" smtClean="0"/>
-              <a:t>2025/1/24</a:t>
+              <a:t>2025/1/25</a:t>
             </a:fld>
             <a:endParaRPr lang="zh-CN" altLang="en-US"/>
           </a:p>
@@ -2337,7 +2845,7 @@
           <a:p>
             <a:fld id="{F4112B75-22D4-4FE2-8E25-D0C9CB4A8A6E}" type="datetimeFigureOut">
               <a:rPr lang="zh-CN" altLang="en-US" smtClean="0"/>
-              <a:t>2025/1/24</a:t>
+              <a:t>2025/1/25</a:t>
             </a:fld>
             <a:endParaRPr lang="zh-CN" altLang="en-US"/>
           </a:p>
@@ -2450,7 +2958,7 @@
           <a:p>
             <a:fld id="{F4112B75-22D4-4FE2-8E25-D0C9CB4A8A6E}" type="datetimeFigureOut">
               <a:rPr lang="zh-CN" altLang="en-US" smtClean="0"/>
-              <a:t>2025/1/24</a:t>
+              <a:t>2025/1/25</a:t>
             </a:fld>
             <a:endParaRPr lang="zh-CN" altLang="en-US"/>
           </a:p>
@@ -2761,7 +3269,7 @@
           <a:p>
             <a:fld id="{F4112B75-22D4-4FE2-8E25-D0C9CB4A8A6E}" type="datetimeFigureOut">
               <a:rPr lang="zh-CN" altLang="en-US" smtClean="0"/>
-              <a:t>2025/1/24</a:t>
+              <a:t>2025/1/25</a:t>
             </a:fld>
             <a:endParaRPr lang="zh-CN" altLang="en-US"/>
           </a:p>
@@ -3049,7 +3557,7 @@
           <a:p>
             <a:fld id="{F4112B75-22D4-4FE2-8E25-D0C9CB4A8A6E}" type="datetimeFigureOut">
               <a:rPr lang="zh-CN" altLang="en-US" smtClean="0"/>
-              <a:t>2025/1/24</a:t>
+              <a:t>2025/1/25</a:t>
             </a:fld>
             <a:endParaRPr lang="zh-CN" altLang="en-US"/>
           </a:p>
@@ -3290,7 +3798,7 @@
           <a:p>
             <a:fld id="{F4112B75-22D4-4FE2-8E25-D0C9CB4A8A6E}" type="datetimeFigureOut">
               <a:rPr lang="zh-CN" altLang="en-US" smtClean="0"/>
-              <a:t>2025/1/24</a:t>
+              <a:t>2025/1/25</a:t>
             </a:fld>
             <a:endParaRPr lang="zh-CN" altLang="en-US"/>
           </a:p>
@@ -3709,7 +4217,7 @@
       </p:grpSpPr>
       <p:pic>
         <p:nvPicPr>
-          <p:cNvPr id="5" name="图片 4" descr="图表, 折线图&#10;&#10;描述已自动生成">
+          <p:cNvPr id="5" name="图片 4">
             <a:extLst>
               <a:ext uri="{FF2B5EF4-FFF2-40B4-BE49-F238E27FC236}">
                 <a16:creationId xmlns:a16="http://schemas.microsoft.com/office/drawing/2014/main" id="{CD001FED-6B7F-33FF-2C98-BE858642F915}"/>
@@ -3722,21 +4230,20 @@
           <p:nvPr/>
         </p:nvPicPr>
         <p:blipFill>
-          <a:blip r:embed="rId2">
+          <a:blip r:embed="rId3">
             <a:extLst>
               <a:ext uri="{28A0092B-C50C-407E-A947-70E740481C1C}">
                 <a14:useLocalDpi xmlns:a14="http://schemas.microsoft.com/office/drawing/2010/main" val="0"/>
               </a:ext>
             </a:extLst>
           </a:blip>
-          <a:stretch>
-            <a:fillRect/>
-          </a:stretch>
+          <a:srcRect/>
+          <a:stretch/>
         </p:blipFill>
         <p:spPr>
           <a:xfrm>
             <a:off x="0" y="382950"/>
-            <a:ext cx="12192000" cy="6092099"/>
+            <a:ext cx="12192000" cy="6092098"/>
           </a:xfrm>
           <a:prstGeom prst="rect">
             <a:avLst/>
@@ -3875,7 +4382,7 @@
                 <a:avLst/>
               </a:prstGeom>
               <a:blipFill>
-                <a:blip r:embed="rId3"/>
+                <a:blip r:embed="rId4"/>
                 <a:stretch>
                   <a:fillRect/>
                 </a:stretch>
@@ -4028,7 +4535,7 @@
                 <a:avLst/>
               </a:prstGeom>
               <a:blipFill>
-                <a:blip r:embed="rId4"/>
+                <a:blip r:embed="rId5"/>
                 <a:stretch>
                   <a:fillRect l="-5128" b="-16667"/>
                 </a:stretch>
@@ -4181,7 +4688,7 @@
                 <a:avLst/>
               </a:prstGeom>
               <a:blipFill>
-                <a:blip r:embed="rId5"/>
+                <a:blip r:embed="rId6"/>
                 <a:stretch>
                   <a:fillRect/>
                 </a:stretch>
@@ -4341,7 +4848,7 @@
                 <a:avLst/>
               </a:prstGeom>
               <a:blipFill>
-                <a:blip r:embed="rId6"/>
+                <a:blip r:embed="rId7"/>
                 <a:stretch>
                   <a:fillRect/>
                 </a:stretch>
@@ -4369,8 +4876,8 @@
           </p:sp>
         </mc:Fallback>
       </mc:AlternateContent>
-      <mc:AlternateContent xmlns:mc="http://schemas.openxmlformats.org/markup-compatibility/2006" xmlns:a14="http://schemas.microsoft.com/office/drawing/2010/main">
-        <mc:Choice Requires="a14">
+      <mc:AlternateContent xmlns:mc="http://schemas.openxmlformats.org/markup-compatibility/2006">
+        <mc:Choice xmlns:a14="http://schemas.microsoft.com/office/drawing/2010/main" Requires="a14">
           <p:sp>
             <p:nvSpPr>
               <p:cNvPr id="16" name="文本框 15">
@@ -4385,19 +4892,20 @@
             </p:nvSpPr>
             <p:spPr>
               <a:xfrm>
-                <a:off x="6439239" y="2660327"/>
+                <a:off x="6289634" y="2499130"/>
                 <a:ext cx="488659" cy="369332"/>
               </a:xfrm>
               <a:prstGeom prst="rect">
                 <a:avLst/>
               </a:prstGeom>
-              <a:noFill/>
+              <a:solidFill>
+                <a:schemeClr val="bg1"/>
+              </a:solidFill>
+              <a:ln>
+                <a:noFill/>
+              </a:ln>
               <a:effectLst>
-                <a:outerShdw blurRad="63500" sx="102000" sy="102000" algn="ctr" rotWithShape="0">
-                  <a:prstClr val="black">
-                    <a:alpha val="40000"/>
-                  </a:prstClr>
-                </a:outerShdw>
+                <a:softEdge rad="152400"/>
               </a:effectLst>
             </p:spPr>
             <p:txBody>
@@ -4479,7 +4987,7 @@
             </p:txBody>
           </p:sp>
         </mc:Choice>
-        <mc:Fallback xmlns="">
+        <mc:Fallback>
           <p:sp>
             <p:nvSpPr>
               <p:cNvPr id="16" name="文本框 15">
@@ -4496,24 +5004,23 @@
             </p:nvSpPr>
             <p:spPr>
               <a:xfrm>
-                <a:off x="6439239" y="2660327"/>
+                <a:off x="6289634" y="2499130"/>
                 <a:ext cx="488659" cy="369332"/>
               </a:xfrm>
               <a:prstGeom prst="rect">
                 <a:avLst/>
               </a:prstGeom>
               <a:blipFill>
-                <a:blip r:embed="rId7"/>
+                <a:blip r:embed="rId8"/>
                 <a:stretch>
-                  <a:fillRect/>
+                  <a:fillRect l="-5000" b="-14754"/>
                 </a:stretch>
               </a:blipFill>
+              <a:ln>
+                <a:noFill/>
+              </a:ln>
               <a:effectLst>
-                <a:outerShdw blurRad="63500" sx="102000" sy="102000" algn="ctr" rotWithShape="0">
-                  <a:prstClr val="black">
-                    <a:alpha val="40000"/>
-                  </a:prstClr>
-                </a:outerShdw>
+                <a:softEdge rad="152400"/>
               </a:effectLst>
             </p:spPr>
             <p:txBody>
@@ -4531,8 +5038,8 @@
           </p:sp>
         </mc:Fallback>
       </mc:AlternateContent>
-      <mc:AlternateContent xmlns:mc="http://schemas.openxmlformats.org/markup-compatibility/2006" xmlns:a14="http://schemas.microsoft.com/office/drawing/2010/main">
-        <mc:Choice Requires="a14">
+      <mc:AlternateContent xmlns:mc="http://schemas.openxmlformats.org/markup-compatibility/2006">
+        <mc:Choice xmlns:a14="http://schemas.microsoft.com/office/drawing/2010/main" Requires="a14">
           <p:sp>
             <p:nvSpPr>
               <p:cNvPr id="17" name="文本框 16">
@@ -4546,20 +5053,18 @@
               <p:nvPr/>
             </p:nvSpPr>
             <p:spPr>
-              <a:xfrm rot="21287347">
-                <a:off x="5258936" y="2652519"/>
-                <a:ext cx="1066639" cy="276999"/>
+              <a:xfrm rot="21295459">
+                <a:off x="5005774" y="2665043"/>
+                <a:ext cx="1303947" cy="276999"/>
               </a:xfrm>
               <a:prstGeom prst="rect">
                 <a:avLst/>
               </a:prstGeom>
-              <a:noFill/>
+              <a:solidFill>
+                <a:schemeClr val="bg1"/>
+              </a:solidFill>
               <a:effectLst>
-                <a:outerShdw blurRad="63500" sx="102000" sy="102000" algn="ctr" rotWithShape="0">
-                  <a:prstClr val="black">
-                    <a:alpha val="40000"/>
-                  </a:prstClr>
-                </a:outerShdw>
+                <a:softEdge rad="88900"/>
               </a:effectLst>
             </p:spPr>
             <p:txBody>
@@ -4587,7 +5092,70 @@
                           </a:effectLst>
                           <a:latin typeface="Cambria Math" panose="02040503050406030204" pitchFamily="18" charset="0"/>
                         </a:rPr>
-                        <m:t>𝑈</m:t>
+                        <m:t>+</m:t>
+                      </m:r>
+                      <m:sSub>
+                        <m:sSubPr>
+                          <m:ctrlPr>
+                            <a:rPr lang="en-US" altLang="zh-CN" sz="1200" i="1" smtClean="0">
+                              <a:solidFill>
+                                <a:srgbClr val="DB103A"/>
+                              </a:solidFill>
+                              <a:effectLst>
+                                <a:outerShdw blurRad="127000" sx="107000" sy="107000" algn="ctr" rotWithShape="0">
+                                  <a:schemeClr val="bg1"/>
+                                </a:outerShdw>
+                              </a:effectLst>
+                              <a:latin typeface="Cambria Math" panose="02040503050406030204" pitchFamily="18" charset="0"/>
+                            </a:rPr>
+                          </m:ctrlPr>
+                        </m:sSubPr>
+                        <m:e>
+                          <m:r>
+                            <a:rPr lang="en-US" altLang="zh-CN" sz="1200" b="0" i="1" smtClean="0">
+                              <a:solidFill>
+                                <a:srgbClr val="DB103A"/>
+                              </a:solidFill>
+                              <a:effectLst>
+                                <a:outerShdw blurRad="127000" sx="107000" sy="107000" algn="ctr" rotWithShape="0">
+                                  <a:schemeClr val="bg1"/>
+                                </a:outerShdw>
+                              </a:effectLst>
+                              <a:latin typeface="Cambria Math" panose="02040503050406030204" pitchFamily="18" charset="0"/>
+                            </a:rPr>
+                            <m:t>𝑉</m:t>
+                          </m:r>
+                        </m:e>
+                        <m:sub>
+                          <m:r>
+                            <a:rPr lang="en-US" altLang="zh-CN" sz="1200" b="0" i="1" smtClean="0">
+                              <a:solidFill>
+                                <a:srgbClr val="DB103A"/>
+                              </a:solidFill>
+                              <a:effectLst>
+                                <a:outerShdw blurRad="127000" sx="107000" sy="107000" algn="ctr" rotWithShape="0">
+                                  <a:schemeClr val="bg1"/>
+                                </a:outerShdw>
+                              </a:effectLst>
+                              <a:latin typeface="Cambria Math" panose="02040503050406030204" pitchFamily="18" charset="0"/>
+                            </a:rPr>
+                            <m:t>𝐵</m:t>
+                          </m:r>
+                        </m:sub>
+                      </m:sSub>
+                      <m:r>
+                        <a:rPr lang="en-US" altLang="zh-CN" sz="1200" b="0" i="1" smtClean="0">
+                          <a:solidFill>
+                            <a:srgbClr val="DB103A"/>
+                          </a:solidFill>
+                          <a:effectLst>
+                            <a:outerShdw blurRad="127000" sx="107000" sy="107000" algn="ctr" rotWithShape="0">
+                              <a:schemeClr val="bg1"/>
+                            </a:outerShdw>
+                          </a:effectLst>
+                          <a:latin typeface="Cambria Math" panose="02040503050406030204" pitchFamily="18" charset="0"/>
+                        </a:rPr>
+                        <m:t> </m:t>
                       </m:r>
                       <m:r>
                         <a:rPr lang="en-US" altLang="zh-CN" sz="1200" b="0" i="1" smtClean="0">
@@ -4601,7 +5169,7 @@
                           </a:effectLst>
                           <a:latin typeface="Cambria Math" panose="02040503050406030204" pitchFamily="18" charset="0"/>
                         </a:rPr>
-                        <m:t>=+58</m:t>
+                        <m:t>𝑔𝑢𝑠𝑡</m:t>
                       </m:r>
                       <m:r>
                         <a:rPr lang="en-US" altLang="zh-CN" sz="1200" b="0" i="1" smtClean="0">
@@ -4615,7 +5183,21 @@
                           </a:effectLst>
                           <a:latin typeface="Cambria Math" panose="02040503050406030204" pitchFamily="18" charset="0"/>
                         </a:rPr>
-                        <m:t>𝑓𝑝𝑠</m:t>
+                        <m:t>−</m:t>
+                      </m:r>
+                      <m:r>
+                        <a:rPr lang="en-US" altLang="zh-CN" sz="1200" b="0" i="1" smtClean="0">
+                          <a:solidFill>
+                            <a:srgbClr val="DB103A"/>
+                          </a:solidFill>
+                          <a:effectLst>
+                            <a:outerShdw blurRad="127000" sx="107000" sy="107000" algn="ctr" rotWithShape="0">
+                              <a:schemeClr val="bg1"/>
+                            </a:outerShdw>
+                          </a:effectLst>
+                          <a:latin typeface="Cambria Math" panose="02040503050406030204" pitchFamily="18" charset="0"/>
+                        </a:rPr>
+                        <m:t>𝑙𝑖𝑛𝑒</m:t>
                       </m:r>
                     </m:oMath>
                   </m:oMathPara>
@@ -4634,7 +5216,7 @@
             </p:txBody>
           </p:sp>
         </mc:Choice>
-        <mc:Fallback xmlns="">
+        <mc:Fallback>
           <p:sp>
             <p:nvSpPr>
               <p:cNvPr id="17" name="文本框 16">
@@ -4650,25 +5232,21 @@
               <p:nvPr/>
             </p:nvSpPr>
             <p:spPr>
-              <a:xfrm rot="21287347">
-                <a:off x="5258936" y="2652519"/>
-                <a:ext cx="1066639" cy="276999"/>
+              <a:xfrm rot="21295459">
+                <a:off x="5005774" y="2665043"/>
+                <a:ext cx="1303947" cy="276999"/>
               </a:xfrm>
               <a:prstGeom prst="rect">
                 <a:avLst/>
               </a:prstGeom>
               <a:blipFill>
-                <a:blip r:embed="rId8"/>
+                <a:blip r:embed="rId9"/>
                 <a:stretch>
-                  <a:fillRect/>
+                  <a:fillRect l="-459" b="-4615"/>
                 </a:stretch>
               </a:blipFill>
               <a:effectLst>
-                <a:outerShdw blurRad="63500" sx="102000" sy="102000" algn="ctr" rotWithShape="0">
-                  <a:prstClr val="black">
-                    <a:alpha val="40000"/>
-                  </a:prstClr>
-                </a:outerShdw>
+                <a:softEdge rad="88900"/>
               </a:effectLst>
             </p:spPr>
             <p:txBody>
@@ -4686,767 +5264,8 @@
           </p:sp>
         </mc:Fallback>
       </mc:AlternateContent>
-      <mc:AlternateContent xmlns:mc="http://schemas.openxmlformats.org/markup-compatibility/2006" xmlns:a14="http://schemas.microsoft.com/office/drawing/2010/main">
-        <mc:Choice Requires="a14">
-          <p:sp>
-            <p:nvSpPr>
-              <p:cNvPr id="18" name="文本框 17">
-                <a:extLst>
-                  <a:ext uri="{FF2B5EF4-FFF2-40B4-BE49-F238E27FC236}">
-                    <a16:creationId xmlns:a16="http://schemas.microsoft.com/office/drawing/2014/main" id="{1F886CD0-38F7-CC38-37B3-48CB7CE4F726}"/>
-                  </a:ext>
-                </a:extLst>
-              </p:cNvPr>
-              <p:cNvSpPr txBox="1"/>
-              <p:nvPr/>
-            </p:nvSpPr>
-            <p:spPr>
-              <a:xfrm rot="21434977">
-                <a:off x="6651849" y="2891159"/>
-                <a:ext cx="1066639" cy="276999"/>
-              </a:xfrm>
-              <a:prstGeom prst="rect">
-                <a:avLst/>
-              </a:prstGeom>
-              <a:noFill/>
-              <a:effectLst>
-                <a:outerShdw blurRad="88900" sx="107000" sy="107000" algn="ctr" rotWithShape="0">
-                  <a:schemeClr val="accent3"/>
-                </a:outerShdw>
-              </a:effectLst>
-            </p:spPr>
-            <p:txBody>
-              <a:bodyPr wrap="none" rtlCol="0">
-                <a:spAutoFit/>
-              </a:bodyPr>
-              <a:lstStyle/>
-              <a:p>
-                <a:pPr/>
-                <a14:m>
-                  <m:oMathPara xmlns:m="http://schemas.openxmlformats.org/officeDocument/2006/math">
-                    <m:oMathParaPr>
-                      <m:jc m:val="centerGroup"/>
-                    </m:oMathParaPr>
-                    <m:oMath xmlns:m="http://schemas.openxmlformats.org/officeDocument/2006/math">
-                      <m:r>
-                        <a:rPr lang="en-US" altLang="zh-CN" sz="1200" i="1" smtClean="0">
-                          <a:solidFill>
-                            <a:srgbClr val="EC6133"/>
-                          </a:solidFill>
-                          <a:effectLst>
-                            <a:outerShdw blurRad="127000" sx="107000" sy="107000" algn="ctr" rotWithShape="0">
-                              <a:schemeClr val="bg1"/>
-                            </a:outerShdw>
-                          </a:effectLst>
-                          <a:latin typeface="Cambria Math" panose="02040503050406030204" pitchFamily="18" charset="0"/>
-                        </a:rPr>
-                        <m:t>𝑈</m:t>
-                      </m:r>
-                      <m:r>
-                        <a:rPr lang="en-US" altLang="zh-CN" sz="1200" b="0" i="1" smtClean="0">
-                          <a:solidFill>
-                            <a:srgbClr val="EC6133"/>
-                          </a:solidFill>
-                          <a:effectLst>
-                            <a:outerShdw blurRad="127000" sx="107000" sy="107000" algn="ctr" rotWithShape="0">
-                              <a:schemeClr val="bg1"/>
-                            </a:outerShdw>
-                          </a:effectLst>
-                          <a:latin typeface="Cambria Math" panose="02040503050406030204" pitchFamily="18" charset="0"/>
-                        </a:rPr>
-                        <m:t>=+43</m:t>
-                      </m:r>
-                      <m:r>
-                        <a:rPr lang="en-US" altLang="zh-CN" sz="1200" b="0" i="1" smtClean="0">
-                          <a:solidFill>
-                            <a:srgbClr val="EC6133"/>
-                          </a:solidFill>
-                          <a:effectLst>
-                            <a:outerShdw blurRad="127000" sx="107000" sy="107000" algn="ctr" rotWithShape="0">
-                              <a:schemeClr val="bg1"/>
-                            </a:outerShdw>
-                          </a:effectLst>
-                          <a:latin typeface="Cambria Math" panose="02040503050406030204" pitchFamily="18" charset="0"/>
-                        </a:rPr>
-                        <m:t>𝑓𝑝𝑠</m:t>
-                      </m:r>
-                    </m:oMath>
-                  </m:oMathPara>
-                </a14:m>
-                <a:endParaRPr lang="zh-CN" altLang="en-US" sz="1200" dirty="0">
-                  <a:solidFill>
-                    <a:srgbClr val="EC6133"/>
-                  </a:solidFill>
-                  <a:effectLst>
-                    <a:outerShdw blurRad="127000" sx="107000" sy="107000" algn="ctr" rotWithShape="0">
-                      <a:schemeClr val="bg1"/>
-                    </a:outerShdw>
-                  </a:effectLst>
-                </a:endParaRPr>
-              </a:p>
-            </p:txBody>
-          </p:sp>
-        </mc:Choice>
-        <mc:Fallback xmlns="">
-          <p:sp>
-            <p:nvSpPr>
-              <p:cNvPr id="18" name="文本框 17">
-                <a:extLst>
-                  <a:ext uri="{FF2B5EF4-FFF2-40B4-BE49-F238E27FC236}">
-                    <a16:creationId xmlns:a16="http://schemas.microsoft.com/office/drawing/2014/main" id="{1F886CD0-38F7-CC38-37B3-48CB7CE4F726}"/>
-                  </a:ext>
-                </a:extLst>
-              </p:cNvPr>
-              <p:cNvSpPr txBox="1">
-                <a:spLocks noRot="1" noChangeAspect="1" noMove="1" noResize="1" noEditPoints="1" noAdjustHandles="1" noChangeArrowheads="1" noChangeShapeType="1" noTextEdit="1"/>
-              </p:cNvSpPr>
-              <p:nvPr/>
-            </p:nvSpPr>
-            <p:spPr>
-              <a:xfrm rot="21434977">
-                <a:off x="6651849" y="2891159"/>
-                <a:ext cx="1066639" cy="276999"/>
-              </a:xfrm>
-              <a:prstGeom prst="rect">
-                <a:avLst/>
-              </a:prstGeom>
-              <a:blipFill>
-                <a:blip r:embed="rId9"/>
-                <a:stretch>
-                  <a:fillRect/>
-                </a:stretch>
-              </a:blipFill>
-              <a:effectLst>
-                <a:outerShdw blurRad="88900" sx="107000" sy="107000" algn="ctr" rotWithShape="0">
-                  <a:schemeClr val="accent3"/>
-                </a:outerShdw>
-              </a:effectLst>
-            </p:spPr>
-            <p:txBody>
-              <a:bodyPr/>
-              <a:lstStyle/>
-              <a:p>
-                <a:r>
-                  <a:rPr lang="zh-CN" altLang="en-US">
-                    <a:noFill/>
-                  </a:rPr>
-                  <a:t> </a:t>
-                </a:r>
-              </a:p>
-            </p:txBody>
-          </p:sp>
-        </mc:Fallback>
-      </mc:AlternateContent>
-      <mc:AlternateContent xmlns:mc="http://schemas.openxmlformats.org/markup-compatibility/2006" xmlns:a14="http://schemas.microsoft.com/office/drawing/2010/main">
-        <mc:Choice Requires="a14">
-          <p:sp>
-            <p:nvSpPr>
-              <p:cNvPr id="23" name="文本框 22">
-                <a:extLst>
-                  <a:ext uri="{FF2B5EF4-FFF2-40B4-BE49-F238E27FC236}">
-                    <a16:creationId xmlns:a16="http://schemas.microsoft.com/office/drawing/2014/main" id="{72096AA8-2AB7-17E0-A038-EDACD1D7DDDA}"/>
-                  </a:ext>
-                </a:extLst>
-              </p:cNvPr>
-              <p:cNvSpPr txBox="1"/>
-              <p:nvPr/>
-            </p:nvSpPr>
-            <p:spPr>
-              <a:xfrm>
-                <a:off x="8411466" y="3055090"/>
-                <a:ext cx="1066639" cy="276999"/>
-              </a:xfrm>
-              <a:prstGeom prst="rect">
-                <a:avLst/>
-              </a:prstGeom>
-              <a:noFill/>
-              <a:effectLst>
-                <a:outerShdw blurRad="88900" sx="107000" sy="107000" algn="ctr" rotWithShape="0">
-                  <a:schemeClr val="accent3"/>
-                </a:outerShdw>
-              </a:effectLst>
-            </p:spPr>
-            <p:txBody>
-              <a:bodyPr wrap="none" rtlCol="0">
-                <a:spAutoFit/>
-              </a:bodyPr>
-              <a:lstStyle/>
-              <a:p>
-                <a:pPr/>
-                <a14:m>
-                  <m:oMathPara xmlns:m="http://schemas.openxmlformats.org/officeDocument/2006/math">
-                    <m:oMathParaPr>
-                      <m:jc m:val="centerGroup"/>
-                    </m:oMathParaPr>
-                    <m:oMath xmlns:m="http://schemas.openxmlformats.org/officeDocument/2006/math">
-                      <m:r>
-                        <a:rPr lang="en-US" altLang="zh-CN" sz="1200" i="1" smtClean="0">
-                          <a:solidFill>
-                            <a:srgbClr val="C71485"/>
-                          </a:solidFill>
-                          <a:effectLst>
-                            <a:outerShdw blurRad="127000" sx="107000" sy="107000" algn="ctr" rotWithShape="0">
-                              <a:schemeClr val="bg1"/>
-                            </a:outerShdw>
-                          </a:effectLst>
-                          <a:latin typeface="Cambria Math" panose="02040503050406030204" pitchFamily="18" charset="0"/>
-                        </a:rPr>
-                        <m:t>𝑈</m:t>
-                      </m:r>
-                      <m:r>
-                        <a:rPr lang="en-US" altLang="zh-CN" sz="1200" b="0" i="1" smtClean="0">
-                          <a:solidFill>
-                            <a:srgbClr val="C71485"/>
-                          </a:solidFill>
-                          <a:effectLst>
-                            <a:outerShdw blurRad="127000" sx="107000" sy="107000" algn="ctr" rotWithShape="0">
-                              <a:schemeClr val="bg1"/>
-                            </a:outerShdw>
-                          </a:effectLst>
-                          <a:latin typeface="Cambria Math" panose="02040503050406030204" pitchFamily="18" charset="0"/>
-                        </a:rPr>
-                        <m:t>=+22</m:t>
-                      </m:r>
-                      <m:r>
-                        <a:rPr lang="en-US" altLang="zh-CN" sz="1200" b="0" i="1" smtClean="0">
-                          <a:solidFill>
-                            <a:srgbClr val="C71485"/>
-                          </a:solidFill>
-                          <a:effectLst>
-                            <a:outerShdw blurRad="127000" sx="107000" sy="107000" algn="ctr" rotWithShape="0">
-                              <a:schemeClr val="bg1"/>
-                            </a:outerShdw>
-                          </a:effectLst>
-                          <a:latin typeface="Cambria Math" panose="02040503050406030204" pitchFamily="18" charset="0"/>
-                        </a:rPr>
-                        <m:t>𝑓𝑝𝑠</m:t>
-                      </m:r>
-                    </m:oMath>
-                  </m:oMathPara>
-                </a14:m>
-                <a:endParaRPr lang="zh-CN" altLang="en-US" sz="1200" dirty="0">
-                  <a:solidFill>
-                    <a:srgbClr val="C71485"/>
-                  </a:solidFill>
-                  <a:effectLst>
-                    <a:outerShdw blurRad="127000" sx="107000" sy="107000" algn="ctr" rotWithShape="0">
-                      <a:schemeClr val="bg1"/>
-                    </a:outerShdw>
-                  </a:effectLst>
-                </a:endParaRPr>
-              </a:p>
-            </p:txBody>
-          </p:sp>
-        </mc:Choice>
-        <mc:Fallback xmlns="">
-          <p:sp>
-            <p:nvSpPr>
-              <p:cNvPr id="23" name="文本框 22">
-                <a:extLst>
-                  <a:ext uri="{FF2B5EF4-FFF2-40B4-BE49-F238E27FC236}">
-                    <a16:creationId xmlns:a16="http://schemas.microsoft.com/office/drawing/2014/main" id="{72096AA8-2AB7-17E0-A038-EDACD1D7DDDA}"/>
-                  </a:ext>
-                </a:extLst>
-              </p:cNvPr>
-              <p:cNvSpPr txBox="1">
-                <a:spLocks noRot="1" noChangeAspect="1" noMove="1" noResize="1" noEditPoints="1" noAdjustHandles="1" noChangeArrowheads="1" noChangeShapeType="1" noTextEdit="1"/>
-              </p:cNvSpPr>
-              <p:nvPr/>
-            </p:nvSpPr>
-            <p:spPr>
-              <a:xfrm>
-                <a:off x="8411466" y="3055090"/>
-                <a:ext cx="1066639" cy="276999"/>
-              </a:xfrm>
-              <a:prstGeom prst="rect">
-                <a:avLst/>
-              </a:prstGeom>
-              <a:blipFill>
-                <a:blip r:embed="rId10"/>
-                <a:stretch>
-                  <a:fillRect/>
-                </a:stretch>
-              </a:blipFill>
-              <a:effectLst>
-                <a:outerShdw blurRad="88900" sx="107000" sy="107000" algn="ctr" rotWithShape="0">
-                  <a:schemeClr val="accent3"/>
-                </a:outerShdw>
-              </a:effectLst>
-            </p:spPr>
-            <p:txBody>
-              <a:bodyPr/>
-              <a:lstStyle/>
-              <a:p>
-                <a:r>
-                  <a:rPr lang="zh-CN" altLang="en-US">
-                    <a:noFill/>
-                  </a:rPr>
-                  <a:t> </a:t>
-                </a:r>
-              </a:p>
-            </p:txBody>
-          </p:sp>
-        </mc:Fallback>
-      </mc:AlternateContent>
-      <mc:AlternateContent xmlns:mc="http://schemas.openxmlformats.org/markup-compatibility/2006" xmlns:a14="http://schemas.microsoft.com/office/drawing/2010/main">
-        <mc:Choice Requires="a14">
-          <p:sp>
-            <p:nvSpPr>
-              <p:cNvPr id="24" name="文本框 23">
-                <a:extLst>
-                  <a:ext uri="{FF2B5EF4-FFF2-40B4-BE49-F238E27FC236}">
-                    <a16:creationId xmlns:a16="http://schemas.microsoft.com/office/drawing/2014/main" id="{0DA9D31C-8FC2-FE73-9156-EDBFB9A4A6AD}"/>
-                  </a:ext>
-                </a:extLst>
-              </p:cNvPr>
-              <p:cNvSpPr txBox="1"/>
-              <p:nvPr/>
-            </p:nvSpPr>
-            <p:spPr>
-              <a:xfrm>
-                <a:off x="8411465" y="3454189"/>
-                <a:ext cx="1066639" cy="276999"/>
-              </a:xfrm>
-              <a:prstGeom prst="rect">
-                <a:avLst/>
-              </a:prstGeom>
-              <a:noFill/>
-              <a:effectLst>
-                <a:outerShdw blurRad="88900" sx="107000" sy="107000" algn="ctr" rotWithShape="0">
-                  <a:schemeClr val="accent3"/>
-                </a:outerShdw>
-              </a:effectLst>
-            </p:spPr>
-            <p:txBody>
-              <a:bodyPr wrap="none" rtlCol="0">
-                <a:spAutoFit/>
-              </a:bodyPr>
-              <a:lstStyle/>
-              <a:p>
-                <a:pPr/>
-                <a14:m>
-                  <m:oMathPara xmlns:m="http://schemas.openxmlformats.org/officeDocument/2006/math">
-                    <m:oMathParaPr>
-                      <m:jc m:val="centerGroup"/>
-                    </m:oMathParaPr>
-                    <m:oMath xmlns:m="http://schemas.openxmlformats.org/officeDocument/2006/math">
-                      <m:r>
-                        <a:rPr lang="en-US" altLang="zh-CN" sz="1200" i="1" smtClean="0">
-                          <a:solidFill>
-                            <a:srgbClr val="C71485"/>
-                          </a:solidFill>
-                          <a:effectLst>
-                            <a:outerShdw blurRad="127000" sx="107000" sy="107000" algn="ctr" rotWithShape="0">
-                              <a:schemeClr val="bg1"/>
-                            </a:outerShdw>
-                          </a:effectLst>
-                          <a:latin typeface="Cambria Math" panose="02040503050406030204" pitchFamily="18" charset="0"/>
-                        </a:rPr>
-                        <m:t>𝑈</m:t>
-                      </m:r>
-                      <m:r>
-                        <a:rPr lang="en-US" altLang="zh-CN" sz="1200" b="0" i="1" smtClean="0">
-                          <a:solidFill>
-                            <a:srgbClr val="C71485"/>
-                          </a:solidFill>
-                          <a:effectLst>
-                            <a:outerShdw blurRad="127000" sx="107000" sy="107000" algn="ctr" rotWithShape="0">
-                              <a:schemeClr val="bg1"/>
-                            </a:outerShdw>
-                          </a:effectLst>
-                          <a:latin typeface="Cambria Math" panose="02040503050406030204" pitchFamily="18" charset="0"/>
-                        </a:rPr>
-                        <m:t>=−22</m:t>
-                      </m:r>
-                      <m:r>
-                        <a:rPr lang="en-US" altLang="zh-CN" sz="1200" b="0" i="1" smtClean="0">
-                          <a:solidFill>
-                            <a:srgbClr val="C71485"/>
-                          </a:solidFill>
-                          <a:effectLst>
-                            <a:outerShdw blurRad="127000" sx="107000" sy="107000" algn="ctr" rotWithShape="0">
-                              <a:schemeClr val="bg1"/>
-                            </a:outerShdw>
-                          </a:effectLst>
-                          <a:latin typeface="Cambria Math" panose="02040503050406030204" pitchFamily="18" charset="0"/>
-                        </a:rPr>
-                        <m:t>𝑓𝑝𝑠</m:t>
-                      </m:r>
-                    </m:oMath>
-                  </m:oMathPara>
-                </a14:m>
-                <a:endParaRPr lang="zh-CN" altLang="en-US" sz="1200" dirty="0">
-                  <a:solidFill>
-                    <a:srgbClr val="C71485"/>
-                  </a:solidFill>
-                  <a:effectLst>
-                    <a:outerShdw blurRad="127000" sx="107000" sy="107000" algn="ctr" rotWithShape="0">
-                      <a:schemeClr val="bg1"/>
-                    </a:outerShdw>
-                  </a:effectLst>
-                </a:endParaRPr>
-              </a:p>
-            </p:txBody>
-          </p:sp>
-        </mc:Choice>
-        <mc:Fallback xmlns="">
-          <p:sp>
-            <p:nvSpPr>
-              <p:cNvPr id="24" name="文本框 23">
-                <a:extLst>
-                  <a:ext uri="{FF2B5EF4-FFF2-40B4-BE49-F238E27FC236}">
-                    <a16:creationId xmlns:a16="http://schemas.microsoft.com/office/drawing/2014/main" id="{0DA9D31C-8FC2-FE73-9156-EDBFB9A4A6AD}"/>
-                  </a:ext>
-                </a:extLst>
-              </p:cNvPr>
-              <p:cNvSpPr txBox="1">
-                <a:spLocks noRot="1" noChangeAspect="1" noMove="1" noResize="1" noEditPoints="1" noAdjustHandles="1" noChangeArrowheads="1" noChangeShapeType="1" noTextEdit="1"/>
-              </p:cNvSpPr>
-              <p:nvPr/>
-            </p:nvSpPr>
-            <p:spPr>
-              <a:xfrm>
-                <a:off x="8411465" y="3454189"/>
-                <a:ext cx="1066639" cy="276999"/>
-              </a:xfrm>
-              <a:prstGeom prst="rect">
-                <a:avLst/>
-              </a:prstGeom>
-              <a:blipFill>
-                <a:blip r:embed="rId11"/>
-                <a:stretch>
-                  <a:fillRect/>
-                </a:stretch>
-              </a:blipFill>
-              <a:effectLst>
-                <a:outerShdw blurRad="88900" sx="107000" sy="107000" algn="ctr" rotWithShape="0">
-                  <a:schemeClr val="accent3"/>
-                </a:outerShdw>
-              </a:effectLst>
-            </p:spPr>
-            <p:txBody>
-              <a:bodyPr/>
-              <a:lstStyle/>
-              <a:p>
-                <a:r>
-                  <a:rPr lang="zh-CN" altLang="en-US">
-                    <a:noFill/>
-                  </a:rPr>
-                  <a:t> </a:t>
-                </a:r>
-              </a:p>
-            </p:txBody>
-          </p:sp>
-        </mc:Fallback>
-      </mc:AlternateContent>
-      <mc:AlternateContent xmlns:mc="http://schemas.openxmlformats.org/markup-compatibility/2006" xmlns:a14="http://schemas.microsoft.com/office/drawing/2010/main">
-        <mc:Choice Requires="a14">
-          <p:sp>
-            <p:nvSpPr>
-              <p:cNvPr id="25" name="文本框 24">
-                <a:extLst>
-                  <a:ext uri="{FF2B5EF4-FFF2-40B4-BE49-F238E27FC236}">
-                    <a16:creationId xmlns:a16="http://schemas.microsoft.com/office/drawing/2014/main" id="{BCB96291-CD61-0DA3-409B-6B24AF7187D6}"/>
-                  </a:ext>
-                </a:extLst>
-              </p:cNvPr>
-              <p:cNvSpPr txBox="1"/>
-              <p:nvPr/>
-            </p:nvSpPr>
-            <p:spPr>
-              <a:xfrm rot="154388">
-                <a:off x="6648672" y="3599173"/>
-                <a:ext cx="1066639" cy="276999"/>
-              </a:xfrm>
-              <a:prstGeom prst="rect">
-                <a:avLst/>
-              </a:prstGeom>
-              <a:noFill/>
-              <a:effectLst>
-                <a:outerShdw blurRad="88900" sx="107000" sy="107000" algn="ctr" rotWithShape="0">
-                  <a:schemeClr val="accent3"/>
-                </a:outerShdw>
-              </a:effectLst>
-            </p:spPr>
-            <p:txBody>
-              <a:bodyPr wrap="none" rtlCol="0">
-                <a:spAutoFit/>
-              </a:bodyPr>
-              <a:lstStyle/>
-              <a:p>
-                <a:pPr/>
-                <a14:m>
-                  <m:oMathPara xmlns:m="http://schemas.openxmlformats.org/officeDocument/2006/math">
-                    <m:oMathParaPr>
-                      <m:jc m:val="centerGroup"/>
-                    </m:oMathParaPr>
-                    <m:oMath xmlns:m="http://schemas.openxmlformats.org/officeDocument/2006/math">
-                      <m:r>
-                        <a:rPr lang="en-US" altLang="zh-CN" sz="1200" i="1" smtClean="0">
-                          <a:solidFill>
-                            <a:srgbClr val="EC6133"/>
-                          </a:solidFill>
-                          <a:effectLst>
-                            <a:outerShdw blurRad="127000" sx="107000" sy="107000" algn="ctr" rotWithShape="0">
-                              <a:schemeClr val="bg1"/>
-                            </a:outerShdw>
-                          </a:effectLst>
-                          <a:latin typeface="Cambria Math" panose="02040503050406030204" pitchFamily="18" charset="0"/>
-                        </a:rPr>
-                        <m:t>𝑈</m:t>
-                      </m:r>
-                      <m:r>
-                        <a:rPr lang="en-US" altLang="zh-CN" sz="1200" b="0" i="1" smtClean="0">
-                          <a:solidFill>
-                            <a:srgbClr val="EC6133"/>
-                          </a:solidFill>
-                          <a:effectLst>
-                            <a:outerShdw blurRad="127000" sx="107000" sy="107000" algn="ctr" rotWithShape="0">
-                              <a:schemeClr val="bg1"/>
-                            </a:outerShdw>
-                          </a:effectLst>
-                          <a:latin typeface="Cambria Math" panose="02040503050406030204" pitchFamily="18" charset="0"/>
-                        </a:rPr>
-                        <m:t>=−43</m:t>
-                      </m:r>
-                      <m:r>
-                        <a:rPr lang="en-US" altLang="zh-CN" sz="1200" b="0" i="1" smtClean="0">
-                          <a:solidFill>
-                            <a:srgbClr val="EC6133"/>
-                          </a:solidFill>
-                          <a:effectLst>
-                            <a:outerShdw blurRad="127000" sx="107000" sy="107000" algn="ctr" rotWithShape="0">
-                              <a:schemeClr val="bg1"/>
-                            </a:outerShdw>
-                          </a:effectLst>
-                          <a:latin typeface="Cambria Math" panose="02040503050406030204" pitchFamily="18" charset="0"/>
-                        </a:rPr>
-                        <m:t>𝑓𝑝𝑠</m:t>
-                      </m:r>
-                    </m:oMath>
-                  </m:oMathPara>
-                </a14:m>
-                <a:endParaRPr lang="zh-CN" altLang="en-US" sz="1200" dirty="0">
-                  <a:solidFill>
-                    <a:srgbClr val="EC6133"/>
-                  </a:solidFill>
-                  <a:effectLst>
-                    <a:outerShdw blurRad="127000" sx="107000" sy="107000" algn="ctr" rotWithShape="0">
-                      <a:schemeClr val="bg1"/>
-                    </a:outerShdw>
-                  </a:effectLst>
-                </a:endParaRPr>
-              </a:p>
-            </p:txBody>
-          </p:sp>
-        </mc:Choice>
-        <mc:Fallback xmlns="">
-          <p:sp>
-            <p:nvSpPr>
-              <p:cNvPr id="25" name="文本框 24">
-                <a:extLst>
-                  <a:ext uri="{FF2B5EF4-FFF2-40B4-BE49-F238E27FC236}">
-                    <a16:creationId xmlns:a16="http://schemas.microsoft.com/office/drawing/2014/main" id="{BCB96291-CD61-0DA3-409B-6B24AF7187D6}"/>
-                  </a:ext>
-                </a:extLst>
-              </p:cNvPr>
-              <p:cNvSpPr txBox="1">
-                <a:spLocks noRot="1" noChangeAspect="1" noMove="1" noResize="1" noEditPoints="1" noAdjustHandles="1" noChangeArrowheads="1" noChangeShapeType="1" noTextEdit="1"/>
-              </p:cNvSpPr>
-              <p:nvPr/>
-            </p:nvSpPr>
-            <p:spPr>
-              <a:xfrm rot="154388">
-                <a:off x="6648672" y="3599173"/>
-                <a:ext cx="1066639" cy="276999"/>
-              </a:xfrm>
-              <a:prstGeom prst="rect">
-                <a:avLst/>
-              </a:prstGeom>
-              <a:blipFill>
-                <a:blip r:embed="rId12"/>
-                <a:stretch>
-                  <a:fillRect/>
-                </a:stretch>
-              </a:blipFill>
-              <a:effectLst>
-                <a:outerShdw blurRad="88900" sx="107000" sy="107000" algn="ctr" rotWithShape="0">
-                  <a:schemeClr val="accent3"/>
-                </a:outerShdw>
-              </a:effectLst>
-            </p:spPr>
-            <p:txBody>
-              <a:bodyPr/>
-              <a:lstStyle/>
-              <a:p>
-                <a:r>
-                  <a:rPr lang="zh-CN" altLang="en-US">
-                    <a:noFill/>
-                  </a:rPr>
-                  <a:t> </a:t>
-                </a:r>
-              </a:p>
-            </p:txBody>
-          </p:sp>
-        </mc:Fallback>
-      </mc:AlternateContent>
-      <mc:AlternateContent xmlns:mc="http://schemas.openxmlformats.org/markup-compatibility/2006" xmlns:a14="http://schemas.microsoft.com/office/drawing/2010/main">
-        <mc:Choice Requires="a14">
-          <p:sp>
-            <p:nvSpPr>
-              <p:cNvPr id="26" name="文本框 25">
-                <a:extLst>
-                  <a:ext uri="{FF2B5EF4-FFF2-40B4-BE49-F238E27FC236}">
-                    <a16:creationId xmlns:a16="http://schemas.microsoft.com/office/drawing/2014/main" id="{C4226847-8F06-2A8A-A3EC-ED65479CE330}"/>
-                  </a:ext>
-                </a:extLst>
-              </p:cNvPr>
-              <p:cNvSpPr txBox="1"/>
-              <p:nvPr/>
-            </p:nvSpPr>
-            <p:spPr>
-              <a:xfrm rot="364271">
-                <a:off x="5257653" y="3826812"/>
-                <a:ext cx="1066639" cy="276999"/>
-              </a:xfrm>
-              <a:prstGeom prst="rect">
-                <a:avLst/>
-              </a:prstGeom>
-              <a:noFill/>
-              <a:effectLst>
-                <a:outerShdw blurRad="63500" sx="102000" sy="102000" algn="ctr" rotWithShape="0">
-                  <a:prstClr val="black">
-                    <a:alpha val="40000"/>
-                  </a:prstClr>
-                </a:outerShdw>
-              </a:effectLst>
-            </p:spPr>
-            <p:txBody>
-              <a:bodyPr wrap="none" rtlCol="0">
-                <a:spAutoFit/>
-              </a:bodyPr>
-              <a:lstStyle/>
-              <a:p>
-                <a:pPr/>
-                <a14:m>
-                  <m:oMathPara xmlns:m="http://schemas.openxmlformats.org/officeDocument/2006/math">
-                    <m:oMathParaPr>
-                      <m:jc m:val="centerGroup"/>
-                    </m:oMathParaPr>
-                    <m:oMath xmlns:m="http://schemas.openxmlformats.org/officeDocument/2006/math">
-                      <m:r>
-                        <a:rPr lang="en-US" altLang="zh-CN" sz="1200" i="1" smtClean="0">
-                          <a:solidFill>
-                            <a:srgbClr val="DB103A"/>
-                          </a:solidFill>
-                          <a:effectLst>
-                            <a:outerShdw blurRad="127000" sx="107000" sy="107000" algn="ctr" rotWithShape="0">
-                              <a:schemeClr val="bg1"/>
-                            </a:outerShdw>
-                          </a:effectLst>
-                          <a:latin typeface="Cambria Math" panose="02040503050406030204" pitchFamily="18" charset="0"/>
-                        </a:rPr>
-                        <m:t>𝑈</m:t>
-                      </m:r>
-                      <m:r>
-                        <a:rPr lang="en-US" altLang="zh-CN" sz="1200" b="0" i="1" smtClean="0">
-                          <a:solidFill>
-                            <a:srgbClr val="DB103A"/>
-                          </a:solidFill>
-                          <a:effectLst>
-                            <a:outerShdw blurRad="127000" sx="107000" sy="107000" algn="ctr" rotWithShape="0">
-                              <a:schemeClr val="bg1"/>
-                            </a:outerShdw>
-                          </a:effectLst>
-                          <a:latin typeface="Cambria Math" panose="02040503050406030204" pitchFamily="18" charset="0"/>
-                        </a:rPr>
-                        <m:t>=−58</m:t>
-                      </m:r>
-                      <m:r>
-                        <a:rPr lang="en-US" altLang="zh-CN" sz="1200" b="0" i="1" smtClean="0">
-                          <a:solidFill>
-                            <a:srgbClr val="DB103A"/>
-                          </a:solidFill>
-                          <a:effectLst>
-                            <a:outerShdw blurRad="127000" sx="107000" sy="107000" algn="ctr" rotWithShape="0">
-                              <a:schemeClr val="bg1"/>
-                            </a:outerShdw>
-                          </a:effectLst>
-                          <a:latin typeface="Cambria Math" panose="02040503050406030204" pitchFamily="18" charset="0"/>
-                        </a:rPr>
-                        <m:t>𝑓𝑝𝑠</m:t>
-                      </m:r>
-                    </m:oMath>
-                  </m:oMathPara>
-                </a14:m>
-                <a:endParaRPr lang="zh-CN" altLang="en-US" sz="1200" dirty="0">
-                  <a:solidFill>
-                    <a:srgbClr val="DB103A"/>
-                  </a:solidFill>
-                  <a:effectLst>
-                    <a:outerShdw blurRad="127000" sx="107000" sy="107000" algn="ctr" rotWithShape="0">
-                      <a:schemeClr val="bg1"/>
-                    </a:outerShdw>
-                  </a:effectLst>
-                </a:endParaRPr>
-              </a:p>
-            </p:txBody>
-          </p:sp>
-        </mc:Choice>
-        <mc:Fallback xmlns="">
-          <p:sp>
-            <p:nvSpPr>
-              <p:cNvPr id="26" name="文本框 25">
-                <a:extLst>
-                  <a:ext uri="{FF2B5EF4-FFF2-40B4-BE49-F238E27FC236}">
-                    <a16:creationId xmlns:a16="http://schemas.microsoft.com/office/drawing/2014/main" id="{C4226847-8F06-2A8A-A3EC-ED65479CE330}"/>
-                  </a:ext>
-                </a:extLst>
-              </p:cNvPr>
-              <p:cNvSpPr txBox="1">
-                <a:spLocks noRot="1" noChangeAspect="1" noMove="1" noResize="1" noEditPoints="1" noAdjustHandles="1" noChangeArrowheads="1" noChangeShapeType="1" noTextEdit="1"/>
-              </p:cNvSpPr>
-              <p:nvPr/>
-            </p:nvSpPr>
-            <p:spPr>
-              <a:xfrm rot="364271">
-                <a:off x="5257653" y="3826812"/>
-                <a:ext cx="1066639" cy="276999"/>
-              </a:xfrm>
-              <a:prstGeom prst="rect">
-                <a:avLst/>
-              </a:prstGeom>
-              <a:blipFill>
-                <a:blip r:embed="rId13"/>
-                <a:stretch>
-                  <a:fillRect/>
-                </a:stretch>
-              </a:blipFill>
-              <a:effectLst>
-                <a:outerShdw blurRad="63500" sx="102000" sy="102000" algn="ctr" rotWithShape="0">
-                  <a:prstClr val="black">
-                    <a:alpha val="40000"/>
-                  </a:prstClr>
-                </a:outerShdw>
-              </a:effectLst>
-            </p:spPr>
-            <p:txBody>
-              <a:bodyPr/>
-              <a:lstStyle/>
-              <a:p>
-                <a:r>
-                  <a:rPr lang="zh-CN" altLang="en-US">
-                    <a:noFill/>
-                  </a:rPr>
-                  <a:t> </a:t>
-                </a:r>
-              </a:p>
-            </p:txBody>
-          </p:sp>
-        </mc:Fallback>
-      </mc:AlternateContent>
-      <mc:AlternateContent xmlns:mc="http://schemas.openxmlformats.org/markup-compatibility/2006" xmlns:a14="http://schemas.microsoft.com/office/drawing/2010/main">
-        <mc:Choice Requires="a14">
+      <mc:AlternateContent xmlns:mc="http://schemas.openxmlformats.org/markup-compatibility/2006">
+        <mc:Choice xmlns:a14="http://schemas.microsoft.com/office/drawing/2010/main" Requires="a14">
           <p:sp>
             <p:nvSpPr>
               <p:cNvPr id="27" name="文本框 26">
@@ -5567,7 +5386,7 @@
             </p:txBody>
           </p:sp>
         </mc:Choice>
-        <mc:Fallback xmlns="">
+        <mc:Fallback>
           <p:sp>
             <p:nvSpPr>
               <p:cNvPr id="27" name="文本框 26">
@@ -5591,7 +5410,7 @@
                 <a:avLst/>
               </a:prstGeom>
               <a:blipFill>
-                <a:blip r:embed="rId14"/>
+                <a:blip r:embed="rId10"/>
                 <a:stretch>
                   <a:fillRect/>
                 </a:stretch>
@@ -5617,8 +5436,8 @@
           </p:sp>
         </mc:Fallback>
       </mc:AlternateContent>
-      <mc:AlternateContent xmlns:mc="http://schemas.openxmlformats.org/markup-compatibility/2006" xmlns:a14="http://schemas.microsoft.com/office/drawing/2010/main">
-        <mc:Choice Requires="a14">
+      <mc:AlternateContent xmlns:mc="http://schemas.openxmlformats.org/markup-compatibility/2006">
+        <mc:Choice xmlns:a14="http://schemas.microsoft.com/office/drawing/2010/main" Requires="a14">
           <p:sp>
             <p:nvSpPr>
               <p:cNvPr id="28" name="文本框 27">
@@ -5633,8 +5452,8 @@
             </p:nvSpPr>
             <p:spPr>
               <a:xfrm>
-                <a:off x="5177864" y="4935729"/>
-                <a:ext cx="918136" cy="381515"/>
+                <a:off x="5336468" y="5026514"/>
+                <a:ext cx="857479" cy="433388"/>
               </a:xfrm>
               <a:prstGeom prst="rect">
                 <a:avLst/>
@@ -5676,8 +5495,76 @@
                           </m:ctrlPr>
                         </m:sSubPr>
                         <m:e>
+                          <m:sSub>
+                            <m:sSubPr>
+                              <m:ctrlPr>
+                                <a:rPr lang="en-US" altLang="zh-CN" i="1">
+                                  <a:solidFill>
+                                    <a:srgbClr val="0D0DB4"/>
+                                  </a:solidFill>
+                                  <a:effectLst>
+                                    <a:outerShdw blurRad="127000" sx="107000" sy="107000" algn="ctr" rotWithShape="0">
+                                      <a:schemeClr val="bg1"/>
+                                    </a:outerShdw>
+                                  </a:effectLst>
+                                  <a:latin typeface="Cambria Math" panose="02040503050406030204" pitchFamily="18" charset="0"/>
+                                </a:rPr>
+                              </m:ctrlPr>
+                            </m:sSubPr>
+                            <m:e>
+                              <m:r>
+                                <a:rPr lang="en-US" altLang="zh-CN" i="1">
+                                  <a:solidFill>
+                                    <a:srgbClr val="0D0DB4"/>
+                                  </a:solidFill>
+                                  <a:effectLst>
+                                    <a:outerShdw blurRad="127000" sx="107000" sy="107000" algn="ctr" rotWithShape="0">
+                                      <a:schemeClr val="bg1"/>
+                                    </a:outerShdw>
+                                  </a:effectLst>
+                                  <a:latin typeface="Cambria Math" panose="02040503050406030204" pitchFamily="18" charset="0"/>
+                                </a:rPr>
+                                <m:t>𝑉</m:t>
+                              </m:r>
+                            </m:e>
+                            <m:sub>
+                              <m:r>
+                                <a:rPr lang="en-US" altLang="zh-CN" i="1">
+                                  <a:solidFill>
+                                    <a:srgbClr val="0D0DB4"/>
+                                  </a:solidFill>
+                                  <a:effectLst>
+                                    <a:outerShdw blurRad="127000" sx="107000" sy="107000" algn="ctr" rotWithShape="0">
+                                      <a:schemeClr val="bg1"/>
+                                    </a:outerShdw>
+                                  </a:effectLst>
+                                  <a:latin typeface="Cambria Math" panose="02040503050406030204" pitchFamily="18" charset="0"/>
+                                </a:rPr>
+                                <m:t>𝑆</m:t>
+                              </m:r>
+                              <m:r>
+                                <a:rPr lang="en-US" altLang="zh-CN" i="1">
+                                  <a:solidFill>
+                                    <a:srgbClr val="0D0DB4"/>
+                                  </a:solidFill>
+                                  <a:effectLst>
+                                    <a:outerShdw blurRad="127000" sx="107000" sy="107000" algn="ctr" rotWithShape="0">
+                                      <a:schemeClr val="bg1"/>
+                                    </a:outerShdw>
+                                  </a:effectLst>
+                                  <a:latin typeface="Cambria Math" panose="02040503050406030204" pitchFamily="18" charset="0"/>
+                                </a:rPr>
+                                <m:t>1</m:t>
+                              </m:r>
+                            </m:sub>
+                          </m:sSub>
+                        </m:e>
+                        <m:sub>
                           <m:r>
-                            <a:rPr lang="en-US" altLang="zh-CN" b="0" i="1" smtClean="0">
+                            <m:rPr>
+                              <m:sty m:val="p"/>
+                            </m:rPr>
+                            <a:rPr lang="en-US" altLang="zh-CN" i="1">
                               <a:solidFill>
                                 <a:srgbClr val="0D0DB4"/>
                               </a:solidFill>
@@ -5688,51 +5575,7 @@
                               </a:effectLst>
                               <a:latin typeface="Cambria Math" panose="02040503050406030204" pitchFamily="18" charset="0"/>
                             </a:rPr>
-                            <m:t>𝑉</m:t>
-                          </m:r>
-                        </m:e>
-                        <m:sub>
-                          <m:r>
-                            <a:rPr lang="en-US" altLang="zh-CN" b="0" i="1" smtClean="0">
-                              <a:solidFill>
-                                <a:srgbClr val="0D0DB4"/>
-                              </a:solidFill>
-                              <a:effectLst>
-                                <a:outerShdw blurRad="127000" sx="107000" sy="107000" algn="ctr" rotWithShape="0">
-                                  <a:schemeClr val="bg1"/>
-                                </a:outerShdw>
-                              </a:effectLst>
-                              <a:latin typeface="Cambria Math" panose="02040503050406030204" pitchFamily="18" charset="0"/>
-                            </a:rPr>
-                            <m:t>𝑆</m:t>
-                          </m:r>
-                          <m:r>
-                            <a:rPr lang="en-US" altLang="zh-CN" b="0" i="1" smtClean="0">
-                              <a:solidFill>
-                                <a:srgbClr val="0D0DB4"/>
-                              </a:solidFill>
-                              <a:effectLst>
-                                <a:outerShdw blurRad="127000" sx="107000" sy="107000" algn="ctr" rotWithShape="0">
-                                  <a:schemeClr val="bg1"/>
-                                </a:outerShdw>
-                              </a:effectLst>
-                              <a:latin typeface="Cambria Math" panose="02040503050406030204" pitchFamily="18" charset="0"/>
-                            </a:rPr>
-                            <m:t>1,</m:t>
-                          </m:r>
-                          <m:r>
-                            <a:rPr lang="en-US" altLang="zh-CN" b="0" i="1" smtClean="0">
-                              <a:solidFill>
-                                <a:srgbClr val="0D0DB4"/>
-                              </a:solidFill>
-                              <a:effectLst>
-                                <a:outerShdw blurRad="127000" sx="107000" sy="107000" algn="ctr" rotWithShape="0">
-                                  <a:schemeClr val="bg1"/>
-                                </a:outerShdw>
-                              </a:effectLst>
-                              <a:latin typeface="Cambria Math" panose="02040503050406030204" pitchFamily="18" charset="0"/>
-                            </a:rPr>
-                            <m:t>𝑚𝑖𝑛</m:t>
+                            <m:t>neg</m:t>
                           </m:r>
                         </m:sub>
                       </m:sSub>
@@ -5753,7 +5596,7 @@
             </p:txBody>
           </p:sp>
         </mc:Choice>
-        <mc:Fallback xmlns="">
+        <mc:Fallback>
           <p:sp>
             <p:nvSpPr>
               <p:cNvPr id="28" name="文本框 27">
@@ -5770,14 +5613,14 @@
             </p:nvSpPr>
             <p:spPr>
               <a:xfrm>
-                <a:off x="5177864" y="4935729"/>
-                <a:ext cx="918136" cy="381515"/>
+                <a:off x="5336468" y="5026514"/>
+                <a:ext cx="857479" cy="433388"/>
               </a:xfrm>
               <a:prstGeom prst="rect">
                 <a:avLst/>
               </a:prstGeom>
               <a:blipFill>
-                <a:blip r:embed="rId15"/>
+                <a:blip r:embed="rId11"/>
                 <a:stretch>
                   <a:fillRect/>
                 </a:stretch>
@@ -6162,8 +6005,8 @@
           </p:sp>
         </mc:Fallback>
       </mc:AlternateContent>
-      <mc:AlternateContent xmlns:mc="http://schemas.openxmlformats.org/markup-compatibility/2006" xmlns:a14="http://schemas.microsoft.com/office/drawing/2010/main">
-        <mc:Choice Requires="a14">
+      <mc:AlternateContent xmlns:mc="http://schemas.openxmlformats.org/markup-compatibility/2006">
+        <mc:Choice xmlns:a14="http://schemas.microsoft.com/office/drawing/2010/main" Requires="a14">
           <p:sp>
             <p:nvSpPr>
               <p:cNvPr id="51" name="文本框 50">
@@ -6184,11 +6027,11 @@
               <a:prstGeom prst="rect">
                 <a:avLst/>
               </a:prstGeom>
-              <a:noFill/>
+              <a:solidFill>
+                <a:schemeClr val="bg1"/>
+              </a:solidFill>
               <a:effectLst>
-                <a:outerShdw blurRad="88900" sx="107000" sy="107000" algn="ctr" rotWithShape="0">
-                  <a:prstClr val="black"/>
-                </a:outerShdw>
+                <a:softEdge rad="88900"/>
               </a:effectLst>
             </p:spPr>
             <p:txBody>
@@ -6309,7 +6152,7 @@
             </p:txBody>
           </p:sp>
         </mc:Choice>
-        <mc:Fallback xmlns="">
+        <mc:Fallback>
           <p:sp>
             <p:nvSpPr>
               <p:cNvPr id="51" name="文本框 50">
@@ -6335,13 +6178,11 @@
               <a:blipFill>
                 <a:blip r:embed="rId18"/>
                 <a:stretch>
-                  <a:fillRect/>
+                  <a:fillRect l="-2874" b="-11842"/>
                 </a:stretch>
               </a:blipFill>
               <a:effectLst>
-                <a:outerShdw blurRad="88900" sx="107000" sy="107000" algn="ctr" rotWithShape="0">
-                  <a:prstClr val="black"/>
-                </a:outerShdw>
+                <a:softEdge rad="88900"/>
               </a:effectLst>
             </p:spPr>
             <p:txBody>
@@ -6375,7 +6216,7 @@
             </p:nvSpPr>
             <p:spPr>
               <a:xfrm>
-                <a:off x="6380405" y="1009461"/>
+                <a:off x="6474148" y="1009314"/>
                 <a:ext cx="1677062" cy="276999"/>
               </a:xfrm>
               <a:prstGeom prst="rect">
@@ -6519,7 +6360,7 @@
             </p:nvSpPr>
             <p:spPr>
               <a:xfrm>
-                <a:off x="6380405" y="1009461"/>
+                <a:off x="6474148" y="1009314"/>
                 <a:ext cx="1677062" cy="276999"/>
               </a:xfrm>
               <a:prstGeom prst="rect">
@@ -6528,7 +6369,7 @@
               <a:blipFill>
                 <a:blip r:embed="rId19"/>
                 <a:stretch>
-                  <a:fillRect l="-1444" b="-2128"/>
+                  <a:fillRect l="-1083" b="-2128"/>
                 </a:stretch>
               </a:blipFill>
               <a:ln>
@@ -6555,8 +6396,8 @@
           </p:sp>
         </mc:Fallback>
       </mc:AlternateContent>
-      <mc:AlternateContent xmlns:mc="http://schemas.openxmlformats.org/markup-compatibility/2006" xmlns:a14="http://schemas.microsoft.com/office/drawing/2010/main">
-        <mc:Choice Requires="a14">
+      <mc:AlternateContent xmlns:mc="http://schemas.openxmlformats.org/markup-compatibility/2006">
+        <mc:Choice xmlns:a14="http://schemas.microsoft.com/office/drawing/2010/main" Requires="a14">
           <p:sp>
             <p:nvSpPr>
               <p:cNvPr id="58" name="文本框 57">
@@ -6577,11 +6418,11 @@
               <a:prstGeom prst="rect">
                 <a:avLst/>
               </a:prstGeom>
-              <a:noFill/>
+              <a:solidFill>
+                <a:schemeClr val="bg1"/>
+              </a:solidFill>
               <a:effectLst>
-                <a:outerShdw blurRad="88900" sx="107000" sy="107000" algn="ctr" rotWithShape="0">
-                  <a:prstClr val="black"/>
-                </a:outerShdw>
+                <a:softEdge rad="88900"/>
               </a:effectLst>
             </p:spPr>
             <p:txBody>
@@ -6702,7 +6543,7 @@
             </p:txBody>
           </p:sp>
         </mc:Choice>
-        <mc:Fallback xmlns="">
+        <mc:Fallback>
           <p:sp>
             <p:nvSpPr>
               <p:cNvPr id="58" name="文本框 57">
@@ -6728,13 +6569,11 @@
               <a:blipFill>
                 <a:blip r:embed="rId20"/>
                 <a:stretch>
-                  <a:fillRect/>
+                  <a:fillRect l="-2286" b="-11842"/>
                 </a:stretch>
               </a:blipFill>
               <a:effectLst>
-                <a:outerShdw blurRad="88900" sx="107000" sy="107000" algn="ctr" rotWithShape="0">
-                  <a:prstClr val="black"/>
-                </a:outerShdw>
+                <a:softEdge rad="88900"/>
               </a:effectLst>
             </p:spPr>
             <p:txBody>
@@ -7007,11 +6846,11 @@
               <a:prstGeom prst="rect">
                 <a:avLst/>
               </a:prstGeom>
-              <a:noFill/>
+              <a:solidFill>
+                <a:schemeClr val="bg1"/>
+              </a:solidFill>
               <a:effectLst>
-                <a:outerShdw blurRad="88900" sx="107000" sy="107000" algn="ctr" rotWithShape="0">
-                  <a:prstClr val="black"/>
-                </a:outerShdw>
+                <a:softEdge rad="88900"/>
               </a:effectLst>
             </p:spPr>
             <p:txBody>
@@ -7158,13 +6997,11 @@
               <a:blipFill>
                 <a:blip r:embed="rId23"/>
                 <a:stretch>
-                  <a:fillRect/>
+                  <a:fillRect l="-2857" b="-11842"/>
                 </a:stretch>
               </a:blipFill>
               <a:effectLst>
-                <a:outerShdw blurRad="88900" sx="107000" sy="107000" algn="ctr" rotWithShape="0">
-                  <a:prstClr val="black"/>
-                </a:outerShdw>
+                <a:softEdge rad="88900"/>
               </a:effectLst>
             </p:spPr>
             <p:txBody>
@@ -7227,8 +7064,8 @@
           </a:fontRef>
         </p:style>
       </p:cxnSp>
-      <mc:AlternateContent xmlns:mc="http://schemas.openxmlformats.org/markup-compatibility/2006">
-        <mc:Choice xmlns:a14="http://schemas.microsoft.com/office/drawing/2010/main" Requires="a14">
+      <mc:AlternateContent xmlns:mc="http://schemas.openxmlformats.org/markup-compatibility/2006" xmlns:a14="http://schemas.microsoft.com/office/drawing/2010/main">
+        <mc:Choice Requires="a14">
           <p:sp>
             <p:nvSpPr>
               <p:cNvPr id="4" name="文本框 3">
@@ -7370,7 +7207,7 @@
             </p:txBody>
           </p:sp>
         </mc:Choice>
-        <mc:Fallback>
+        <mc:Fallback xmlns="">
           <p:sp>
             <p:nvSpPr>
               <p:cNvPr id="4" name="文本框 3">
@@ -7423,8 +7260,8 @@
           </p:sp>
         </mc:Fallback>
       </mc:AlternateContent>
-      <mc:AlternateContent xmlns:mc="http://schemas.openxmlformats.org/markup-compatibility/2006">
-        <mc:Choice xmlns:a14="http://schemas.microsoft.com/office/drawing/2010/main" Requires="a14">
+      <mc:AlternateContent xmlns:mc="http://schemas.openxmlformats.org/markup-compatibility/2006" xmlns:a14="http://schemas.microsoft.com/office/drawing/2010/main">
+        <mc:Choice Requires="a14">
           <p:sp>
             <p:nvSpPr>
               <p:cNvPr id="6" name="文本框 5">
@@ -7575,7 +7412,7 @@
             </p:txBody>
           </p:sp>
         </mc:Choice>
-        <mc:Fallback>
+        <mc:Fallback xmlns="">
           <p:sp>
             <p:nvSpPr>
               <p:cNvPr id="6" name="文本框 5">
@@ -7602,6 +7439,1724 @@
                 <a:blip r:embed="rId25"/>
                 <a:stretch>
                   <a:fillRect/>
+                </a:stretch>
+              </a:blipFill>
+              <a:ln>
+                <a:solidFill>
+                  <a:schemeClr val="bg1"/>
+                </a:solidFill>
+              </a:ln>
+              <a:effectLst>
+                <a:softEdge rad="38100"/>
+              </a:effectLst>
+            </p:spPr>
+            <p:txBody>
+              <a:bodyPr/>
+              <a:lstStyle/>
+              <a:p>
+                <a:r>
+                  <a:rPr lang="zh-CN" altLang="en-US">
+                    <a:noFill/>
+                  </a:rPr>
+                  <a:t> </a:t>
+                </a:r>
+              </a:p>
+            </p:txBody>
+          </p:sp>
+        </mc:Fallback>
+      </mc:AlternateContent>
+      <mc:AlternateContent xmlns:mc="http://schemas.openxmlformats.org/markup-compatibility/2006">
+        <mc:Choice xmlns:a14="http://schemas.microsoft.com/office/drawing/2010/main" Requires="a14">
+          <p:sp>
+            <p:nvSpPr>
+              <p:cNvPr id="3" name="文本框 2">
+                <a:extLst>
+                  <a:ext uri="{FF2B5EF4-FFF2-40B4-BE49-F238E27FC236}">
+                    <a16:creationId xmlns:a16="http://schemas.microsoft.com/office/drawing/2014/main" id="{40E66E2B-A159-8FCA-CFE2-F7003F93E399}"/>
+                  </a:ext>
+                </a:extLst>
+              </p:cNvPr>
+              <p:cNvSpPr txBox="1"/>
+              <p:nvPr/>
+            </p:nvSpPr>
+            <p:spPr>
+              <a:xfrm rot="21291466">
+                <a:off x="6602461" y="2668449"/>
+                <a:ext cx="1294522" cy="276999"/>
+              </a:xfrm>
+              <a:prstGeom prst="rect">
+                <a:avLst/>
+              </a:prstGeom>
+              <a:solidFill>
+                <a:schemeClr val="bg1"/>
+              </a:solidFill>
+              <a:effectLst>
+                <a:softEdge rad="88900"/>
+              </a:effectLst>
+            </p:spPr>
+            <p:txBody>
+              <a:bodyPr wrap="none" rtlCol="0">
+                <a:spAutoFit/>
+              </a:bodyPr>
+              <a:lstStyle/>
+              <a:p>
+                <a:pPr/>
+                <a14:m>
+                  <m:oMathPara xmlns:m="http://schemas.openxmlformats.org/officeDocument/2006/math">
+                    <m:oMathParaPr>
+                      <m:jc m:val="centerGroup"/>
+                    </m:oMathParaPr>
+                    <m:oMath xmlns:m="http://schemas.openxmlformats.org/officeDocument/2006/math">
+                      <m:r>
+                        <a:rPr lang="en-US" altLang="zh-CN" sz="1200" i="1" smtClean="0">
+                          <a:solidFill>
+                            <a:srgbClr val="EC6133"/>
+                          </a:solidFill>
+                          <a:effectLst>
+                            <a:outerShdw blurRad="127000" sx="107000" sy="107000" algn="ctr" rotWithShape="0">
+                              <a:schemeClr val="bg1"/>
+                            </a:outerShdw>
+                          </a:effectLst>
+                          <a:latin typeface="Cambria Math" panose="02040503050406030204" pitchFamily="18" charset="0"/>
+                        </a:rPr>
+                        <m:t>+</m:t>
+                      </m:r>
+                      <m:sSub>
+                        <m:sSubPr>
+                          <m:ctrlPr>
+                            <a:rPr lang="en-US" altLang="zh-CN" sz="1200" i="1" smtClean="0">
+                              <a:solidFill>
+                                <a:srgbClr val="EC6133"/>
+                              </a:solidFill>
+                              <a:effectLst>
+                                <a:outerShdw blurRad="127000" sx="107000" sy="107000" algn="ctr" rotWithShape="0">
+                                  <a:schemeClr val="bg1"/>
+                                </a:outerShdw>
+                              </a:effectLst>
+                              <a:latin typeface="Cambria Math" panose="02040503050406030204" pitchFamily="18" charset="0"/>
+                            </a:rPr>
+                          </m:ctrlPr>
+                        </m:sSubPr>
+                        <m:e>
+                          <m:r>
+                            <a:rPr lang="en-US" altLang="zh-CN" sz="1200" b="0" i="1" smtClean="0">
+                              <a:solidFill>
+                                <a:srgbClr val="EC6133"/>
+                              </a:solidFill>
+                              <a:effectLst>
+                                <a:outerShdw blurRad="127000" sx="107000" sy="107000" algn="ctr" rotWithShape="0">
+                                  <a:schemeClr val="bg1"/>
+                                </a:outerShdw>
+                              </a:effectLst>
+                              <a:latin typeface="Cambria Math" panose="02040503050406030204" pitchFamily="18" charset="0"/>
+                            </a:rPr>
+                            <m:t>𝑉</m:t>
+                          </m:r>
+                        </m:e>
+                        <m:sub>
+                          <m:r>
+                            <m:rPr>
+                              <m:sty m:val="p"/>
+                            </m:rPr>
+                            <a:rPr lang="en-US" altLang="zh-CN" sz="1200" i="1">
+                              <a:solidFill>
+                                <a:srgbClr val="EC6133"/>
+                              </a:solidFill>
+                              <a:effectLst>
+                                <a:outerShdw blurRad="127000" sx="107000" sy="107000" algn="ctr" rotWithShape="0">
+                                  <a:schemeClr val="bg1"/>
+                                </a:outerShdw>
+                              </a:effectLst>
+                              <a:latin typeface="Cambria Math" panose="02040503050406030204" pitchFamily="18" charset="0"/>
+                            </a:rPr>
+                            <m:t>C</m:t>
+                          </m:r>
+                        </m:sub>
+                      </m:sSub>
+                      <m:r>
+                        <a:rPr lang="en-US" altLang="zh-CN" sz="1200" b="0" i="1" smtClean="0">
+                          <a:solidFill>
+                            <a:srgbClr val="EC6133"/>
+                          </a:solidFill>
+                          <a:effectLst>
+                            <a:outerShdw blurRad="127000" sx="107000" sy="107000" algn="ctr" rotWithShape="0">
+                              <a:schemeClr val="bg1"/>
+                            </a:outerShdw>
+                          </a:effectLst>
+                          <a:latin typeface="Cambria Math" panose="02040503050406030204" pitchFamily="18" charset="0"/>
+                        </a:rPr>
+                        <m:t> </m:t>
+                      </m:r>
+                      <m:r>
+                        <a:rPr lang="en-US" altLang="zh-CN" sz="1200" b="0" i="1" smtClean="0">
+                          <a:solidFill>
+                            <a:srgbClr val="EC6133"/>
+                          </a:solidFill>
+                          <a:effectLst>
+                            <a:outerShdw blurRad="127000" sx="107000" sy="107000" algn="ctr" rotWithShape="0">
+                              <a:schemeClr val="bg1"/>
+                            </a:outerShdw>
+                          </a:effectLst>
+                          <a:latin typeface="Cambria Math" panose="02040503050406030204" pitchFamily="18" charset="0"/>
+                        </a:rPr>
+                        <m:t>𝑔𝑢𝑠𝑡</m:t>
+                      </m:r>
+                      <m:r>
+                        <a:rPr lang="en-US" altLang="zh-CN" sz="1200" b="0" i="1" smtClean="0">
+                          <a:solidFill>
+                            <a:srgbClr val="EC6133"/>
+                          </a:solidFill>
+                          <a:effectLst>
+                            <a:outerShdw blurRad="127000" sx="107000" sy="107000" algn="ctr" rotWithShape="0">
+                              <a:schemeClr val="bg1"/>
+                            </a:outerShdw>
+                          </a:effectLst>
+                          <a:latin typeface="Cambria Math" panose="02040503050406030204" pitchFamily="18" charset="0"/>
+                        </a:rPr>
+                        <m:t>−</m:t>
+                      </m:r>
+                      <m:r>
+                        <a:rPr lang="en-US" altLang="zh-CN" sz="1200" b="0" i="1" smtClean="0">
+                          <a:solidFill>
+                            <a:srgbClr val="EC6133"/>
+                          </a:solidFill>
+                          <a:effectLst>
+                            <a:outerShdw blurRad="127000" sx="107000" sy="107000" algn="ctr" rotWithShape="0">
+                              <a:schemeClr val="bg1"/>
+                            </a:outerShdw>
+                          </a:effectLst>
+                          <a:latin typeface="Cambria Math" panose="02040503050406030204" pitchFamily="18" charset="0"/>
+                        </a:rPr>
+                        <m:t>𝑙𝑖𝑛𝑒</m:t>
+                      </m:r>
+                    </m:oMath>
+                  </m:oMathPara>
+                </a14:m>
+                <a:endParaRPr lang="zh-CN" altLang="en-US" sz="1200" dirty="0">
+                  <a:solidFill>
+                    <a:srgbClr val="EC6133"/>
+                  </a:solidFill>
+                  <a:effectLst>
+                    <a:outerShdw blurRad="127000" sx="107000" sy="107000" algn="ctr" rotWithShape="0">
+                      <a:schemeClr val="bg1"/>
+                    </a:outerShdw>
+                  </a:effectLst>
+                </a:endParaRPr>
+              </a:p>
+            </p:txBody>
+          </p:sp>
+        </mc:Choice>
+        <mc:Fallback>
+          <p:sp>
+            <p:nvSpPr>
+              <p:cNvPr id="3" name="文本框 2">
+                <a:extLst>
+                  <a:ext uri="{FF2B5EF4-FFF2-40B4-BE49-F238E27FC236}">
+                    <a16:creationId xmlns:a16="http://schemas.microsoft.com/office/drawing/2014/main" id="{40E66E2B-A159-8FCA-CFE2-F7003F93E399}"/>
+                  </a:ext>
+                </a:extLst>
+              </p:cNvPr>
+              <p:cNvSpPr txBox="1">
+                <a:spLocks noRot="1" noChangeAspect="1" noMove="1" noResize="1" noEditPoints="1" noAdjustHandles="1" noChangeArrowheads="1" noChangeShapeType="1" noTextEdit="1"/>
+              </p:cNvSpPr>
+              <p:nvPr/>
+            </p:nvSpPr>
+            <p:spPr>
+              <a:xfrm rot="21291466">
+                <a:off x="6602461" y="2668449"/>
+                <a:ext cx="1294522" cy="276999"/>
+              </a:xfrm>
+              <a:prstGeom prst="rect">
+                <a:avLst/>
+              </a:prstGeom>
+              <a:blipFill>
+                <a:blip r:embed="rId26"/>
+                <a:stretch>
+                  <a:fillRect l="-461" b="-4615"/>
+                </a:stretch>
+              </a:blipFill>
+              <a:effectLst>
+                <a:softEdge rad="88900"/>
+              </a:effectLst>
+            </p:spPr>
+            <p:txBody>
+              <a:bodyPr/>
+              <a:lstStyle/>
+              <a:p>
+                <a:r>
+                  <a:rPr lang="zh-CN" altLang="en-US">
+                    <a:noFill/>
+                  </a:rPr>
+                  <a:t> </a:t>
+                </a:r>
+              </a:p>
+            </p:txBody>
+          </p:sp>
+        </mc:Fallback>
+      </mc:AlternateContent>
+      <mc:AlternateContent xmlns:mc="http://schemas.openxmlformats.org/markup-compatibility/2006">
+        <mc:Choice xmlns:a14="http://schemas.microsoft.com/office/drawing/2010/main" Requires="a14">
+          <p:sp>
+            <p:nvSpPr>
+              <p:cNvPr id="7" name="文本框 6">
+                <a:extLst>
+                  <a:ext uri="{FF2B5EF4-FFF2-40B4-BE49-F238E27FC236}">
+                    <a16:creationId xmlns:a16="http://schemas.microsoft.com/office/drawing/2014/main" id="{025894D4-CC23-8394-D340-D580287EBF61}"/>
+                  </a:ext>
+                </a:extLst>
+              </p:cNvPr>
+              <p:cNvSpPr txBox="1"/>
+              <p:nvPr/>
+            </p:nvSpPr>
+            <p:spPr>
+              <a:xfrm rot="21422593">
+                <a:off x="8186302" y="2811677"/>
+                <a:ext cx="1306896" cy="276999"/>
+              </a:xfrm>
+              <a:prstGeom prst="rect">
+                <a:avLst/>
+              </a:prstGeom>
+              <a:solidFill>
+                <a:schemeClr val="bg1"/>
+              </a:solidFill>
+              <a:effectLst>
+                <a:softEdge rad="88900"/>
+              </a:effectLst>
+            </p:spPr>
+            <p:txBody>
+              <a:bodyPr wrap="none" rtlCol="0">
+                <a:spAutoFit/>
+              </a:bodyPr>
+              <a:lstStyle/>
+              <a:p>
+                <a:pPr/>
+                <a14:m>
+                  <m:oMathPara xmlns:m="http://schemas.openxmlformats.org/officeDocument/2006/math">
+                    <m:oMathParaPr>
+                      <m:jc m:val="centerGroup"/>
+                    </m:oMathParaPr>
+                    <m:oMath xmlns:m="http://schemas.openxmlformats.org/officeDocument/2006/math">
+                      <m:r>
+                        <a:rPr lang="en-US" altLang="zh-CN" sz="1200" i="1" smtClean="0">
+                          <a:solidFill>
+                            <a:srgbClr val="C71485"/>
+                          </a:solidFill>
+                          <a:effectLst>
+                            <a:outerShdw blurRad="127000" sx="107000" sy="107000" algn="ctr" rotWithShape="0">
+                              <a:schemeClr val="bg1"/>
+                            </a:outerShdw>
+                          </a:effectLst>
+                          <a:latin typeface="Cambria Math" panose="02040503050406030204" pitchFamily="18" charset="0"/>
+                        </a:rPr>
+                        <m:t>+</m:t>
+                      </m:r>
+                      <m:sSub>
+                        <m:sSubPr>
+                          <m:ctrlPr>
+                            <a:rPr lang="en-US" altLang="zh-CN" sz="1200" i="1" smtClean="0">
+                              <a:solidFill>
+                                <a:srgbClr val="C71485"/>
+                              </a:solidFill>
+                              <a:effectLst>
+                                <a:outerShdw blurRad="127000" sx="107000" sy="107000" algn="ctr" rotWithShape="0">
+                                  <a:schemeClr val="bg1"/>
+                                </a:outerShdw>
+                              </a:effectLst>
+                              <a:latin typeface="Cambria Math" panose="02040503050406030204" pitchFamily="18" charset="0"/>
+                            </a:rPr>
+                          </m:ctrlPr>
+                        </m:sSubPr>
+                        <m:e>
+                          <m:r>
+                            <a:rPr lang="en-US" altLang="zh-CN" sz="1200" b="0" i="1" smtClean="0">
+                              <a:solidFill>
+                                <a:srgbClr val="C71485"/>
+                              </a:solidFill>
+                              <a:effectLst>
+                                <a:outerShdw blurRad="127000" sx="107000" sy="107000" algn="ctr" rotWithShape="0">
+                                  <a:schemeClr val="bg1"/>
+                                </a:outerShdw>
+                              </a:effectLst>
+                              <a:latin typeface="Cambria Math" panose="02040503050406030204" pitchFamily="18" charset="0"/>
+                            </a:rPr>
+                            <m:t>𝑉</m:t>
+                          </m:r>
+                        </m:e>
+                        <m:sub>
+                          <m:r>
+                            <a:rPr lang="en-US" altLang="zh-CN" sz="1200" b="0" i="1" smtClean="0">
+                              <a:solidFill>
+                                <a:srgbClr val="C71485"/>
+                              </a:solidFill>
+                              <a:effectLst>
+                                <a:outerShdw blurRad="127000" sx="107000" sy="107000" algn="ctr" rotWithShape="0">
+                                  <a:schemeClr val="bg1"/>
+                                </a:outerShdw>
+                              </a:effectLst>
+                              <a:latin typeface="Cambria Math" panose="02040503050406030204" pitchFamily="18" charset="0"/>
+                            </a:rPr>
+                            <m:t>𝐷</m:t>
+                          </m:r>
+                        </m:sub>
+                      </m:sSub>
+                      <m:r>
+                        <a:rPr lang="en-US" altLang="zh-CN" sz="1200" b="0" i="1" smtClean="0">
+                          <a:solidFill>
+                            <a:srgbClr val="C71485"/>
+                          </a:solidFill>
+                          <a:effectLst>
+                            <a:outerShdw blurRad="127000" sx="107000" sy="107000" algn="ctr" rotWithShape="0">
+                              <a:schemeClr val="bg1"/>
+                            </a:outerShdw>
+                          </a:effectLst>
+                          <a:latin typeface="Cambria Math" panose="02040503050406030204" pitchFamily="18" charset="0"/>
+                        </a:rPr>
+                        <m:t> </m:t>
+                      </m:r>
+                      <m:r>
+                        <a:rPr lang="en-US" altLang="zh-CN" sz="1200" b="0" i="1" smtClean="0">
+                          <a:solidFill>
+                            <a:srgbClr val="C71485"/>
+                          </a:solidFill>
+                          <a:effectLst>
+                            <a:outerShdw blurRad="127000" sx="107000" sy="107000" algn="ctr" rotWithShape="0">
+                              <a:schemeClr val="bg1"/>
+                            </a:outerShdw>
+                          </a:effectLst>
+                          <a:latin typeface="Cambria Math" panose="02040503050406030204" pitchFamily="18" charset="0"/>
+                        </a:rPr>
+                        <m:t>𝑔𝑢𝑠𝑡</m:t>
+                      </m:r>
+                      <m:r>
+                        <a:rPr lang="en-US" altLang="zh-CN" sz="1200" b="0" i="1" smtClean="0">
+                          <a:solidFill>
+                            <a:srgbClr val="C71485"/>
+                          </a:solidFill>
+                          <a:effectLst>
+                            <a:outerShdw blurRad="127000" sx="107000" sy="107000" algn="ctr" rotWithShape="0">
+                              <a:schemeClr val="bg1"/>
+                            </a:outerShdw>
+                          </a:effectLst>
+                          <a:latin typeface="Cambria Math" panose="02040503050406030204" pitchFamily="18" charset="0"/>
+                        </a:rPr>
+                        <m:t>−</m:t>
+                      </m:r>
+                      <m:r>
+                        <a:rPr lang="en-US" altLang="zh-CN" sz="1200" b="0" i="1" smtClean="0">
+                          <a:solidFill>
+                            <a:srgbClr val="C71485"/>
+                          </a:solidFill>
+                          <a:effectLst>
+                            <a:outerShdw blurRad="127000" sx="107000" sy="107000" algn="ctr" rotWithShape="0">
+                              <a:schemeClr val="bg1"/>
+                            </a:outerShdw>
+                          </a:effectLst>
+                          <a:latin typeface="Cambria Math" panose="02040503050406030204" pitchFamily="18" charset="0"/>
+                        </a:rPr>
+                        <m:t>𝑙𝑖𝑛𝑒</m:t>
+                      </m:r>
+                    </m:oMath>
+                  </m:oMathPara>
+                </a14:m>
+                <a:endParaRPr lang="zh-CN" altLang="en-US" sz="1200" dirty="0">
+                  <a:solidFill>
+                    <a:srgbClr val="C71485"/>
+                  </a:solidFill>
+                  <a:effectLst>
+                    <a:outerShdw blurRad="127000" sx="107000" sy="107000" algn="ctr" rotWithShape="0">
+                      <a:schemeClr val="bg1"/>
+                    </a:outerShdw>
+                  </a:effectLst>
+                </a:endParaRPr>
+              </a:p>
+            </p:txBody>
+          </p:sp>
+        </mc:Choice>
+        <mc:Fallback>
+          <p:sp>
+            <p:nvSpPr>
+              <p:cNvPr id="7" name="文本框 6">
+                <a:extLst>
+                  <a:ext uri="{FF2B5EF4-FFF2-40B4-BE49-F238E27FC236}">
+                    <a16:creationId xmlns:a16="http://schemas.microsoft.com/office/drawing/2014/main" id="{025894D4-CC23-8394-D340-D580287EBF61}"/>
+                  </a:ext>
+                </a:extLst>
+              </p:cNvPr>
+              <p:cNvSpPr txBox="1">
+                <a:spLocks noRot="1" noChangeAspect="1" noMove="1" noResize="1" noEditPoints="1" noAdjustHandles="1" noChangeArrowheads="1" noChangeShapeType="1" noTextEdit="1"/>
+              </p:cNvSpPr>
+              <p:nvPr/>
+            </p:nvSpPr>
+            <p:spPr>
+              <a:xfrm rot="21422593">
+                <a:off x="8186302" y="2811677"/>
+                <a:ext cx="1306896" cy="276999"/>
+              </a:xfrm>
+              <a:prstGeom prst="rect">
+                <a:avLst/>
+              </a:prstGeom>
+              <a:blipFill>
+                <a:blip r:embed="rId27"/>
+                <a:stretch>
+                  <a:fillRect l="-459" r="-459" b="-6897"/>
+                </a:stretch>
+              </a:blipFill>
+              <a:effectLst>
+                <a:softEdge rad="88900"/>
+              </a:effectLst>
+            </p:spPr>
+            <p:txBody>
+              <a:bodyPr/>
+              <a:lstStyle/>
+              <a:p>
+                <a:r>
+                  <a:rPr lang="zh-CN" altLang="en-US">
+                    <a:noFill/>
+                  </a:rPr>
+                  <a:t> </a:t>
+                </a:r>
+              </a:p>
+            </p:txBody>
+          </p:sp>
+        </mc:Fallback>
+      </mc:AlternateContent>
+      <mc:AlternateContent xmlns:mc="http://schemas.openxmlformats.org/markup-compatibility/2006">
+        <mc:Choice xmlns:a14="http://schemas.microsoft.com/office/drawing/2010/main" Requires="a14">
+          <p:sp>
+            <p:nvSpPr>
+              <p:cNvPr id="8" name="文本框 7">
+                <a:extLst>
+                  <a:ext uri="{FF2B5EF4-FFF2-40B4-BE49-F238E27FC236}">
+                    <a16:creationId xmlns:a16="http://schemas.microsoft.com/office/drawing/2014/main" id="{846006D2-0187-E43A-5E53-47314F068361}"/>
+                  </a:ext>
+                </a:extLst>
+              </p:cNvPr>
+              <p:cNvSpPr txBox="1"/>
+              <p:nvPr/>
+            </p:nvSpPr>
+            <p:spPr>
+              <a:xfrm rot="396168">
+                <a:off x="5049735" y="3844627"/>
+                <a:ext cx="1303947" cy="276999"/>
+              </a:xfrm>
+              <a:prstGeom prst="rect">
+                <a:avLst/>
+              </a:prstGeom>
+              <a:solidFill>
+                <a:schemeClr val="bg1"/>
+              </a:solidFill>
+              <a:effectLst>
+                <a:softEdge rad="88900"/>
+              </a:effectLst>
+            </p:spPr>
+            <p:txBody>
+              <a:bodyPr wrap="none" rtlCol="0">
+                <a:spAutoFit/>
+              </a:bodyPr>
+              <a:lstStyle/>
+              <a:p>
+                <a:pPr/>
+                <a14:m>
+                  <m:oMathPara xmlns:m="http://schemas.openxmlformats.org/officeDocument/2006/math">
+                    <m:oMathParaPr>
+                      <m:jc m:val="centerGroup"/>
+                    </m:oMathParaPr>
+                    <m:oMath xmlns:m="http://schemas.openxmlformats.org/officeDocument/2006/math">
+                      <m:r>
+                        <a:rPr lang="en-US" altLang="zh-CN" sz="1200" b="0" i="1" smtClean="0">
+                          <a:solidFill>
+                            <a:srgbClr val="DB103A"/>
+                          </a:solidFill>
+                          <a:effectLst>
+                            <a:outerShdw blurRad="127000" sx="107000" sy="107000" algn="ctr" rotWithShape="0">
+                              <a:schemeClr val="bg1"/>
+                            </a:outerShdw>
+                          </a:effectLst>
+                          <a:latin typeface="Cambria Math" panose="02040503050406030204" pitchFamily="18" charset="0"/>
+                        </a:rPr>
+                        <m:t>−</m:t>
+                      </m:r>
+                      <m:sSub>
+                        <m:sSubPr>
+                          <m:ctrlPr>
+                            <a:rPr lang="en-US" altLang="zh-CN" sz="1200" i="1" smtClean="0">
+                              <a:solidFill>
+                                <a:srgbClr val="DB103A"/>
+                              </a:solidFill>
+                              <a:effectLst>
+                                <a:outerShdw blurRad="127000" sx="107000" sy="107000" algn="ctr" rotWithShape="0">
+                                  <a:schemeClr val="bg1"/>
+                                </a:outerShdw>
+                              </a:effectLst>
+                              <a:latin typeface="Cambria Math" panose="02040503050406030204" pitchFamily="18" charset="0"/>
+                            </a:rPr>
+                          </m:ctrlPr>
+                        </m:sSubPr>
+                        <m:e>
+                          <m:r>
+                            <a:rPr lang="en-US" altLang="zh-CN" sz="1200" b="0" i="1" smtClean="0">
+                              <a:solidFill>
+                                <a:srgbClr val="DB103A"/>
+                              </a:solidFill>
+                              <a:effectLst>
+                                <a:outerShdw blurRad="127000" sx="107000" sy="107000" algn="ctr" rotWithShape="0">
+                                  <a:schemeClr val="bg1"/>
+                                </a:outerShdw>
+                              </a:effectLst>
+                              <a:latin typeface="Cambria Math" panose="02040503050406030204" pitchFamily="18" charset="0"/>
+                            </a:rPr>
+                            <m:t>𝑉</m:t>
+                          </m:r>
+                        </m:e>
+                        <m:sub>
+                          <m:r>
+                            <a:rPr lang="en-US" altLang="zh-CN" sz="1200" b="0" i="1" smtClean="0">
+                              <a:solidFill>
+                                <a:srgbClr val="DB103A"/>
+                              </a:solidFill>
+                              <a:effectLst>
+                                <a:outerShdw blurRad="127000" sx="107000" sy="107000" algn="ctr" rotWithShape="0">
+                                  <a:schemeClr val="bg1"/>
+                                </a:outerShdw>
+                              </a:effectLst>
+                              <a:latin typeface="Cambria Math" panose="02040503050406030204" pitchFamily="18" charset="0"/>
+                            </a:rPr>
+                            <m:t>𝐵</m:t>
+                          </m:r>
+                        </m:sub>
+                      </m:sSub>
+                      <m:r>
+                        <a:rPr lang="en-US" altLang="zh-CN" sz="1200" b="0" i="1" smtClean="0">
+                          <a:solidFill>
+                            <a:srgbClr val="DB103A"/>
+                          </a:solidFill>
+                          <a:effectLst>
+                            <a:outerShdw blurRad="127000" sx="107000" sy="107000" algn="ctr" rotWithShape="0">
+                              <a:schemeClr val="bg1"/>
+                            </a:outerShdw>
+                          </a:effectLst>
+                          <a:latin typeface="Cambria Math" panose="02040503050406030204" pitchFamily="18" charset="0"/>
+                        </a:rPr>
+                        <m:t> </m:t>
+                      </m:r>
+                      <m:r>
+                        <a:rPr lang="en-US" altLang="zh-CN" sz="1200" b="0" i="1" smtClean="0">
+                          <a:solidFill>
+                            <a:srgbClr val="DB103A"/>
+                          </a:solidFill>
+                          <a:effectLst>
+                            <a:outerShdw blurRad="127000" sx="107000" sy="107000" algn="ctr" rotWithShape="0">
+                              <a:schemeClr val="bg1"/>
+                            </a:outerShdw>
+                          </a:effectLst>
+                          <a:latin typeface="Cambria Math" panose="02040503050406030204" pitchFamily="18" charset="0"/>
+                        </a:rPr>
+                        <m:t>𝑔𝑢𝑠𝑡</m:t>
+                      </m:r>
+                      <m:r>
+                        <a:rPr lang="en-US" altLang="zh-CN" sz="1200" b="0" i="1" smtClean="0">
+                          <a:solidFill>
+                            <a:srgbClr val="DB103A"/>
+                          </a:solidFill>
+                          <a:effectLst>
+                            <a:outerShdw blurRad="127000" sx="107000" sy="107000" algn="ctr" rotWithShape="0">
+                              <a:schemeClr val="bg1"/>
+                            </a:outerShdw>
+                          </a:effectLst>
+                          <a:latin typeface="Cambria Math" panose="02040503050406030204" pitchFamily="18" charset="0"/>
+                        </a:rPr>
+                        <m:t>−</m:t>
+                      </m:r>
+                      <m:r>
+                        <a:rPr lang="en-US" altLang="zh-CN" sz="1200" b="0" i="1" smtClean="0">
+                          <a:solidFill>
+                            <a:srgbClr val="DB103A"/>
+                          </a:solidFill>
+                          <a:effectLst>
+                            <a:outerShdw blurRad="127000" sx="107000" sy="107000" algn="ctr" rotWithShape="0">
+                              <a:schemeClr val="bg1"/>
+                            </a:outerShdw>
+                          </a:effectLst>
+                          <a:latin typeface="Cambria Math" panose="02040503050406030204" pitchFamily="18" charset="0"/>
+                        </a:rPr>
+                        <m:t>𝑙𝑖𝑛𝑒</m:t>
+                      </m:r>
+                    </m:oMath>
+                  </m:oMathPara>
+                </a14:m>
+                <a:endParaRPr lang="zh-CN" altLang="en-US" sz="1200" dirty="0">
+                  <a:solidFill>
+                    <a:srgbClr val="DB103A"/>
+                  </a:solidFill>
+                  <a:effectLst>
+                    <a:outerShdw blurRad="127000" sx="107000" sy="107000" algn="ctr" rotWithShape="0">
+                      <a:schemeClr val="bg1"/>
+                    </a:outerShdw>
+                  </a:effectLst>
+                </a:endParaRPr>
+              </a:p>
+            </p:txBody>
+          </p:sp>
+        </mc:Choice>
+        <mc:Fallback>
+          <p:sp>
+            <p:nvSpPr>
+              <p:cNvPr id="8" name="文本框 7">
+                <a:extLst>
+                  <a:ext uri="{FF2B5EF4-FFF2-40B4-BE49-F238E27FC236}">
+                    <a16:creationId xmlns:a16="http://schemas.microsoft.com/office/drawing/2014/main" id="{846006D2-0187-E43A-5E53-47314F068361}"/>
+                  </a:ext>
+                </a:extLst>
+              </p:cNvPr>
+              <p:cNvSpPr txBox="1">
+                <a:spLocks noRot="1" noChangeAspect="1" noMove="1" noResize="1" noEditPoints="1" noAdjustHandles="1" noChangeArrowheads="1" noChangeShapeType="1" noTextEdit="1"/>
+              </p:cNvSpPr>
+              <p:nvPr/>
+            </p:nvSpPr>
+            <p:spPr>
+              <a:xfrm rot="396168">
+                <a:off x="5049735" y="3844627"/>
+                <a:ext cx="1303947" cy="276999"/>
+              </a:xfrm>
+              <a:prstGeom prst="rect">
+                <a:avLst/>
+              </a:prstGeom>
+              <a:blipFill>
+                <a:blip r:embed="rId28"/>
+                <a:stretch>
+                  <a:fillRect/>
+                </a:stretch>
+              </a:blipFill>
+              <a:effectLst>
+                <a:softEdge rad="88900"/>
+              </a:effectLst>
+            </p:spPr>
+            <p:txBody>
+              <a:bodyPr/>
+              <a:lstStyle/>
+              <a:p>
+                <a:r>
+                  <a:rPr lang="zh-CN" altLang="en-US">
+                    <a:noFill/>
+                  </a:rPr>
+                  <a:t> </a:t>
+                </a:r>
+              </a:p>
+            </p:txBody>
+          </p:sp>
+        </mc:Fallback>
+      </mc:AlternateContent>
+      <mc:AlternateContent xmlns:mc="http://schemas.openxmlformats.org/markup-compatibility/2006">
+        <mc:Choice xmlns:a14="http://schemas.microsoft.com/office/drawing/2010/main" Requires="a14">
+          <p:sp>
+            <p:nvSpPr>
+              <p:cNvPr id="10" name="文本框 9">
+                <a:extLst>
+                  <a:ext uri="{FF2B5EF4-FFF2-40B4-BE49-F238E27FC236}">
+                    <a16:creationId xmlns:a16="http://schemas.microsoft.com/office/drawing/2014/main" id="{A7567434-8974-4A44-C62D-1D5055923708}"/>
+                  </a:ext>
+                </a:extLst>
+              </p:cNvPr>
+              <p:cNvSpPr txBox="1"/>
+              <p:nvPr/>
+            </p:nvSpPr>
+            <p:spPr>
+              <a:xfrm rot="244308">
+                <a:off x="6592330" y="3820639"/>
+                <a:ext cx="1314784" cy="276999"/>
+              </a:xfrm>
+              <a:prstGeom prst="rect">
+                <a:avLst/>
+              </a:prstGeom>
+              <a:solidFill>
+                <a:schemeClr val="bg1"/>
+              </a:solidFill>
+              <a:effectLst>
+                <a:softEdge rad="88900"/>
+              </a:effectLst>
+            </p:spPr>
+            <p:txBody>
+              <a:bodyPr wrap="none" rtlCol="0">
+                <a:spAutoFit/>
+              </a:bodyPr>
+              <a:lstStyle/>
+              <a:p>
+                <a:pPr/>
+                <a14:m>
+                  <m:oMathPara xmlns:m="http://schemas.openxmlformats.org/officeDocument/2006/math">
+                    <m:oMathParaPr>
+                      <m:jc m:val="centerGroup"/>
+                    </m:oMathParaPr>
+                    <m:oMath xmlns:m="http://schemas.openxmlformats.org/officeDocument/2006/math">
+                      <m:r>
+                        <a:rPr lang="en-US" altLang="zh-CN" sz="1200" b="0" i="1" smtClean="0">
+                          <a:solidFill>
+                            <a:srgbClr val="EC6133"/>
+                          </a:solidFill>
+                          <a:effectLst>
+                            <a:outerShdw blurRad="127000" sx="107000" sy="107000" algn="ctr" rotWithShape="0">
+                              <a:schemeClr val="bg1"/>
+                            </a:outerShdw>
+                          </a:effectLst>
+                          <a:latin typeface="Cambria Math" panose="02040503050406030204" pitchFamily="18" charset="0"/>
+                        </a:rPr>
+                        <m:t>−</m:t>
+                      </m:r>
+                      <m:sSub>
+                        <m:sSubPr>
+                          <m:ctrlPr>
+                            <a:rPr lang="en-US" altLang="zh-CN" sz="1200" i="1" smtClean="0">
+                              <a:solidFill>
+                                <a:srgbClr val="EC6133"/>
+                              </a:solidFill>
+                              <a:effectLst>
+                                <a:outerShdw blurRad="127000" sx="107000" sy="107000" algn="ctr" rotWithShape="0">
+                                  <a:schemeClr val="bg1"/>
+                                </a:outerShdw>
+                              </a:effectLst>
+                              <a:latin typeface="Cambria Math" panose="02040503050406030204" pitchFamily="18" charset="0"/>
+                            </a:rPr>
+                          </m:ctrlPr>
+                        </m:sSubPr>
+                        <m:e>
+                          <m:r>
+                            <a:rPr lang="en-US" altLang="zh-CN" sz="1200" b="0" i="1" smtClean="0">
+                              <a:solidFill>
+                                <a:srgbClr val="EC6133"/>
+                              </a:solidFill>
+                              <a:effectLst>
+                                <a:outerShdw blurRad="127000" sx="107000" sy="107000" algn="ctr" rotWithShape="0">
+                                  <a:schemeClr val="bg1"/>
+                                </a:outerShdw>
+                              </a:effectLst>
+                              <a:latin typeface="Cambria Math" panose="02040503050406030204" pitchFamily="18" charset="0"/>
+                            </a:rPr>
+                            <m:t>𝑉</m:t>
+                          </m:r>
+                        </m:e>
+                        <m:sub>
+                          <m:r>
+                            <m:rPr>
+                              <m:sty m:val="p"/>
+                            </m:rPr>
+                            <a:rPr lang="en-US" altLang="zh-CN" sz="1200" i="1">
+                              <a:solidFill>
+                                <a:srgbClr val="EC6133"/>
+                              </a:solidFill>
+                              <a:effectLst>
+                                <a:outerShdw blurRad="127000" sx="107000" sy="107000" algn="ctr" rotWithShape="0">
+                                  <a:schemeClr val="bg1"/>
+                                </a:outerShdw>
+                              </a:effectLst>
+                              <a:latin typeface="Cambria Math" panose="02040503050406030204" pitchFamily="18" charset="0"/>
+                            </a:rPr>
+                            <m:t>C</m:t>
+                          </m:r>
+                        </m:sub>
+                      </m:sSub>
+                      <m:r>
+                        <a:rPr lang="en-US" altLang="zh-CN" sz="1200" b="0" i="1" smtClean="0">
+                          <a:solidFill>
+                            <a:srgbClr val="EC6133"/>
+                          </a:solidFill>
+                          <a:effectLst>
+                            <a:outerShdw blurRad="127000" sx="107000" sy="107000" algn="ctr" rotWithShape="0">
+                              <a:schemeClr val="bg1"/>
+                            </a:outerShdw>
+                          </a:effectLst>
+                          <a:latin typeface="Cambria Math" panose="02040503050406030204" pitchFamily="18" charset="0"/>
+                        </a:rPr>
+                        <m:t> </m:t>
+                      </m:r>
+                      <m:r>
+                        <a:rPr lang="en-US" altLang="zh-CN" sz="1200" b="0" i="1" smtClean="0">
+                          <a:solidFill>
+                            <a:srgbClr val="EC6133"/>
+                          </a:solidFill>
+                          <a:effectLst>
+                            <a:outerShdw blurRad="127000" sx="107000" sy="107000" algn="ctr" rotWithShape="0">
+                              <a:schemeClr val="bg1"/>
+                            </a:outerShdw>
+                          </a:effectLst>
+                          <a:latin typeface="Cambria Math" panose="02040503050406030204" pitchFamily="18" charset="0"/>
+                        </a:rPr>
+                        <m:t>𝑔𝑢𝑠</m:t>
+                      </m:r>
+                      <m:r>
+                        <m:rPr>
+                          <m:sty m:val="p"/>
+                        </m:rPr>
+                        <a:rPr lang="en-US" altLang="zh-CN" sz="1200" i="1">
+                          <a:solidFill>
+                            <a:srgbClr val="EC6133"/>
+                          </a:solidFill>
+                          <a:effectLst>
+                            <a:outerShdw blurRad="127000" sx="107000" sy="107000" algn="ctr" rotWithShape="0">
+                              <a:schemeClr val="bg1"/>
+                            </a:outerShdw>
+                          </a:effectLst>
+                          <a:latin typeface="Cambria Math" panose="02040503050406030204" pitchFamily="18" charset="0"/>
+                        </a:rPr>
+                        <m:t>t</m:t>
+                      </m:r>
+                      <m:r>
+                        <a:rPr lang="en-US" altLang="zh-CN" sz="1200" b="0" i="1" smtClean="0">
+                          <a:solidFill>
+                            <a:srgbClr val="EC6133"/>
+                          </a:solidFill>
+                          <a:effectLst>
+                            <a:outerShdw blurRad="127000" sx="107000" sy="107000" algn="ctr" rotWithShape="0">
+                              <a:schemeClr val="bg1"/>
+                            </a:outerShdw>
+                          </a:effectLst>
+                          <a:latin typeface="Cambria Math" panose="02040503050406030204" pitchFamily="18" charset="0"/>
+                        </a:rPr>
+                        <m:t>−</m:t>
+                      </m:r>
+                      <m:r>
+                        <a:rPr lang="en-US" altLang="zh-CN" sz="1200" b="0" i="1" smtClean="0">
+                          <a:solidFill>
+                            <a:srgbClr val="EC6133"/>
+                          </a:solidFill>
+                          <a:effectLst>
+                            <a:outerShdw blurRad="127000" sx="107000" sy="107000" algn="ctr" rotWithShape="0">
+                              <a:schemeClr val="bg1"/>
+                            </a:outerShdw>
+                          </a:effectLst>
+                          <a:latin typeface="Cambria Math" panose="02040503050406030204" pitchFamily="18" charset="0"/>
+                        </a:rPr>
+                        <m:t>𝑙𝑖𝑛𝑒</m:t>
+                      </m:r>
+                    </m:oMath>
+                  </m:oMathPara>
+                </a14:m>
+                <a:endParaRPr lang="zh-CN" altLang="en-US" sz="1200" dirty="0">
+                  <a:solidFill>
+                    <a:srgbClr val="EC6133"/>
+                  </a:solidFill>
+                  <a:effectLst>
+                    <a:outerShdw blurRad="127000" sx="107000" sy="107000" algn="ctr" rotWithShape="0">
+                      <a:schemeClr val="bg1"/>
+                    </a:outerShdw>
+                  </a:effectLst>
+                </a:endParaRPr>
+              </a:p>
+            </p:txBody>
+          </p:sp>
+        </mc:Choice>
+        <mc:Fallback>
+          <p:sp>
+            <p:nvSpPr>
+              <p:cNvPr id="10" name="文本框 9">
+                <a:extLst>
+                  <a:ext uri="{FF2B5EF4-FFF2-40B4-BE49-F238E27FC236}">
+                    <a16:creationId xmlns:a16="http://schemas.microsoft.com/office/drawing/2014/main" id="{A7567434-8974-4A44-C62D-1D5055923708}"/>
+                  </a:ext>
+                </a:extLst>
+              </p:cNvPr>
+              <p:cNvSpPr txBox="1">
+                <a:spLocks noRot="1" noChangeAspect="1" noMove="1" noResize="1" noEditPoints="1" noAdjustHandles="1" noChangeArrowheads="1" noChangeShapeType="1" noTextEdit="1"/>
+              </p:cNvSpPr>
+              <p:nvPr/>
+            </p:nvSpPr>
+            <p:spPr>
+              <a:xfrm rot="244308">
+                <a:off x="6592330" y="3820639"/>
+                <a:ext cx="1314784" cy="276999"/>
+              </a:xfrm>
+              <a:prstGeom prst="rect">
+                <a:avLst/>
+              </a:prstGeom>
+              <a:blipFill>
+                <a:blip r:embed="rId29"/>
+                <a:stretch>
+                  <a:fillRect b="-1639"/>
+                </a:stretch>
+              </a:blipFill>
+              <a:effectLst>
+                <a:softEdge rad="88900"/>
+              </a:effectLst>
+            </p:spPr>
+            <p:txBody>
+              <a:bodyPr/>
+              <a:lstStyle/>
+              <a:p>
+                <a:r>
+                  <a:rPr lang="zh-CN" altLang="en-US">
+                    <a:noFill/>
+                  </a:rPr>
+                  <a:t> </a:t>
+                </a:r>
+              </a:p>
+            </p:txBody>
+          </p:sp>
+        </mc:Fallback>
+      </mc:AlternateContent>
+      <mc:AlternateContent xmlns:mc="http://schemas.openxmlformats.org/markup-compatibility/2006">
+        <mc:Choice xmlns:a14="http://schemas.microsoft.com/office/drawing/2010/main" Requires="a14">
+          <p:sp>
+            <p:nvSpPr>
+              <p:cNvPr id="11" name="文本框 10">
+                <a:extLst>
+                  <a:ext uri="{FF2B5EF4-FFF2-40B4-BE49-F238E27FC236}">
+                    <a16:creationId xmlns:a16="http://schemas.microsoft.com/office/drawing/2014/main" id="{A182F31E-A293-8449-B14E-81C857CF5DAC}"/>
+                  </a:ext>
+                </a:extLst>
+              </p:cNvPr>
+              <p:cNvSpPr txBox="1"/>
+              <p:nvPr/>
+            </p:nvSpPr>
+            <p:spPr>
+              <a:xfrm rot="163166">
+                <a:off x="8186755" y="3668191"/>
+                <a:ext cx="1306896" cy="276999"/>
+              </a:xfrm>
+              <a:prstGeom prst="rect">
+                <a:avLst/>
+              </a:prstGeom>
+              <a:solidFill>
+                <a:schemeClr val="bg1"/>
+              </a:solidFill>
+              <a:effectLst>
+                <a:softEdge rad="88900"/>
+              </a:effectLst>
+            </p:spPr>
+            <p:txBody>
+              <a:bodyPr wrap="none" rtlCol="0">
+                <a:spAutoFit/>
+              </a:bodyPr>
+              <a:lstStyle/>
+              <a:p>
+                <a:pPr/>
+                <a14:m>
+                  <m:oMathPara xmlns:m="http://schemas.openxmlformats.org/officeDocument/2006/math">
+                    <m:oMathParaPr>
+                      <m:jc m:val="centerGroup"/>
+                    </m:oMathParaPr>
+                    <m:oMath xmlns:m="http://schemas.openxmlformats.org/officeDocument/2006/math">
+                      <m:r>
+                        <a:rPr lang="en-US" altLang="zh-CN" sz="1200" b="0" i="1" smtClean="0">
+                          <a:solidFill>
+                            <a:srgbClr val="C71485"/>
+                          </a:solidFill>
+                          <a:effectLst>
+                            <a:outerShdw blurRad="127000" sx="107000" sy="107000" algn="ctr" rotWithShape="0">
+                              <a:schemeClr val="bg1"/>
+                            </a:outerShdw>
+                          </a:effectLst>
+                          <a:latin typeface="Cambria Math" panose="02040503050406030204" pitchFamily="18" charset="0"/>
+                        </a:rPr>
+                        <m:t>−</m:t>
+                      </m:r>
+                      <m:sSub>
+                        <m:sSubPr>
+                          <m:ctrlPr>
+                            <a:rPr lang="en-US" altLang="zh-CN" sz="1200" i="1" smtClean="0">
+                              <a:solidFill>
+                                <a:srgbClr val="C71485"/>
+                              </a:solidFill>
+                              <a:effectLst>
+                                <a:outerShdw blurRad="127000" sx="107000" sy="107000" algn="ctr" rotWithShape="0">
+                                  <a:schemeClr val="bg1"/>
+                                </a:outerShdw>
+                              </a:effectLst>
+                              <a:latin typeface="Cambria Math" panose="02040503050406030204" pitchFamily="18" charset="0"/>
+                            </a:rPr>
+                          </m:ctrlPr>
+                        </m:sSubPr>
+                        <m:e>
+                          <m:r>
+                            <a:rPr lang="en-US" altLang="zh-CN" sz="1200" b="0" i="1" smtClean="0">
+                              <a:solidFill>
+                                <a:srgbClr val="C71485"/>
+                              </a:solidFill>
+                              <a:effectLst>
+                                <a:outerShdw blurRad="127000" sx="107000" sy="107000" algn="ctr" rotWithShape="0">
+                                  <a:schemeClr val="bg1"/>
+                                </a:outerShdw>
+                              </a:effectLst>
+                              <a:latin typeface="Cambria Math" panose="02040503050406030204" pitchFamily="18" charset="0"/>
+                            </a:rPr>
+                            <m:t>𝑉</m:t>
+                          </m:r>
+                        </m:e>
+                        <m:sub>
+                          <m:r>
+                            <a:rPr lang="en-US" altLang="zh-CN" sz="1200" b="0" i="1" smtClean="0">
+                              <a:solidFill>
+                                <a:srgbClr val="C71485"/>
+                              </a:solidFill>
+                              <a:effectLst>
+                                <a:outerShdw blurRad="127000" sx="107000" sy="107000" algn="ctr" rotWithShape="0">
+                                  <a:schemeClr val="bg1"/>
+                                </a:outerShdw>
+                              </a:effectLst>
+                              <a:latin typeface="Cambria Math" panose="02040503050406030204" pitchFamily="18" charset="0"/>
+                            </a:rPr>
+                            <m:t>𝐷</m:t>
+                          </m:r>
+                        </m:sub>
+                      </m:sSub>
+                      <m:r>
+                        <a:rPr lang="en-US" altLang="zh-CN" sz="1200" b="0" i="1" smtClean="0">
+                          <a:solidFill>
+                            <a:srgbClr val="C71485"/>
+                          </a:solidFill>
+                          <a:effectLst>
+                            <a:outerShdw blurRad="127000" sx="107000" sy="107000" algn="ctr" rotWithShape="0">
+                              <a:schemeClr val="bg1"/>
+                            </a:outerShdw>
+                          </a:effectLst>
+                          <a:latin typeface="Cambria Math" panose="02040503050406030204" pitchFamily="18" charset="0"/>
+                        </a:rPr>
+                        <m:t> </m:t>
+                      </m:r>
+                      <m:r>
+                        <a:rPr lang="en-US" altLang="zh-CN" sz="1200" b="0" i="1" smtClean="0">
+                          <a:solidFill>
+                            <a:srgbClr val="C71485"/>
+                          </a:solidFill>
+                          <a:effectLst>
+                            <a:outerShdw blurRad="127000" sx="107000" sy="107000" algn="ctr" rotWithShape="0">
+                              <a:schemeClr val="bg1"/>
+                            </a:outerShdw>
+                          </a:effectLst>
+                          <a:latin typeface="Cambria Math" panose="02040503050406030204" pitchFamily="18" charset="0"/>
+                        </a:rPr>
+                        <m:t>𝑔𝑢𝑠𝑡</m:t>
+                      </m:r>
+                      <m:r>
+                        <a:rPr lang="en-US" altLang="zh-CN" sz="1200" b="0" i="1" smtClean="0">
+                          <a:solidFill>
+                            <a:srgbClr val="C71485"/>
+                          </a:solidFill>
+                          <a:effectLst>
+                            <a:outerShdw blurRad="127000" sx="107000" sy="107000" algn="ctr" rotWithShape="0">
+                              <a:schemeClr val="bg1"/>
+                            </a:outerShdw>
+                          </a:effectLst>
+                          <a:latin typeface="Cambria Math" panose="02040503050406030204" pitchFamily="18" charset="0"/>
+                        </a:rPr>
+                        <m:t>−</m:t>
+                      </m:r>
+                      <m:r>
+                        <a:rPr lang="en-US" altLang="zh-CN" sz="1200" b="0" i="1" smtClean="0">
+                          <a:solidFill>
+                            <a:srgbClr val="C71485"/>
+                          </a:solidFill>
+                          <a:effectLst>
+                            <a:outerShdw blurRad="127000" sx="107000" sy="107000" algn="ctr" rotWithShape="0">
+                              <a:schemeClr val="bg1"/>
+                            </a:outerShdw>
+                          </a:effectLst>
+                          <a:latin typeface="Cambria Math" panose="02040503050406030204" pitchFamily="18" charset="0"/>
+                        </a:rPr>
+                        <m:t>𝑙𝑖𝑛𝑒</m:t>
+                      </m:r>
+                    </m:oMath>
+                  </m:oMathPara>
+                </a14:m>
+                <a:endParaRPr lang="zh-CN" altLang="en-US" sz="1200" dirty="0">
+                  <a:solidFill>
+                    <a:srgbClr val="C71485"/>
+                  </a:solidFill>
+                  <a:effectLst>
+                    <a:outerShdw blurRad="127000" sx="107000" sy="107000" algn="ctr" rotWithShape="0">
+                      <a:schemeClr val="bg1"/>
+                    </a:outerShdw>
+                  </a:effectLst>
+                </a:endParaRPr>
+              </a:p>
+            </p:txBody>
+          </p:sp>
+        </mc:Choice>
+        <mc:Fallback>
+          <p:sp>
+            <p:nvSpPr>
+              <p:cNvPr id="11" name="文本框 10">
+                <a:extLst>
+                  <a:ext uri="{FF2B5EF4-FFF2-40B4-BE49-F238E27FC236}">
+                    <a16:creationId xmlns:a16="http://schemas.microsoft.com/office/drawing/2014/main" id="{A182F31E-A293-8449-B14E-81C857CF5DAC}"/>
+                  </a:ext>
+                </a:extLst>
+              </p:cNvPr>
+              <p:cNvSpPr txBox="1">
+                <a:spLocks noRot="1" noChangeAspect="1" noMove="1" noResize="1" noEditPoints="1" noAdjustHandles="1" noChangeArrowheads="1" noChangeShapeType="1" noTextEdit="1"/>
+              </p:cNvSpPr>
+              <p:nvPr/>
+            </p:nvSpPr>
+            <p:spPr>
+              <a:xfrm rot="163166">
+                <a:off x="8186755" y="3668191"/>
+                <a:ext cx="1306896" cy="276999"/>
+              </a:xfrm>
+              <a:prstGeom prst="rect">
+                <a:avLst/>
+              </a:prstGeom>
+              <a:blipFill>
+                <a:blip r:embed="rId30"/>
+                <a:stretch>
+                  <a:fillRect b="-5263"/>
+                </a:stretch>
+              </a:blipFill>
+              <a:effectLst>
+                <a:softEdge rad="88900"/>
+              </a:effectLst>
+            </p:spPr>
+            <p:txBody>
+              <a:bodyPr/>
+              <a:lstStyle/>
+              <a:p>
+                <a:r>
+                  <a:rPr lang="zh-CN" altLang="en-US">
+                    <a:noFill/>
+                  </a:rPr>
+                  <a:t> </a:t>
+                </a:r>
+              </a:p>
+            </p:txBody>
+          </p:sp>
+        </mc:Fallback>
+      </mc:AlternateContent>
+      <mc:AlternateContent xmlns:mc="http://schemas.openxmlformats.org/markup-compatibility/2006">
+        <mc:Choice xmlns:a14="http://schemas.microsoft.com/office/drawing/2010/main" Requires="a14">
+          <p:sp>
+            <p:nvSpPr>
+              <p:cNvPr id="19" name="文本框 18">
+                <a:extLst>
+                  <a:ext uri="{FF2B5EF4-FFF2-40B4-BE49-F238E27FC236}">
+                    <a16:creationId xmlns:a16="http://schemas.microsoft.com/office/drawing/2014/main" id="{7529E636-2BBD-2892-B544-5566526A5565}"/>
+                  </a:ext>
+                </a:extLst>
+              </p:cNvPr>
+              <p:cNvSpPr txBox="1"/>
+              <p:nvPr/>
+            </p:nvSpPr>
+            <p:spPr>
+              <a:xfrm>
+                <a:off x="1617928" y="1757038"/>
+                <a:ext cx="602921" cy="338554"/>
+              </a:xfrm>
+              <a:prstGeom prst="rect">
+                <a:avLst/>
+              </a:prstGeom>
+              <a:noFill/>
+              <a:ln>
+                <a:solidFill>
+                  <a:schemeClr val="bg1"/>
+                </a:solidFill>
+              </a:ln>
+              <a:effectLst>
+                <a:softEdge rad="38100"/>
+              </a:effectLst>
+            </p:spPr>
+            <p:txBody>
+              <a:bodyPr wrap="none" rtlCol="0">
+                <a:spAutoFit/>
+              </a:bodyPr>
+              <a:lstStyle/>
+              <a:p>
+                <a:pPr/>
+                <a14:m>
+                  <m:oMathPara xmlns:m="http://schemas.openxmlformats.org/officeDocument/2006/math">
+                    <m:oMathParaPr>
+                      <m:jc m:val="centerGroup"/>
+                    </m:oMathParaPr>
+                    <m:oMath xmlns:m="http://schemas.openxmlformats.org/officeDocument/2006/math">
+                      <m:sSub>
+                        <m:sSubPr>
+                          <m:ctrlPr>
+                            <a:rPr lang="en-US" altLang="zh-CN" sz="1600" b="0" i="1" smtClean="0">
+                              <a:solidFill>
+                                <a:srgbClr val="0D0DB4"/>
+                              </a:solidFill>
+                              <a:effectLst>
+                                <a:outerShdw blurRad="127000" sx="107000" sy="107000" algn="ctr" rotWithShape="0">
+                                  <a:schemeClr val="bg1"/>
+                                </a:outerShdw>
+                              </a:effectLst>
+                              <a:latin typeface="Cambria Math" panose="02040503050406030204" pitchFamily="18" charset="0"/>
+                            </a:rPr>
+                          </m:ctrlPr>
+                        </m:sSubPr>
+                        <m:e>
+                          <m:r>
+                            <a:rPr lang="en-US" altLang="zh-CN" sz="1600" b="0" i="1" smtClean="0">
+                              <a:solidFill>
+                                <a:srgbClr val="0D0DB4"/>
+                              </a:solidFill>
+                              <a:effectLst>
+                                <a:outerShdw blurRad="127000" sx="107000" sy="107000" algn="ctr" rotWithShape="0">
+                                  <a:schemeClr val="bg1"/>
+                                </a:outerShdw>
+                              </a:effectLst>
+                              <a:latin typeface="Cambria Math" panose="02040503050406030204" pitchFamily="18" charset="0"/>
+                            </a:rPr>
+                            <m:t>𝑛</m:t>
+                          </m:r>
+                        </m:e>
+                        <m:sub>
+                          <m:r>
+                            <a:rPr lang="en-US" altLang="zh-CN" sz="1600" b="0" i="1" smtClean="0">
+                              <a:solidFill>
+                                <a:srgbClr val="0D0DB4"/>
+                              </a:solidFill>
+                              <a:effectLst>
+                                <a:outerShdw blurRad="127000" sx="107000" sy="107000" algn="ctr" rotWithShape="0">
+                                  <a:schemeClr val="bg1"/>
+                                </a:outerShdw>
+                              </a:effectLst>
+                              <a:latin typeface="Cambria Math" panose="02040503050406030204" pitchFamily="18" charset="0"/>
+                            </a:rPr>
+                            <m:t>𝑙𝑖𝑚</m:t>
+                          </m:r>
+                        </m:sub>
+                      </m:sSub>
+                    </m:oMath>
+                  </m:oMathPara>
+                </a14:m>
+                <a:endParaRPr lang="en-US" altLang="zh-CN" sz="1600" b="0" i="0" dirty="0">
+                  <a:solidFill>
+                    <a:srgbClr val="0D0DB4"/>
+                  </a:solidFill>
+                  <a:effectLst>
+                    <a:outerShdw blurRad="127000" sx="107000" sy="107000" algn="ctr" rotWithShape="0">
+                      <a:schemeClr val="bg1"/>
+                    </a:outerShdw>
+                  </a:effectLst>
+                  <a:latin typeface="Cambria Math" panose="02040503050406030204" pitchFamily="18" charset="0"/>
+                </a:endParaRPr>
+              </a:p>
+            </p:txBody>
+          </p:sp>
+        </mc:Choice>
+        <mc:Fallback>
+          <p:sp>
+            <p:nvSpPr>
+              <p:cNvPr id="19" name="文本框 18">
+                <a:extLst>
+                  <a:ext uri="{FF2B5EF4-FFF2-40B4-BE49-F238E27FC236}">
+                    <a16:creationId xmlns:a16="http://schemas.microsoft.com/office/drawing/2014/main" id="{7529E636-2BBD-2892-B544-5566526A5565}"/>
+                  </a:ext>
+                </a:extLst>
+              </p:cNvPr>
+              <p:cNvSpPr txBox="1">
+                <a:spLocks noRot="1" noChangeAspect="1" noMove="1" noResize="1" noEditPoints="1" noAdjustHandles="1" noChangeArrowheads="1" noChangeShapeType="1" noTextEdit="1"/>
+              </p:cNvSpPr>
+              <p:nvPr/>
+            </p:nvSpPr>
+            <p:spPr>
+              <a:xfrm>
+                <a:off x="1617928" y="1757038"/>
+                <a:ext cx="602921" cy="338554"/>
+              </a:xfrm>
+              <a:prstGeom prst="rect">
+                <a:avLst/>
+              </a:prstGeom>
+              <a:blipFill>
+                <a:blip r:embed="rId31"/>
+                <a:stretch>
+                  <a:fillRect b="-13793"/>
+                </a:stretch>
+              </a:blipFill>
+              <a:ln>
+                <a:solidFill>
+                  <a:schemeClr val="bg1"/>
+                </a:solidFill>
+              </a:ln>
+              <a:effectLst>
+                <a:softEdge rad="38100"/>
+              </a:effectLst>
+            </p:spPr>
+            <p:txBody>
+              <a:bodyPr/>
+              <a:lstStyle/>
+              <a:p>
+                <a:r>
+                  <a:rPr lang="zh-CN" altLang="en-US">
+                    <a:noFill/>
+                  </a:rPr>
+                  <a:t> </a:t>
+                </a:r>
+              </a:p>
+            </p:txBody>
+          </p:sp>
+        </mc:Fallback>
+      </mc:AlternateContent>
+      <mc:AlternateContent xmlns:mc="http://schemas.openxmlformats.org/markup-compatibility/2006">
+        <mc:Choice xmlns:a14="http://schemas.microsoft.com/office/drawing/2010/main" Requires="a14">
+          <p:sp>
+            <p:nvSpPr>
+              <p:cNvPr id="20" name="文本框 19">
+                <a:extLst>
+                  <a:ext uri="{FF2B5EF4-FFF2-40B4-BE49-F238E27FC236}">
+                    <a16:creationId xmlns:a16="http://schemas.microsoft.com/office/drawing/2014/main" id="{AEC8FE66-194A-53AB-ECDD-1AC7070D007E}"/>
+                  </a:ext>
+                </a:extLst>
+              </p:cNvPr>
+              <p:cNvSpPr txBox="1"/>
+              <p:nvPr/>
+            </p:nvSpPr>
+            <p:spPr>
+              <a:xfrm>
+                <a:off x="1617928" y="2200961"/>
+                <a:ext cx="1625510" cy="391902"/>
+              </a:xfrm>
+              <a:prstGeom prst="rect">
+                <a:avLst/>
+              </a:prstGeom>
+              <a:noFill/>
+              <a:ln>
+                <a:solidFill>
+                  <a:schemeClr val="bg1"/>
+                </a:solidFill>
+              </a:ln>
+              <a:effectLst>
+                <a:softEdge rad="38100"/>
+              </a:effectLst>
+            </p:spPr>
+            <p:txBody>
+              <a:bodyPr wrap="none" rtlCol="0">
+                <a:spAutoFit/>
+              </a:bodyPr>
+              <a:lstStyle/>
+              <a:p>
+                <a:pPr/>
+                <a14:m>
+                  <m:oMathPara xmlns:m="http://schemas.openxmlformats.org/officeDocument/2006/math">
+                    <m:oMathParaPr>
+                      <m:jc m:val="centerGroup"/>
+                    </m:oMathParaPr>
+                    <m:oMath xmlns:m="http://schemas.openxmlformats.org/officeDocument/2006/math">
+                      <m:sSub>
+                        <m:sSubPr>
+                          <m:ctrlPr>
+                            <a:rPr lang="en-US" altLang="zh-CN" sz="1600" b="0" i="1" smtClean="0">
+                              <a:solidFill>
+                                <a:srgbClr val="00807F"/>
+                              </a:solidFill>
+                              <a:effectLst>
+                                <a:outerShdw blurRad="127000" sx="107000" sy="107000" algn="ctr" rotWithShape="0">
+                                  <a:schemeClr val="bg1"/>
+                                </a:outerShdw>
+                              </a:effectLst>
+                              <a:latin typeface="Cambria Math" panose="02040503050406030204" pitchFamily="18" charset="0"/>
+                            </a:rPr>
+                          </m:ctrlPr>
+                        </m:sSubPr>
+                        <m:e>
+                          <m:sSub>
+                            <m:sSubPr>
+                              <m:ctrlPr>
+                                <a:rPr lang="en-US" altLang="zh-CN" sz="1600" i="1">
+                                  <a:solidFill>
+                                    <a:srgbClr val="00807F"/>
+                                  </a:solidFill>
+                                  <a:effectLst>
+                                    <a:outerShdw blurRad="127000" sx="107000" sy="107000" algn="ctr" rotWithShape="0">
+                                      <a:schemeClr val="bg1"/>
+                                    </a:outerShdw>
+                                  </a:effectLst>
+                                  <a:latin typeface="Cambria Math" panose="02040503050406030204" pitchFamily="18" charset="0"/>
+                                </a:rPr>
+                              </m:ctrlPr>
+                            </m:sSubPr>
+                            <m:e>
+                              <m:r>
+                                <a:rPr lang="en-US" altLang="zh-CN" sz="1600" i="1">
+                                  <a:solidFill>
+                                    <a:srgbClr val="00807F"/>
+                                  </a:solidFill>
+                                  <a:effectLst>
+                                    <a:outerShdw blurRad="127000" sx="107000" sy="107000" algn="ctr" rotWithShape="0">
+                                      <a:schemeClr val="bg1"/>
+                                    </a:outerShdw>
+                                  </a:effectLst>
+                                  <a:latin typeface="Cambria Math" panose="02040503050406030204" pitchFamily="18" charset="0"/>
+                                </a:rPr>
+                                <m:t>𝑛</m:t>
+                              </m:r>
+                            </m:e>
+                            <m:sub>
+                              <m:r>
+                                <a:rPr lang="en-US" altLang="zh-CN" sz="1600" i="1">
+                                  <a:solidFill>
+                                    <a:srgbClr val="00807F"/>
+                                  </a:solidFill>
+                                  <a:effectLst>
+                                    <a:outerShdw blurRad="127000" sx="107000" sy="107000" algn="ctr" rotWithShape="0">
+                                      <a:schemeClr val="bg1"/>
+                                    </a:outerShdw>
+                                  </a:effectLst>
+                                  <a:latin typeface="Cambria Math" panose="02040503050406030204" pitchFamily="18" charset="0"/>
+                                </a:rPr>
+                                <m:t>𝑙𝑖𝑚</m:t>
+                              </m:r>
+                            </m:sub>
+                          </m:sSub>
+                        </m:e>
+                        <m:sub>
+                          <m:r>
+                            <a:rPr lang="en-US" altLang="zh-CN" sz="1600" b="0" i="1" smtClean="0">
+                              <a:solidFill>
+                                <a:srgbClr val="00807F"/>
+                              </a:solidFill>
+                              <a:effectLst>
+                                <a:outerShdw blurRad="127000" sx="107000" sy="107000" algn="ctr" rotWithShape="0">
+                                  <a:schemeClr val="bg1"/>
+                                </a:outerShdw>
+                              </a:effectLst>
+                              <a:latin typeface="Cambria Math" panose="02040503050406030204" pitchFamily="18" charset="0"/>
+                            </a:rPr>
+                            <m:t>𝑚𝑎𝑛𝑜𝑒𝑢𝑣𝑟𝑖𝑛𝑔</m:t>
+                          </m:r>
+                        </m:sub>
+                      </m:sSub>
+                    </m:oMath>
+                  </m:oMathPara>
+                </a14:m>
+                <a:endParaRPr lang="en-US" altLang="zh-CN" sz="1600" b="0" i="0" dirty="0">
+                  <a:solidFill>
+                    <a:srgbClr val="00807F"/>
+                  </a:solidFill>
+                  <a:effectLst>
+                    <a:outerShdw blurRad="127000" sx="107000" sy="107000" algn="ctr" rotWithShape="0">
+                      <a:schemeClr val="bg1"/>
+                    </a:outerShdw>
+                  </a:effectLst>
+                  <a:latin typeface="Cambria Math" panose="02040503050406030204" pitchFamily="18" charset="0"/>
+                </a:endParaRPr>
+              </a:p>
+            </p:txBody>
+          </p:sp>
+        </mc:Choice>
+        <mc:Fallback>
+          <p:sp>
+            <p:nvSpPr>
+              <p:cNvPr id="20" name="文本框 19">
+                <a:extLst>
+                  <a:ext uri="{FF2B5EF4-FFF2-40B4-BE49-F238E27FC236}">
+                    <a16:creationId xmlns:a16="http://schemas.microsoft.com/office/drawing/2014/main" id="{AEC8FE66-194A-53AB-ECDD-1AC7070D007E}"/>
+                  </a:ext>
+                </a:extLst>
+              </p:cNvPr>
+              <p:cNvSpPr txBox="1">
+                <a:spLocks noRot="1" noChangeAspect="1" noMove="1" noResize="1" noEditPoints="1" noAdjustHandles="1" noChangeArrowheads="1" noChangeShapeType="1" noTextEdit="1"/>
+              </p:cNvSpPr>
+              <p:nvPr/>
+            </p:nvSpPr>
+            <p:spPr>
+              <a:xfrm>
+                <a:off x="1617928" y="2200961"/>
+                <a:ext cx="1625510" cy="391902"/>
+              </a:xfrm>
+              <a:prstGeom prst="rect">
+                <a:avLst/>
+              </a:prstGeom>
+              <a:blipFill>
+                <a:blip r:embed="rId32"/>
+                <a:stretch>
+                  <a:fillRect l="-1115" r="-1115" b="-19697"/>
+                </a:stretch>
+              </a:blipFill>
+              <a:ln>
+                <a:solidFill>
+                  <a:schemeClr val="bg1"/>
+                </a:solidFill>
+              </a:ln>
+              <a:effectLst>
+                <a:softEdge rad="38100"/>
+              </a:effectLst>
+            </p:spPr>
+            <p:txBody>
+              <a:bodyPr/>
+              <a:lstStyle/>
+              <a:p>
+                <a:r>
+                  <a:rPr lang="zh-CN" altLang="en-US">
+                    <a:noFill/>
+                  </a:rPr>
+                  <a:t> </a:t>
+                </a:r>
+              </a:p>
+            </p:txBody>
+          </p:sp>
+        </mc:Fallback>
+      </mc:AlternateContent>
+      <mc:AlternateContent xmlns:mc="http://schemas.openxmlformats.org/markup-compatibility/2006">
+        <mc:Choice xmlns:a14="http://schemas.microsoft.com/office/drawing/2010/main" Requires="a14">
+          <p:sp>
+            <p:nvSpPr>
+              <p:cNvPr id="21" name="文本框 20">
+                <a:extLst>
+                  <a:ext uri="{FF2B5EF4-FFF2-40B4-BE49-F238E27FC236}">
+                    <a16:creationId xmlns:a16="http://schemas.microsoft.com/office/drawing/2014/main" id="{A5303A97-0EE2-01F0-F748-02F22EC39D10}"/>
+                  </a:ext>
+                </a:extLst>
+              </p:cNvPr>
+              <p:cNvSpPr txBox="1"/>
+              <p:nvPr/>
+            </p:nvSpPr>
+            <p:spPr>
+              <a:xfrm>
+                <a:off x="1617928" y="4998237"/>
+                <a:ext cx="892937" cy="391902"/>
+              </a:xfrm>
+              <a:prstGeom prst="rect">
+                <a:avLst/>
+              </a:prstGeom>
+              <a:noFill/>
+              <a:ln>
+                <a:solidFill>
+                  <a:schemeClr val="bg1"/>
+                </a:solidFill>
+              </a:ln>
+              <a:effectLst>
+                <a:softEdge rad="38100"/>
+              </a:effectLst>
+            </p:spPr>
+            <p:txBody>
+              <a:bodyPr wrap="none" rtlCol="0">
+                <a:spAutoFit/>
+              </a:bodyPr>
+              <a:lstStyle/>
+              <a:p>
+                <a:pPr/>
+                <a14:m>
+                  <m:oMathPara xmlns:m="http://schemas.openxmlformats.org/officeDocument/2006/math">
+                    <m:oMathParaPr>
+                      <m:jc m:val="centerGroup"/>
+                    </m:oMathParaPr>
+                    <m:oMath xmlns:m="http://schemas.openxmlformats.org/officeDocument/2006/math">
+                      <m:sSub>
+                        <m:sSubPr>
+                          <m:ctrlPr>
+                            <a:rPr lang="en-US" altLang="zh-CN" sz="1600" b="0" i="1" smtClean="0">
+                              <a:solidFill>
+                                <a:srgbClr val="0D0DB4"/>
+                              </a:solidFill>
+                              <a:effectLst>
+                                <a:outerShdw blurRad="127000" sx="107000" sy="107000" algn="ctr" rotWithShape="0">
+                                  <a:schemeClr val="bg1"/>
+                                </a:outerShdw>
+                              </a:effectLst>
+                              <a:latin typeface="Cambria Math" panose="02040503050406030204" pitchFamily="18" charset="0"/>
+                            </a:rPr>
+                          </m:ctrlPr>
+                        </m:sSubPr>
+                        <m:e>
+                          <m:sSub>
+                            <m:sSubPr>
+                              <m:ctrlPr>
+                                <a:rPr lang="en-US" altLang="zh-CN" sz="1600" i="1">
+                                  <a:solidFill>
+                                    <a:srgbClr val="0D0DB4"/>
+                                  </a:solidFill>
+                                  <a:effectLst>
+                                    <a:outerShdw blurRad="127000" sx="107000" sy="107000" algn="ctr" rotWithShape="0">
+                                      <a:schemeClr val="bg1"/>
+                                    </a:outerShdw>
+                                  </a:effectLst>
+                                  <a:latin typeface="Cambria Math" panose="02040503050406030204" pitchFamily="18" charset="0"/>
+                                </a:rPr>
+                              </m:ctrlPr>
+                            </m:sSubPr>
+                            <m:e>
+                              <m:r>
+                                <a:rPr lang="en-US" altLang="zh-CN" sz="1600" i="1">
+                                  <a:solidFill>
+                                    <a:srgbClr val="0D0DB4"/>
+                                  </a:solidFill>
+                                  <a:effectLst>
+                                    <a:outerShdw blurRad="127000" sx="107000" sy="107000" algn="ctr" rotWithShape="0">
+                                      <a:schemeClr val="bg1"/>
+                                    </a:outerShdw>
+                                  </a:effectLst>
+                                  <a:latin typeface="Cambria Math" panose="02040503050406030204" pitchFamily="18" charset="0"/>
+                                </a:rPr>
+                                <m:t>𝑛</m:t>
+                              </m:r>
+                            </m:e>
+                            <m:sub>
+                              <m:r>
+                                <a:rPr lang="en-US" altLang="zh-CN" sz="1600" i="1">
+                                  <a:solidFill>
+                                    <a:srgbClr val="0D0DB4"/>
+                                  </a:solidFill>
+                                  <a:effectLst>
+                                    <a:outerShdw blurRad="127000" sx="107000" sy="107000" algn="ctr" rotWithShape="0">
+                                      <a:schemeClr val="bg1"/>
+                                    </a:outerShdw>
+                                  </a:effectLst>
+                                  <a:latin typeface="Cambria Math" panose="02040503050406030204" pitchFamily="18" charset="0"/>
+                                </a:rPr>
+                                <m:t>𝑙𝑖𝑚</m:t>
+                              </m:r>
+                            </m:sub>
+                          </m:sSub>
+                        </m:e>
+                        <m:sub>
+                          <m:r>
+                            <a:rPr lang="en-US" altLang="zh-CN" sz="1600" b="0" i="1" smtClean="0">
+                              <a:solidFill>
+                                <a:srgbClr val="0D0DB4"/>
+                              </a:solidFill>
+                              <a:effectLst>
+                                <a:outerShdw blurRad="127000" sx="107000" sy="107000" algn="ctr" rotWithShape="0">
+                                  <a:schemeClr val="bg1"/>
+                                </a:outerShdw>
+                              </a:effectLst>
+                              <a:latin typeface="Cambria Math" panose="02040503050406030204" pitchFamily="18" charset="0"/>
+                            </a:rPr>
+                            <m:t>𝑛𝑒𝑔</m:t>
+                          </m:r>
+                        </m:sub>
+                      </m:sSub>
+                    </m:oMath>
+                  </m:oMathPara>
+                </a14:m>
+                <a:endParaRPr lang="en-US" altLang="zh-CN" sz="1600" b="0" i="0" dirty="0">
+                  <a:solidFill>
+                    <a:srgbClr val="0D0DB4"/>
+                  </a:solidFill>
+                  <a:effectLst>
+                    <a:outerShdw blurRad="127000" sx="107000" sy="107000" algn="ctr" rotWithShape="0">
+                      <a:schemeClr val="bg1"/>
+                    </a:outerShdw>
+                  </a:effectLst>
+                  <a:latin typeface="Cambria Math" panose="02040503050406030204" pitchFamily="18" charset="0"/>
+                </a:endParaRPr>
+              </a:p>
+            </p:txBody>
+          </p:sp>
+        </mc:Choice>
+        <mc:Fallback>
+          <p:sp>
+            <p:nvSpPr>
+              <p:cNvPr id="21" name="文本框 20">
+                <a:extLst>
+                  <a:ext uri="{FF2B5EF4-FFF2-40B4-BE49-F238E27FC236}">
+                    <a16:creationId xmlns:a16="http://schemas.microsoft.com/office/drawing/2014/main" id="{A5303A97-0EE2-01F0-F748-02F22EC39D10}"/>
+                  </a:ext>
+                </a:extLst>
+              </p:cNvPr>
+              <p:cNvSpPr txBox="1">
+                <a:spLocks noRot="1" noChangeAspect="1" noMove="1" noResize="1" noEditPoints="1" noAdjustHandles="1" noChangeArrowheads="1" noChangeShapeType="1" noTextEdit="1"/>
+              </p:cNvSpPr>
+              <p:nvPr/>
+            </p:nvSpPr>
+            <p:spPr>
+              <a:xfrm>
+                <a:off x="1617928" y="4998237"/>
+                <a:ext cx="892937" cy="391902"/>
+              </a:xfrm>
+              <a:prstGeom prst="rect">
+                <a:avLst/>
+              </a:prstGeom>
+              <a:blipFill>
+                <a:blip r:embed="rId33"/>
+                <a:stretch>
+                  <a:fillRect b="-15152"/>
                 </a:stretch>
               </a:blipFill>
               <a:ln>
@@ -7954,4 +9509,319 @@
     </a:ext>
   </a:extLst>
 </a:theme>
+</file>
+
+<file path=ppt/theme/theme2.xml><?xml version="1.0" encoding="utf-8"?>
+<a:theme xmlns:a="http://schemas.openxmlformats.org/drawingml/2006/main" name="Office 主题​​">
+  <a:themeElements>
+    <a:clrScheme name="Office">
+      <a:dk1>
+        <a:sysClr val="windowText" lastClr="000000"/>
+      </a:dk1>
+      <a:lt1>
+        <a:sysClr val="window" lastClr="FFFFFF"/>
+      </a:lt1>
+      <a:dk2>
+        <a:srgbClr val="0E2841"/>
+      </a:dk2>
+      <a:lt2>
+        <a:srgbClr val="E8E8E8"/>
+      </a:lt2>
+      <a:accent1>
+        <a:srgbClr val="156082"/>
+      </a:accent1>
+      <a:accent2>
+        <a:srgbClr val="E97132"/>
+      </a:accent2>
+      <a:accent3>
+        <a:srgbClr val="196B24"/>
+      </a:accent3>
+      <a:accent4>
+        <a:srgbClr val="0F9ED5"/>
+      </a:accent4>
+      <a:accent5>
+        <a:srgbClr val="A02B93"/>
+      </a:accent5>
+      <a:accent6>
+        <a:srgbClr val="4EA72E"/>
+      </a:accent6>
+      <a:hlink>
+        <a:srgbClr val="467886"/>
+      </a:hlink>
+      <a:folHlink>
+        <a:srgbClr val="96607D"/>
+      </a:folHlink>
+    </a:clrScheme>
+    <a:fontScheme name="Office">
+      <a:majorFont>
+        <a:latin typeface="等线 Light" panose="02110004020202020204"/>
+        <a:ea typeface=""/>
+        <a:cs typeface=""/>
+        <a:font script="Jpan" typeface="游ゴシック Light"/>
+        <a:font script="Hang" typeface="맑은 고딕"/>
+        <a:font script="Hans" typeface="等线 Light"/>
+        <a:font script="Hant" typeface="新細明體"/>
+        <a:font script="Arab" typeface="Times New Roman"/>
+        <a:font script="Hebr" typeface="Times New Roman"/>
+        <a:font script="Thai" typeface="Angsana New"/>
+        <a:font script="Ethi" typeface="Nyala"/>
+        <a:font script="Beng" typeface="Vrinda"/>
+        <a:font script="Gujr" typeface="Shruti"/>
+        <a:font script="Khmr" typeface="MoolBoran"/>
+        <a:font script="Knda" typeface="Tunga"/>
+        <a:font script="Guru" typeface="Raavi"/>
+        <a:font script="Cans" typeface="Euphemia"/>
+        <a:font script="Cher" typeface="Plantagenet Cherokee"/>
+        <a:font script="Yiii" typeface="Microsoft Yi Baiti"/>
+        <a:font script="Tibt" typeface="Microsoft Himalaya"/>
+        <a:font script="Thaa" typeface="MV Boli"/>
+        <a:font script="Deva" typeface="Mangal"/>
+        <a:font script="Telu" typeface="Gautami"/>
+        <a:font script="Taml" typeface="Latha"/>
+        <a:font script="Syrc" typeface="Estrangelo Edessa"/>
+        <a:font script="Orya" typeface="Kalinga"/>
+        <a:font script="Mlym" typeface="Kartika"/>
+        <a:font script="Laoo" typeface="DokChampa"/>
+        <a:font script="Sinh" typeface="Iskoola Pota"/>
+        <a:font script="Mong" typeface="Mongolian Baiti"/>
+        <a:font script="Viet" typeface="Times New Roman"/>
+        <a:font script="Uigh" typeface="Microsoft Uighur"/>
+        <a:font script="Geor" typeface="Sylfaen"/>
+        <a:font script="Armn" typeface="Arial"/>
+        <a:font script="Bugi" typeface="Leelawadee UI"/>
+        <a:font script="Bopo" typeface="Microsoft JhengHei"/>
+        <a:font script="Java" typeface="Javanese Text"/>
+        <a:font script="Lisu" typeface="Segoe UI"/>
+        <a:font script="Mymr" typeface="Myanmar Text"/>
+        <a:font script="Nkoo" typeface="Ebrima"/>
+        <a:font script="Olck" typeface="Nirmala UI"/>
+        <a:font script="Osma" typeface="Ebrima"/>
+        <a:font script="Phag" typeface="Phagspa"/>
+        <a:font script="Syrn" typeface="Estrangelo Edessa"/>
+        <a:font script="Syrj" typeface="Estrangelo Edessa"/>
+        <a:font script="Syre" typeface="Estrangelo Edessa"/>
+        <a:font script="Sora" typeface="Nirmala UI"/>
+        <a:font script="Tale" typeface="Microsoft Tai Le"/>
+        <a:font script="Talu" typeface="Microsoft New Tai Lue"/>
+        <a:font script="Tfng" typeface="Ebrima"/>
+      </a:majorFont>
+      <a:minorFont>
+        <a:latin typeface="等线" panose="02110004020202020204"/>
+        <a:ea typeface=""/>
+        <a:cs typeface=""/>
+        <a:font script="Jpan" typeface="游ゴシック"/>
+        <a:font script="Hang" typeface="맑은 고딕"/>
+        <a:font script="Hans" typeface="等线"/>
+        <a:font script="Hant" typeface="新細明體"/>
+        <a:font script="Arab" typeface="Arial"/>
+        <a:font script="Hebr" typeface="Arial"/>
+        <a:font script="Thai" typeface="Cordia New"/>
+        <a:font script="Ethi" typeface="Nyala"/>
+        <a:font script="Beng" typeface="Vrinda"/>
+        <a:font script="Gujr" typeface="Shruti"/>
+        <a:font script="Khmr" typeface="DaunPenh"/>
+        <a:font script="Knda" typeface="Tunga"/>
+        <a:font script="Guru" typeface="Raavi"/>
+        <a:font script="Cans" typeface="Euphemia"/>
+        <a:font script="Cher" typeface="Plantagenet Cherokee"/>
+        <a:font script="Yiii" typeface="Microsoft Yi Baiti"/>
+        <a:font script="Tibt" typeface="Microsoft Himalaya"/>
+        <a:font script="Thaa" typeface="MV Boli"/>
+        <a:font script="Deva" typeface="Mangal"/>
+        <a:font script="Telu" typeface="Gautami"/>
+        <a:font script="Taml" typeface="Latha"/>
+        <a:font script="Syrc" typeface="Estrangelo Edessa"/>
+        <a:font script="Orya" typeface="Kalinga"/>
+        <a:font script="Mlym" typeface="Kartika"/>
+        <a:font script="Laoo" typeface="DokChampa"/>
+        <a:font script="Sinh" typeface="Iskoola Pota"/>
+        <a:font script="Mong" typeface="Mongolian Baiti"/>
+        <a:font script="Viet" typeface="Arial"/>
+        <a:font script="Uigh" typeface="Microsoft Uighur"/>
+        <a:font script="Geor" typeface="Sylfaen"/>
+        <a:font script="Armn" typeface="Arial"/>
+        <a:font script="Bugi" typeface="Leelawadee UI"/>
+        <a:font script="Bopo" typeface="Microsoft JhengHei"/>
+        <a:font script="Java" typeface="Javanese Text"/>
+        <a:font script="Lisu" typeface="Segoe UI"/>
+        <a:font script="Mymr" typeface="Myanmar Text"/>
+        <a:font script="Nkoo" typeface="Ebrima"/>
+        <a:font script="Olck" typeface="Nirmala UI"/>
+        <a:font script="Osma" typeface="Ebrima"/>
+        <a:font script="Phag" typeface="Phagspa"/>
+        <a:font script="Syrn" typeface="Estrangelo Edessa"/>
+        <a:font script="Syrj" typeface="Estrangelo Edessa"/>
+        <a:font script="Syre" typeface="Estrangelo Edessa"/>
+        <a:font script="Sora" typeface="Nirmala UI"/>
+        <a:font script="Tale" typeface="Microsoft Tai Le"/>
+        <a:font script="Talu" typeface="Microsoft New Tai Lue"/>
+        <a:font script="Tfng" typeface="Ebrima"/>
+      </a:minorFont>
+    </a:fontScheme>
+    <a:fmtScheme name="Office">
+      <a:fillStyleLst>
+        <a:solidFill>
+          <a:schemeClr val="phClr"/>
+        </a:solidFill>
+        <a:gradFill rotWithShape="1">
+          <a:gsLst>
+            <a:gs pos="0">
+              <a:schemeClr val="phClr">
+                <a:lumMod val="110000"/>
+                <a:satMod val="105000"/>
+                <a:tint val="67000"/>
+              </a:schemeClr>
+            </a:gs>
+            <a:gs pos="50000">
+              <a:schemeClr val="phClr">
+                <a:lumMod val="105000"/>
+                <a:satMod val="103000"/>
+                <a:tint val="73000"/>
+              </a:schemeClr>
+            </a:gs>
+            <a:gs pos="100000">
+              <a:schemeClr val="phClr">
+                <a:lumMod val="105000"/>
+                <a:satMod val="109000"/>
+                <a:tint val="81000"/>
+              </a:schemeClr>
+            </a:gs>
+          </a:gsLst>
+          <a:lin ang="5400000" scaled="0"/>
+        </a:gradFill>
+        <a:gradFill rotWithShape="1">
+          <a:gsLst>
+            <a:gs pos="0">
+              <a:schemeClr val="phClr">
+                <a:satMod val="103000"/>
+                <a:lumMod val="102000"/>
+                <a:tint val="94000"/>
+              </a:schemeClr>
+            </a:gs>
+            <a:gs pos="50000">
+              <a:schemeClr val="phClr">
+                <a:satMod val="110000"/>
+                <a:lumMod val="100000"/>
+                <a:shade val="100000"/>
+              </a:schemeClr>
+            </a:gs>
+            <a:gs pos="100000">
+              <a:schemeClr val="phClr">
+                <a:lumMod val="99000"/>
+                <a:satMod val="120000"/>
+                <a:shade val="78000"/>
+              </a:schemeClr>
+            </a:gs>
+          </a:gsLst>
+          <a:lin ang="5400000" scaled="0"/>
+        </a:gradFill>
+      </a:fillStyleLst>
+      <a:lnStyleLst>
+        <a:ln w="12700" cap="flat" cmpd="sng" algn="ctr">
+          <a:solidFill>
+            <a:schemeClr val="phClr"/>
+          </a:solidFill>
+          <a:prstDash val="solid"/>
+          <a:miter lim="800000"/>
+        </a:ln>
+        <a:ln w="19050" cap="flat" cmpd="sng" algn="ctr">
+          <a:solidFill>
+            <a:schemeClr val="phClr"/>
+          </a:solidFill>
+          <a:prstDash val="solid"/>
+          <a:miter lim="800000"/>
+        </a:ln>
+        <a:ln w="25400" cap="flat" cmpd="sng" algn="ctr">
+          <a:solidFill>
+            <a:schemeClr val="phClr"/>
+          </a:solidFill>
+          <a:prstDash val="solid"/>
+          <a:miter lim="800000"/>
+        </a:ln>
+      </a:lnStyleLst>
+      <a:effectStyleLst>
+        <a:effectStyle>
+          <a:effectLst/>
+        </a:effectStyle>
+        <a:effectStyle>
+          <a:effectLst/>
+        </a:effectStyle>
+        <a:effectStyle>
+          <a:effectLst>
+            <a:outerShdw blurRad="57150" dist="19050" dir="5400000" algn="ctr" rotWithShape="0">
+              <a:srgbClr val="000000">
+                <a:alpha val="63000"/>
+              </a:srgbClr>
+            </a:outerShdw>
+          </a:effectLst>
+        </a:effectStyle>
+      </a:effectStyleLst>
+      <a:bgFillStyleLst>
+        <a:solidFill>
+          <a:schemeClr val="phClr"/>
+        </a:solidFill>
+        <a:solidFill>
+          <a:schemeClr val="phClr">
+            <a:tint val="95000"/>
+            <a:satMod val="170000"/>
+          </a:schemeClr>
+        </a:solidFill>
+        <a:gradFill rotWithShape="1">
+          <a:gsLst>
+            <a:gs pos="0">
+              <a:schemeClr val="phClr">
+                <a:tint val="93000"/>
+                <a:satMod val="150000"/>
+                <a:shade val="98000"/>
+                <a:lumMod val="102000"/>
+              </a:schemeClr>
+            </a:gs>
+            <a:gs pos="50000">
+              <a:schemeClr val="phClr">
+                <a:tint val="98000"/>
+                <a:satMod val="130000"/>
+                <a:shade val="90000"/>
+                <a:lumMod val="103000"/>
+              </a:schemeClr>
+            </a:gs>
+            <a:gs pos="100000">
+              <a:schemeClr val="phClr">
+                <a:shade val="63000"/>
+                <a:satMod val="120000"/>
+              </a:schemeClr>
+            </a:gs>
+          </a:gsLst>
+          <a:lin ang="5400000" scaled="0"/>
+        </a:gradFill>
+      </a:bgFillStyleLst>
+    </a:fmtScheme>
+  </a:themeElements>
+  <a:objectDefaults>
+    <a:lnDef>
+      <a:spPr/>
+      <a:bodyPr/>
+      <a:lstStyle/>
+      <a:style>
+        <a:lnRef idx="2">
+          <a:schemeClr val="accent1"/>
+        </a:lnRef>
+        <a:fillRef idx="0">
+          <a:schemeClr val="accent1"/>
+        </a:fillRef>
+        <a:effectRef idx="1">
+          <a:schemeClr val="accent1"/>
+        </a:effectRef>
+        <a:fontRef idx="minor">
+          <a:schemeClr val="tx1"/>
+        </a:fontRef>
+      </a:style>
+    </a:lnDef>
+  </a:objectDefaults>
+  <a:extraClrSchemeLst/>
+  <a:extLst>
+    <a:ext uri="{05A4C25C-085E-4340-85A3-A5531E510DB2}">
+      <thm15:themeFamily xmlns:thm15="http://schemas.microsoft.com/office/thememl/2012/main" name="Office Theme" id="{2E142A2C-CD16-42D6-873A-C26D2A0506FA}" vid="{1BDDFF52-6CD6-40A5-AB3C-68EB2F1E4D0A}"/>
+    </a:ext>
+  </a:extLst>
+</a:theme>
 </file>
--- a/01 - Loads and Fatigue/Annotation.pptx
+++ b/01 - Loads and Fatigue/Annotation.pptx
@@ -118,7 +118,7 @@
 <file path=ppt/revisionInfo.xml><?xml version="1.0" encoding="utf-8"?>
 <p1510:revInfo xmlns:a="http://schemas.openxmlformats.org/drawingml/2006/main" xmlns:r="http://schemas.openxmlformats.org/officeDocument/2006/relationships" xmlns:p1510="http://schemas.microsoft.com/office/powerpoint/2015/10/main">
   <p1510:revLst>
-    <p1510:client id="{C9DE8794-599A-48A2-8DAC-3CEC81A1BCD4}" v="1237" dt="2025-01-25T13:43:04.019"/>
+    <p1510:client id="{C9DE8794-599A-48A2-8DAC-3CEC81A1BCD4}" v="1265" dt="2025-01-25T16:17:58.509"/>
   </p1510:revLst>
 </p1510:revInfo>
 </file>
@@ -128,12 +128,12 @@
   <pc:docChgLst>
     <pc:chgData name="Li, Hanchen F" userId="3aee791e-6a2d-4da7-a77b-fbdf7bf15886" providerId="ADAL" clId="{C9DE8794-599A-48A2-8DAC-3CEC81A1BCD4}"/>
     <pc:docChg chg="undo custSel addSld modSld">
-      <pc:chgData name="Li, Hanchen F" userId="3aee791e-6a2d-4da7-a77b-fbdf7bf15886" providerId="ADAL" clId="{C9DE8794-599A-48A2-8DAC-3CEC81A1BCD4}" dt="2025-01-25T13:43:04.018" v="2668" actId="14826"/>
+      <pc:chgData name="Li, Hanchen F" userId="3aee791e-6a2d-4da7-a77b-fbdf7bf15886" providerId="ADAL" clId="{C9DE8794-599A-48A2-8DAC-3CEC81A1BCD4}" dt="2025-01-25T16:18:30.386" v="2722" actId="1076"/>
       <pc:docMkLst>
         <pc:docMk/>
       </pc:docMkLst>
       <pc:sldChg chg="addSp delSp modSp new mod">
-        <pc:chgData name="Li, Hanchen F" userId="3aee791e-6a2d-4da7-a77b-fbdf7bf15886" providerId="ADAL" clId="{C9DE8794-599A-48A2-8DAC-3CEC81A1BCD4}" dt="2025-01-25T13:43:04.018" v="2668" actId="14826"/>
+        <pc:chgData name="Li, Hanchen F" userId="3aee791e-6a2d-4da7-a77b-fbdf7bf15886" providerId="ADAL" clId="{C9DE8794-599A-48A2-8DAC-3CEC81A1BCD4}" dt="2025-01-25T16:18:30.386" v="2722" actId="1076"/>
         <pc:sldMkLst>
           <pc:docMk/>
           <pc:sldMk cId="3020923075" sldId="256"/>
@@ -147,7 +147,7 @@
           </ac:spMkLst>
         </pc:spChg>
         <pc:spChg chg="add mod ord">
-          <ac:chgData name="Li, Hanchen F" userId="3aee791e-6a2d-4da7-a77b-fbdf7bf15886" providerId="ADAL" clId="{C9DE8794-599A-48A2-8DAC-3CEC81A1BCD4}" dt="2025-01-25T13:38:59.349" v="2663" actId="14861"/>
+          <ac:chgData name="Li, Hanchen F" userId="3aee791e-6a2d-4da7-a77b-fbdf7bf15886" providerId="ADAL" clId="{C9DE8794-599A-48A2-8DAC-3CEC81A1BCD4}" dt="2025-01-25T16:18:13.045" v="2718" actId="1076"/>
           <ac:spMkLst>
             <pc:docMk/>
             <pc:sldMk cId="3020923075" sldId="256"/>
@@ -322,8 +322,8 @@
             <ac:spMk id="14" creationId="{32A4749A-06F5-A69D-E410-B0960C4F58B9}"/>
           </ac:spMkLst>
         </pc:spChg>
-        <pc:spChg chg="add mod">
-          <ac:chgData name="Li, Hanchen F" userId="3aee791e-6a2d-4da7-a77b-fbdf7bf15886" providerId="ADAL" clId="{C9DE8794-599A-48A2-8DAC-3CEC81A1BCD4}" dt="2025-01-24T23:09:43.799" v="943" actId="14861"/>
+        <pc:spChg chg="add mod ord">
+          <ac:chgData name="Li, Hanchen F" userId="3aee791e-6a2d-4da7-a77b-fbdf7bf15886" providerId="ADAL" clId="{C9DE8794-599A-48A2-8DAC-3CEC81A1BCD4}" dt="2025-01-25T16:18:30.386" v="2722" actId="1076"/>
           <ac:spMkLst>
             <pc:docMk/>
             <pc:sldMk cId="3020923075" sldId="256"/>
@@ -499,7 +499,7 @@
           </ac:spMkLst>
         </pc:spChg>
         <pc:picChg chg="add del mod">
-          <ac:chgData name="Li, Hanchen F" userId="3aee791e-6a2d-4da7-a77b-fbdf7bf15886" providerId="ADAL" clId="{C9DE8794-599A-48A2-8DAC-3CEC81A1BCD4}" dt="2025-01-25T13:43:04.018" v="2668" actId="14826"/>
+          <ac:chgData name="Li, Hanchen F" userId="3aee791e-6a2d-4da7-a77b-fbdf7bf15886" providerId="ADAL" clId="{C9DE8794-599A-48A2-8DAC-3CEC81A1BCD4}" dt="2025-01-25T16:16:59.421" v="2669" actId="14826"/>
           <ac:picMkLst>
             <pc:docMk/>
             <pc:sldMk cId="3020923075" sldId="256"/>
@@ -531,7 +531,7 @@
           </ac:cxnSpMkLst>
         </pc:cxnChg>
         <pc:cxnChg chg="add mod ord">
-          <ac:chgData name="Li, Hanchen F" userId="3aee791e-6a2d-4da7-a77b-fbdf7bf15886" providerId="ADAL" clId="{C9DE8794-599A-48A2-8DAC-3CEC81A1BCD4}" dt="2025-01-24T23:26:39.045" v="1838" actId="166"/>
+          <ac:chgData name="Li, Hanchen F" userId="3aee791e-6a2d-4da7-a77b-fbdf7bf15886" providerId="ADAL" clId="{C9DE8794-599A-48A2-8DAC-3CEC81A1BCD4}" dt="2025-01-25T16:18:10.088" v="2717" actId="1076"/>
           <ac:cxnSpMkLst>
             <pc:docMk/>
             <pc:sldMk cId="3020923075" sldId="256"/>
@@ -4242,8 +4242,8 @@
         </p:blipFill>
         <p:spPr>
           <a:xfrm>
-            <a:off x="0" y="382950"/>
-            <a:ext cx="12192000" cy="6092098"/>
+            <a:off x="3" y="382950"/>
+            <a:ext cx="12191993" cy="6092098"/>
           </a:xfrm>
           <a:prstGeom prst="rect">
             <a:avLst/>
@@ -4718,168 +4718,6 @@
         <mc:Choice Requires="a14">
           <p:sp>
             <p:nvSpPr>
-              <p:cNvPr id="15" name="文本框 14">
-                <a:extLst>
-                  <a:ext uri="{FF2B5EF4-FFF2-40B4-BE49-F238E27FC236}">
-                    <a16:creationId xmlns:a16="http://schemas.microsoft.com/office/drawing/2014/main" id="{E00B63DD-7959-6A6C-BF53-D252B9F3ADE8}"/>
-                  </a:ext>
-                </a:extLst>
-              </p:cNvPr>
-              <p:cNvSpPr txBox="1"/>
-              <p:nvPr/>
-            </p:nvSpPr>
-            <p:spPr>
-              <a:xfrm>
-                <a:off x="7390223" y="2212246"/>
-                <a:ext cx="481927" cy="369332"/>
-              </a:xfrm>
-              <a:prstGeom prst="rect">
-                <a:avLst/>
-              </a:prstGeom>
-              <a:noFill/>
-              <a:effectLst>
-                <a:outerShdw blurRad="63500" sx="102000" sy="102000" algn="ctr" rotWithShape="0">
-                  <a:prstClr val="black">
-                    <a:alpha val="40000"/>
-                  </a:prstClr>
-                </a:outerShdw>
-              </a:effectLst>
-            </p:spPr>
-            <p:txBody>
-              <a:bodyPr wrap="none" rtlCol="0">
-                <a:spAutoFit/>
-              </a:bodyPr>
-              <a:lstStyle/>
-              <a:p>
-                <a:pPr/>
-                <a14:m>
-                  <m:oMathPara xmlns:m="http://schemas.openxmlformats.org/officeDocument/2006/math">
-                    <m:oMathParaPr>
-                      <m:jc m:val="centerGroup"/>
-                    </m:oMathParaPr>
-                    <m:oMath xmlns:m="http://schemas.openxmlformats.org/officeDocument/2006/math">
-                      <m:sSub>
-                        <m:sSubPr>
-                          <m:ctrlPr>
-                            <a:rPr lang="en-US" altLang="zh-CN" i="1" smtClean="0">
-                              <a:solidFill>
-                                <a:srgbClr val="00807F"/>
-                              </a:solidFill>
-                              <a:effectLst>
-                                <a:outerShdw blurRad="127000" sx="107000" sy="107000" algn="ctr" rotWithShape="0">
-                                  <a:schemeClr val="bg1"/>
-                                </a:outerShdw>
-                              </a:effectLst>
-                              <a:latin typeface="Cambria Math" panose="02040503050406030204" pitchFamily="18" charset="0"/>
-                            </a:rPr>
-                          </m:ctrlPr>
-                        </m:sSubPr>
-                        <m:e>
-                          <m:r>
-                            <a:rPr lang="en-US" altLang="zh-CN" b="0" i="1" smtClean="0">
-                              <a:solidFill>
-                                <a:srgbClr val="00807F"/>
-                              </a:solidFill>
-                              <a:effectLst>
-                                <a:outerShdw blurRad="127000" sx="107000" sy="107000" algn="ctr" rotWithShape="0">
-                                  <a:schemeClr val="bg1"/>
-                                </a:outerShdw>
-                              </a:effectLst>
-                              <a:latin typeface="Cambria Math" panose="02040503050406030204" pitchFamily="18" charset="0"/>
-                            </a:rPr>
-                            <m:t>𝑉</m:t>
-                          </m:r>
-                        </m:e>
-                        <m:sub>
-                          <m:r>
-                            <a:rPr lang="en-US" altLang="zh-CN" b="0" i="1" smtClean="0">
-                              <a:solidFill>
-                                <a:srgbClr val="00807F"/>
-                              </a:solidFill>
-                              <a:effectLst>
-                                <a:outerShdw blurRad="127000" sx="107000" sy="107000" algn="ctr" rotWithShape="0">
-                                  <a:schemeClr val="bg1"/>
-                                </a:outerShdw>
-                              </a:effectLst>
-                              <a:latin typeface="Cambria Math" panose="02040503050406030204" pitchFamily="18" charset="0"/>
-                            </a:rPr>
-                            <m:t>𝐹</m:t>
-                          </m:r>
-                        </m:sub>
-                      </m:sSub>
-                    </m:oMath>
-                  </m:oMathPara>
-                </a14:m>
-                <a:endParaRPr lang="zh-CN" altLang="en-US" dirty="0">
-                  <a:solidFill>
-                    <a:srgbClr val="00807F"/>
-                  </a:solidFill>
-                  <a:effectLst>
-                    <a:outerShdw blurRad="127000" sx="107000" sy="107000" algn="ctr" rotWithShape="0">
-                      <a:schemeClr val="bg1"/>
-                    </a:outerShdw>
-                  </a:effectLst>
-                </a:endParaRPr>
-              </a:p>
-            </p:txBody>
-          </p:sp>
-        </mc:Choice>
-        <mc:Fallback xmlns="">
-          <p:sp>
-            <p:nvSpPr>
-              <p:cNvPr id="15" name="文本框 14">
-                <a:extLst>
-                  <a:ext uri="{FF2B5EF4-FFF2-40B4-BE49-F238E27FC236}">
-                    <a16:creationId xmlns:a16="http://schemas.microsoft.com/office/drawing/2014/main" id="{E00B63DD-7959-6A6C-BF53-D252B9F3ADE8}"/>
-                  </a:ext>
-                </a:extLst>
-              </p:cNvPr>
-              <p:cNvSpPr txBox="1">
-                <a:spLocks noRot="1" noChangeAspect="1" noMove="1" noResize="1" noEditPoints="1" noAdjustHandles="1" noChangeArrowheads="1" noChangeShapeType="1" noTextEdit="1"/>
-              </p:cNvSpPr>
-              <p:nvPr/>
-            </p:nvSpPr>
-            <p:spPr>
-              <a:xfrm>
-                <a:off x="7390223" y="2212246"/>
-                <a:ext cx="481927" cy="369332"/>
-              </a:xfrm>
-              <a:prstGeom prst="rect">
-                <a:avLst/>
-              </a:prstGeom>
-              <a:blipFill>
-                <a:blip r:embed="rId7"/>
-                <a:stretch>
-                  <a:fillRect/>
-                </a:stretch>
-              </a:blipFill>
-              <a:effectLst>
-                <a:outerShdw blurRad="63500" sx="102000" sy="102000" algn="ctr" rotWithShape="0">
-                  <a:prstClr val="black">
-                    <a:alpha val="40000"/>
-                  </a:prstClr>
-                </a:outerShdw>
-              </a:effectLst>
-            </p:spPr>
-            <p:txBody>
-              <a:bodyPr/>
-              <a:lstStyle/>
-              <a:p>
-                <a:r>
-                  <a:rPr lang="zh-CN" altLang="en-US">
-                    <a:noFill/>
-                  </a:rPr>
-                  <a:t> </a:t>
-                </a:r>
-              </a:p>
-            </p:txBody>
-          </p:sp>
-        </mc:Fallback>
-      </mc:AlternateContent>
-      <mc:AlternateContent xmlns:mc="http://schemas.openxmlformats.org/markup-compatibility/2006">
-        <mc:Choice xmlns:a14="http://schemas.microsoft.com/office/drawing/2010/main" Requires="a14">
-          <p:sp>
-            <p:nvSpPr>
               <p:cNvPr id="16" name="文本框 15">
                 <a:extLst>
                   <a:ext uri="{FF2B5EF4-FFF2-40B4-BE49-F238E27FC236}">
@@ -4987,7 +4825,7 @@
             </p:txBody>
           </p:sp>
         </mc:Choice>
-        <mc:Fallback>
+        <mc:Fallback xmlns="">
           <p:sp>
             <p:nvSpPr>
               <p:cNvPr id="16" name="文本框 15">
@@ -5038,8 +4876,8 @@
           </p:sp>
         </mc:Fallback>
       </mc:AlternateContent>
-      <mc:AlternateContent xmlns:mc="http://schemas.openxmlformats.org/markup-compatibility/2006">
-        <mc:Choice xmlns:a14="http://schemas.microsoft.com/office/drawing/2010/main" Requires="a14">
+      <mc:AlternateContent xmlns:mc="http://schemas.openxmlformats.org/markup-compatibility/2006" xmlns:a14="http://schemas.microsoft.com/office/drawing/2010/main">
+        <mc:Choice Requires="a14">
           <p:sp>
             <p:nvSpPr>
               <p:cNvPr id="17" name="文本框 16">
@@ -5216,7 +5054,7 @@
             </p:txBody>
           </p:sp>
         </mc:Choice>
-        <mc:Fallback>
+        <mc:Fallback xmlns="">
           <p:sp>
             <p:nvSpPr>
               <p:cNvPr id="17" name="文本框 16">
@@ -5264,8 +5102,8 @@
           </p:sp>
         </mc:Fallback>
       </mc:AlternateContent>
-      <mc:AlternateContent xmlns:mc="http://schemas.openxmlformats.org/markup-compatibility/2006">
-        <mc:Choice xmlns:a14="http://schemas.microsoft.com/office/drawing/2010/main" Requires="a14">
+      <mc:AlternateContent xmlns:mc="http://schemas.openxmlformats.org/markup-compatibility/2006" xmlns:a14="http://schemas.microsoft.com/office/drawing/2010/main">
+        <mc:Choice Requires="a14">
           <p:sp>
             <p:nvSpPr>
               <p:cNvPr id="27" name="文本框 26">
@@ -5386,7 +5224,7 @@
             </p:txBody>
           </p:sp>
         </mc:Choice>
-        <mc:Fallback>
+        <mc:Fallback xmlns="">
           <p:sp>
             <p:nvSpPr>
               <p:cNvPr id="27" name="文本框 26">
@@ -5436,8 +5274,8 @@
           </p:sp>
         </mc:Fallback>
       </mc:AlternateContent>
-      <mc:AlternateContent xmlns:mc="http://schemas.openxmlformats.org/markup-compatibility/2006">
-        <mc:Choice xmlns:a14="http://schemas.microsoft.com/office/drawing/2010/main" Requires="a14">
+      <mc:AlternateContent xmlns:mc="http://schemas.openxmlformats.org/markup-compatibility/2006" xmlns:a14="http://schemas.microsoft.com/office/drawing/2010/main">
+        <mc:Choice Requires="a14">
           <p:sp>
             <p:nvSpPr>
               <p:cNvPr id="28" name="文本框 27">
@@ -5596,7 +5434,7 @@
             </p:txBody>
           </p:sp>
         </mc:Choice>
-        <mc:Fallback>
+        <mc:Fallback xmlns="">
           <p:sp>
             <p:nvSpPr>
               <p:cNvPr id="28" name="文本框 27">
@@ -6005,8 +5843,8 @@
           </p:sp>
         </mc:Fallback>
       </mc:AlternateContent>
-      <mc:AlternateContent xmlns:mc="http://schemas.openxmlformats.org/markup-compatibility/2006">
-        <mc:Choice xmlns:a14="http://schemas.microsoft.com/office/drawing/2010/main" Requires="a14">
+      <mc:AlternateContent xmlns:mc="http://schemas.openxmlformats.org/markup-compatibility/2006" xmlns:a14="http://schemas.microsoft.com/office/drawing/2010/main">
+        <mc:Choice Requires="a14">
           <p:sp>
             <p:nvSpPr>
               <p:cNvPr id="51" name="文本框 50">
@@ -6152,7 +5990,7 @@
             </p:txBody>
           </p:sp>
         </mc:Choice>
-        <mc:Fallback>
+        <mc:Fallback xmlns="">
           <p:sp>
             <p:nvSpPr>
               <p:cNvPr id="51" name="文本框 50">
@@ -6200,8 +6038,8 @@
           </p:sp>
         </mc:Fallback>
       </mc:AlternateContent>
-      <mc:AlternateContent xmlns:mc="http://schemas.openxmlformats.org/markup-compatibility/2006">
-        <mc:Choice xmlns:a14="http://schemas.microsoft.com/office/drawing/2010/main" Requires="a14">
+      <mc:AlternateContent xmlns:mc="http://schemas.openxmlformats.org/markup-compatibility/2006" xmlns:a14="http://schemas.microsoft.com/office/drawing/2010/main">
+        <mc:Choice Requires="a14">
           <p:sp>
             <p:nvSpPr>
               <p:cNvPr id="57" name="文本框 56">
@@ -6343,7 +6181,7 @@
             </p:txBody>
           </p:sp>
         </mc:Choice>
-        <mc:Fallback>
+        <mc:Fallback xmlns="">
           <p:sp>
             <p:nvSpPr>
               <p:cNvPr id="57" name="文本框 56">
@@ -6396,8 +6234,8 @@
           </p:sp>
         </mc:Fallback>
       </mc:AlternateContent>
-      <mc:AlternateContent xmlns:mc="http://schemas.openxmlformats.org/markup-compatibility/2006">
-        <mc:Choice xmlns:a14="http://schemas.microsoft.com/office/drawing/2010/main" Requires="a14">
+      <mc:AlternateContent xmlns:mc="http://schemas.openxmlformats.org/markup-compatibility/2006" xmlns:a14="http://schemas.microsoft.com/office/drawing/2010/main">
+        <mc:Choice Requires="a14">
           <p:sp>
             <p:nvSpPr>
               <p:cNvPr id="58" name="文本框 57">
@@ -6543,7 +6381,7 @@
             </p:txBody>
           </p:sp>
         </mc:Choice>
-        <mc:Fallback>
+        <mc:Fallback xmlns="">
           <p:sp>
             <p:nvSpPr>
               <p:cNvPr id="58" name="文本框 57">
@@ -6840,8 +6678,8 @@
             </p:nvSpPr>
             <p:spPr>
               <a:xfrm>
-                <a:off x="6089367" y="1926315"/>
-                <a:ext cx="1064714" cy="461665"/>
+                <a:off x="5464409" y="1893141"/>
+                <a:ext cx="880369" cy="646331"/>
               </a:xfrm>
               <a:prstGeom prst="rect">
                 <a:avLst/>
@@ -6854,7 +6692,7 @@
               </a:effectLst>
             </p:spPr>
             <p:txBody>
-              <a:bodyPr wrap="none" rtlCol="0">
+              <a:bodyPr wrap="square" rtlCol="0">
                 <a:spAutoFit/>
               </a:bodyPr>
               <a:lstStyle/>
@@ -6910,6 +6748,23 @@
                         <m:rPr>
                           <m:sty m:val="p"/>
                         </m:rPr>
+                        <a:rPr lang="en-US" altLang="zh-CN" sz="1200" dirty="0">
+                          <a:solidFill>
+                            <a:srgbClr val="28E78B"/>
+                          </a:solidFill>
+                          <a:effectLst>
+                            <a:outerShdw blurRad="127000" sx="107000" sy="107000" algn="ctr" rotWithShape="0">
+                              <a:schemeClr val="bg1"/>
+                            </a:outerShdw>
+                          </a:effectLst>
+                          <a:latin typeface="Cambria Math" panose="02040503050406030204" pitchFamily="18" charset="0"/>
+                        </a:rPr>
+                        <m:t>d</m:t>
+                      </m:r>
+                      <m:r>
+                        <m:rPr>
+                          <m:sty m:val="p"/>
+                        </m:rPr>
                         <a:rPr lang="en-US" altLang="zh-CN" sz="1200" b="0" i="0" smtClean="0">
                           <a:solidFill>
                             <a:srgbClr val="28E78B"/>
@@ -6921,22 +6776,31 @@
                           </a:effectLst>
                           <a:latin typeface="Cambria Math" panose="02040503050406030204" pitchFamily="18" charset="0"/>
                         </a:rPr>
-                        <m:t>damage</m:t>
+                        <m:t>amage</m:t>
                       </m:r>
-                      <m:r>
-                        <a:rPr lang="en-US" altLang="zh-CN" sz="1200" b="0" i="0" smtClean="0">
-                          <a:solidFill>
-                            <a:srgbClr val="28E78B"/>
-                          </a:solidFill>
-                          <a:effectLst>
-                            <a:outerShdw blurRad="127000" sx="107000" sy="107000" algn="ctr" rotWithShape="0">
-                              <a:schemeClr val="bg1"/>
-                            </a:outerShdw>
-                          </a:effectLst>
-                          <a:latin typeface="Cambria Math" panose="02040503050406030204" pitchFamily="18" charset="0"/>
-                        </a:rPr>
-                        <m:t> </m:t>
-                      </m:r>
+                    </m:oMath>
+                  </m:oMathPara>
+                </a14:m>
+                <a:endParaRPr lang="en-US" altLang="zh-CN" sz="1200" b="0" i="0" dirty="0">
+                  <a:solidFill>
+                    <a:srgbClr val="28E78B"/>
+                  </a:solidFill>
+                  <a:effectLst>
+                    <a:outerShdw blurRad="127000" sx="107000" sy="107000" algn="ctr" rotWithShape="0">
+                      <a:schemeClr val="bg1"/>
+                    </a:outerShdw>
+                  </a:effectLst>
+                  <a:latin typeface="Cambria Math" panose="02040503050406030204" pitchFamily="18" charset="0"/>
+                </a:endParaRPr>
+              </a:p>
+              <a:p>
+                <a:pPr/>
+                <a14:m>
+                  <m:oMathPara xmlns:m="http://schemas.openxmlformats.org/officeDocument/2006/math">
+                    <m:oMathParaPr>
+                      <m:jc m:val="centerGroup"/>
+                    </m:oMathParaPr>
+                    <m:oMath xmlns:m="http://schemas.openxmlformats.org/officeDocument/2006/math">
                       <m:r>
                         <m:rPr>
                           <m:sty m:val="p"/>
@@ -6988,8 +6852,8 @@
             </p:nvSpPr>
             <p:spPr>
               <a:xfrm>
-                <a:off x="6089367" y="1926315"/>
-                <a:ext cx="1064714" cy="461665"/>
+                <a:off x="5464409" y="1893141"/>
+                <a:ext cx="880369" cy="646331"/>
               </a:xfrm>
               <a:prstGeom prst="rect">
                 <a:avLst/>
@@ -6997,7 +6861,7 @@
               <a:blipFill>
                 <a:blip r:embed="rId23"/>
                 <a:stretch>
-                  <a:fillRect l="-2857" b="-11842"/>
+                  <a:fillRect l="-1379"/>
                 </a:stretch>
               </a:blipFill>
               <a:effectLst>
@@ -7465,8 +7329,8 @@
           </p:sp>
         </mc:Fallback>
       </mc:AlternateContent>
-      <mc:AlternateContent xmlns:mc="http://schemas.openxmlformats.org/markup-compatibility/2006">
-        <mc:Choice xmlns:a14="http://schemas.microsoft.com/office/drawing/2010/main" Requires="a14">
+      <mc:AlternateContent xmlns:mc="http://schemas.openxmlformats.org/markup-compatibility/2006" xmlns:a14="http://schemas.microsoft.com/office/drawing/2010/main">
+        <mc:Choice Requires="a14">
           <p:sp>
             <p:nvSpPr>
               <p:cNvPr id="3" name="文本框 2">
@@ -7646,7 +7510,7 @@
             </p:txBody>
           </p:sp>
         </mc:Choice>
-        <mc:Fallback>
+        <mc:Fallback xmlns="">
           <p:sp>
             <p:nvSpPr>
               <p:cNvPr id="3" name="文本框 2">
@@ -7694,8 +7558,8 @@
           </p:sp>
         </mc:Fallback>
       </mc:AlternateContent>
-      <mc:AlternateContent xmlns:mc="http://schemas.openxmlformats.org/markup-compatibility/2006">
-        <mc:Choice xmlns:a14="http://schemas.microsoft.com/office/drawing/2010/main" Requires="a14">
+      <mc:AlternateContent xmlns:mc="http://schemas.openxmlformats.org/markup-compatibility/2006" xmlns:a14="http://schemas.microsoft.com/office/drawing/2010/main">
+        <mc:Choice Requires="a14">
           <p:sp>
             <p:nvSpPr>
               <p:cNvPr id="7" name="文本框 6">
@@ -7872,7 +7736,7 @@
             </p:txBody>
           </p:sp>
         </mc:Choice>
-        <mc:Fallback>
+        <mc:Fallback xmlns="">
           <p:sp>
             <p:nvSpPr>
               <p:cNvPr id="7" name="文本框 6">
@@ -7920,8 +7784,8 @@
           </p:sp>
         </mc:Fallback>
       </mc:AlternateContent>
-      <mc:AlternateContent xmlns:mc="http://schemas.openxmlformats.org/markup-compatibility/2006">
-        <mc:Choice xmlns:a14="http://schemas.microsoft.com/office/drawing/2010/main" Requires="a14">
+      <mc:AlternateContent xmlns:mc="http://schemas.openxmlformats.org/markup-compatibility/2006" xmlns:a14="http://schemas.microsoft.com/office/drawing/2010/main">
+        <mc:Choice Requires="a14">
           <p:sp>
             <p:nvSpPr>
               <p:cNvPr id="8" name="文本框 7">
@@ -8098,7 +7962,7 @@
             </p:txBody>
           </p:sp>
         </mc:Choice>
-        <mc:Fallback>
+        <mc:Fallback xmlns="">
           <p:sp>
             <p:nvSpPr>
               <p:cNvPr id="8" name="文本框 7">
@@ -8146,8 +8010,8 @@
           </p:sp>
         </mc:Fallback>
       </mc:AlternateContent>
-      <mc:AlternateContent xmlns:mc="http://schemas.openxmlformats.org/markup-compatibility/2006">
-        <mc:Choice xmlns:a14="http://schemas.microsoft.com/office/drawing/2010/main" Requires="a14">
+      <mc:AlternateContent xmlns:mc="http://schemas.openxmlformats.org/markup-compatibility/2006" xmlns:a14="http://schemas.microsoft.com/office/drawing/2010/main">
+        <mc:Choice Requires="a14">
           <p:sp>
             <p:nvSpPr>
               <p:cNvPr id="10" name="文本框 9">
@@ -8344,7 +8208,7 @@
             </p:txBody>
           </p:sp>
         </mc:Choice>
-        <mc:Fallback>
+        <mc:Fallback xmlns="">
           <p:sp>
             <p:nvSpPr>
               <p:cNvPr id="10" name="文本框 9">
@@ -8392,8 +8256,8 @@
           </p:sp>
         </mc:Fallback>
       </mc:AlternateContent>
-      <mc:AlternateContent xmlns:mc="http://schemas.openxmlformats.org/markup-compatibility/2006">
-        <mc:Choice xmlns:a14="http://schemas.microsoft.com/office/drawing/2010/main" Requires="a14">
+      <mc:AlternateContent xmlns:mc="http://schemas.openxmlformats.org/markup-compatibility/2006" xmlns:a14="http://schemas.microsoft.com/office/drawing/2010/main">
+        <mc:Choice Requires="a14">
           <p:sp>
             <p:nvSpPr>
               <p:cNvPr id="11" name="文本框 10">
@@ -8570,7 +8434,7 @@
             </p:txBody>
           </p:sp>
         </mc:Choice>
-        <mc:Fallback>
+        <mc:Fallback xmlns="">
           <p:sp>
             <p:nvSpPr>
               <p:cNvPr id="11" name="文本框 10">
@@ -8618,8 +8482,8 @@
           </p:sp>
         </mc:Fallback>
       </mc:AlternateContent>
-      <mc:AlternateContent xmlns:mc="http://schemas.openxmlformats.org/markup-compatibility/2006">
-        <mc:Choice xmlns:a14="http://schemas.microsoft.com/office/drawing/2010/main" Requires="a14">
+      <mc:AlternateContent xmlns:mc="http://schemas.openxmlformats.org/markup-compatibility/2006" xmlns:a14="http://schemas.microsoft.com/office/drawing/2010/main">
+        <mc:Choice Requires="a14">
           <p:sp>
             <p:nvSpPr>
               <p:cNvPr id="19" name="文本框 18">
@@ -8730,7 +8594,7 @@
             </p:txBody>
           </p:sp>
         </mc:Choice>
-        <mc:Fallback>
+        <mc:Fallback xmlns="">
           <p:sp>
             <p:nvSpPr>
               <p:cNvPr id="19" name="文本框 18">
@@ -8783,8 +8647,8 @@
           </p:sp>
         </mc:Fallback>
       </mc:AlternateContent>
-      <mc:AlternateContent xmlns:mc="http://schemas.openxmlformats.org/markup-compatibility/2006">
-        <mc:Choice xmlns:a14="http://schemas.microsoft.com/office/drawing/2010/main" Requires="a14">
+      <mc:AlternateContent xmlns:mc="http://schemas.openxmlformats.org/markup-compatibility/2006" xmlns:a14="http://schemas.microsoft.com/office/drawing/2010/main">
+        <mc:Choice Requires="a14">
           <p:sp>
             <p:nvSpPr>
               <p:cNvPr id="20" name="文本框 19">
@@ -8930,7 +8794,7 @@
             </p:txBody>
           </p:sp>
         </mc:Choice>
-        <mc:Fallback>
+        <mc:Fallback xmlns="">
           <p:sp>
             <p:nvSpPr>
               <p:cNvPr id="20" name="文本框 19">
@@ -8983,8 +8847,8 @@
           </p:sp>
         </mc:Fallback>
       </mc:AlternateContent>
-      <mc:AlternateContent xmlns:mc="http://schemas.openxmlformats.org/markup-compatibility/2006">
-        <mc:Choice xmlns:a14="http://schemas.microsoft.com/office/drawing/2010/main" Requires="a14">
+      <mc:AlternateContent xmlns:mc="http://schemas.openxmlformats.org/markup-compatibility/2006" xmlns:a14="http://schemas.microsoft.com/office/drawing/2010/main">
+        <mc:Choice Requires="a14">
           <p:sp>
             <p:nvSpPr>
               <p:cNvPr id="21" name="文本框 20">
@@ -9130,7 +8994,7 @@
             </p:txBody>
           </p:sp>
         </mc:Choice>
-        <mc:Fallback>
+        <mc:Fallback xmlns="">
           <p:sp>
             <p:nvSpPr>
               <p:cNvPr id="21" name="文本框 20">
@@ -9166,6 +9030,168 @@
               </a:ln>
               <a:effectLst>
                 <a:softEdge rad="38100"/>
+              </a:effectLst>
+            </p:spPr>
+            <p:txBody>
+              <a:bodyPr/>
+              <a:lstStyle/>
+              <a:p>
+                <a:r>
+                  <a:rPr lang="zh-CN" altLang="en-US">
+                    <a:noFill/>
+                  </a:rPr>
+                  <a:t> </a:t>
+                </a:r>
+              </a:p>
+            </p:txBody>
+          </p:sp>
+        </mc:Fallback>
+      </mc:AlternateContent>
+      <mc:AlternateContent xmlns:mc="http://schemas.openxmlformats.org/markup-compatibility/2006">
+        <mc:Choice xmlns:a14="http://schemas.microsoft.com/office/drawing/2010/main" Requires="a14">
+          <p:sp>
+            <p:nvSpPr>
+              <p:cNvPr id="15" name="文本框 14">
+                <a:extLst>
+                  <a:ext uri="{FF2B5EF4-FFF2-40B4-BE49-F238E27FC236}">
+                    <a16:creationId xmlns:a16="http://schemas.microsoft.com/office/drawing/2014/main" id="{E00B63DD-7959-6A6C-BF53-D252B9F3ADE8}"/>
+                  </a:ext>
+                </a:extLst>
+              </p:cNvPr>
+              <p:cNvSpPr txBox="1"/>
+              <p:nvPr/>
+            </p:nvSpPr>
+            <p:spPr>
+              <a:xfrm>
+                <a:off x="6067650" y="2204356"/>
+                <a:ext cx="481927" cy="369332"/>
+              </a:xfrm>
+              <a:prstGeom prst="rect">
+                <a:avLst/>
+              </a:prstGeom>
+              <a:noFill/>
+              <a:effectLst>
+                <a:outerShdw blurRad="63500" sx="102000" sy="102000" algn="ctr" rotWithShape="0">
+                  <a:prstClr val="black">
+                    <a:alpha val="40000"/>
+                  </a:prstClr>
+                </a:outerShdw>
+              </a:effectLst>
+            </p:spPr>
+            <p:txBody>
+              <a:bodyPr wrap="none" rtlCol="0">
+                <a:spAutoFit/>
+              </a:bodyPr>
+              <a:lstStyle/>
+              <a:p>
+                <a:pPr/>
+                <a14:m>
+                  <m:oMathPara xmlns:m="http://schemas.openxmlformats.org/officeDocument/2006/math">
+                    <m:oMathParaPr>
+                      <m:jc m:val="centerGroup"/>
+                    </m:oMathParaPr>
+                    <m:oMath xmlns:m="http://schemas.openxmlformats.org/officeDocument/2006/math">
+                      <m:sSub>
+                        <m:sSubPr>
+                          <m:ctrlPr>
+                            <a:rPr lang="en-US" altLang="zh-CN" i="1" smtClean="0">
+                              <a:solidFill>
+                                <a:srgbClr val="00807F"/>
+                              </a:solidFill>
+                              <a:effectLst>
+                                <a:outerShdw blurRad="127000" sx="107000" sy="107000" algn="ctr" rotWithShape="0">
+                                  <a:schemeClr val="bg1"/>
+                                </a:outerShdw>
+                              </a:effectLst>
+                              <a:latin typeface="Cambria Math" panose="02040503050406030204" pitchFamily="18" charset="0"/>
+                            </a:rPr>
+                          </m:ctrlPr>
+                        </m:sSubPr>
+                        <m:e>
+                          <m:r>
+                            <a:rPr lang="en-US" altLang="zh-CN" b="0" i="1" smtClean="0">
+                              <a:solidFill>
+                                <a:srgbClr val="00807F"/>
+                              </a:solidFill>
+                              <a:effectLst>
+                                <a:outerShdw blurRad="127000" sx="107000" sy="107000" algn="ctr" rotWithShape="0">
+                                  <a:schemeClr val="bg1"/>
+                                </a:outerShdw>
+                              </a:effectLst>
+                              <a:latin typeface="Cambria Math" panose="02040503050406030204" pitchFamily="18" charset="0"/>
+                            </a:rPr>
+                            <m:t>𝑉</m:t>
+                          </m:r>
+                        </m:e>
+                        <m:sub>
+                          <m:r>
+                            <a:rPr lang="en-US" altLang="zh-CN" b="0" i="1" smtClean="0">
+                              <a:solidFill>
+                                <a:srgbClr val="00807F"/>
+                              </a:solidFill>
+                              <a:effectLst>
+                                <a:outerShdw blurRad="127000" sx="107000" sy="107000" algn="ctr" rotWithShape="0">
+                                  <a:schemeClr val="bg1"/>
+                                </a:outerShdw>
+                              </a:effectLst>
+                              <a:latin typeface="Cambria Math" panose="02040503050406030204" pitchFamily="18" charset="0"/>
+                            </a:rPr>
+                            <m:t>𝐹</m:t>
+                          </m:r>
+                        </m:sub>
+                      </m:sSub>
+                    </m:oMath>
+                  </m:oMathPara>
+                </a14:m>
+                <a:endParaRPr lang="zh-CN" altLang="en-US" dirty="0">
+                  <a:solidFill>
+                    <a:srgbClr val="00807F"/>
+                  </a:solidFill>
+                  <a:effectLst>
+                    <a:outerShdw blurRad="127000" sx="107000" sy="107000" algn="ctr" rotWithShape="0">
+                      <a:schemeClr val="bg1"/>
+                    </a:outerShdw>
+                  </a:effectLst>
+                </a:endParaRPr>
+              </a:p>
+            </p:txBody>
+          </p:sp>
+        </mc:Choice>
+        <mc:Fallback>
+          <p:sp>
+            <p:nvSpPr>
+              <p:cNvPr id="15" name="文本框 14">
+                <a:extLst>
+                  <a:ext uri="{FF2B5EF4-FFF2-40B4-BE49-F238E27FC236}">
+                    <a16:creationId xmlns:a16="http://schemas.microsoft.com/office/drawing/2014/main" id="{E00B63DD-7959-6A6C-BF53-D252B9F3ADE8}"/>
+                  </a:ext>
+                </a:extLst>
+              </p:cNvPr>
+              <p:cNvSpPr txBox="1">
+                <a:spLocks noRot="1" noChangeAspect="1" noMove="1" noResize="1" noEditPoints="1" noAdjustHandles="1" noChangeArrowheads="1" noChangeShapeType="1" noTextEdit="1"/>
+              </p:cNvSpPr>
+              <p:nvPr/>
+            </p:nvSpPr>
+            <p:spPr>
+              <a:xfrm>
+                <a:off x="6067650" y="2204356"/>
+                <a:ext cx="481927" cy="369332"/>
+              </a:xfrm>
+              <a:prstGeom prst="rect">
+                <a:avLst/>
+              </a:prstGeom>
+              <a:blipFill>
+                <a:blip r:embed="rId34"/>
+                <a:stretch>
+                  <a:fillRect/>
+                </a:stretch>
+              </a:blipFill>
+              <a:effectLst>
+                <a:outerShdw blurRad="63500" sx="102000" sy="102000" algn="ctr" rotWithShape="0">
+                  <a:prstClr val="black">
+                    <a:alpha val="40000"/>
+                  </a:prstClr>
+                </a:outerShdw>
               </a:effectLst>
             </p:spPr>
             <p:txBody>

--- a/01 - Loads and Fatigue/Annotation.pptx
+++ b/01 - Loads and Fatigue/Annotation.pptx
@@ -118,7 +118,7 @@
 <file path=ppt/revisionInfo.xml><?xml version="1.0" encoding="utf-8"?>
 <p1510:revInfo xmlns:a="http://schemas.openxmlformats.org/drawingml/2006/main" xmlns:r="http://schemas.openxmlformats.org/officeDocument/2006/relationships" xmlns:p1510="http://schemas.microsoft.com/office/powerpoint/2015/10/main">
   <p1510:revLst>
-    <p1510:client id="{C9DE8794-599A-48A2-8DAC-3CEC81A1BCD4}" v="1265" dt="2025-01-25T16:17:58.509"/>
+    <p1510:client id="{C9DE8794-599A-48A2-8DAC-3CEC81A1BCD4}" v="1324" dt="2025-01-25T16:44:11.127"/>
   </p1510:revLst>
 </p1510:revInfo>
 </file>
@@ -128,12 +128,12 @@
   <pc:docChgLst>
     <pc:chgData name="Li, Hanchen F" userId="3aee791e-6a2d-4da7-a77b-fbdf7bf15886" providerId="ADAL" clId="{C9DE8794-599A-48A2-8DAC-3CEC81A1BCD4}"/>
     <pc:docChg chg="undo custSel addSld modSld">
-      <pc:chgData name="Li, Hanchen F" userId="3aee791e-6a2d-4da7-a77b-fbdf7bf15886" providerId="ADAL" clId="{C9DE8794-599A-48A2-8DAC-3CEC81A1BCD4}" dt="2025-01-25T16:18:30.386" v="2722" actId="1076"/>
+      <pc:chgData name="Li, Hanchen F" userId="3aee791e-6a2d-4da7-a77b-fbdf7bf15886" providerId="ADAL" clId="{C9DE8794-599A-48A2-8DAC-3CEC81A1BCD4}" dt="2025-01-25T16:44:11.124" v="2831" actId="14826"/>
       <pc:docMkLst>
         <pc:docMk/>
       </pc:docMkLst>
       <pc:sldChg chg="addSp delSp modSp new mod">
-        <pc:chgData name="Li, Hanchen F" userId="3aee791e-6a2d-4da7-a77b-fbdf7bf15886" providerId="ADAL" clId="{C9DE8794-599A-48A2-8DAC-3CEC81A1BCD4}" dt="2025-01-25T16:18:30.386" v="2722" actId="1076"/>
+        <pc:chgData name="Li, Hanchen F" userId="3aee791e-6a2d-4da7-a77b-fbdf7bf15886" providerId="ADAL" clId="{C9DE8794-599A-48A2-8DAC-3CEC81A1BCD4}" dt="2025-01-25T16:44:11.124" v="2831" actId="14826"/>
         <pc:sldMkLst>
           <pc:docMk/>
           <pc:sldMk cId="3020923075" sldId="256"/>
@@ -155,7 +155,7 @@
           </ac:spMkLst>
         </pc:spChg>
         <pc:spChg chg="add mod">
-          <ac:chgData name="Li, Hanchen F" userId="3aee791e-6a2d-4da7-a77b-fbdf7bf15886" providerId="ADAL" clId="{C9DE8794-599A-48A2-8DAC-3CEC81A1BCD4}" dt="2025-01-25T13:39:29.194" v="2665" actId="1076"/>
+          <ac:chgData name="Li, Hanchen F" userId="3aee791e-6a2d-4da7-a77b-fbdf7bf15886" providerId="ADAL" clId="{C9DE8794-599A-48A2-8DAC-3CEC81A1BCD4}" dt="2025-01-25T16:38:47.644" v="2725" actId="1076"/>
           <ac:spMkLst>
             <pc:docMk/>
             <pc:sldMk cId="3020923075" sldId="256"/>
@@ -187,7 +187,7 @@
           </ac:spMkLst>
         </pc:spChg>
         <pc:spChg chg="add mod">
-          <ac:chgData name="Li, Hanchen F" userId="3aee791e-6a2d-4da7-a77b-fbdf7bf15886" providerId="ADAL" clId="{C9DE8794-599A-48A2-8DAC-3CEC81A1BCD4}" dt="2025-01-24T23:28:49.557" v="1967" actId="1076"/>
+          <ac:chgData name="Li, Hanchen F" userId="3aee791e-6a2d-4da7-a77b-fbdf7bf15886" providerId="ADAL" clId="{C9DE8794-599A-48A2-8DAC-3CEC81A1BCD4}" dt="2025-01-25T16:41:28.631" v="2816" actId="1076"/>
           <ac:spMkLst>
             <pc:docMk/>
             <pc:sldMk cId="3020923075" sldId="256"/>
@@ -203,7 +203,7 @@
           </ac:spMkLst>
         </pc:spChg>
         <pc:spChg chg="add mod">
-          <ac:chgData name="Li, Hanchen F" userId="3aee791e-6a2d-4da7-a77b-fbdf7bf15886" providerId="ADAL" clId="{C9DE8794-599A-48A2-8DAC-3CEC81A1BCD4}" dt="2025-01-25T13:37:42.436" v="2529" actId="1037"/>
+          <ac:chgData name="Li, Hanchen F" userId="3aee791e-6a2d-4da7-a77b-fbdf7bf15886" providerId="ADAL" clId="{C9DE8794-599A-48A2-8DAC-3CEC81A1BCD4}" dt="2025-01-25T16:39:02.272" v="2728" actId="1076"/>
           <ac:spMkLst>
             <pc:docMk/>
             <pc:sldMk cId="3020923075" sldId="256"/>
@@ -259,7 +259,7 @@
           </ac:spMkLst>
         </pc:spChg>
         <pc:spChg chg="add mod">
-          <ac:chgData name="Li, Hanchen F" userId="3aee791e-6a2d-4da7-a77b-fbdf7bf15886" providerId="ADAL" clId="{C9DE8794-599A-48A2-8DAC-3CEC81A1BCD4}" dt="2025-01-25T13:39:36.488" v="2666" actId="1076"/>
+          <ac:chgData name="Li, Hanchen F" userId="3aee791e-6a2d-4da7-a77b-fbdf7bf15886" providerId="ADAL" clId="{C9DE8794-599A-48A2-8DAC-3CEC81A1BCD4}" dt="2025-01-25T16:38:51.179" v="2726" actId="1076"/>
           <ac:spMkLst>
             <pc:docMk/>
             <pc:sldMk cId="3020923075" sldId="256"/>
@@ -283,7 +283,7 @@
           </ac:spMkLst>
         </pc:spChg>
         <pc:spChg chg="add mod">
-          <ac:chgData name="Li, Hanchen F" userId="3aee791e-6a2d-4da7-a77b-fbdf7bf15886" providerId="ADAL" clId="{C9DE8794-599A-48A2-8DAC-3CEC81A1BCD4}" dt="2025-01-25T13:37:42.436" v="2529" actId="1037"/>
+          <ac:chgData name="Li, Hanchen F" userId="3aee791e-6a2d-4da7-a77b-fbdf7bf15886" providerId="ADAL" clId="{C9DE8794-599A-48A2-8DAC-3CEC81A1BCD4}" dt="2025-01-25T16:39:06.034" v="2729" actId="1076"/>
           <ac:spMkLst>
             <pc:docMk/>
             <pc:sldMk cId="3020923075" sldId="256"/>
@@ -296,6 +296,14 @@
             <pc:docMk/>
             <pc:sldMk cId="3020923075" sldId="256"/>
             <ac:spMk id="12" creationId="{23A09CA9-57CC-FA46-5114-6C741AFF1F43}"/>
+          </ac:spMkLst>
+        </pc:spChg>
+        <pc:spChg chg="add mod">
+          <ac:chgData name="Li, Hanchen F" userId="3aee791e-6a2d-4da7-a77b-fbdf7bf15886" providerId="ADAL" clId="{C9DE8794-599A-48A2-8DAC-3CEC81A1BCD4}" dt="2025-01-25T16:42:26.015" v="2827" actId="1076"/>
+          <ac:spMkLst>
+            <pc:docMk/>
+            <pc:sldMk cId="3020923075" sldId="256"/>
+            <ac:spMk id="12" creationId="{37ABE1EB-E887-4136-9FD8-DBDB3FA93A39}"/>
           </ac:spMkLst>
         </pc:spChg>
         <pc:spChg chg="add del mod">
@@ -315,7 +323,7 @@
           </ac:spMkLst>
         </pc:spChg>
         <pc:spChg chg="add mod">
-          <ac:chgData name="Li, Hanchen F" userId="3aee791e-6a2d-4da7-a77b-fbdf7bf15886" providerId="ADAL" clId="{C9DE8794-599A-48A2-8DAC-3CEC81A1BCD4}" dt="2025-01-24T23:11:14.950" v="1071" actId="14861"/>
+          <ac:chgData name="Li, Hanchen F" userId="3aee791e-6a2d-4da7-a77b-fbdf7bf15886" providerId="ADAL" clId="{C9DE8794-599A-48A2-8DAC-3CEC81A1BCD4}" dt="2025-01-25T16:41:20.321" v="2813" actId="1076"/>
           <ac:spMkLst>
             <pc:docMk/>
             <pc:sldMk cId="3020923075" sldId="256"/>
@@ -435,11 +443,19 @@
           </ac:spMkLst>
         </pc:spChg>
         <pc:spChg chg="add mod">
-          <ac:chgData name="Li, Hanchen F" userId="3aee791e-6a2d-4da7-a77b-fbdf7bf15886" providerId="ADAL" clId="{C9DE8794-599A-48A2-8DAC-3CEC81A1BCD4}" dt="2025-01-25T13:33:14.797" v="2415" actId="1076"/>
+          <ac:chgData name="Li, Hanchen F" userId="3aee791e-6a2d-4da7-a77b-fbdf7bf15886" providerId="ADAL" clId="{C9DE8794-599A-48A2-8DAC-3CEC81A1BCD4}" dt="2025-01-25T16:39:10.787" v="2731" actId="114"/>
           <ac:spMkLst>
             <pc:docMk/>
             <pc:sldMk cId="3020923075" sldId="256"/>
             <ac:spMk id="28" creationId="{5CB9ABB1-5C10-5781-A580-7CC57EB5CB72}"/>
+          </ac:spMkLst>
+        </pc:spChg>
+        <pc:spChg chg="add mod">
+          <ac:chgData name="Li, Hanchen F" userId="3aee791e-6a2d-4da7-a77b-fbdf7bf15886" providerId="ADAL" clId="{C9DE8794-599A-48A2-8DAC-3CEC81A1BCD4}" dt="2025-01-25T16:42:22.799" v="2825" actId="1076"/>
+          <ac:spMkLst>
+            <pc:docMk/>
+            <pc:sldMk cId="3020923075" sldId="256"/>
+            <ac:spMk id="29" creationId="{7DCF4BC8-F8DA-CE2F-1568-C8219E05C91F}"/>
           </ac:spMkLst>
         </pc:spChg>
         <pc:spChg chg="add mod">
@@ -491,15 +507,15 @@
           </ac:spMkLst>
         </pc:spChg>
         <pc:spChg chg="add mod">
-          <ac:chgData name="Li, Hanchen F" userId="3aee791e-6a2d-4da7-a77b-fbdf7bf15886" providerId="ADAL" clId="{C9DE8794-599A-48A2-8DAC-3CEC81A1BCD4}" dt="2025-01-24T23:21:55.052" v="1829" actId="14861"/>
+          <ac:chgData name="Li, Hanchen F" userId="3aee791e-6a2d-4da7-a77b-fbdf7bf15886" providerId="ADAL" clId="{C9DE8794-599A-48A2-8DAC-3CEC81A1BCD4}" dt="2025-01-25T16:39:16.817" v="2732" actId="114"/>
           <ac:spMkLst>
             <pc:docMk/>
             <pc:sldMk cId="3020923075" sldId="256"/>
             <ac:spMk id="60" creationId="{01C5EC58-269F-88A8-16C3-413B68A74ABF}"/>
           </ac:spMkLst>
         </pc:spChg>
-        <pc:picChg chg="add del mod">
-          <ac:chgData name="Li, Hanchen F" userId="3aee791e-6a2d-4da7-a77b-fbdf7bf15886" providerId="ADAL" clId="{C9DE8794-599A-48A2-8DAC-3CEC81A1BCD4}" dt="2025-01-25T16:16:59.421" v="2669" actId="14826"/>
+        <pc:picChg chg="add del mod ord">
+          <ac:chgData name="Li, Hanchen F" userId="3aee791e-6a2d-4da7-a77b-fbdf7bf15886" providerId="ADAL" clId="{C9DE8794-599A-48A2-8DAC-3CEC81A1BCD4}" dt="2025-01-25T16:44:11.124" v="2831" actId="14826"/>
           <ac:picMkLst>
             <pc:docMk/>
             <pc:sldMk cId="3020923075" sldId="256"/>
@@ -523,11 +539,27 @@
           </ac:picMkLst>
         </pc:picChg>
         <pc:cxnChg chg="add mod">
+          <ac:chgData name="Li, Hanchen F" userId="3aee791e-6a2d-4da7-a77b-fbdf7bf15886" providerId="ADAL" clId="{C9DE8794-599A-48A2-8DAC-3CEC81A1BCD4}" dt="2025-01-25T16:42:26.015" v="2827" actId="1076"/>
+          <ac:cxnSpMkLst>
+            <pc:docMk/>
+            <pc:sldMk cId="3020923075" sldId="256"/>
+            <ac:cxnSpMk id="18" creationId="{81C3B007-0103-C47E-C348-FA5CF68827C2}"/>
+          </ac:cxnSpMkLst>
+        </pc:cxnChg>
+        <pc:cxnChg chg="add mod">
           <ac:chgData name="Li, Hanchen F" userId="3aee791e-6a2d-4da7-a77b-fbdf7bf15886" providerId="ADAL" clId="{C9DE8794-599A-48A2-8DAC-3CEC81A1BCD4}" dt="2025-01-24T23:16:35.958" v="1562" actId="14100"/>
           <ac:cxnSpMkLst>
             <pc:docMk/>
             <pc:sldMk cId="3020923075" sldId="256"/>
             <ac:cxnSpMk id="30" creationId="{C1686AF8-B6E2-595E-B762-AB52185E9F5C}"/>
+          </ac:cxnSpMkLst>
+        </pc:cxnChg>
+        <pc:cxnChg chg="add mod">
+          <ac:chgData name="Li, Hanchen F" userId="3aee791e-6a2d-4da7-a77b-fbdf7bf15886" providerId="ADAL" clId="{C9DE8794-599A-48A2-8DAC-3CEC81A1BCD4}" dt="2025-01-25T16:42:22.799" v="2825" actId="1076"/>
+          <ac:cxnSpMkLst>
+            <pc:docMk/>
+            <pc:sldMk cId="3020923075" sldId="256"/>
+            <ac:cxnSpMk id="31" creationId="{6490A1DD-2F4E-AF7D-4D8E-4B1E3C4CD96B}"/>
           </ac:cxnSpMkLst>
         </pc:cxnChg>
         <pc:cxnChg chg="add mod ord">
@@ -4243,7 +4275,7 @@
         <p:spPr>
           <a:xfrm>
             <a:off x="3" y="382950"/>
-            <a:ext cx="12191993" cy="6092098"/>
+            <a:ext cx="12191993" cy="6092097"/>
           </a:xfrm>
           <a:prstGeom prst="rect">
             <a:avLst/>
@@ -4556,8 +4588,8 @@
           </p:sp>
         </mc:Fallback>
       </mc:AlternateContent>
-      <mc:AlternateContent xmlns:mc="http://schemas.openxmlformats.org/markup-compatibility/2006" xmlns:a14="http://schemas.microsoft.com/office/drawing/2010/main">
-        <mc:Choice Requires="a14">
+      <mc:AlternateContent xmlns:mc="http://schemas.openxmlformats.org/markup-compatibility/2006">
+        <mc:Choice xmlns:a14="http://schemas.microsoft.com/office/drawing/2010/main" Requires="a14">
           <p:sp>
             <p:nvSpPr>
               <p:cNvPr id="14" name="文本框 13">
@@ -4572,7 +4604,7 @@
             </p:nvSpPr>
             <p:spPr>
               <a:xfrm>
-                <a:off x="9205298" y="1790377"/>
+                <a:off x="9229504" y="1787992"/>
                 <a:ext cx="494687" cy="369332"/>
               </a:xfrm>
               <a:prstGeom prst="rect">
@@ -4664,7 +4696,7 @@
             </p:txBody>
           </p:sp>
         </mc:Choice>
-        <mc:Fallback xmlns="">
+        <mc:Fallback>
           <p:sp>
             <p:nvSpPr>
               <p:cNvPr id="14" name="文本框 13">
@@ -4681,7 +4713,7 @@
             </p:nvSpPr>
             <p:spPr>
               <a:xfrm>
-                <a:off x="9205298" y="1790377"/>
+                <a:off x="9229504" y="1787992"/>
                 <a:ext cx="494687" cy="369332"/>
               </a:xfrm>
               <a:prstGeom prst="rect">
@@ -5274,8 +5306,8 @@
           </p:sp>
         </mc:Fallback>
       </mc:AlternateContent>
-      <mc:AlternateContent xmlns:mc="http://schemas.openxmlformats.org/markup-compatibility/2006" xmlns:a14="http://schemas.microsoft.com/office/drawing/2010/main">
-        <mc:Choice Requires="a14">
+      <mc:AlternateContent xmlns:mc="http://schemas.openxmlformats.org/markup-compatibility/2006">
+        <mc:Choice xmlns:a14="http://schemas.microsoft.com/office/drawing/2010/main" Requires="a14">
           <p:sp>
             <p:nvSpPr>
               <p:cNvPr id="28" name="文本框 27">
@@ -5291,7 +5323,7 @@
             <p:spPr>
               <a:xfrm>
                 <a:off x="5336468" y="5026514"/>
-                <a:ext cx="857479" cy="433388"/>
+                <a:ext cx="871201" cy="433517"/>
               </a:xfrm>
               <a:prstGeom prst="rect">
                 <a:avLst/>
@@ -5399,9 +5431,6 @@
                         </m:e>
                         <m:sub>
                           <m:r>
-                            <m:rPr>
-                              <m:sty m:val="p"/>
-                            </m:rPr>
                             <a:rPr lang="en-US" altLang="zh-CN" i="1">
                               <a:solidFill>
                                 <a:srgbClr val="0D0DB4"/>
@@ -5413,14 +5442,14 @@
                               </a:effectLst>
                               <a:latin typeface="Cambria Math" panose="02040503050406030204" pitchFamily="18" charset="0"/>
                             </a:rPr>
-                            <m:t>neg</m:t>
+                            <m:t>𝑛𝑒𝑔</m:t>
                           </m:r>
                         </m:sub>
                       </m:sSub>
                     </m:oMath>
                   </m:oMathPara>
                 </a14:m>
-                <a:endParaRPr lang="zh-CN" altLang="en-US" dirty="0">
+                <a:endParaRPr lang="zh-CN" altLang="en-US" i="1" dirty="0">
                   <a:solidFill>
                     <a:srgbClr val="00807F"/>
                   </a:solidFill>
@@ -5434,7 +5463,7 @@
             </p:txBody>
           </p:sp>
         </mc:Choice>
-        <mc:Fallback xmlns="">
+        <mc:Fallback>
           <p:sp>
             <p:nvSpPr>
               <p:cNvPr id="28" name="文本框 27">
@@ -5452,7 +5481,7 @@
             <p:spPr>
               <a:xfrm>
                 <a:off x="5336468" y="5026514"/>
-                <a:ext cx="857479" cy="433388"/>
+                <a:ext cx="871201" cy="433517"/>
               </a:xfrm>
               <a:prstGeom prst="rect">
                 <a:avLst/>
@@ -6429,8 +6458,8 @@
           </p:sp>
         </mc:Fallback>
       </mc:AlternateContent>
-      <mc:AlternateContent xmlns:mc="http://schemas.openxmlformats.org/markup-compatibility/2006" xmlns:a14="http://schemas.microsoft.com/office/drawing/2010/main">
-        <mc:Choice Requires="a14">
+      <mc:AlternateContent xmlns:mc="http://schemas.openxmlformats.org/markup-compatibility/2006">
+        <mc:Choice xmlns:a14="http://schemas.microsoft.com/office/drawing/2010/main" Requires="a14">
           <p:sp>
             <p:nvSpPr>
               <p:cNvPr id="60" name="文本框 59">
@@ -6446,7 +6475,7 @@
             <p:spPr>
               <a:xfrm>
                 <a:off x="8882999" y="4998237"/>
-                <a:ext cx="1633972" cy="830997"/>
+                <a:ext cx="1682384" cy="830997"/>
               </a:xfrm>
               <a:prstGeom prst="rect">
                 <a:avLst/>
@@ -6476,10 +6505,7 @@
                     </m:oMathParaPr>
                     <m:oMath xmlns:m="http://schemas.openxmlformats.org/officeDocument/2006/math">
                       <m:r>
-                        <m:rPr>
-                          <m:sty m:val="p"/>
-                        </m:rPr>
-                        <a:rPr lang="en-US" altLang="zh-CN" sz="1600" b="0" i="0" smtClean="0">
+                        <a:rPr lang="en-US" altLang="zh-CN" sz="1600" b="0" i="1" smtClean="0">
                           <a:solidFill>
                             <a:schemeClr val="tx1"/>
                           </a:solidFill>
@@ -6490,10 +6516,10 @@
                           </a:effectLst>
                           <a:latin typeface="Cambria Math" panose="02040503050406030204" pitchFamily="18" charset="0"/>
                         </a:rPr>
-                        <m:t>W</m:t>
+                        <m:t>𝑊</m:t>
                       </m:r>
                       <m:r>
-                        <a:rPr lang="en-US" altLang="zh-CN" sz="1600" b="0" i="0" smtClean="0">
+                        <a:rPr lang="en-US" altLang="zh-CN" sz="1600" b="0" i="1" smtClean="0">
                           <a:solidFill>
                             <a:schemeClr val="tx1"/>
                           </a:solidFill>
@@ -6507,10 +6533,7 @@
                         <m:t>=429900 </m:t>
                       </m:r>
                       <m:r>
-                        <m:rPr>
-                          <m:sty m:val="p"/>
-                        </m:rPr>
-                        <a:rPr lang="en-US" altLang="zh-CN" sz="1600" b="0" i="0" smtClean="0">
+                        <a:rPr lang="en-US" altLang="zh-CN" sz="1600" b="0" i="1" smtClean="0">
                           <a:solidFill>
                             <a:schemeClr val="tx1"/>
                           </a:solidFill>
@@ -6521,12 +6544,12 @@
                           </a:effectLst>
                           <a:latin typeface="Cambria Math" panose="02040503050406030204" pitchFamily="18" charset="0"/>
                         </a:rPr>
-                        <m:t>kg</m:t>
+                        <m:t>𝑘𝑔</m:t>
                       </m:r>
                     </m:oMath>
                   </m:oMathPara>
                 </a14:m>
-                <a:endParaRPr lang="en-US" altLang="zh-CN" sz="1600" b="0" dirty="0">
+                <a:endParaRPr lang="en-US" altLang="zh-CN" sz="1600" b="0" i="1" dirty="0">
                   <a:solidFill>
                     <a:schemeClr val="tx1"/>
                   </a:solidFill>
@@ -6550,10 +6573,7 @@
                     </m:oMathParaPr>
                     <m:oMath xmlns:m="http://schemas.openxmlformats.org/officeDocument/2006/math">
                       <m:r>
-                        <m:rPr>
-                          <m:sty m:val="p"/>
-                        </m:rPr>
-                        <a:rPr lang="en-US" altLang="zh-CN" sz="1600" b="0" i="0" smtClean="0">
+                        <a:rPr lang="en-US" altLang="zh-CN" sz="1600" b="0" i="1" smtClean="0">
                           <a:solidFill>
                             <a:schemeClr val="tx1"/>
                           </a:solidFill>
@@ -6567,7 +6587,7 @@
                         <m:t>h</m:t>
                       </m:r>
                       <m:r>
-                        <a:rPr lang="en-US" altLang="zh-CN" sz="1600" b="0" i="0" smtClean="0">
+                        <a:rPr lang="en-US" altLang="zh-CN" sz="1600" b="0" i="1" smtClean="0">
                           <a:solidFill>
                             <a:schemeClr val="tx1"/>
                           </a:solidFill>
@@ -6581,10 +6601,7 @@
                         <m:t>=28000 </m:t>
                       </m:r>
                       <m:r>
-                        <m:rPr>
-                          <m:sty m:val="p"/>
-                        </m:rPr>
-                        <a:rPr lang="en-US" altLang="zh-CN" sz="1600" b="0" i="0" smtClean="0">
+                        <a:rPr lang="en-US" altLang="zh-CN" sz="1600" b="0" i="1" smtClean="0">
                           <a:solidFill>
                             <a:schemeClr val="tx1"/>
                           </a:solidFill>
@@ -6595,12 +6612,12 @@
                           </a:effectLst>
                           <a:latin typeface="Cambria Math" panose="02040503050406030204" pitchFamily="18" charset="0"/>
                         </a:rPr>
-                        <m:t>ft</m:t>
+                        <m:t>𝑓𝑡</m:t>
                       </m:r>
                     </m:oMath>
                   </m:oMathPara>
                 </a14:m>
-                <a:endParaRPr lang="en-US" altLang="zh-CN" sz="1600" b="0" dirty="0">
+                <a:endParaRPr lang="en-US" altLang="zh-CN" sz="1600" b="0" i="1" dirty="0">
                   <a:solidFill>
                     <a:schemeClr val="tx1"/>
                   </a:solidFill>
@@ -6614,7 +6631,7 @@
             </p:txBody>
           </p:sp>
         </mc:Choice>
-        <mc:Fallback xmlns="">
+        <mc:Fallback>
           <p:sp>
             <p:nvSpPr>
               <p:cNvPr id="60" name="文本框 59">
@@ -6632,13 +6649,13 @@
             <p:spPr>
               <a:xfrm>
                 <a:off x="8882999" y="4998237"/>
-                <a:ext cx="1633972" cy="830997"/>
+                <a:ext cx="1682384" cy="830997"/>
               </a:xfrm>
               <a:prstGeom prst="rect">
                 <a:avLst/>
               </a:prstGeom>
               <a:blipFill>
-                <a:blip r:embed="rId22"/>
+                <a:blip r:embed="rId21"/>
                 <a:stretch>
                   <a:fillRect/>
                 </a:stretch>
@@ -6662,8 +6679,8 @@
           </p:sp>
         </mc:Fallback>
       </mc:AlternateContent>
-      <mc:AlternateContent xmlns:mc="http://schemas.openxmlformats.org/markup-compatibility/2006">
-        <mc:Choice xmlns:a14="http://schemas.microsoft.com/office/drawing/2010/main" Requires="a14">
+      <mc:AlternateContent xmlns:mc="http://schemas.openxmlformats.org/markup-compatibility/2006" xmlns:a14="http://schemas.microsoft.com/office/drawing/2010/main">
+        <mc:Choice Requires="a14">
           <p:sp>
             <p:nvSpPr>
               <p:cNvPr id="2" name="文本框 1">
@@ -6835,7 +6852,7 @@
             </p:txBody>
           </p:sp>
         </mc:Choice>
-        <mc:Fallback>
+        <mc:Fallback xmlns="">
           <p:sp>
             <p:nvSpPr>
               <p:cNvPr id="2" name="文本框 1">
@@ -7124,8 +7141,8 @@
           </p:sp>
         </mc:Fallback>
       </mc:AlternateContent>
-      <mc:AlternateContent xmlns:mc="http://schemas.openxmlformats.org/markup-compatibility/2006" xmlns:a14="http://schemas.microsoft.com/office/drawing/2010/main">
-        <mc:Choice Requires="a14">
+      <mc:AlternateContent xmlns:mc="http://schemas.openxmlformats.org/markup-compatibility/2006">
+        <mc:Choice xmlns:a14="http://schemas.microsoft.com/office/drawing/2010/main" Requires="a14">
           <p:sp>
             <p:nvSpPr>
               <p:cNvPr id="6" name="文本框 5">
@@ -7140,7 +7157,7 @@
             </p:nvSpPr>
             <p:spPr>
               <a:xfrm>
-                <a:off x="9853694" y="2660327"/>
+                <a:off x="9836690" y="2710693"/>
                 <a:ext cx="981358" cy="461665"/>
               </a:xfrm>
               <a:prstGeom prst="rect">
@@ -7276,7 +7293,7 @@
             </p:txBody>
           </p:sp>
         </mc:Choice>
-        <mc:Fallback xmlns="">
+        <mc:Fallback>
           <p:sp>
             <p:nvSpPr>
               <p:cNvPr id="6" name="文本框 5">
@@ -7293,7 +7310,7 @@
             </p:nvSpPr>
             <p:spPr>
               <a:xfrm>
-                <a:off x="9853694" y="2660327"/>
+                <a:off x="9836690" y="2710693"/>
                 <a:ext cx="981358" cy="461665"/>
               </a:xfrm>
               <a:prstGeom prst="rect">
@@ -7302,7 +7319,7 @@
               <a:blipFill>
                 <a:blip r:embed="rId25"/>
                 <a:stretch>
-                  <a:fillRect/>
+                  <a:fillRect l="-613" b="-1299"/>
                 </a:stretch>
               </a:blipFill>
               <a:ln>
@@ -7329,8 +7346,8 @@
           </p:sp>
         </mc:Fallback>
       </mc:AlternateContent>
-      <mc:AlternateContent xmlns:mc="http://schemas.openxmlformats.org/markup-compatibility/2006" xmlns:a14="http://schemas.microsoft.com/office/drawing/2010/main">
-        <mc:Choice Requires="a14">
+      <mc:AlternateContent xmlns:mc="http://schemas.openxmlformats.org/markup-compatibility/2006">
+        <mc:Choice xmlns:a14="http://schemas.microsoft.com/office/drawing/2010/main" Requires="a14">
           <p:sp>
             <p:nvSpPr>
               <p:cNvPr id="3" name="文本框 2">
@@ -7345,7 +7362,7 @@
             </p:nvSpPr>
             <p:spPr>
               <a:xfrm rot="21291466">
-                <a:off x="6602461" y="2668449"/>
+                <a:off x="6602460" y="2893560"/>
                 <a:ext cx="1294522" cy="276999"/>
               </a:xfrm>
               <a:prstGeom prst="rect">
@@ -7510,7 +7527,7 @@
             </p:txBody>
           </p:sp>
         </mc:Choice>
-        <mc:Fallback xmlns="">
+        <mc:Fallback>
           <p:sp>
             <p:nvSpPr>
               <p:cNvPr id="3" name="文本框 2">
@@ -7527,7 +7544,7 @@
             </p:nvSpPr>
             <p:spPr>
               <a:xfrm rot="21291466">
-                <a:off x="6602461" y="2668449"/>
+                <a:off x="6602460" y="2893560"/>
                 <a:ext cx="1294522" cy="276999"/>
               </a:xfrm>
               <a:prstGeom prst="rect">
@@ -7558,8 +7575,8 @@
           </p:sp>
         </mc:Fallback>
       </mc:AlternateContent>
-      <mc:AlternateContent xmlns:mc="http://schemas.openxmlformats.org/markup-compatibility/2006" xmlns:a14="http://schemas.microsoft.com/office/drawing/2010/main">
-        <mc:Choice Requires="a14">
+      <mc:AlternateContent xmlns:mc="http://schemas.openxmlformats.org/markup-compatibility/2006">
+        <mc:Choice xmlns:a14="http://schemas.microsoft.com/office/drawing/2010/main" Requires="a14">
           <p:sp>
             <p:nvSpPr>
               <p:cNvPr id="7" name="文本框 6">
@@ -7574,7 +7591,7 @@
             </p:nvSpPr>
             <p:spPr>
               <a:xfrm rot="21422593">
-                <a:off x="8186302" y="2811677"/>
+                <a:off x="8185423" y="3065580"/>
                 <a:ext cx="1306896" cy="276999"/>
               </a:xfrm>
               <a:prstGeom prst="rect">
@@ -7736,7 +7753,7 @@
             </p:txBody>
           </p:sp>
         </mc:Choice>
-        <mc:Fallback xmlns="">
+        <mc:Fallback>
           <p:sp>
             <p:nvSpPr>
               <p:cNvPr id="7" name="文本框 6">
@@ -7753,7 +7770,7 @@
             </p:nvSpPr>
             <p:spPr>
               <a:xfrm rot="21422593">
-                <a:off x="8186302" y="2811677"/>
+                <a:off x="8185423" y="3065580"/>
                 <a:ext cx="1306896" cy="276999"/>
               </a:xfrm>
               <a:prstGeom prst="rect">
@@ -7762,7 +7779,7 @@
               <a:blipFill>
                 <a:blip r:embed="rId27"/>
                 <a:stretch>
-                  <a:fillRect l="-459" r="-459" b="-6897"/>
+                  <a:fillRect l="-459" b="-8772"/>
                 </a:stretch>
               </a:blipFill>
               <a:effectLst>
@@ -8010,8 +8027,8 @@
           </p:sp>
         </mc:Fallback>
       </mc:AlternateContent>
-      <mc:AlternateContent xmlns:mc="http://schemas.openxmlformats.org/markup-compatibility/2006" xmlns:a14="http://schemas.microsoft.com/office/drawing/2010/main">
-        <mc:Choice Requires="a14">
+      <mc:AlternateContent xmlns:mc="http://schemas.openxmlformats.org/markup-compatibility/2006">
+        <mc:Choice xmlns:a14="http://schemas.microsoft.com/office/drawing/2010/main" Requires="a14">
           <p:sp>
             <p:nvSpPr>
               <p:cNvPr id="10" name="文本框 9">
@@ -8026,7 +8043,7 @@
             </p:nvSpPr>
             <p:spPr>
               <a:xfrm rot="244308">
-                <a:off x="6592330" y="3820639"/>
+                <a:off x="6600826" y="3591186"/>
                 <a:ext cx="1314784" cy="276999"/>
               </a:xfrm>
               <a:prstGeom prst="rect">
@@ -8208,7 +8225,7 @@
             </p:txBody>
           </p:sp>
         </mc:Choice>
-        <mc:Fallback xmlns="">
+        <mc:Fallback>
           <p:sp>
             <p:nvSpPr>
               <p:cNvPr id="10" name="文本框 9">
@@ -8225,7 +8242,7 @@
             </p:nvSpPr>
             <p:spPr>
               <a:xfrm rot="244308">
-                <a:off x="6592330" y="3820639"/>
+                <a:off x="6600826" y="3591186"/>
                 <a:ext cx="1314784" cy="276999"/>
               </a:xfrm>
               <a:prstGeom prst="rect">
@@ -8234,7 +8251,7 @@
               <a:blipFill>
                 <a:blip r:embed="rId29"/>
                 <a:stretch>
-                  <a:fillRect b="-1639"/>
+                  <a:fillRect/>
                 </a:stretch>
               </a:blipFill>
               <a:effectLst>
@@ -8256,8 +8273,8 @@
           </p:sp>
         </mc:Fallback>
       </mc:AlternateContent>
-      <mc:AlternateContent xmlns:mc="http://schemas.openxmlformats.org/markup-compatibility/2006" xmlns:a14="http://schemas.microsoft.com/office/drawing/2010/main">
-        <mc:Choice Requires="a14">
+      <mc:AlternateContent xmlns:mc="http://schemas.openxmlformats.org/markup-compatibility/2006">
+        <mc:Choice xmlns:a14="http://schemas.microsoft.com/office/drawing/2010/main" Requires="a14">
           <p:sp>
             <p:nvSpPr>
               <p:cNvPr id="11" name="文本框 10">
@@ -8272,7 +8289,7 @@
             </p:nvSpPr>
             <p:spPr>
               <a:xfrm rot="163166">
-                <a:off x="8186755" y="3668191"/>
+                <a:off x="8185863" y="3428635"/>
                 <a:ext cx="1306896" cy="276999"/>
               </a:xfrm>
               <a:prstGeom prst="rect">
@@ -8434,7 +8451,7 @@
             </p:txBody>
           </p:sp>
         </mc:Choice>
-        <mc:Fallback xmlns="">
+        <mc:Fallback>
           <p:sp>
             <p:nvSpPr>
               <p:cNvPr id="11" name="文本框 10">
@@ -8451,7 +8468,7 @@
             </p:nvSpPr>
             <p:spPr>
               <a:xfrm rot="163166">
-                <a:off x="8186755" y="3668191"/>
+                <a:off x="8185863" y="3428635"/>
                 <a:ext cx="1306896" cy="276999"/>
               </a:xfrm>
               <a:prstGeom prst="rect">
@@ -8460,7 +8477,7 @@
               <a:blipFill>
                 <a:blip r:embed="rId30"/>
                 <a:stretch>
-                  <a:fillRect b="-5263"/>
+                  <a:fillRect b="-7143"/>
                 </a:stretch>
               </a:blipFill>
               <a:effectLst>
@@ -9047,8 +9064,8 @@
           </p:sp>
         </mc:Fallback>
       </mc:AlternateContent>
-      <mc:AlternateContent xmlns:mc="http://schemas.openxmlformats.org/markup-compatibility/2006">
-        <mc:Choice xmlns:a14="http://schemas.microsoft.com/office/drawing/2010/main" Requires="a14">
+      <mc:AlternateContent xmlns:mc="http://schemas.openxmlformats.org/markup-compatibility/2006" xmlns:a14="http://schemas.microsoft.com/office/drawing/2010/main">
+        <mc:Choice Requires="a14">
           <p:sp>
             <p:nvSpPr>
               <p:cNvPr id="15" name="文本框 14">
@@ -9157,7 +9174,7 @@
             </p:txBody>
           </p:sp>
         </mc:Choice>
-        <mc:Fallback>
+        <mc:Fallback xmlns="">
           <p:sp>
             <p:nvSpPr>
               <p:cNvPr id="15" name="文本框 14">
@@ -9209,6 +9226,419 @@
           </p:sp>
         </mc:Fallback>
       </mc:AlternateContent>
+      <mc:AlternateContent xmlns:mc="http://schemas.openxmlformats.org/markup-compatibility/2006">
+        <mc:Choice xmlns:a14="http://schemas.microsoft.com/office/drawing/2010/main" Requires="a14">
+          <p:sp>
+            <p:nvSpPr>
+              <p:cNvPr id="12" name="文本框 11">
+                <a:extLst>
+                  <a:ext uri="{FF2B5EF4-FFF2-40B4-BE49-F238E27FC236}">
+                    <a16:creationId xmlns:a16="http://schemas.microsoft.com/office/drawing/2014/main" id="{37ABE1EB-E887-4136-9FD8-DBDB3FA93A39}"/>
+                  </a:ext>
+                </a:extLst>
+              </p:cNvPr>
+              <p:cNvSpPr txBox="1"/>
+              <p:nvPr/>
+            </p:nvSpPr>
+            <p:spPr>
+              <a:xfrm>
+                <a:off x="9743275" y="1073281"/>
+                <a:ext cx="982961" cy="584775"/>
+              </a:xfrm>
+              <a:prstGeom prst="rect">
+                <a:avLst/>
+              </a:prstGeom>
+              <a:noFill/>
+              <a:effectLst>
+                <a:outerShdw blurRad="88900" sx="107000" sy="107000" algn="ctr" rotWithShape="0">
+                  <a:prstClr val="black"/>
+                </a:outerShdw>
+              </a:effectLst>
+            </p:spPr>
+            <p:txBody>
+              <a:bodyPr wrap="square" rtlCol="0">
+                <a:spAutoFit/>
+              </a:bodyPr>
+              <a:lstStyle/>
+              <a:p>
+                <a:pPr/>
+                <a14:m>
+                  <m:oMathPara xmlns:m="http://schemas.openxmlformats.org/officeDocument/2006/math">
+                    <m:oMathParaPr>
+                      <m:jc m:val="centerGroup"/>
+                    </m:oMathParaPr>
+                    <m:oMath xmlns:m="http://schemas.openxmlformats.org/officeDocument/2006/math">
+                      <m:r>
+                        <m:rPr>
+                          <m:sty m:val="p"/>
+                        </m:rPr>
+                        <a:rPr lang="en-US" altLang="zh-CN" sz="1600" b="0" i="0" smtClean="0">
+                          <a:solidFill>
+                            <a:srgbClr val="0D0DB4"/>
+                          </a:solidFill>
+                          <a:effectLst>
+                            <a:outerShdw blurRad="127000" sx="107000" sy="107000" algn="ctr" rotWithShape="0">
+                              <a:schemeClr val="bg1"/>
+                            </a:outerShdw>
+                          </a:effectLst>
+                          <a:latin typeface="Cambria Math" panose="02040503050406030204" pitchFamily="18" charset="0"/>
+                        </a:rPr>
+                        <m:t>Maneuver</m:t>
+                      </m:r>
+                    </m:oMath>
+                  </m:oMathPara>
+                </a14:m>
+                <a:endParaRPr lang="en-US" altLang="zh-CN" sz="1600" b="0" i="0" dirty="0">
+                  <a:solidFill>
+                    <a:srgbClr val="0D0DB4"/>
+                  </a:solidFill>
+                  <a:effectLst>
+                    <a:outerShdw blurRad="127000" sx="107000" sy="107000" algn="ctr" rotWithShape="0">
+                      <a:schemeClr val="bg1"/>
+                    </a:outerShdw>
+                  </a:effectLst>
+                  <a:latin typeface="Cambria Math" panose="02040503050406030204" pitchFamily="18" charset="0"/>
+                </a:endParaRPr>
+              </a:p>
+              <a:p>
+                <a:pPr/>
+                <a14:m>
+                  <m:oMathPara xmlns:m="http://schemas.openxmlformats.org/officeDocument/2006/math">
+                    <m:oMathParaPr>
+                      <m:jc m:val="centerGroup"/>
+                    </m:oMathParaPr>
+                    <m:oMath xmlns:m="http://schemas.openxmlformats.org/officeDocument/2006/math">
+                      <m:r>
+                        <m:rPr>
+                          <m:sty m:val="p"/>
+                        </m:rPr>
+                        <a:rPr lang="en-US" altLang="zh-CN" sz="1600" b="0" i="0" smtClean="0">
+                          <a:solidFill>
+                            <a:srgbClr val="0D0DB4"/>
+                          </a:solidFill>
+                          <a:effectLst>
+                            <a:outerShdw blurRad="127000" sx="107000" sy="107000" algn="ctr" rotWithShape="0">
+                              <a:schemeClr val="bg1"/>
+                            </a:outerShdw>
+                          </a:effectLst>
+                          <a:latin typeface="Cambria Math" panose="02040503050406030204" pitchFamily="18" charset="0"/>
+                        </a:rPr>
+                        <m:t>envelope</m:t>
+                      </m:r>
+                    </m:oMath>
+                  </m:oMathPara>
+                </a14:m>
+                <a:endParaRPr lang="en-US" altLang="zh-CN" sz="1600" b="0" dirty="0">
+                  <a:solidFill>
+                    <a:srgbClr val="0D0DB4"/>
+                  </a:solidFill>
+                  <a:effectLst>
+                    <a:outerShdw blurRad="127000" sx="107000" sy="107000" algn="ctr" rotWithShape="0">
+                      <a:schemeClr val="bg1"/>
+                    </a:outerShdw>
+                  </a:effectLst>
+                </a:endParaRPr>
+              </a:p>
+            </p:txBody>
+          </p:sp>
+        </mc:Choice>
+        <mc:Fallback>
+          <p:sp>
+            <p:nvSpPr>
+              <p:cNvPr id="12" name="文本框 11">
+                <a:extLst>
+                  <a:ext uri="{FF2B5EF4-FFF2-40B4-BE49-F238E27FC236}">
+                    <a16:creationId xmlns:a16="http://schemas.microsoft.com/office/drawing/2014/main" id="{37ABE1EB-E887-4136-9FD8-DBDB3FA93A39}"/>
+                  </a:ext>
+                </a:extLst>
+              </p:cNvPr>
+              <p:cNvSpPr txBox="1">
+                <a:spLocks noRot="1" noChangeAspect="1" noMove="1" noResize="1" noEditPoints="1" noAdjustHandles="1" noChangeArrowheads="1" noChangeShapeType="1" noTextEdit="1"/>
+              </p:cNvSpPr>
+              <p:nvPr/>
+            </p:nvSpPr>
+            <p:spPr>
+              <a:xfrm>
+                <a:off x="9743275" y="1073281"/>
+                <a:ext cx="982961" cy="584775"/>
+              </a:xfrm>
+              <a:prstGeom prst="rect">
+                <a:avLst/>
+              </a:prstGeom>
+              <a:blipFill>
+                <a:blip r:embed="rId35"/>
+                <a:stretch>
+                  <a:fillRect/>
+                </a:stretch>
+              </a:blipFill>
+              <a:effectLst>
+                <a:outerShdw blurRad="88900" sx="107000" sy="107000" algn="ctr" rotWithShape="0">
+                  <a:prstClr val="black"/>
+                </a:outerShdw>
+              </a:effectLst>
+            </p:spPr>
+            <p:txBody>
+              <a:bodyPr/>
+              <a:lstStyle/>
+              <a:p>
+                <a:r>
+                  <a:rPr lang="zh-CN" altLang="en-US">
+                    <a:noFill/>
+                  </a:rPr>
+                  <a:t> </a:t>
+                </a:r>
+              </a:p>
+            </p:txBody>
+          </p:sp>
+        </mc:Fallback>
+      </mc:AlternateContent>
+      <p:cxnSp>
+        <p:nvCxnSpPr>
+          <p:cNvPr id="18" name="直接箭头连接符 17">
+            <a:extLst>
+              <a:ext uri="{FF2B5EF4-FFF2-40B4-BE49-F238E27FC236}">
+                <a16:creationId xmlns:a16="http://schemas.microsoft.com/office/drawing/2014/main" id="{81C3B007-0103-C47E-C348-FA5CF68827C2}"/>
+              </a:ext>
+            </a:extLst>
+          </p:cNvPr>
+          <p:cNvCxnSpPr>
+            <a:cxnSpLocks/>
+            <a:stCxn id="12" idx="1"/>
+          </p:cNvCxnSpPr>
+          <p:nvPr/>
+        </p:nvCxnSpPr>
+        <p:spPr>
+          <a:xfrm flipH="1">
+            <a:off x="8962072" y="1365669"/>
+            <a:ext cx="781203" cy="794040"/>
+          </a:xfrm>
+          <a:prstGeom prst="straightConnector1">
+            <a:avLst/>
+          </a:prstGeom>
+          <a:ln>
+            <a:solidFill>
+              <a:srgbClr val="0D0DB4"/>
+            </a:solidFill>
+            <a:tailEnd type="triangle"/>
+          </a:ln>
+        </p:spPr>
+        <p:style>
+          <a:lnRef idx="2">
+            <a:schemeClr val="accent1"/>
+          </a:lnRef>
+          <a:fillRef idx="0">
+            <a:schemeClr val="accent1"/>
+          </a:fillRef>
+          <a:effectRef idx="1">
+            <a:schemeClr val="accent1"/>
+          </a:effectRef>
+          <a:fontRef idx="minor">
+            <a:schemeClr val="tx1"/>
+          </a:fontRef>
+        </p:style>
+      </p:cxnSp>
+      <mc:AlternateContent xmlns:mc="http://schemas.openxmlformats.org/markup-compatibility/2006">
+        <mc:Choice xmlns:a14="http://schemas.microsoft.com/office/drawing/2010/main" Requires="a14">
+          <p:sp>
+            <p:nvSpPr>
+              <p:cNvPr id="29" name="文本框 28">
+                <a:extLst>
+                  <a:ext uri="{FF2B5EF4-FFF2-40B4-BE49-F238E27FC236}">
+                    <a16:creationId xmlns:a16="http://schemas.microsoft.com/office/drawing/2014/main" id="{7DCF4BC8-F8DA-CE2F-1568-C8219E05C91F}"/>
+                  </a:ext>
+                </a:extLst>
+              </p:cNvPr>
+              <p:cNvSpPr txBox="1"/>
+              <p:nvPr/>
+            </p:nvSpPr>
+            <p:spPr>
+              <a:xfrm>
+                <a:off x="9671346" y="2186777"/>
+                <a:ext cx="982961" cy="338554"/>
+              </a:xfrm>
+              <a:prstGeom prst="rect">
+                <a:avLst/>
+              </a:prstGeom>
+              <a:noFill/>
+              <a:effectLst>
+                <a:outerShdw blurRad="88900" sx="107000" sy="107000" algn="ctr" rotWithShape="0">
+                  <a:prstClr val="black"/>
+                </a:outerShdw>
+              </a:effectLst>
+            </p:spPr>
+            <p:txBody>
+              <a:bodyPr wrap="square" rtlCol="0">
+                <a:spAutoFit/>
+              </a:bodyPr>
+              <a:lstStyle/>
+              <a:p>
+                <a:pPr/>
+                <a14:m>
+                  <m:oMathPara xmlns:m="http://schemas.openxmlformats.org/officeDocument/2006/math">
+                    <m:oMathParaPr>
+                      <m:jc m:val="centerGroup"/>
+                    </m:oMathParaPr>
+                    <m:oMath xmlns:m="http://schemas.openxmlformats.org/officeDocument/2006/math">
+                      <m:r>
+                        <m:rPr>
+                          <m:sty m:val="p"/>
+                        </m:rPr>
+                        <a:rPr lang="en-US" altLang="zh-CN" sz="1600" i="1" smtClean="0">
+                          <a:solidFill>
+                            <a:srgbClr val="EC6133"/>
+                          </a:solidFill>
+                          <a:effectLst>
+                            <a:outerShdw blurRad="127000" sx="107000" sy="107000" algn="ctr" rotWithShape="0">
+                              <a:schemeClr val="bg1"/>
+                            </a:outerShdw>
+                          </a:effectLst>
+                          <a:latin typeface="Cambria Math" panose="02040503050406030204" pitchFamily="18" charset="0"/>
+                        </a:rPr>
+                        <m:t>Gust</m:t>
+                      </m:r>
+                      <m:r>
+                        <a:rPr lang="en-US" altLang="zh-CN" sz="1600" b="0" i="0" smtClean="0">
+                          <a:solidFill>
+                            <a:srgbClr val="EC6133"/>
+                          </a:solidFill>
+                          <a:effectLst>
+                            <a:outerShdw blurRad="127000" sx="107000" sy="107000" algn="ctr" rotWithShape="0">
+                              <a:schemeClr val="bg1"/>
+                            </a:outerShdw>
+                          </a:effectLst>
+                          <a:latin typeface="Cambria Math" panose="02040503050406030204" pitchFamily="18" charset="0"/>
+                        </a:rPr>
+                        <m:t> </m:t>
+                      </m:r>
+                      <m:r>
+                        <m:rPr>
+                          <m:sty m:val="p"/>
+                        </m:rPr>
+                        <a:rPr lang="en-US" altLang="zh-CN" sz="1600" b="0" i="0" smtClean="0">
+                          <a:solidFill>
+                            <a:srgbClr val="EC6133"/>
+                          </a:solidFill>
+                          <a:effectLst>
+                            <a:outerShdw blurRad="127000" sx="107000" sy="107000" algn="ctr" rotWithShape="0">
+                              <a:schemeClr val="bg1"/>
+                            </a:outerShdw>
+                          </a:effectLst>
+                          <a:latin typeface="Cambria Math" panose="02040503050406030204" pitchFamily="18" charset="0"/>
+                        </a:rPr>
+                        <m:t>envelope</m:t>
+                      </m:r>
+                    </m:oMath>
+                  </m:oMathPara>
+                </a14:m>
+                <a:endParaRPr lang="en-US" altLang="zh-CN" sz="1600" b="0" dirty="0">
+                  <a:solidFill>
+                    <a:srgbClr val="EC6133"/>
+                  </a:solidFill>
+                  <a:effectLst>
+                    <a:outerShdw blurRad="127000" sx="107000" sy="107000" algn="ctr" rotWithShape="0">
+                      <a:schemeClr val="bg1"/>
+                    </a:outerShdw>
+                  </a:effectLst>
+                </a:endParaRPr>
+              </a:p>
+            </p:txBody>
+          </p:sp>
+        </mc:Choice>
+        <mc:Fallback>
+          <p:sp>
+            <p:nvSpPr>
+              <p:cNvPr id="29" name="文本框 28">
+                <a:extLst>
+                  <a:ext uri="{FF2B5EF4-FFF2-40B4-BE49-F238E27FC236}">
+                    <a16:creationId xmlns:a16="http://schemas.microsoft.com/office/drawing/2014/main" id="{7DCF4BC8-F8DA-CE2F-1568-C8219E05C91F}"/>
+                  </a:ext>
+                </a:extLst>
+              </p:cNvPr>
+              <p:cNvSpPr txBox="1">
+                <a:spLocks noRot="1" noChangeAspect="1" noMove="1" noResize="1" noEditPoints="1" noAdjustHandles="1" noChangeArrowheads="1" noChangeShapeType="1" noTextEdit="1"/>
+              </p:cNvSpPr>
+              <p:nvPr/>
+            </p:nvSpPr>
+            <p:spPr>
+              <a:xfrm>
+                <a:off x="9671346" y="2186777"/>
+                <a:ext cx="982961" cy="338554"/>
+              </a:xfrm>
+              <a:prstGeom prst="rect">
+                <a:avLst/>
+              </a:prstGeom>
+              <a:blipFill>
+                <a:blip r:embed="rId36"/>
+                <a:stretch>
+                  <a:fillRect r="-31034"/>
+                </a:stretch>
+              </a:blipFill>
+              <a:effectLst>
+                <a:outerShdw blurRad="88900" sx="107000" sy="107000" algn="ctr" rotWithShape="0">
+                  <a:prstClr val="black"/>
+                </a:outerShdw>
+              </a:effectLst>
+            </p:spPr>
+            <p:txBody>
+              <a:bodyPr/>
+              <a:lstStyle/>
+              <a:p>
+                <a:r>
+                  <a:rPr lang="zh-CN" altLang="en-US">
+                    <a:noFill/>
+                  </a:rPr>
+                  <a:t> </a:t>
+                </a:r>
+              </a:p>
+            </p:txBody>
+          </p:sp>
+        </mc:Fallback>
+      </mc:AlternateContent>
+      <p:cxnSp>
+        <p:nvCxnSpPr>
+          <p:cNvPr id="31" name="直接箭头连接符 30">
+            <a:extLst>
+              <a:ext uri="{FF2B5EF4-FFF2-40B4-BE49-F238E27FC236}">
+                <a16:creationId xmlns:a16="http://schemas.microsoft.com/office/drawing/2014/main" id="{6490A1DD-2F4E-AF7D-4D8E-4B1E3C4CD96B}"/>
+              </a:ext>
+            </a:extLst>
+          </p:cNvPr>
+          <p:cNvCxnSpPr>
+            <a:cxnSpLocks/>
+            <a:stCxn id="29" idx="1"/>
+          </p:cNvCxnSpPr>
+          <p:nvPr/>
+        </p:nvCxnSpPr>
+        <p:spPr>
+          <a:xfrm flipH="1">
+            <a:off x="9008148" y="2356054"/>
+            <a:ext cx="663198" cy="654318"/>
+          </a:xfrm>
+          <a:prstGeom prst="straightConnector1">
+            <a:avLst/>
+          </a:prstGeom>
+          <a:ln>
+            <a:solidFill>
+              <a:srgbClr val="EC6133"/>
+            </a:solidFill>
+            <a:tailEnd type="triangle"/>
+          </a:ln>
+        </p:spPr>
+        <p:style>
+          <a:lnRef idx="2">
+            <a:schemeClr val="accent1"/>
+          </a:lnRef>
+          <a:fillRef idx="0">
+            <a:schemeClr val="accent1"/>
+          </a:fillRef>
+          <a:effectRef idx="1">
+            <a:schemeClr val="accent1"/>
+          </a:effectRef>
+          <a:fontRef idx="minor">
+            <a:schemeClr val="tx1"/>
+          </a:fontRef>
+        </p:style>
+      </p:cxnSp>
     </p:spTree>
     <p:extLst>
       <p:ext uri="{BB962C8B-B14F-4D97-AF65-F5344CB8AC3E}">

--- a/01 - Loads and Fatigue/Annotation.pptx
+++ b/01 - Loads and Fatigue/Annotation.pptx
@@ -118,7 +118,7 @@
 <file path=ppt/revisionInfo.xml><?xml version="1.0" encoding="utf-8"?>
 <p1510:revInfo xmlns:a="http://schemas.openxmlformats.org/drawingml/2006/main" xmlns:r="http://schemas.openxmlformats.org/officeDocument/2006/relationships" xmlns:p1510="http://schemas.microsoft.com/office/powerpoint/2015/10/main">
   <p1510:revLst>
-    <p1510:client id="{C9DE8794-599A-48A2-8DAC-3CEC81A1BCD4}" v="1324" dt="2025-01-25T16:44:11.127"/>
+    <p1510:client id="{C9DE8794-599A-48A2-8DAC-3CEC81A1BCD4}" v="1364" dt="2025-01-29T21:28:21.074"/>
   </p1510:revLst>
 </p1510:revInfo>
 </file>
@@ -128,26 +128,18 @@
   <pc:docChgLst>
     <pc:chgData name="Li, Hanchen F" userId="3aee791e-6a2d-4da7-a77b-fbdf7bf15886" providerId="ADAL" clId="{C9DE8794-599A-48A2-8DAC-3CEC81A1BCD4}"/>
     <pc:docChg chg="undo custSel addSld modSld">
-      <pc:chgData name="Li, Hanchen F" userId="3aee791e-6a2d-4da7-a77b-fbdf7bf15886" providerId="ADAL" clId="{C9DE8794-599A-48A2-8DAC-3CEC81A1BCD4}" dt="2025-01-25T16:44:11.124" v="2831" actId="14826"/>
+      <pc:chgData name="Li, Hanchen F" userId="3aee791e-6a2d-4da7-a77b-fbdf7bf15886" providerId="ADAL" clId="{C9DE8794-599A-48A2-8DAC-3CEC81A1BCD4}" dt="2025-01-29T21:28:25.726" v="3218" actId="1076"/>
       <pc:docMkLst>
         <pc:docMk/>
       </pc:docMkLst>
       <pc:sldChg chg="addSp delSp modSp new mod">
-        <pc:chgData name="Li, Hanchen F" userId="3aee791e-6a2d-4da7-a77b-fbdf7bf15886" providerId="ADAL" clId="{C9DE8794-599A-48A2-8DAC-3CEC81A1BCD4}" dt="2025-01-25T16:44:11.124" v="2831" actId="14826"/>
+        <pc:chgData name="Li, Hanchen F" userId="3aee791e-6a2d-4da7-a77b-fbdf7bf15886" providerId="ADAL" clId="{C9DE8794-599A-48A2-8DAC-3CEC81A1BCD4}" dt="2025-01-29T21:28:25.726" v="3218" actId="1076"/>
         <pc:sldMkLst>
           <pc:docMk/>
           <pc:sldMk cId="3020923075" sldId="256"/>
         </pc:sldMkLst>
-        <pc:spChg chg="del">
-          <ac:chgData name="Li, Hanchen F" userId="3aee791e-6a2d-4da7-a77b-fbdf7bf15886" providerId="ADAL" clId="{C9DE8794-599A-48A2-8DAC-3CEC81A1BCD4}" dt="2025-01-24T23:03:20.079" v="1" actId="478"/>
-          <ac:spMkLst>
-            <pc:docMk/>
-            <pc:sldMk cId="3020923075" sldId="256"/>
-            <ac:spMk id="2" creationId="{163E8C76-E5B5-A890-1927-309989D9CBA1}"/>
-          </ac:spMkLst>
-        </pc:spChg>
         <pc:spChg chg="add mod ord">
-          <ac:chgData name="Li, Hanchen F" userId="3aee791e-6a2d-4da7-a77b-fbdf7bf15886" providerId="ADAL" clId="{C9DE8794-599A-48A2-8DAC-3CEC81A1BCD4}" dt="2025-01-25T16:18:13.045" v="2718" actId="1076"/>
+          <ac:chgData name="Li, Hanchen F" userId="3aee791e-6a2d-4da7-a77b-fbdf7bf15886" providerId="ADAL" clId="{C9DE8794-599A-48A2-8DAC-3CEC81A1BCD4}" dt="2025-01-29T18:48:03.660" v="3084" actId="948"/>
           <ac:spMkLst>
             <pc:docMk/>
             <pc:sldMk cId="3020923075" sldId="256"/>
@@ -155,31 +147,15 @@
           </ac:spMkLst>
         </pc:spChg>
         <pc:spChg chg="add mod">
-          <ac:chgData name="Li, Hanchen F" userId="3aee791e-6a2d-4da7-a77b-fbdf7bf15886" providerId="ADAL" clId="{C9DE8794-599A-48A2-8DAC-3CEC81A1BCD4}" dt="2025-01-25T16:38:47.644" v="2725" actId="1076"/>
+          <ac:chgData name="Li, Hanchen F" userId="3aee791e-6a2d-4da7-a77b-fbdf7bf15886" providerId="ADAL" clId="{C9DE8794-599A-48A2-8DAC-3CEC81A1BCD4}" dt="2025-01-29T18:48:43.127" v="3093" actId="1076"/>
           <ac:spMkLst>
             <pc:docMk/>
             <pc:sldMk cId="3020923075" sldId="256"/>
             <ac:spMk id="3" creationId="{40E66E2B-A159-8FCA-CFE2-F7003F93E399}"/>
           </ac:spMkLst>
         </pc:spChg>
-        <pc:spChg chg="add del mod">
-          <ac:chgData name="Li, Hanchen F" userId="3aee791e-6a2d-4da7-a77b-fbdf7bf15886" providerId="ADAL" clId="{C9DE8794-599A-48A2-8DAC-3CEC81A1BCD4}" dt="2025-01-24T23:28:43.081" v="1963" actId="478"/>
-          <ac:spMkLst>
-            <pc:docMk/>
-            <pc:sldMk cId="3020923075" sldId="256"/>
-            <ac:spMk id="3" creationId="{66332BAB-FD43-8FE0-2DCD-8277FD4647CC}"/>
-          </ac:spMkLst>
-        </pc:spChg>
-        <pc:spChg chg="del">
-          <ac:chgData name="Li, Hanchen F" userId="3aee791e-6a2d-4da7-a77b-fbdf7bf15886" providerId="ADAL" clId="{C9DE8794-599A-48A2-8DAC-3CEC81A1BCD4}" dt="2025-01-24T23:03:20.941" v="2" actId="478"/>
-          <ac:spMkLst>
-            <pc:docMk/>
-            <pc:sldMk cId="3020923075" sldId="256"/>
-            <ac:spMk id="3" creationId="{AB6963D4-3D5B-5FD5-163E-CFDF92FA9B06}"/>
-          </ac:spMkLst>
-        </pc:spChg>
         <pc:spChg chg="add mod">
-          <ac:chgData name="Li, Hanchen F" userId="3aee791e-6a2d-4da7-a77b-fbdf7bf15886" providerId="ADAL" clId="{C9DE8794-599A-48A2-8DAC-3CEC81A1BCD4}" dt="2025-01-24T23:28:39.014" v="1960" actId="1076"/>
+          <ac:chgData name="Li, Hanchen F" userId="3aee791e-6a2d-4da7-a77b-fbdf7bf15886" providerId="ADAL" clId="{C9DE8794-599A-48A2-8DAC-3CEC81A1BCD4}" dt="2025-01-29T18:49:42.961" v="3104" actId="1076"/>
           <ac:spMkLst>
             <pc:docMk/>
             <pc:sldMk cId="3020923075" sldId="256"/>
@@ -187,23 +163,15 @@
           </ac:spMkLst>
         </pc:spChg>
         <pc:spChg chg="add mod">
-          <ac:chgData name="Li, Hanchen F" userId="3aee791e-6a2d-4da7-a77b-fbdf7bf15886" providerId="ADAL" clId="{C9DE8794-599A-48A2-8DAC-3CEC81A1BCD4}" dt="2025-01-25T16:41:28.631" v="2816" actId="1076"/>
+          <ac:chgData name="Li, Hanchen F" userId="3aee791e-6a2d-4da7-a77b-fbdf7bf15886" providerId="ADAL" clId="{C9DE8794-599A-48A2-8DAC-3CEC81A1BCD4}" dt="2025-01-29T18:49:21.567" v="3100" actId="1076"/>
           <ac:spMkLst>
             <pc:docMk/>
             <pc:sldMk cId="3020923075" sldId="256"/>
             <ac:spMk id="6" creationId="{0A18FE18-3806-4630-971C-DE8BFB3A94B5}"/>
           </ac:spMkLst>
         </pc:spChg>
-        <pc:spChg chg="add del mod">
-          <ac:chgData name="Li, Hanchen F" userId="3aee791e-6a2d-4da7-a77b-fbdf7bf15886" providerId="ADAL" clId="{C9DE8794-599A-48A2-8DAC-3CEC81A1BCD4}" dt="2025-01-24T23:08:36.592" v="902" actId="478"/>
-          <ac:spMkLst>
-            <pc:docMk/>
-            <pc:sldMk cId="3020923075" sldId="256"/>
-            <ac:spMk id="6" creationId="{2A12B6DC-B0E9-7CF8-1FB6-7337562699D2}"/>
-          </ac:spMkLst>
-        </pc:spChg>
         <pc:spChg chg="add mod">
-          <ac:chgData name="Li, Hanchen F" userId="3aee791e-6a2d-4da7-a77b-fbdf7bf15886" providerId="ADAL" clId="{C9DE8794-599A-48A2-8DAC-3CEC81A1BCD4}" dt="2025-01-25T16:39:02.272" v="2728" actId="1076"/>
+          <ac:chgData name="Li, Hanchen F" userId="3aee791e-6a2d-4da7-a77b-fbdf7bf15886" providerId="ADAL" clId="{C9DE8794-599A-48A2-8DAC-3CEC81A1BCD4}" dt="2025-01-29T18:48:38.823" v="3092" actId="1076"/>
           <ac:spMkLst>
             <pc:docMk/>
             <pc:sldMk cId="3020923075" sldId="256"/>
@@ -211,23 +179,7 @@
           </ac:spMkLst>
         </pc:spChg>
         <pc:spChg chg="add mod">
-          <ac:chgData name="Li, Hanchen F" userId="3aee791e-6a2d-4da7-a77b-fbdf7bf15886" providerId="ADAL" clId="{C9DE8794-599A-48A2-8DAC-3CEC81A1BCD4}" dt="2025-01-24T23:29:25.287" v="1989" actId="1076"/>
-          <ac:spMkLst>
-            <pc:docMk/>
-            <pc:sldMk cId="3020923075" sldId="256"/>
-            <ac:spMk id="7" creationId="{31944D76-2ABF-0DAD-F075-D4553DBEC726}"/>
-          </ac:spMkLst>
-        </pc:spChg>
-        <pc:spChg chg="add del mod">
-          <ac:chgData name="Li, Hanchen F" userId="3aee791e-6a2d-4da7-a77b-fbdf7bf15886" providerId="ADAL" clId="{C9DE8794-599A-48A2-8DAC-3CEC81A1BCD4}" dt="2025-01-24T23:08:18.506" v="893" actId="478"/>
-          <ac:spMkLst>
-            <pc:docMk/>
-            <pc:sldMk cId="3020923075" sldId="256"/>
-            <ac:spMk id="7" creationId="{5FC30A8C-83CC-043E-CB4C-D69397C7A8AA}"/>
-          </ac:spMkLst>
-        </pc:spChg>
-        <pc:spChg chg="add mod">
-          <ac:chgData name="Li, Hanchen F" userId="3aee791e-6a2d-4da7-a77b-fbdf7bf15886" providerId="ADAL" clId="{C9DE8794-599A-48A2-8DAC-3CEC81A1BCD4}" dt="2025-01-25T13:37:50.662" v="2543" actId="1037"/>
+          <ac:chgData name="Li, Hanchen F" userId="3aee791e-6a2d-4da7-a77b-fbdf7bf15886" providerId="ADAL" clId="{C9DE8794-599A-48A2-8DAC-3CEC81A1BCD4}" dt="2025-01-29T18:48:23.287" v="3088" actId="1076"/>
           <ac:spMkLst>
             <pc:docMk/>
             <pc:sldMk cId="3020923075" sldId="256"/>
@@ -235,23 +187,7 @@
           </ac:spMkLst>
         </pc:spChg>
         <pc:spChg chg="add mod">
-          <ac:chgData name="Li, Hanchen F" userId="3aee791e-6a2d-4da7-a77b-fbdf7bf15886" providerId="ADAL" clId="{C9DE8794-599A-48A2-8DAC-3CEC81A1BCD4}" dt="2025-01-24T23:29:21.835" v="1985" actId="1076"/>
-          <ac:spMkLst>
-            <pc:docMk/>
-            <pc:sldMk cId="3020923075" sldId="256"/>
-            <ac:spMk id="8" creationId="{B39308F7-E6CF-7F18-5BDC-D2F278909EEB}"/>
-          </ac:spMkLst>
-        </pc:spChg>
-        <pc:spChg chg="add del mod">
-          <ac:chgData name="Li, Hanchen F" userId="3aee791e-6a2d-4da7-a77b-fbdf7bf15886" providerId="ADAL" clId="{C9DE8794-599A-48A2-8DAC-3CEC81A1BCD4}" dt="2025-01-24T23:08:17.269" v="892" actId="478"/>
-          <ac:spMkLst>
-            <pc:docMk/>
-            <pc:sldMk cId="3020923075" sldId="256"/>
-            <ac:spMk id="8" creationId="{CFD577A2-5BDA-D3A5-660F-4615114928FE}"/>
-          </ac:spMkLst>
-        </pc:spChg>
-        <pc:spChg chg="add mod">
-          <ac:chgData name="Li, Hanchen F" userId="3aee791e-6a2d-4da7-a77b-fbdf7bf15886" providerId="ADAL" clId="{C9DE8794-599A-48A2-8DAC-3CEC81A1BCD4}" dt="2025-01-24T23:11:08.733" v="1065" actId="14861"/>
+          <ac:chgData name="Li, Hanchen F" userId="3aee791e-6a2d-4da7-a77b-fbdf7bf15886" providerId="ADAL" clId="{C9DE8794-599A-48A2-8DAC-3CEC81A1BCD4}" dt="2025-01-29T18:50:27.675" v="3145" actId="14861"/>
           <ac:spMkLst>
             <pc:docMk/>
             <pc:sldMk cId="3020923075" sldId="256"/>
@@ -259,63 +195,31 @@
           </ac:spMkLst>
         </pc:spChg>
         <pc:spChg chg="add mod">
-          <ac:chgData name="Li, Hanchen F" userId="3aee791e-6a2d-4da7-a77b-fbdf7bf15886" providerId="ADAL" clId="{C9DE8794-599A-48A2-8DAC-3CEC81A1BCD4}" dt="2025-01-25T16:38:51.179" v="2726" actId="1076"/>
+          <ac:chgData name="Li, Hanchen F" userId="3aee791e-6a2d-4da7-a77b-fbdf7bf15886" providerId="ADAL" clId="{C9DE8794-599A-48A2-8DAC-3CEC81A1BCD4}" dt="2025-01-29T18:48:47.860" v="3094" actId="1076"/>
           <ac:spMkLst>
             <pc:docMk/>
             <pc:sldMk cId="3020923075" sldId="256"/>
             <ac:spMk id="10" creationId="{A7567434-8974-4A44-C62D-1D5055923708}"/>
           </ac:spMkLst>
         </pc:spChg>
-        <pc:spChg chg="add del mod">
-          <ac:chgData name="Li, Hanchen F" userId="3aee791e-6a2d-4da7-a77b-fbdf7bf15886" providerId="ADAL" clId="{C9DE8794-599A-48A2-8DAC-3CEC81A1BCD4}" dt="2025-01-24T23:08:55.461" v="917" actId="478"/>
-          <ac:spMkLst>
-            <pc:docMk/>
-            <pc:sldMk cId="3020923075" sldId="256"/>
-            <ac:spMk id="10" creationId="{E13BB011-D67B-A233-8705-2C9E98BA17EA}"/>
-          </ac:spMkLst>
-        </pc:spChg>
-        <pc:spChg chg="add del mod">
-          <ac:chgData name="Li, Hanchen F" userId="3aee791e-6a2d-4da7-a77b-fbdf7bf15886" providerId="ADAL" clId="{C9DE8794-599A-48A2-8DAC-3CEC81A1BCD4}" dt="2025-01-24T23:09:09.959" v="923" actId="478"/>
-          <ac:spMkLst>
-            <pc:docMk/>
-            <pc:sldMk cId="3020923075" sldId="256"/>
-            <ac:spMk id="11" creationId="{8FF26F8F-C87E-7336-831F-8A396BB065B9}"/>
-          </ac:spMkLst>
-        </pc:spChg>
         <pc:spChg chg="add mod">
-          <ac:chgData name="Li, Hanchen F" userId="3aee791e-6a2d-4da7-a77b-fbdf7bf15886" providerId="ADAL" clId="{C9DE8794-599A-48A2-8DAC-3CEC81A1BCD4}" dt="2025-01-25T16:39:06.034" v="2729" actId="1076"/>
+          <ac:chgData name="Li, Hanchen F" userId="3aee791e-6a2d-4da7-a77b-fbdf7bf15886" providerId="ADAL" clId="{C9DE8794-599A-48A2-8DAC-3CEC81A1BCD4}" dt="2025-01-29T18:52:25.189" v="3216" actId="1076"/>
           <ac:spMkLst>
             <pc:docMk/>
             <pc:sldMk cId="3020923075" sldId="256"/>
             <ac:spMk id="11" creationId="{A182F31E-A293-8449-B14E-81C857CF5DAC}"/>
           </ac:spMkLst>
         </pc:spChg>
-        <pc:spChg chg="add del mod">
-          <ac:chgData name="Li, Hanchen F" userId="3aee791e-6a2d-4da7-a77b-fbdf7bf15886" providerId="ADAL" clId="{C9DE8794-599A-48A2-8DAC-3CEC81A1BCD4}" dt="2025-01-24T23:09:11.057" v="924" actId="478"/>
-          <ac:spMkLst>
-            <pc:docMk/>
-            <pc:sldMk cId="3020923075" sldId="256"/>
-            <ac:spMk id="12" creationId="{23A09CA9-57CC-FA46-5114-6C741AFF1F43}"/>
-          </ac:spMkLst>
-        </pc:spChg>
         <pc:spChg chg="add mod">
-          <ac:chgData name="Li, Hanchen F" userId="3aee791e-6a2d-4da7-a77b-fbdf7bf15886" providerId="ADAL" clId="{C9DE8794-599A-48A2-8DAC-3CEC81A1BCD4}" dt="2025-01-25T16:42:26.015" v="2827" actId="1076"/>
+          <ac:chgData name="Li, Hanchen F" userId="3aee791e-6a2d-4da7-a77b-fbdf7bf15886" providerId="ADAL" clId="{C9DE8794-599A-48A2-8DAC-3CEC81A1BCD4}" dt="2025-01-29T18:51:29.848" v="3210" actId="1076"/>
           <ac:spMkLst>
             <pc:docMk/>
             <pc:sldMk cId="3020923075" sldId="256"/>
             <ac:spMk id="12" creationId="{37ABE1EB-E887-4136-9FD8-DBDB3FA93A39}"/>
           </ac:spMkLst>
         </pc:spChg>
-        <pc:spChg chg="add del mod">
-          <ac:chgData name="Li, Hanchen F" userId="3aee791e-6a2d-4da7-a77b-fbdf7bf15886" providerId="ADAL" clId="{C9DE8794-599A-48A2-8DAC-3CEC81A1BCD4}" dt="2025-01-25T13:33:26.023" v="2418" actId="478"/>
-          <ac:spMkLst>
-            <pc:docMk/>
-            <pc:sldMk cId="3020923075" sldId="256"/>
-            <ac:spMk id="12" creationId="{6E666673-6FB0-6B2D-B1D5-C423F70EC27C}"/>
-          </ac:spMkLst>
-        </pc:spChg>
         <pc:spChg chg="add mod">
-          <ac:chgData name="Li, Hanchen F" userId="3aee791e-6a2d-4da7-a77b-fbdf7bf15886" providerId="ADAL" clId="{C9DE8794-599A-48A2-8DAC-3CEC81A1BCD4}" dt="2025-01-24T23:08:25.590" v="897" actId="20577"/>
+          <ac:chgData name="Li, Hanchen F" userId="3aee791e-6a2d-4da7-a77b-fbdf7bf15886" providerId="ADAL" clId="{C9DE8794-599A-48A2-8DAC-3CEC81A1BCD4}" dt="2025-01-29T18:49:08.098" v="3097" actId="1076"/>
           <ac:spMkLst>
             <pc:docMk/>
             <pc:sldMk cId="3020923075" sldId="256"/>
@@ -323,7 +227,7 @@
           </ac:spMkLst>
         </pc:spChg>
         <pc:spChg chg="add mod">
-          <ac:chgData name="Li, Hanchen F" userId="3aee791e-6a2d-4da7-a77b-fbdf7bf15886" providerId="ADAL" clId="{C9DE8794-599A-48A2-8DAC-3CEC81A1BCD4}" dt="2025-01-25T16:41:20.321" v="2813" actId="1076"/>
+          <ac:chgData name="Li, Hanchen F" userId="3aee791e-6a2d-4da7-a77b-fbdf7bf15886" providerId="ADAL" clId="{C9DE8794-599A-48A2-8DAC-3CEC81A1BCD4}" dt="2025-01-29T18:50:44.724" v="3175" actId="1076"/>
           <ac:spMkLst>
             <pc:docMk/>
             <pc:sldMk cId="3020923075" sldId="256"/>
@@ -331,7 +235,7 @@
           </ac:spMkLst>
         </pc:spChg>
         <pc:spChg chg="add mod ord">
-          <ac:chgData name="Li, Hanchen F" userId="3aee791e-6a2d-4da7-a77b-fbdf7bf15886" providerId="ADAL" clId="{C9DE8794-599A-48A2-8DAC-3CEC81A1BCD4}" dt="2025-01-25T16:18:30.386" v="2722" actId="1076"/>
+          <ac:chgData name="Li, Hanchen F" userId="3aee791e-6a2d-4da7-a77b-fbdf7bf15886" providerId="ADAL" clId="{C9DE8794-599A-48A2-8DAC-3CEC81A1BCD4}" dt="2025-01-29T18:47:34.911" v="3053" actId="1076"/>
           <ac:spMkLst>
             <pc:docMk/>
             <pc:sldMk cId="3020923075" sldId="256"/>
@@ -339,7 +243,7 @@
           </ac:spMkLst>
         </pc:spChg>
         <pc:spChg chg="add mod">
-          <ac:chgData name="Li, Hanchen F" userId="3aee791e-6a2d-4da7-a77b-fbdf7bf15886" providerId="ADAL" clId="{C9DE8794-599A-48A2-8DAC-3CEC81A1BCD4}" dt="2025-01-25T13:23:11.776" v="2237" actId="14861"/>
+          <ac:chgData name="Li, Hanchen F" userId="3aee791e-6a2d-4da7-a77b-fbdf7bf15886" providerId="ADAL" clId="{C9DE8794-599A-48A2-8DAC-3CEC81A1BCD4}" dt="2025-01-29T18:46:59.386" v="3029" actId="14861"/>
           <ac:spMkLst>
             <pc:docMk/>
             <pc:sldMk cId="3020923075" sldId="256"/>
@@ -347,23 +251,15 @@
           </ac:spMkLst>
         </pc:spChg>
         <pc:spChg chg="add mod">
-          <ac:chgData name="Li, Hanchen F" userId="3aee791e-6a2d-4da7-a77b-fbdf7bf15886" providerId="ADAL" clId="{C9DE8794-599A-48A2-8DAC-3CEC81A1BCD4}" dt="2025-01-25T13:37:50.662" v="2543" actId="1037"/>
+          <ac:chgData name="Li, Hanchen F" userId="3aee791e-6a2d-4da7-a77b-fbdf7bf15886" providerId="ADAL" clId="{C9DE8794-599A-48A2-8DAC-3CEC81A1BCD4}" dt="2025-01-29T18:48:10.655" v="3085" actId="1076"/>
           <ac:spMkLst>
             <pc:docMk/>
             <pc:sldMk cId="3020923075" sldId="256"/>
             <ac:spMk id="17" creationId="{145DD101-E9A7-464F-61E5-F531D0165833}"/>
           </ac:spMkLst>
         </pc:spChg>
-        <pc:spChg chg="add del mod">
-          <ac:chgData name="Li, Hanchen F" userId="3aee791e-6a2d-4da7-a77b-fbdf7bf15886" providerId="ADAL" clId="{C9DE8794-599A-48A2-8DAC-3CEC81A1BCD4}" dt="2025-01-25T13:25:28.053" v="2349" actId="478"/>
-          <ac:spMkLst>
-            <pc:docMk/>
-            <pc:sldMk cId="3020923075" sldId="256"/>
-            <ac:spMk id="18" creationId="{1F886CD0-38F7-CC38-37B3-48CB7CE4F726}"/>
-          </ac:spMkLst>
-        </pc:spChg>
         <pc:spChg chg="add mod">
-          <ac:chgData name="Li, Hanchen F" userId="3aee791e-6a2d-4da7-a77b-fbdf7bf15886" providerId="ADAL" clId="{C9DE8794-599A-48A2-8DAC-3CEC81A1BCD4}" dt="2025-01-25T13:34:27.166" v="2453" actId="404"/>
+          <ac:chgData name="Li, Hanchen F" userId="3aee791e-6a2d-4da7-a77b-fbdf7bf15886" providerId="ADAL" clId="{C9DE8794-599A-48A2-8DAC-3CEC81A1BCD4}" dt="2025-01-29T18:45:08.985" v="2992" actId="403"/>
           <ac:spMkLst>
             <pc:docMk/>
             <pc:sldMk cId="3020923075" sldId="256"/>
@@ -371,15 +267,7 @@
           </ac:spMkLst>
         </pc:spChg>
         <pc:spChg chg="add mod">
-          <ac:chgData name="Li, Hanchen F" userId="3aee791e-6a2d-4da7-a77b-fbdf7bf15886" providerId="ADAL" clId="{C9DE8794-599A-48A2-8DAC-3CEC81A1BCD4}" dt="2025-01-24T23:11:46.699" v="1453"/>
-          <ac:spMkLst>
-            <pc:docMk/>
-            <pc:sldMk cId="3020923075" sldId="256"/>
-            <ac:spMk id="20" creationId="{6A36B031-E5F7-0B66-6F55-ACF1159C9AAB}"/>
-          </ac:spMkLst>
-        </pc:spChg>
-        <pc:spChg chg="add mod">
-          <ac:chgData name="Li, Hanchen F" userId="3aee791e-6a2d-4da7-a77b-fbdf7bf15886" providerId="ADAL" clId="{C9DE8794-599A-48A2-8DAC-3CEC81A1BCD4}" dt="2025-01-25T13:35:53.764" v="2481"/>
+          <ac:chgData name="Li, Hanchen F" userId="3aee791e-6a2d-4da7-a77b-fbdf7bf15886" providerId="ADAL" clId="{C9DE8794-599A-48A2-8DAC-3CEC81A1BCD4}" dt="2025-01-29T18:45:18.602" v="2995" actId="1076"/>
           <ac:spMkLst>
             <pc:docMk/>
             <pc:sldMk cId="3020923075" sldId="256"/>
@@ -387,7 +275,7 @@
           </ac:spMkLst>
         </pc:spChg>
         <pc:spChg chg="add mod">
-          <ac:chgData name="Li, Hanchen F" userId="3aee791e-6a2d-4da7-a77b-fbdf7bf15886" providerId="ADAL" clId="{C9DE8794-599A-48A2-8DAC-3CEC81A1BCD4}" dt="2025-01-25T13:36:16.487" v="2489" actId="207"/>
+          <ac:chgData name="Li, Hanchen F" userId="3aee791e-6a2d-4da7-a77b-fbdf7bf15886" providerId="ADAL" clId="{C9DE8794-599A-48A2-8DAC-3CEC81A1BCD4}" dt="2025-01-29T18:45:23.705" v="2996" actId="1076"/>
           <ac:spMkLst>
             <pc:docMk/>
             <pc:sldMk cId="3020923075" sldId="256"/>
@@ -395,47 +283,15 @@
           </ac:spMkLst>
         </pc:spChg>
         <pc:spChg chg="add mod">
-          <ac:chgData name="Li, Hanchen F" userId="3aee791e-6a2d-4da7-a77b-fbdf7bf15886" providerId="ADAL" clId="{C9DE8794-599A-48A2-8DAC-3CEC81A1BCD4}" dt="2025-01-24T23:11:49.438" v="1454"/>
+          <ac:chgData name="Li, Hanchen F" userId="3aee791e-6a2d-4da7-a77b-fbdf7bf15886" providerId="ADAL" clId="{C9DE8794-599A-48A2-8DAC-3CEC81A1BCD4}" dt="2025-01-29T18:42:35.116" v="2978" actId="571"/>
           <ac:spMkLst>
             <pc:docMk/>
             <pc:sldMk cId="3020923075" sldId="256"/>
-            <ac:spMk id="22" creationId="{D0CDBB8E-6162-BD4B-3A41-3B35670F9109}"/>
-          </ac:spMkLst>
-        </pc:spChg>
-        <pc:spChg chg="add del mod">
-          <ac:chgData name="Li, Hanchen F" userId="3aee791e-6a2d-4da7-a77b-fbdf7bf15886" providerId="ADAL" clId="{C9DE8794-599A-48A2-8DAC-3CEC81A1BCD4}" dt="2025-01-25T13:25:08.012" v="2273" actId="478"/>
-          <ac:spMkLst>
-            <pc:docMk/>
-            <pc:sldMk cId="3020923075" sldId="256"/>
-            <ac:spMk id="23" creationId="{72096AA8-2AB7-17E0-A038-EDACD1D7DDDA}"/>
-          </ac:spMkLst>
-        </pc:spChg>
-        <pc:spChg chg="add del mod">
-          <ac:chgData name="Li, Hanchen F" userId="3aee791e-6a2d-4da7-a77b-fbdf7bf15886" providerId="ADAL" clId="{C9DE8794-599A-48A2-8DAC-3CEC81A1BCD4}" dt="2025-01-25T13:26:31.348" v="2373" actId="478"/>
-          <ac:spMkLst>
-            <pc:docMk/>
-            <pc:sldMk cId="3020923075" sldId="256"/>
-            <ac:spMk id="24" creationId="{0DA9D31C-8FC2-FE73-9156-EDBFB9A4A6AD}"/>
-          </ac:spMkLst>
-        </pc:spChg>
-        <pc:spChg chg="add del mod">
-          <ac:chgData name="Li, Hanchen F" userId="3aee791e-6a2d-4da7-a77b-fbdf7bf15886" providerId="ADAL" clId="{C9DE8794-599A-48A2-8DAC-3CEC81A1BCD4}" dt="2025-01-25T13:26:27.876" v="2370" actId="478"/>
-          <ac:spMkLst>
-            <pc:docMk/>
-            <pc:sldMk cId="3020923075" sldId="256"/>
-            <ac:spMk id="25" creationId="{BCB96291-CD61-0DA3-409B-6B24AF7187D6}"/>
-          </ac:spMkLst>
-        </pc:spChg>
-        <pc:spChg chg="add del mod">
-          <ac:chgData name="Li, Hanchen F" userId="3aee791e-6a2d-4da7-a77b-fbdf7bf15886" providerId="ADAL" clId="{C9DE8794-599A-48A2-8DAC-3CEC81A1BCD4}" dt="2025-01-25T13:26:26.619" v="2369" actId="478"/>
-          <ac:spMkLst>
-            <pc:docMk/>
-            <pc:sldMk cId="3020923075" sldId="256"/>
-            <ac:spMk id="26" creationId="{C4226847-8F06-2A8A-A3EC-ED65479CE330}"/>
+            <ac:spMk id="22" creationId="{79DEBD6C-A9B1-51C9-839A-CBC1E6655FDD}"/>
           </ac:spMkLst>
         </pc:spChg>
         <pc:spChg chg="add mod">
-          <ac:chgData name="Li, Hanchen F" userId="3aee791e-6a2d-4da7-a77b-fbdf7bf15886" providerId="ADAL" clId="{C9DE8794-599A-48A2-8DAC-3CEC81A1BCD4}" dt="2025-01-25T13:27:41.067" v="2394" actId="1076"/>
+          <ac:chgData name="Li, Hanchen F" userId="3aee791e-6a2d-4da7-a77b-fbdf7bf15886" providerId="ADAL" clId="{C9DE8794-599A-48A2-8DAC-3CEC81A1BCD4}" dt="2025-01-29T18:52:04.573" v="3214" actId="1076"/>
           <ac:spMkLst>
             <pc:docMk/>
             <pc:sldMk cId="3020923075" sldId="256"/>
@@ -443,7 +299,7 @@
           </ac:spMkLst>
         </pc:spChg>
         <pc:spChg chg="add mod">
-          <ac:chgData name="Li, Hanchen F" userId="3aee791e-6a2d-4da7-a77b-fbdf7bf15886" providerId="ADAL" clId="{C9DE8794-599A-48A2-8DAC-3CEC81A1BCD4}" dt="2025-01-25T16:39:10.787" v="2731" actId="114"/>
+          <ac:chgData name="Li, Hanchen F" userId="3aee791e-6a2d-4da7-a77b-fbdf7bf15886" providerId="ADAL" clId="{C9DE8794-599A-48A2-8DAC-3CEC81A1BCD4}" dt="2025-01-29T21:28:25.726" v="3218" actId="1076"/>
           <ac:spMkLst>
             <pc:docMk/>
             <pc:sldMk cId="3020923075" sldId="256"/>
@@ -451,7 +307,7 @@
           </ac:spMkLst>
         </pc:spChg>
         <pc:spChg chg="add mod">
-          <ac:chgData name="Li, Hanchen F" userId="3aee791e-6a2d-4da7-a77b-fbdf7bf15886" providerId="ADAL" clId="{C9DE8794-599A-48A2-8DAC-3CEC81A1BCD4}" dt="2025-01-25T16:42:22.799" v="2825" actId="1076"/>
+          <ac:chgData name="Li, Hanchen F" userId="3aee791e-6a2d-4da7-a77b-fbdf7bf15886" providerId="ADAL" clId="{C9DE8794-599A-48A2-8DAC-3CEC81A1BCD4}" dt="2025-01-29T18:51:12.158" v="3178" actId="1076"/>
           <ac:spMkLst>
             <pc:docMk/>
             <pc:sldMk cId="3020923075" sldId="256"/>
@@ -459,7 +315,7 @@
           </ac:spMkLst>
         </pc:spChg>
         <pc:spChg chg="add mod">
-          <ac:chgData name="Li, Hanchen F" userId="3aee791e-6a2d-4da7-a77b-fbdf7bf15886" providerId="ADAL" clId="{C9DE8794-599A-48A2-8DAC-3CEC81A1BCD4}" dt="2025-01-24T23:15:22.495" v="1551" actId="1076"/>
+          <ac:chgData name="Li, Hanchen F" userId="3aee791e-6a2d-4da7-a77b-fbdf7bf15886" providerId="ADAL" clId="{C9DE8794-599A-48A2-8DAC-3CEC81A1BCD4}" dt="2025-01-29T18:46:21.980" v="3009" actId="1076"/>
           <ac:spMkLst>
             <pc:docMk/>
             <pc:sldMk cId="3020923075" sldId="256"/>
@@ -467,7 +323,7 @@
           </ac:spMkLst>
         </pc:spChg>
         <pc:spChg chg="add mod">
-          <ac:chgData name="Li, Hanchen F" userId="3aee791e-6a2d-4da7-a77b-fbdf7bf15886" providerId="ADAL" clId="{C9DE8794-599A-48A2-8DAC-3CEC81A1BCD4}" dt="2025-01-24T23:16:40.431" v="1563" actId="1076"/>
+          <ac:chgData name="Li, Hanchen F" userId="3aee791e-6a2d-4da7-a77b-fbdf7bf15886" providerId="ADAL" clId="{C9DE8794-599A-48A2-8DAC-3CEC81A1BCD4}" dt="2025-01-29T18:48:59.904" v="3096" actId="1076"/>
           <ac:spMkLst>
             <pc:docMk/>
             <pc:sldMk cId="3020923075" sldId="256"/>
@@ -475,7 +331,7 @@
           </ac:spMkLst>
         </pc:spChg>
         <pc:spChg chg="add del mod">
-          <ac:chgData name="Li, Hanchen F" userId="3aee791e-6a2d-4da7-a77b-fbdf7bf15886" providerId="ADAL" clId="{C9DE8794-599A-48A2-8DAC-3CEC81A1BCD4}" dt="2025-01-25T13:38:12.247" v="2586" actId="14861"/>
+          <ac:chgData name="Li, Hanchen F" userId="3aee791e-6a2d-4da7-a77b-fbdf7bf15886" providerId="ADAL" clId="{C9DE8794-599A-48A2-8DAC-3CEC81A1BCD4}" dt="2025-01-29T18:51:45.613" v="3212" actId="1076"/>
           <ac:spMkLst>
             <pc:docMk/>
             <pc:sldMk cId="3020923075" sldId="256"/>
@@ -483,7 +339,7 @@
           </ac:spMkLst>
         </pc:spChg>
         <pc:spChg chg="add mod">
-          <ac:chgData name="Li, Hanchen F" userId="3aee791e-6a2d-4da7-a77b-fbdf7bf15886" providerId="ADAL" clId="{C9DE8794-599A-48A2-8DAC-3CEC81A1BCD4}" dt="2025-01-25T13:39:13.533" v="2664" actId="1076"/>
+          <ac:chgData name="Li, Hanchen F" userId="3aee791e-6a2d-4da7-a77b-fbdf7bf15886" providerId="ADAL" clId="{C9DE8794-599A-48A2-8DAC-3CEC81A1BCD4}" dt="2025-01-29T18:51:06.368" v="3176" actId="1076"/>
           <ac:spMkLst>
             <pc:docMk/>
             <pc:sldMk cId="3020923075" sldId="256"/>
@@ -491,55 +347,39 @@
           </ac:spMkLst>
         </pc:spChg>
         <pc:spChg chg="add mod">
-          <ac:chgData name="Li, Hanchen F" userId="3aee791e-6a2d-4da7-a77b-fbdf7bf15886" providerId="ADAL" clId="{C9DE8794-599A-48A2-8DAC-3CEC81A1BCD4}" dt="2025-01-25T13:38:29.584" v="2613" actId="14861"/>
+          <ac:chgData name="Li, Hanchen F" userId="3aee791e-6a2d-4da7-a77b-fbdf7bf15886" providerId="ADAL" clId="{C9DE8794-599A-48A2-8DAC-3CEC81A1BCD4}" dt="2025-01-29T18:45:41.556" v="3002" actId="1076"/>
           <ac:spMkLst>
             <pc:docMk/>
             <pc:sldMk cId="3020923075" sldId="256"/>
             <ac:spMk id="58" creationId="{1523449D-72D2-9EAF-52F3-A8F8F8667977}"/>
           </ac:spMkLst>
         </pc:spChg>
-        <pc:spChg chg="add del mod">
-          <ac:chgData name="Li, Hanchen F" userId="3aee791e-6a2d-4da7-a77b-fbdf7bf15886" providerId="ADAL" clId="{C9DE8794-599A-48A2-8DAC-3CEC81A1BCD4}" dt="2025-01-24T23:28:34.490" v="1959" actId="478"/>
-          <ac:spMkLst>
-            <pc:docMk/>
-            <pc:sldMk cId="3020923075" sldId="256"/>
-            <ac:spMk id="59" creationId="{F0FD88C6-B640-9339-8BBB-4782331347F6}"/>
-          </ac:spMkLst>
-        </pc:spChg>
         <pc:spChg chg="add mod">
-          <ac:chgData name="Li, Hanchen F" userId="3aee791e-6a2d-4da7-a77b-fbdf7bf15886" providerId="ADAL" clId="{C9DE8794-599A-48A2-8DAC-3CEC81A1BCD4}" dt="2025-01-25T16:39:16.817" v="2732" actId="114"/>
+          <ac:chgData name="Li, Hanchen F" userId="3aee791e-6a2d-4da7-a77b-fbdf7bf15886" providerId="ADAL" clId="{C9DE8794-599A-48A2-8DAC-3CEC81A1BCD4}" dt="2025-01-29T18:45:46.785" v="3003" actId="1076"/>
           <ac:spMkLst>
             <pc:docMk/>
             <pc:sldMk cId="3020923075" sldId="256"/>
             <ac:spMk id="60" creationId="{01C5EC58-269F-88A8-16C3-413B68A74ABF}"/>
           </ac:spMkLst>
         </pc:spChg>
-        <pc:picChg chg="add del mod ord">
-          <ac:chgData name="Li, Hanchen F" userId="3aee791e-6a2d-4da7-a77b-fbdf7bf15886" providerId="ADAL" clId="{C9DE8794-599A-48A2-8DAC-3CEC81A1BCD4}" dt="2025-01-25T16:44:11.124" v="2831" actId="14826"/>
+        <pc:picChg chg="add del mod ord modCrop">
+          <ac:chgData name="Li, Hanchen F" userId="3aee791e-6a2d-4da7-a77b-fbdf7bf15886" providerId="ADAL" clId="{C9DE8794-599A-48A2-8DAC-3CEC81A1BCD4}" dt="2025-01-29T18:44:33.826" v="2985" actId="478"/>
           <ac:picMkLst>
             <pc:docMk/>
             <pc:sldMk cId="3020923075" sldId="256"/>
             <ac:picMk id="5" creationId="{CD001FED-6B7F-33FF-2C98-BE858642F915}"/>
           </ac:picMkLst>
         </pc:picChg>
-        <pc:picChg chg="add mod">
-          <ac:chgData name="Li, Hanchen F" userId="3aee791e-6a2d-4da7-a77b-fbdf7bf15886" providerId="ADAL" clId="{C9DE8794-599A-48A2-8DAC-3CEC81A1BCD4}" dt="2025-01-24T23:11:46.699" v="1453"/>
+        <pc:picChg chg="add mod ord">
+          <ac:chgData name="Li, Hanchen F" userId="3aee791e-6a2d-4da7-a77b-fbdf7bf15886" providerId="ADAL" clId="{C9DE8794-599A-48A2-8DAC-3CEC81A1BCD4}" dt="2025-01-29T21:28:21.073" v="3217" actId="14826"/>
           <ac:picMkLst>
             <pc:docMk/>
             <pc:sldMk cId="3020923075" sldId="256"/>
-            <ac:picMk id="19" creationId="{568044E9-0517-CDC0-4342-EBD7DDFE9B9C}"/>
-          </ac:picMkLst>
-        </pc:picChg>
-        <pc:picChg chg="add mod">
-          <ac:chgData name="Li, Hanchen F" userId="3aee791e-6a2d-4da7-a77b-fbdf7bf15886" providerId="ADAL" clId="{C9DE8794-599A-48A2-8DAC-3CEC81A1BCD4}" dt="2025-01-24T23:11:49.438" v="1454"/>
-          <ac:picMkLst>
-            <pc:docMk/>
-            <pc:sldMk cId="3020923075" sldId="256"/>
-            <ac:picMk id="21" creationId="{5BD2377C-23C1-4AC2-290D-50F4820AAE57}"/>
+            <ac:picMk id="24" creationId="{35E115C4-8212-117F-E940-1A51702F0168}"/>
           </ac:picMkLst>
         </pc:picChg>
         <pc:cxnChg chg="add mod">
-          <ac:chgData name="Li, Hanchen F" userId="3aee791e-6a2d-4da7-a77b-fbdf7bf15886" providerId="ADAL" clId="{C9DE8794-599A-48A2-8DAC-3CEC81A1BCD4}" dt="2025-01-25T16:42:26.015" v="2827" actId="1076"/>
+          <ac:chgData name="Li, Hanchen F" userId="3aee791e-6a2d-4da7-a77b-fbdf7bf15886" providerId="ADAL" clId="{C9DE8794-599A-48A2-8DAC-3CEC81A1BCD4}" dt="2025-01-29T18:51:31.738" v="3211" actId="14100"/>
           <ac:cxnSpMkLst>
             <pc:docMk/>
             <pc:sldMk cId="3020923075" sldId="256"/>
@@ -547,7 +387,7 @@
           </ac:cxnSpMkLst>
         </pc:cxnChg>
         <pc:cxnChg chg="add mod">
-          <ac:chgData name="Li, Hanchen F" userId="3aee791e-6a2d-4da7-a77b-fbdf7bf15886" providerId="ADAL" clId="{C9DE8794-599A-48A2-8DAC-3CEC81A1BCD4}" dt="2025-01-24T23:16:35.958" v="1562" actId="14100"/>
+          <ac:chgData name="Li, Hanchen F" userId="3aee791e-6a2d-4da7-a77b-fbdf7bf15886" providerId="ADAL" clId="{C9DE8794-599A-48A2-8DAC-3CEC81A1BCD4}" dt="2025-01-29T18:46:23.958" v="3010" actId="14100"/>
           <ac:cxnSpMkLst>
             <pc:docMk/>
             <pc:sldMk cId="3020923075" sldId="256"/>
@@ -555,7 +395,7 @@
           </ac:cxnSpMkLst>
         </pc:cxnChg>
         <pc:cxnChg chg="add mod">
-          <ac:chgData name="Li, Hanchen F" userId="3aee791e-6a2d-4da7-a77b-fbdf7bf15886" providerId="ADAL" clId="{C9DE8794-599A-48A2-8DAC-3CEC81A1BCD4}" dt="2025-01-25T16:42:22.799" v="2825" actId="1076"/>
+          <ac:chgData name="Li, Hanchen F" userId="3aee791e-6a2d-4da7-a77b-fbdf7bf15886" providerId="ADAL" clId="{C9DE8794-599A-48A2-8DAC-3CEC81A1BCD4}" dt="2025-01-29T18:51:12.158" v="3178" actId="1076"/>
           <ac:cxnSpMkLst>
             <pc:docMk/>
             <pc:sldMk cId="3020923075" sldId="256"/>
@@ -563,35 +403,11 @@
           </ac:cxnSpMkLst>
         </pc:cxnChg>
         <pc:cxnChg chg="add mod ord">
-          <ac:chgData name="Li, Hanchen F" userId="3aee791e-6a2d-4da7-a77b-fbdf7bf15886" providerId="ADAL" clId="{C9DE8794-599A-48A2-8DAC-3CEC81A1BCD4}" dt="2025-01-25T16:18:10.088" v="2717" actId="1076"/>
+          <ac:chgData name="Li, Hanchen F" userId="3aee791e-6a2d-4da7-a77b-fbdf7bf15886" providerId="ADAL" clId="{C9DE8794-599A-48A2-8DAC-3CEC81A1BCD4}" dt="2025-01-29T18:46:27.862" v="3011" actId="1076"/>
           <ac:cxnSpMkLst>
             <pc:docMk/>
             <pc:sldMk cId="3020923075" sldId="256"/>
             <ac:cxnSpMk id="38" creationId="{49F6A00E-618B-CD3A-8880-81B760DCEA3F}"/>
-          </ac:cxnSpMkLst>
-        </pc:cxnChg>
-        <pc:cxnChg chg="add del mod">
-          <ac:chgData name="Li, Hanchen F" userId="3aee791e-6a2d-4da7-a77b-fbdf7bf15886" providerId="ADAL" clId="{C9DE8794-599A-48A2-8DAC-3CEC81A1BCD4}" dt="2025-01-24T23:17:16.882" v="1569" actId="478"/>
-          <ac:cxnSpMkLst>
-            <pc:docMk/>
-            <pc:sldMk cId="3020923075" sldId="256"/>
-            <ac:cxnSpMk id="45" creationId="{F8C8E511-3DF5-BA8F-09FC-FEE4FE340779}"/>
-          </ac:cxnSpMkLst>
-        </pc:cxnChg>
-        <pc:cxnChg chg="add del mod">
-          <ac:chgData name="Li, Hanchen F" userId="3aee791e-6a2d-4da7-a77b-fbdf7bf15886" providerId="ADAL" clId="{C9DE8794-599A-48A2-8DAC-3CEC81A1BCD4}" dt="2025-01-24T23:18:19.435" v="1625" actId="478"/>
-          <ac:cxnSpMkLst>
-            <pc:docMk/>
-            <pc:sldMk cId="3020923075" sldId="256"/>
-            <ac:cxnSpMk id="49" creationId="{F15D5814-7859-30A4-4E16-8D92F299D867}"/>
-          </ac:cxnSpMkLst>
-        </pc:cxnChg>
-        <pc:cxnChg chg="add del mod">
-          <ac:chgData name="Li, Hanchen F" userId="3aee791e-6a2d-4da7-a77b-fbdf7bf15886" providerId="ADAL" clId="{C9DE8794-599A-48A2-8DAC-3CEC81A1BCD4}" dt="2025-01-24T23:18:33.779" v="1632" actId="478"/>
-          <ac:cxnSpMkLst>
-            <pc:docMk/>
-            <pc:sldMk cId="3020923075" sldId="256"/>
-            <ac:cxnSpMk id="53" creationId="{F307FD41-8A83-05E6-85A5-59EB11E0E185}"/>
           </ac:cxnSpMkLst>
         </pc:cxnChg>
       </pc:sldChg>
@@ -682,7 +498,7 @@
           <a:p>
             <a:fld id="{8FB9B03E-5389-4B9C-999D-D8E7B42DF894}" type="datetimeFigureOut">
               <a:rPr lang="zh-CN" altLang="en-US" smtClean="0"/>
-              <a:t>2025/1/25</a:t>
+              <a:t>2025/1/29</a:t>
             </a:fld>
             <a:endParaRPr lang="zh-CN" altLang="en-US"/>
           </a:p>
@@ -1180,7 +996,7 @@
           <a:p>
             <a:fld id="{F4112B75-22D4-4FE2-8E25-D0C9CB4A8A6E}" type="datetimeFigureOut">
               <a:rPr lang="zh-CN" altLang="en-US" smtClean="0"/>
-              <a:t>2025/1/25</a:t>
+              <a:t>2025/1/29</a:t>
             </a:fld>
             <a:endParaRPr lang="zh-CN" altLang="en-US"/>
           </a:p>
@@ -1378,7 +1194,7 @@
           <a:p>
             <a:fld id="{F4112B75-22D4-4FE2-8E25-D0C9CB4A8A6E}" type="datetimeFigureOut">
               <a:rPr lang="zh-CN" altLang="en-US" smtClean="0"/>
-              <a:t>2025/1/25</a:t>
+              <a:t>2025/1/29</a:t>
             </a:fld>
             <a:endParaRPr lang="zh-CN" altLang="en-US"/>
           </a:p>
@@ -1586,7 +1402,7 @@
           <a:p>
             <a:fld id="{F4112B75-22D4-4FE2-8E25-D0C9CB4A8A6E}" type="datetimeFigureOut">
               <a:rPr lang="zh-CN" altLang="en-US" smtClean="0"/>
-              <a:t>2025/1/25</a:t>
+              <a:t>2025/1/29</a:t>
             </a:fld>
             <a:endParaRPr lang="zh-CN" altLang="en-US"/>
           </a:p>
@@ -1784,7 +1600,7 @@
           <a:p>
             <a:fld id="{F4112B75-22D4-4FE2-8E25-D0C9CB4A8A6E}" type="datetimeFigureOut">
               <a:rPr lang="zh-CN" altLang="en-US" smtClean="0"/>
-              <a:t>2025/1/25</a:t>
+              <a:t>2025/1/29</a:t>
             </a:fld>
             <a:endParaRPr lang="zh-CN" altLang="en-US"/>
           </a:p>
@@ -2059,7 +1875,7 @@
           <a:p>
             <a:fld id="{F4112B75-22D4-4FE2-8E25-D0C9CB4A8A6E}" type="datetimeFigureOut">
               <a:rPr lang="zh-CN" altLang="en-US" smtClean="0"/>
-              <a:t>2025/1/25</a:t>
+              <a:t>2025/1/29</a:t>
             </a:fld>
             <a:endParaRPr lang="zh-CN" altLang="en-US"/>
           </a:p>
@@ -2324,7 +2140,7 @@
           <a:p>
             <a:fld id="{F4112B75-22D4-4FE2-8E25-D0C9CB4A8A6E}" type="datetimeFigureOut">
               <a:rPr lang="zh-CN" altLang="en-US" smtClean="0"/>
-              <a:t>2025/1/25</a:t>
+              <a:t>2025/1/29</a:t>
             </a:fld>
             <a:endParaRPr lang="zh-CN" altLang="en-US"/>
           </a:p>
@@ -2736,7 +2552,7 @@
           <a:p>
             <a:fld id="{F4112B75-22D4-4FE2-8E25-D0C9CB4A8A6E}" type="datetimeFigureOut">
               <a:rPr lang="zh-CN" altLang="en-US" smtClean="0"/>
-              <a:t>2025/1/25</a:t>
+              <a:t>2025/1/29</a:t>
             </a:fld>
             <a:endParaRPr lang="zh-CN" altLang="en-US"/>
           </a:p>
@@ -2877,7 +2693,7 @@
           <a:p>
             <a:fld id="{F4112B75-22D4-4FE2-8E25-D0C9CB4A8A6E}" type="datetimeFigureOut">
               <a:rPr lang="zh-CN" altLang="en-US" smtClean="0"/>
-              <a:t>2025/1/25</a:t>
+              <a:t>2025/1/29</a:t>
             </a:fld>
             <a:endParaRPr lang="zh-CN" altLang="en-US"/>
           </a:p>
@@ -2990,7 +2806,7 @@
           <a:p>
             <a:fld id="{F4112B75-22D4-4FE2-8E25-D0C9CB4A8A6E}" type="datetimeFigureOut">
               <a:rPr lang="zh-CN" altLang="en-US" smtClean="0"/>
-              <a:t>2025/1/25</a:t>
+              <a:t>2025/1/29</a:t>
             </a:fld>
             <a:endParaRPr lang="zh-CN" altLang="en-US"/>
           </a:p>
@@ -3301,7 +3117,7 @@
           <a:p>
             <a:fld id="{F4112B75-22D4-4FE2-8E25-D0C9CB4A8A6E}" type="datetimeFigureOut">
               <a:rPr lang="zh-CN" altLang="en-US" smtClean="0"/>
-              <a:t>2025/1/25</a:t>
+              <a:t>2025/1/29</a:t>
             </a:fld>
             <a:endParaRPr lang="zh-CN" altLang="en-US"/>
           </a:p>
@@ -3589,7 +3405,7 @@
           <a:p>
             <a:fld id="{F4112B75-22D4-4FE2-8E25-D0C9CB4A8A6E}" type="datetimeFigureOut">
               <a:rPr lang="zh-CN" altLang="en-US" smtClean="0"/>
-              <a:t>2025/1/25</a:t>
+              <a:t>2025/1/29</a:t>
             </a:fld>
             <a:endParaRPr lang="zh-CN" altLang="en-US"/>
           </a:p>
@@ -3830,7 +3646,7 @@
           <a:p>
             <a:fld id="{F4112B75-22D4-4FE2-8E25-D0C9CB4A8A6E}" type="datetimeFigureOut">
               <a:rPr lang="zh-CN" altLang="en-US" smtClean="0"/>
-              <a:t>2025/1/25</a:t>
+              <a:t>2025/1/29</a:t>
             </a:fld>
             <a:endParaRPr lang="zh-CN" altLang="en-US"/>
           </a:p>
@@ -4249,10 +4065,10 @@
       </p:grpSpPr>
       <p:pic>
         <p:nvPicPr>
-          <p:cNvPr id="5" name="图片 4">
+          <p:cNvPr id="24" name="图片 23">
             <a:extLst>
               <a:ext uri="{FF2B5EF4-FFF2-40B4-BE49-F238E27FC236}">
-                <a16:creationId xmlns:a16="http://schemas.microsoft.com/office/drawing/2014/main" id="{CD001FED-6B7F-33FF-2C98-BE858642F915}"/>
+                <a16:creationId xmlns:a16="http://schemas.microsoft.com/office/drawing/2014/main" id="{35E115C4-8212-117F-E940-1A51702F0168}"/>
               </a:ext>
             </a:extLst>
           </p:cNvPr>
@@ -4274,8 +4090,8 @@
         </p:blipFill>
         <p:spPr>
           <a:xfrm>
-            <a:off x="3" y="382950"/>
-            <a:ext cx="12191993" cy="6092097"/>
+            <a:off x="0" y="626790"/>
+            <a:ext cx="12192000" cy="5604418"/>
           </a:xfrm>
           <a:prstGeom prst="rect">
             <a:avLst/>
@@ -4298,17 +4114,17 @@
             </p:nvSpPr>
             <p:spPr>
               <a:xfrm>
-                <a:off x="7123365" y="1790377"/>
+                <a:off x="7705247" y="2136235"/>
                 <a:ext cx="472757" cy="369332"/>
               </a:xfrm>
               <a:prstGeom prst="rect">
                 <a:avLst/>
               </a:prstGeom>
-              <a:noFill/>
+              <a:solidFill>
+                <a:schemeClr val="bg1"/>
+              </a:solidFill>
               <a:effectLst>
-                <a:outerShdw blurRad="88900" sx="107000" sy="107000" algn="ctr" rotWithShape="0">
-                  <a:prstClr val="black"/>
-                </a:outerShdw>
+                <a:softEdge rad="76200"/>
               </a:effectLst>
             </p:spPr>
             <p:txBody>
@@ -4407,7 +4223,7 @@
             </p:nvSpPr>
             <p:spPr>
               <a:xfrm>
-                <a:off x="7123365" y="1790377"/>
+                <a:off x="7705247" y="2136235"/>
                 <a:ext cx="472757" cy="369332"/>
               </a:xfrm>
               <a:prstGeom prst="rect">
@@ -4416,13 +4232,11 @@
               <a:blipFill>
                 <a:blip r:embed="rId4"/>
                 <a:stretch>
-                  <a:fillRect/>
+                  <a:fillRect l="-5128" b="-14754"/>
                 </a:stretch>
               </a:blipFill>
               <a:effectLst>
-                <a:outerShdw blurRad="88900" sx="107000" sy="107000" algn="ctr" rotWithShape="0">
-                  <a:prstClr val="black"/>
-                </a:outerShdw>
+                <a:softEdge rad="76200"/>
               </a:effectLst>
             </p:spPr>
             <p:txBody>
@@ -4456,7 +4270,7 @@
             </p:nvSpPr>
             <p:spPr>
               <a:xfrm>
-                <a:off x="7666058" y="1790377"/>
+                <a:off x="8147751" y="2146457"/>
                 <a:ext cx="480324" cy="369332"/>
               </a:xfrm>
               <a:prstGeom prst="rect">
@@ -4560,7 +4374,7 @@
             </p:nvSpPr>
             <p:spPr>
               <a:xfrm>
-                <a:off x="7666058" y="1790377"/>
+                <a:off x="8147751" y="2146457"/>
                 <a:ext cx="480324" cy="369332"/>
               </a:xfrm>
               <a:prstGeom prst="rect">
@@ -4569,7 +4383,7 @@
               <a:blipFill>
                 <a:blip r:embed="rId5"/>
                 <a:stretch>
-                  <a:fillRect l="-5128" b="-16667"/>
+                  <a:fillRect l="-5128" b="-14754"/>
                 </a:stretch>
               </a:blipFill>
             </p:spPr>
@@ -4588,8 +4402,8 @@
           </p:sp>
         </mc:Fallback>
       </mc:AlternateContent>
-      <mc:AlternateContent xmlns:mc="http://schemas.openxmlformats.org/markup-compatibility/2006">
-        <mc:Choice xmlns:a14="http://schemas.microsoft.com/office/drawing/2010/main" Requires="a14">
+      <mc:AlternateContent xmlns:mc="http://schemas.openxmlformats.org/markup-compatibility/2006" xmlns:a14="http://schemas.microsoft.com/office/drawing/2010/main">
+        <mc:Choice Requires="a14">
           <p:sp>
             <p:nvSpPr>
               <p:cNvPr id="14" name="文本框 13">
@@ -4604,17 +4418,17 @@
             </p:nvSpPr>
             <p:spPr>
               <a:xfrm>
-                <a:off x="9229504" y="1787992"/>
+                <a:off x="9474734" y="2146457"/>
                 <a:ext cx="494687" cy="369332"/>
               </a:xfrm>
               <a:prstGeom prst="rect">
                 <a:avLst/>
               </a:prstGeom>
-              <a:noFill/>
+              <a:solidFill>
+                <a:schemeClr val="bg1"/>
+              </a:solidFill>
               <a:effectLst>
-                <a:outerShdw blurRad="88900" sx="107000" sy="107000" algn="ctr" rotWithShape="0">
-                  <a:prstClr val="black"/>
-                </a:outerShdw>
+                <a:softEdge rad="165100"/>
               </a:effectLst>
             </p:spPr>
             <p:txBody>
@@ -4696,7 +4510,7 @@
             </p:txBody>
           </p:sp>
         </mc:Choice>
-        <mc:Fallback>
+        <mc:Fallback xmlns="">
           <p:sp>
             <p:nvSpPr>
               <p:cNvPr id="14" name="文本框 13">
@@ -4713,7 +4527,7 @@
             </p:nvSpPr>
             <p:spPr>
               <a:xfrm>
-                <a:off x="9229504" y="1787992"/>
+                <a:off x="9474734" y="2146457"/>
                 <a:ext cx="494687" cy="369332"/>
               </a:xfrm>
               <a:prstGeom prst="rect">
@@ -4722,13 +4536,11 @@
               <a:blipFill>
                 <a:blip r:embed="rId6"/>
                 <a:stretch>
-                  <a:fillRect/>
+                  <a:fillRect l="-4938" b="-14754"/>
                 </a:stretch>
               </a:blipFill>
               <a:effectLst>
-                <a:outerShdw blurRad="88900" sx="107000" sy="107000" algn="ctr" rotWithShape="0">
-                  <a:prstClr val="black"/>
-                </a:outerShdw>
+                <a:softEdge rad="165100"/>
               </a:effectLst>
             </p:spPr>
             <p:txBody>
@@ -4762,7 +4574,7 @@
             </p:nvSpPr>
             <p:spPr>
               <a:xfrm>
-                <a:off x="6289634" y="2499130"/>
+                <a:off x="7008154" y="2760309"/>
                 <a:ext cx="488659" cy="369332"/>
               </a:xfrm>
               <a:prstGeom prst="rect">
@@ -4775,7 +4587,7 @@
                 <a:noFill/>
               </a:ln>
               <a:effectLst>
-                <a:softEdge rad="152400"/>
+                <a:softEdge rad="127000"/>
               </a:effectLst>
             </p:spPr>
             <p:txBody>
@@ -4874,23 +4686,23 @@
             </p:nvSpPr>
             <p:spPr>
               <a:xfrm>
-                <a:off x="6289634" y="2499130"/>
+                <a:off x="7008154" y="2760309"/>
                 <a:ext cx="488659" cy="369332"/>
               </a:xfrm>
               <a:prstGeom prst="rect">
                 <a:avLst/>
               </a:prstGeom>
               <a:blipFill>
-                <a:blip r:embed="rId8"/>
+                <a:blip r:embed="rId7"/>
                 <a:stretch>
-                  <a:fillRect l="-5000" b="-14754"/>
+                  <a:fillRect l="-5000" b="-16667"/>
                 </a:stretch>
               </a:blipFill>
               <a:ln>
                 <a:noFill/>
               </a:ln>
               <a:effectLst>
-                <a:softEdge rad="152400"/>
+                <a:softEdge rad="127000"/>
               </a:effectLst>
             </p:spPr>
             <p:txBody>
@@ -4924,8 +4736,8 @@
             </p:nvSpPr>
             <p:spPr>
               <a:xfrm rot="21295459">
-                <a:off x="5005774" y="2665043"/>
-                <a:ext cx="1303947" cy="276999"/>
+                <a:off x="5858782" y="2956559"/>
+                <a:ext cx="1211998" cy="261610"/>
               </a:xfrm>
               <a:prstGeom prst="rect">
                 <a:avLst/>
@@ -4951,7 +4763,7 @@
                     </m:oMathParaPr>
                     <m:oMath xmlns:m="http://schemas.openxmlformats.org/officeDocument/2006/math">
                       <m:r>
-                        <a:rPr lang="en-US" altLang="zh-CN" sz="1200" i="1" smtClean="0">
+                        <a:rPr lang="en-US" altLang="zh-CN" sz="1100" i="1" smtClean="0">
                           <a:solidFill>
                             <a:srgbClr val="DB103A"/>
                           </a:solidFill>
@@ -4967,7 +4779,7 @@
                       <m:sSub>
                         <m:sSubPr>
                           <m:ctrlPr>
-                            <a:rPr lang="en-US" altLang="zh-CN" sz="1200" i="1" smtClean="0">
+                            <a:rPr lang="en-US" altLang="zh-CN" sz="1100" i="1" smtClean="0">
                               <a:solidFill>
                                 <a:srgbClr val="DB103A"/>
                               </a:solidFill>
@@ -4982,7 +4794,7 @@
                         </m:sSubPr>
                         <m:e>
                           <m:r>
-                            <a:rPr lang="en-US" altLang="zh-CN" sz="1200" b="0" i="1" smtClean="0">
+                            <a:rPr lang="en-US" altLang="zh-CN" sz="1100" b="0" i="1" smtClean="0">
                               <a:solidFill>
                                 <a:srgbClr val="DB103A"/>
                               </a:solidFill>
@@ -4998,7 +4810,7 @@
                         </m:e>
                         <m:sub>
                           <m:r>
-                            <a:rPr lang="en-US" altLang="zh-CN" sz="1200" b="0" i="1" smtClean="0">
+                            <a:rPr lang="en-US" altLang="zh-CN" sz="1100" b="0" i="1" smtClean="0">
                               <a:solidFill>
                                 <a:srgbClr val="DB103A"/>
                               </a:solidFill>
@@ -5014,7 +4826,7 @@
                         </m:sub>
                       </m:sSub>
                       <m:r>
-                        <a:rPr lang="en-US" altLang="zh-CN" sz="1200" b="0" i="1" smtClean="0">
+                        <a:rPr lang="en-US" altLang="zh-CN" sz="1100" b="0" i="1" smtClean="0">
                           <a:solidFill>
                             <a:srgbClr val="DB103A"/>
                           </a:solidFill>
@@ -5028,7 +4840,7 @@
                         <m:t> </m:t>
                       </m:r>
                       <m:r>
-                        <a:rPr lang="en-US" altLang="zh-CN" sz="1200" b="0" i="1" smtClean="0">
+                        <a:rPr lang="en-US" altLang="zh-CN" sz="1100" b="0" i="1" smtClean="0">
                           <a:solidFill>
                             <a:srgbClr val="DB103A"/>
                           </a:solidFill>
@@ -5042,7 +4854,7 @@
                         <m:t>𝑔𝑢𝑠𝑡</m:t>
                       </m:r>
                       <m:r>
-                        <a:rPr lang="en-US" altLang="zh-CN" sz="1200" b="0" i="1" smtClean="0">
+                        <a:rPr lang="en-US" altLang="zh-CN" sz="1100" b="0" i="1" smtClean="0">
                           <a:solidFill>
                             <a:srgbClr val="DB103A"/>
                           </a:solidFill>
@@ -5056,7 +4868,7 @@
                         <m:t>−</m:t>
                       </m:r>
                       <m:r>
-                        <a:rPr lang="en-US" altLang="zh-CN" sz="1200" b="0" i="1" smtClean="0">
+                        <a:rPr lang="en-US" altLang="zh-CN" sz="1100" b="0" i="1" smtClean="0">
                           <a:solidFill>
                             <a:srgbClr val="DB103A"/>
                           </a:solidFill>
@@ -5072,7 +4884,7 @@
                     </m:oMath>
                   </m:oMathPara>
                 </a14:m>
-                <a:endParaRPr lang="zh-CN" altLang="en-US" sz="1200" dirty="0">
+                <a:endParaRPr lang="zh-CN" altLang="en-US" sz="1100" dirty="0">
                   <a:solidFill>
                     <a:srgbClr val="DB103A"/>
                   </a:solidFill>
@@ -5103,16 +4915,16 @@
             </p:nvSpPr>
             <p:spPr>
               <a:xfrm rot="21295459">
-                <a:off x="5005774" y="2665043"/>
-                <a:ext cx="1303947" cy="276999"/>
+                <a:off x="5858782" y="2956559"/>
+                <a:ext cx="1211998" cy="261610"/>
               </a:xfrm>
               <a:prstGeom prst="rect">
                 <a:avLst/>
               </a:prstGeom>
               <a:blipFill>
-                <a:blip r:embed="rId9"/>
+                <a:blip r:embed="rId8"/>
                 <a:stretch>
-                  <a:fillRect l="-459" b="-4615"/>
+                  <a:fillRect b="-4918"/>
                 </a:stretch>
               </a:blipFill>
               <a:effectLst>
@@ -5150,8 +4962,8 @@
             </p:nvSpPr>
             <p:spPr>
               <a:xfrm>
-                <a:off x="4968707" y="4188346"/>
-                <a:ext cx="554575" cy="369332"/>
+                <a:off x="5838814" y="4264326"/>
+                <a:ext cx="514372" cy="338554"/>
               </a:xfrm>
               <a:prstGeom prst="rect">
                 <a:avLst/>
@@ -5179,7 +4991,7 @@
                       <m:sSub>
                         <m:sSubPr>
                           <m:ctrlPr>
-                            <a:rPr lang="en-US" altLang="zh-CN" i="1" smtClean="0">
+                            <a:rPr lang="en-US" altLang="zh-CN" sz="1600" i="1" smtClean="0">
                               <a:solidFill>
                                 <a:srgbClr val="0D0DB4"/>
                               </a:solidFill>
@@ -5194,7 +5006,7 @@
                         </m:sSubPr>
                         <m:e>
                           <m:r>
-                            <a:rPr lang="en-US" altLang="zh-CN" b="0" i="1" smtClean="0">
+                            <a:rPr lang="en-US" altLang="zh-CN" sz="1600" b="0" i="1" smtClean="0">
                               <a:solidFill>
                                 <a:srgbClr val="0D0DB4"/>
                               </a:solidFill>
@@ -5210,7 +5022,7 @@
                         </m:e>
                         <m:sub>
                           <m:r>
-                            <a:rPr lang="en-US" altLang="zh-CN" b="0" i="1" smtClean="0">
+                            <a:rPr lang="en-US" altLang="zh-CN" sz="1600" b="0" i="1" smtClean="0">
                               <a:solidFill>
                                 <a:srgbClr val="0D0DB4"/>
                               </a:solidFill>
@@ -5224,7 +5036,7 @@
                             <m:t>𝑆</m:t>
                           </m:r>
                           <m:r>
-                            <a:rPr lang="en-US" altLang="zh-CN" b="0" i="1" smtClean="0">
+                            <a:rPr lang="en-US" altLang="zh-CN" sz="1600" b="0" i="1" smtClean="0">
                               <a:solidFill>
                                 <a:srgbClr val="0D0DB4"/>
                               </a:solidFill>
@@ -5242,7 +5054,7 @@
                     </m:oMath>
                   </m:oMathPara>
                 </a14:m>
-                <a:endParaRPr lang="zh-CN" altLang="en-US" dirty="0">
+                <a:endParaRPr lang="zh-CN" altLang="en-US" sz="1600" dirty="0">
                   <a:solidFill>
                     <a:srgbClr val="00807F"/>
                   </a:solidFill>
@@ -5273,14 +5085,14 @@
             </p:nvSpPr>
             <p:spPr>
               <a:xfrm>
-                <a:off x="4968707" y="4188346"/>
-                <a:ext cx="554575" cy="369332"/>
+                <a:off x="5838814" y="4264326"/>
+                <a:ext cx="514372" cy="338554"/>
               </a:xfrm>
               <a:prstGeom prst="rect">
                 <a:avLst/>
               </a:prstGeom>
               <a:blipFill>
-                <a:blip r:embed="rId10"/>
+                <a:blip r:embed="rId9"/>
                 <a:stretch>
                   <a:fillRect/>
                 </a:stretch>
@@ -5322,8 +5134,8 @@
             </p:nvSpPr>
             <p:spPr>
               <a:xfrm>
-                <a:off x="5336468" y="5026514"/>
-                <a:ext cx="871201" cy="433517"/>
+                <a:off x="6397901" y="5008366"/>
+                <a:ext cx="804386" cy="392223"/>
               </a:xfrm>
               <a:prstGeom prst="rect">
                 <a:avLst/>
@@ -5351,7 +5163,7 @@
                       <m:sSub>
                         <m:sSubPr>
                           <m:ctrlPr>
-                            <a:rPr lang="en-US" altLang="zh-CN" i="1" smtClean="0">
+                            <a:rPr lang="en-US" altLang="zh-CN" sz="1600" i="1" smtClean="0">
                               <a:solidFill>
                                 <a:srgbClr val="0D0DB4"/>
                               </a:solidFill>
@@ -5368,7 +5180,7 @@
                           <m:sSub>
                             <m:sSubPr>
                               <m:ctrlPr>
-                                <a:rPr lang="en-US" altLang="zh-CN" i="1">
+                                <a:rPr lang="en-US" altLang="zh-CN" sz="1600" i="1">
                                   <a:solidFill>
                                     <a:srgbClr val="0D0DB4"/>
                                   </a:solidFill>
@@ -5383,7 +5195,7 @@
                             </m:sSubPr>
                             <m:e>
                               <m:r>
-                                <a:rPr lang="en-US" altLang="zh-CN" i="1">
+                                <a:rPr lang="en-US" altLang="zh-CN" sz="1600" i="1">
                                   <a:solidFill>
                                     <a:srgbClr val="0D0DB4"/>
                                   </a:solidFill>
@@ -5399,7 +5211,7 @@
                             </m:e>
                             <m:sub>
                               <m:r>
-                                <a:rPr lang="en-US" altLang="zh-CN" i="1">
+                                <a:rPr lang="en-US" altLang="zh-CN" sz="1600" i="1">
                                   <a:solidFill>
                                     <a:srgbClr val="0D0DB4"/>
                                   </a:solidFill>
@@ -5413,7 +5225,7 @@
                                 <m:t>𝑆</m:t>
                               </m:r>
                               <m:r>
-                                <a:rPr lang="en-US" altLang="zh-CN" i="1">
+                                <a:rPr lang="en-US" altLang="zh-CN" sz="1600" i="1">
                                   <a:solidFill>
                                     <a:srgbClr val="0D0DB4"/>
                                   </a:solidFill>
@@ -5431,7 +5243,7 @@
                         </m:e>
                         <m:sub>
                           <m:r>
-                            <a:rPr lang="en-US" altLang="zh-CN" i="1">
+                            <a:rPr lang="en-US" altLang="zh-CN" sz="1600" i="1">
                               <a:solidFill>
                                 <a:srgbClr val="0D0DB4"/>
                               </a:solidFill>
@@ -5449,7 +5261,7 @@
                     </m:oMath>
                   </m:oMathPara>
                 </a14:m>
-                <a:endParaRPr lang="zh-CN" altLang="en-US" i="1" dirty="0">
+                <a:endParaRPr lang="zh-CN" altLang="en-US" sz="1600" i="1" dirty="0">
                   <a:solidFill>
                     <a:srgbClr val="00807F"/>
                   </a:solidFill>
@@ -5480,14 +5292,14 @@
             </p:nvSpPr>
             <p:spPr>
               <a:xfrm>
-                <a:off x="5336468" y="5026514"/>
-                <a:ext cx="871201" cy="433517"/>
+                <a:off x="6397901" y="5008366"/>
+                <a:ext cx="804386" cy="392223"/>
               </a:xfrm>
               <a:prstGeom prst="rect">
                 <a:avLst/>
               </a:prstGeom>
               <a:blipFill>
-                <a:blip r:embed="rId11"/>
+                <a:blip r:embed="rId10"/>
                 <a:stretch>
                   <a:fillRect/>
                 </a:stretch>
@@ -5530,8 +5342,8 @@
         </p:nvCxnSpPr>
         <p:spPr>
           <a:xfrm>
-            <a:off x="4114800" y="2026622"/>
-            <a:ext cx="778551" cy="839105"/>
+            <a:off x="4156103" y="2137209"/>
+            <a:ext cx="1138739" cy="1349956"/>
           </a:xfrm>
           <a:prstGeom prst="straightConnector1">
             <a:avLst/>
@@ -5574,7 +5386,7 @@
             </p:nvSpPr>
             <p:spPr>
               <a:xfrm>
-                <a:off x="3489468" y="1688068"/>
+                <a:off x="3530771" y="1798655"/>
                 <a:ext cx="1250663" cy="338554"/>
               </a:xfrm>
               <a:prstGeom prst="rect">
@@ -5682,14 +5494,14 @@
             </p:nvSpPr>
             <p:spPr>
               <a:xfrm>
-                <a:off x="3489468" y="1688068"/>
+                <a:off x="3530771" y="1798655"/>
                 <a:ext cx="1250663" cy="338554"/>
               </a:xfrm>
               <a:prstGeom prst="rect">
                 <a:avLst/>
               </a:prstGeom>
               <a:blipFill>
-                <a:blip r:embed="rId16"/>
+                <a:blip r:embed="rId11"/>
                 <a:stretch>
                   <a:fillRect/>
                 </a:stretch>
@@ -5731,7 +5543,7 @@
             </p:nvSpPr>
             <p:spPr>
               <a:xfrm>
-                <a:off x="5245995" y="1000296"/>
+                <a:off x="5982667" y="1292860"/>
                 <a:ext cx="982961" cy="338554"/>
               </a:xfrm>
               <a:prstGeom prst="rect">
@@ -5839,14 +5651,14 @@
             </p:nvSpPr>
             <p:spPr>
               <a:xfrm>
-                <a:off x="5245995" y="1000296"/>
+                <a:off x="5982667" y="1292860"/>
                 <a:ext cx="982961" cy="338554"/>
               </a:xfrm>
               <a:prstGeom prst="rect">
                 <a:avLst/>
               </a:prstGeom>
               <a:blipFill>
-                <a:blip r:embed="rId17"/>
+                <a:blip r:embed="rId12"/>
                 <a:stretch>
                   <a:fillRect/>
                 </a:stretch>
@@ -5888,8 +5700,8 @@
             </p:nvSpPr>
             <p:spPr>
               <a:xfrm>
-                <a:off x="8245702" y="1457411"/>
-                <a:ext cx="1064714" cy="461665"/>
+                <a:off x="8628280" y="1821529"/>
+                <a:ext cx="989373" cy="430887"/>
               </a:xfrm>
               <a:prstGeom prst="rect">
                 <a:avLst/>
@@ -5918,7 +5730,7 @@
                         <m:rPr>
                           <m:sty m:val="p"/>
                         </m:rPr>
-                        <a:rPr lang="en-US" altLang="zh-CN" sz="1200" b="0" i="0" smtClean="0">
+                        <a:rPr lang="en-US" altLang="zh-CN" sz="1100" b="0" i="0" smtClean="0">
                           <a:solidFill>
                             <a:srgbClr val="02B9F3"/>
                           </a:solidFill>
@@ -5934,7 +5746,7 @@
                     </m:oMath>
                   </m:oMathPara>
                 </a14:m>
-                <a:endParaRPr lang="en-US" altLang="zh-CN" sz="1200" b="0" i="0" dirty="0">
+                <a:endParaRPr lang="en-US" altLang="zh-CN" sz="1100" b="0" i="0" dirty="0">
                   <a:solidFill>
                     <a:srgbClr val="02B9F3"/>
                   </a:solidFill>
@@ -5958,7 +5770,7 @@
                         <m:rPr>
                           <m:sty m:val="p"/>
                         </m:rPr>
-                        <a:rPr lang="en-US" altLang="zh-CN" sz="1200" b="0" i="0" smtClean="0">
+                        <a:rPr lang="en-US" altLang="zh-CN" sz="1100" b="0" i="0" smtClean="0">
                           <a:solidFill>
                             <a:srgbClr val="02B9F3"/>
                           </a:solidFill>
@@ -5972,7 +5784,7 @@
                         <m:t>damage</m:t>
                       </m:r>
                       <m:r>
-                        <a:rPr lang="en-US" altLang="zh-CN" sz="1200" b="0" i="0" smtClean="0">
+                        <a:rPr lang="en-US" altLang="zh-CN" sz="1100" b="0" i="0" smtClean="0">
                           <a:solidFill>
                             <a:srgbClr val="02B9F3"/>
                           </a:solidFill>
@@ -5989,7 +5801,7 @@
                         <m:rPr>
                           <m:sty m:val="p"/>
                         </m:rPr>
-                        <a:rPr lang="en-US" altLang="zh-CN" sz="1200" b="0" i="0" smtClean="0">
+                        <a:rPr lang="en-US" altLang="zh-CN" sz="1100" b="0" i="0" smtClean="0">
                           <a:solidFill>
                             <a:srgbClr val="02B9F3"/>
                           </a:solidFill>
@@ -6005,7 +5817,7 @@
                     </m:oMath>
                   </m:oMathPara>
                 </a14:m>
-                <a:endParaRPr lang="zh-CN" altLang="en-US" sz="1200" dirty="0">
+                <a:endParaRPr lang="zh-CN" altLang="en-US" sz="1100" dirty="0">
                   <a:solidFill>
                     <a:srgbClr val="02B9F3"/>
                   </a:solidFill>
@@ -6036,16 +5848,16 @@
             </p:nvSpPr>
             <p:spPr>
               <a:xfrm>
-                <a:off x="8245702" y="1457411"/>
-                <a:ext cx="1064714" cy="461665"/>
+                <a:off x="8628280" y="1821529"/>
+                <a:ext cx="989373" cy="430887"/>
               </a:xfrm>
               <a:prstGeom prst="rect">
                 <a:avLst/>
               </a:prstGeom>
               <a:blipFill>
-                <a:blip r:embed="rId18"/>
+                <a:blip r:embed="rId13"/>
                 <a:stretch>
-                  <a:fillRect l="-2874" b="-11842"/>
+                  <a:fillRect l="-1840" b="-14286"/>
                 </a:stretch>
               </a:blipFill>
               <a:effectLst>
@@ -6083,7 +5895,7 @@
             </p:nvSpPr>
             <p:spPr>
               <a:xfrm>
-                <a:off x="6474148" y="1009314"/>
+                <a:off x="7285010" y="1304691"/>
                 <a:ext cx="1677062" cy="276999"/>
               </a:xfrm>
               <a:prstGeom prst="rect">
@@ -6227,14 +6039,14 @@
             </p:nvSpPr>
             <p:spPr>
               <a:xfrm>
-                <a:off x="6474148" y="1009314"/>
+                <a:off x="7285010" y="1304691"/>
                 <a:ext cx="1677062" cy="276999"/>
               </a:xfrm>
               <a:prstGeom prst="rect">
                 <a:avLst/>
               </a:prstGeom>
               <a:blipFill>
-                <a:blip r:embed="rId19"/>
+                <a:blip r:embed="rId14"/>
                 <a:stretch>
                   <a:fillRect l="-1083" b="-2128"/>
                 </a:stretch>
@@ -6279,8 +6091,8 @@
             </p:nvSpPr>
             <p:spPr>
               <a:xfrm>
-                <a:off x="6927898" y="4998237"/>
-                <a:ext cx="1064714" cy="461665"/>
+                <a:off x="7522099" y="5105123"/>
+                <a:ext cx="989373" cy="295466"/>
               </a:xfrm>
               <a:prstGeom prst="rect">
                 <a:avLst/>
@@ -6298,7 +6110,11 @@
               </a:bodyPr>
               <a:lstStyle/>
               <a:p>
-                <a:pPr/>
+                <a:pPr>
+                  <a:lnSpc>
+                    <a:spcPct val="60000"/>
+                  </a:lnSpc>
+                </a:pPr>
                 <a14:m>
                   <m:oMathPara xmlns:m="http://schemas.openxmlformats.org/officeDocument/2006/math">
                     <m:oMathParaPr>
@@ -6309,7 +6125,7 @@
                         <m:rPr>
                           <m:sty m:val="p"/>
                         </m:rPr>
-                        <a:rPr lang="en-US" altLang="zh-CN" sz="1200" b="0" i="0" smtClean="0">
+                        <a:rPr lang="en-US" altLang="zh-CN" sz="1100" b="0" i="0" smtClean="0">
                           <a:solidFill>
                             <a:srgbClr val="02B9F3"/>
                           </a:solidFill>
@@ -6325,7 +6141,7 @@
                     </m:oMath>
                   </m:oMathPara>
                 </a14:m>
-                <a:endParaRPr lang="en-US" altLang="zh-CN" sz="1200" b="0" i="0" dirty="0">
+                <a:endParaRPr lang="en-US" altLang="zh-CN" sz="1100" b="0" i="0" dirty="0">
                   <a:solidFill>
                     <a:srgbClr val="02B9F3"/>
                   </a:solidFill>
@@ -6338,7 +6154,11 @@
                 </a:endParaRPr>
               </a:p>
               <a:p>
-                <a:pPr/>
+                <a:pPr>
+                  <a:lnSpc>
+                    <a:spcPct val="60000"/>
+                  </a:lnSpc>
+                </a:pPr>
                 <a14:m>
                   <m:oMathPara xmlns:m="http://schemas.openxmlformats.org/officeDocument/2006/math">
                     <m:oMathParaPr>
@@ -6349,7 +6169,7 @@
                         <m:rPr>
                           <m:sty m:val="p"/>
                         </m:rPr>
-                        <a:rPr lang="en-US" altLang="zh-CN" sz="1200" b="0" i="0" smtClean="0">
+                        <a:rPr lang="en-US" altLang="zh-CN" sz="1100" b="0" i="0" smtClean="0">
                           <a:solidFill>
                             <a:srgbClr val="02B9F3"/>
                           </a:solidFill>
@@ -6363,7 +6183,7 @@
                         <m:t>damage</m:t>
                       </m:r>
                       <m:r>
-                        <a:rPr lang="en-US" altLang="zh-CN" sz="1200" b="0" i="0" smtClean="0">
+                        <a:rPr lang="en-US" altLang="zh-CN" sz="1100" b="0" i="0" smtClean="0">
                           <a:solidFill>
                             <a:srgbClr val="02B9F3"/>
                           </a:solidFill>
@@ -6380,7 +6200,7 @@
                         <m:rPr>
                           <m:sty m:val="p"/>
                         </m:rPr>
-                        <a:rPr lang="en-US" altLang="zh-CN" sz="1200" b="0" i="0" smtClean="0">
+                        <a:rPr lang="en-US" altLang="zh-CN" sz="1100" b="0" i="0" smtClean="0">
                           <a:solidFill>
                             <a:srgbClr val="02B9F3"/>
                           </a:solidFill>
@@ -6396,7 +6216,7 @@
                     </m:oMath>
                   </m:oMathPara>
                 </a14:m>
-                <a:endParaRPr lang="zh-CN" altLang="en-US" sz="1200" dirty="0">
+                <a:endParaRPr lang="zh-CN" altLang="en-US" sz="1100" dirty="0">
                   <a:solidFill>
                     <a:srgbClr val="02B9F3"/>
                   </a:solidFill>
@@ -6427,16 +6247,16 @@
             </p:nvSpPr>
             <p:spPr>
               <a:xfrm>
-                <a:off x="6927898" y="4998237"/>
-                <a:ext cx="1064714" cy="461665"/>
+                <a:off x="7522099" y="5105123"/>
+                <a:ext cx="989373" cy="295466"/>
               </a:xfrm>
               <a:prstGeom prst="rect">
                 <a:avLst/>
               </a:prstGeom>
               <a:blipFill>
-                <a:blip r:embed="rId20"/>
+                <a:blip r:embed="rId15"/>
                 <a:stretch>
-                  <a:fillRect l="-2286" b="-11842"/>
+                  <a:fillRect l="-617" t="-10204" b="-18367"/>
                 </a:stretch>
               </a:blipFill>
               <a:effectLst>
@@ -6458,8 +6278,8 @@
           </p:sp>
         </mc:Fallback>
       </mc:AlternateContent>
-      <mc:AlternateContent xmlns:mc="http://schemas.openxmlformats.org/markup-compatibility/2006">
-        <mc:Choice xmlns:a14="http://schemas.microsoft.com/office/drawing/2010/main" Requires="a14">
+      <mc:AlternateContent xmlns:mc="http://schemas.openxmlformats.org/markup-compatibility/2006" xmlns:a14="http://schemas.microsoft.com/office/drawing/2010/main">
+        <mc:Choice Requires="a14">
           <p:sp>
             <p:nvSpPr>
               <p:cNvPr id="60" name="文本框 59">
@@ -6474,7 +6294,7 @@
             </p:nvSpPr>
             <p:spPr>
               <a:xfrm>
-                <a:off x="8882999" y="4998237"/>
+                <a:off x="9247109" y="4837357"/>
                 <a:ext cx="1682384" cy="830997"/>
               </a:xfrm>
               <a:prstGeom prst="rect">
@@ -6631,7 +6451,7 @@
             </p:txBody>
           </p:sp>
         </mc:Choice>
-        <mc:Fallback>
+        <mc:Fallback xmlns="">
           <p:sp>
             <p:nvSpPr>
               <p:cNvPr id="60" name="文本框 59">
@@ -6648,14 +6468,14 @@
             </p:nvSpPr>
             <p:spPr>
               <a:xfrm>
-                <a:off x="8882999" y="4998237"/>
+                <a:off x="9247109" y="4837357"/>
                 <a:ext cx="1682384" cy="830997"/>
               </a:xfrm>
               <a:prstGeom prst="rect">
                 <a:avLst/>
               </a:prstGeom>
               <a:blipFill>
-                <a:blip r:embed="rId21"/>
+                <a:blip r:embed="rId16"/>
                 <a:stretch>
                   <a:fillRect/>
                 </a:stretch>
@@ -6695,7 +6515,7 @@
             </p:nvSpPr>
             <p:spPr>
               <a:xfrm>
-                <a:off x="5464409" y="1893141"/>
+                <a:off x="6236371" y="2208204"/>
                 <a:ext cx="880369" cy="646331"/>
               </a:xfrm>
               <a:prstGeom prst="rect">
@@ -6705,7 +6525,7 @@
                 <a:schemeClr val="bg1"/>
               </a:solidFill>
               <a:effectLst>
-                <a:softEdge rad="88900"/>
+                <a:softEdge rad="190500"/>
               </a:effectLst>
             </p:spPr>
             <p:txBody>
@@ -6869,20 +6689,20 @@
             </p:nvSpPr>
             <p:spPr>
               <a:xfrm>
-                <a:off x="5464409" y="1893141"/>
+                <a:off x="6236371" y="2208204"/>
                 <a:ext cx="880369" cy="646331"/>
               </a:xfrm>
               <a:prstGeom prst="rect">
                 <a:avLst/>
               </a:prstGeom>
               <a:blipFill>
-                <a:blip r:embed="rId23"/>
+                <a:blip r:embed="rId17"/>
                 <a:stretch>
-                  <a:fillRect l="-1379"/>
+                  <a:fillRect l="-1389" r="-694"/>
                 </a:stretch>
               </a:blipFill>
               <a:effectLst>
-                <a:softEdge rad="88900"/>
+                <a:softEdge rad="190500"/>
               </a:effectLst>
             </p:spPr>
             <p:txBody>
@@ -6911,13 +6731,12 @@
           </p:cNvPr>
           <p:cNvCxnSpPr>
             <a:cxnSpLocks/>
-            <a:stCxn id="39" idx="2"/>
           </p:cNvCxnSpPr>
           <p:nvPr/>
         </p:nvCxnSpPr>
         <p:spPr>
           <a:xfrm>
-            <a:off x="5737476" y="1338850"/>
+            <a:off x="6469920" y="1631537"/>
             <a:ext cx="1142276" cy="1132713"/>
           </a:xfrm>
           <a:prstGeom prst="straightConnector1">
@@ -6961,7 +6780,7 @@
             </p:nvSpPr>
             <p:spPr>
               <a:xfrm>
-                <a:off x="6683568" y="5519150"/>
+                <a:off x="7103838" y="5469870"/>
                 <a:ext cx="1677062" cy="276999"/>
               </a:xfrm>
               <a:prstGeom prst="rect">
@@ -7105,14 +6924,14 @@
             </p:nvSpPr>
             <p:spPr>
               <a:xfrm>
-                <a:off x="6683568" y="5519150"/>
+                <a:off x="7103838" y="5469870"/>
                 <a:ext cx="1677062" cy="276999"/>
               </a:xfrm>
               <a:prstGeom prst="rect">
                 <a:avLst/>
               </a:prstGeom>
               <a:blipFill>
-                <a:blip r:embed="rId24"/>
+                <a:blip r:embed="rId18"/>
                 <a:stretch>
                   <a:fillRect l="-1083"/>
                 </a:stretch>
@@ -7141,8 +6960,8 @@
           </p:sp>
         </mc:Fallback>
       </mc:AlternateContent>
-      <mc:AlternateContent xmlns:mc="http://schemas.openxmlformats.org/markup-compatibility/2006">
-        <mc:Choice xmlns:a14="http://schemas.microsoft.com/office/drawing/2010/main" Requires="a14">
+      <mc:AlternateContent xmlns:mc="http://schemas.openxmlformats.org/markup-compatibility/2006" xmlns:a14="http://schemas.microsoft.com/office/drawing/2010/main">
+        <mc:Choice Requires="a14">
           <p:sp>
             <p:nvSpPr>
               <p:cNvPr id="6" name="文本框 5">
@@ -7157,7 +6976,7 @@
             </p:nvSpPr>
             <p:spPr>
               <a:xfrm>
-                <a:off x="9836690" y="2710693"/>
+                <a:off x="9892478" y="2944975"/>
                 <a:ext cx="981358" cy="461665"/>
               </a:xfrm>
               <a:prstGeom prst="rect">
@@ -7293,7 +7112,7 @@
             </p:txBody>
           </p:sp>
         </mc:Choice>
-        <mc:Fallback>
+        <mc:Fallback xmlns="">
           <p:sp>
             <p:nvSpPr>
               <p:cNvPr id="6" name="文本框 5">
@@ -7310,16 +7129,16 @@
             </p:nvSpPr>
             <p:spPr>
               <a:xfrm>
-                <a:off x="9836690" y="2710693"/>
+                <a:off x="9892478" y="2944975"/>
                 <a:ext cx="981358" cy="461665"/>
               </a:xfrm>
               <a:prstGeom prst="rect">
                 <a:avLst/>
               </a:prstGeom>
               <a:blipFill>
-                <a:blip r:embed="rId25"/>
+                <a:blip r:embed="rId19"/>
                 <a:stretch>
-                  <a:fillRect l="-613" b="-1299"/>
+                  <a:fillRect l="-613"/>
                 </a:stretch>
               </a:blipFill>
               <a:ln>
@@ -7346,8 +7165,8 @@
           </p:sp>
         </mc:Fallback>
       </mc:AlternateContent>
-      <mc:AlternateContent xmlns:mc="http://schemas.openxmlformats.org/markup-compatibility/2006">
-        <mc:Choice xmlns:a14="http://schemas.microsoft.com/office/drawing/2010/main" Requires="a14">
+      <mc:AlternateContent xmlns:mc="http://schemas.openxmlformats.org/markup-compatibility/2006" xmlns:a14="http://schemas.microsoft.com/office/drawing/2010/main">
+        <mc:Choice Requires="a14">
           <p:sp>
             <p:nvSpPr>
               <p:cNvPr id="3" name="文本框 2">
@@ -7362,8 +7181,8 @@
             </p:nvSpPr>
             <p:spPr>
               <a:xfrm rot="21291466">
-                <a:off x="6602460" y="2893560"/>
-                <a:ext cx="1294522" cy="276999"/>
+                <a:off x="7234229" y="3137509"/>
+                <a:ext cx="1202830" cy="261610"/>
               </a:xfrm>
               <a:prstGeom prst="rect">
                 <a:avLst/>
@@ -7389,7 +7208,7 @@
                     </m:oMathParaPr>
                     <m:oMath xmlns:m="http://schemas.openxmlformats.org/officeDocument/2006/math">
                       <m:r>
-                        <a:rPr lang="en-US" altLang="zh-CN" sz="1200" i="1" smtClean="0">
+                        <a:rPr lang="en-US" altLang="zh-CN" sz="1100" i="1" smtClean="0">
                           <a:solidFill>
                             <a:srgbClr val="EC6133"/>
                           </a:solidFill>
@@ -7405,7 +7224,7 @@
                       <m:sSub>
                         <m:sSubPr>
                           <m:ctrlPr>
-                            <a:rPr lang="en-US" altLang="zh-CN" sz="1200" i="1" smtClean="0">
+                            <a:rPr lang="en-US" altLang="zh-CN" sz="1100" i="1" smtClean="0">
                               <a:solidFill>
                                 <a:srgbClr val="EC6133"/>
                               </a:solidFill>
@@ -7420,7 +7239,7 @@
                         </m:sSubPr>
                         <m:e>
                           <m:r>
-                            <a:rPr lang="en-US" altLang="zh-CN" sz="1200" b="0" i="1" smtClean="0">
+                            <a:rPr lang="en-US" altLang="zh-CN" sz="1100" b="0" i="1" smtClean="0">
                               <a:solidFill>
                                 <a:srgbClr val="EC6133"/>
                               </a:solidFill>
@@ -7439,7 +7258,7 @@
                             <m:rPr>
                               <m:sty m:val="p"/>
                             </m:rPr>
-                            <a:rPr lang="en-US" altLang="zh-CN" sz="1200" i="1">
+                            <a:rPr lang="en-US" altLang="zh-CN" sz="1100" i="1">
                               <a:solidFill>
                                 <a:srgbClr val="EC6133"/>
                               </a:solidFill>
@@ -7455,7 +7274,7 @@
                         </m:sub>
                       </m:sSub>
                       <m:r>
-                        <a:rPr lang="en-US" altLang="zh-CN" sz="1200" b="0" i="1" smtClean="0">
+                        <a:rPr lang="en-US" altLang="zh-CN" sz="1100" b="0" i="1" smtClean="0">
                           <a:solidFill>
                             <a:srgbClr val="EC6133"/>
                           </a:solidFill>
@@ -7469,7 +7288,7 @@
                         <m:t> </m:t>
                       </m:r>
                       <m:r>
-                        <a:rPr lang="en-US" altLang="zh-CN" sz="1200" b="0" i="1" smtClean="0">
+                        <a:rPr lang="en-US" altLang="zh-CN" sz="1100" b="0" i="1" smtClean="0">
                           <a:solidFill>
                             <a:srgbClr val="EC6133"/>
                           </a:solidFill>
@@ -7483,7 +7302,7 @@
                         <m:t>𝑔𝑢𝑠𝑡</m:t>
                       </m:r>
                       <m:r>
-                        <a:rPr lang="en-US" altLang="zh-CN" sz="1200" b="0" i="1" smtClean="0">
+                        <a:rPr lang="en-US" altLang="zh-CN" sz="1100" b="0" i="1" smtClean="0">
                           <a:solidFill>
                             <a:srgbClr val="EC6133"/>
                           </a:solidFill>
@@ -7497,7 +7316,7 @@
                         <m:t>−</m:t>
                       </m:r>
                       <m:r>
-                        <a:rPr lang="en-US" altLang="zh-CN" sz="1200" b="0" i="1" smtClean="0">
+                        <a:rPr lang="en-US" altLang="zh-CN" sz="1100" b="0" i="1" smtClean="0">
                           <a:solidFill>
                             <a:srgbClr val="EC6133"/>
                           </a:solidFill>
@@ -7513,7 +7332,7 @@
                     </m:oMath>
                   </m:oMathPara>
                 </a14:m>
-                <a:endParaRPr lang="zh-CN" altLang="en-US" sz="1200" dirty="0">
+                <a:endParaRPr lang="zh-CN" altLang="en-US" sz="1100" dirty="0">
                   <a:solidFill>
                     <a:srgbClr val="EC6133"/>
                   </a:solidFill>
@@ -7527,7 +7346,7 @@
             </p:txBody>
           </p:sp>
         </mc:Choice>
-        <mc:Fallback>
+        <mc:Fallback xmlns="">
           <p:sp>
             <p:nvSpPr>
               <p:cNvPr id="3" name="文本框 2">
@@ -7544,16 +7363,16 @@
             </p:nvSpPr>
             <p:spPr>
               <a:xfrm rot="21291466">
-                <a:off x="6602460" y="2893560"/>
-                <a:ext cx="1294522" cy="276999"/>
+                <a:off x="7234229" y="3137509"/>
+                <a:ext cx="1202830" cy="261610"/>
               </a:xfrm>
               <a:prstGeom prst="rect">
                 <a:avLst/>
               </a:prstGeom>
               <a:blipFill>
-                <a:blip r:embed="rId26"/>
+                <a:blip r:embed="rId20"/>
                 <a:stretch>
-                  <a:fillRect l="-461" b="-4615"/>
+                  <a:fillRect b="-4839"/>
                 </a:stretch>
               </a:blipFill>
               <a:effectLst>
@@ -7575,8 +7394,8 @@
           </p:sp>
         </mc:Fallback>
       </mc:AlternateContent>
-      <mc:AlternateContent xmlns:mc="http://schemas.openxmlformats.org/markup-compatibility/2006">
-        <mc:Choice xmlns:a14="http://schemas.microsoft.com/office/drawing/2010/main" Requires="a14">
+      <mc:AlternateContent xmlns:mc="http://schemas.openxmlformats.org/markup-compatibility/2006" xmlns:a14="http://schemas.microsoft.com/office/drawing/2010/main">
+        <mc:Choice Requires="a14">
           <p:sp>
             <p:nvSpPr>
               <p:cNvPr id="7" name="文本框 6">
@@ -7591,8 +7410,8 @@
             </p:nvSpPr>
             <p:spPr>
               <a:xfrm rot="21422593">
-                <a:off x="8185423" y="3065580"/>
-                <a:ext cx="1306896" cy="276999"/>
+                <a:off x="8502096" y="3292230"/>
+                <a:ext cx="1214948" cy="261610"/>
               </a:xfrm>
               <a:prstGeom prst="rect">
                 <a:avLst/>
@@ -7618,7 +7437,7 @@
                     </m:oMathParaPr>
                     <m:oMath xmlns:m="http://schemas.openxmlformats.org/officeDocument/2006/math">
                       <m:r>
-                        <a:rPr lang="en-US" altLang="zh-CN" sz="1200" i="1" smtClean="0">
+                        <a:rPr lang="en-US" altLang="zh-CN" sz="1100" i="1" smtClean="0">
                           <a:solidFill>
                             <a:srgbClr val="C71485"/>
                           </a:solidFill>
@@ -7634,7 +7453,7 @@
                       <m:sSub>
                         <m:sSubPr>
                           <m:ctrlPr>
-                            <a:rPr lang="en-US" altLang="zh-CN" sz="1200" i="1" smtClean="0">
+                            <a:rPr lang="en-US" altLang="zh-CN" sz="1100" i="1" smtClean="0">
                               <a:solidFill>
                                 <a:srgbClr val="C71485"/>
                               </a:solidFill>
@@ -7649,7 +7468,7 @@
                         </m:sSubPr>
                         <m:e>
                           <m:r>
-                            <a:rPr lang="en-US" altLang="zh-CN" sz="1200" b="0" i="1" smtClean="0">
+                            <a:rPr lang="en-US" altLang="zh-CN" sz="1100" b="0" i="1" smtClean="0">
                               <a:solidFill>
                                 <a:srgbClr val="C71485"/>
                               </a:solidFill>
@@ -7665,7 +7484,7 @@
                         </m:e>
                         <m:sub>
                           <m:r>
-                            <a:rPr lang="en-US" altLang="zh-CN" sz="1200" b="0" i="1" smtClean="0">
+                            <a:rPr lang="en-US" altLang="zh-CN" sz="1100" b="0" i="1" smtClean="0">
                               <a:solidFill>
                                 <a:srgbClr val="C71485"/>
                               </a:solidFill>
@@ -7681,7 +7500,7 @@
                         </m:sub>
                       </m:sSub>
                       <m:r>
-                        <a:rPr lang="en-US" altLang="zh-CN" sz="1200" b="0" i="1" smtClean="0">
+                        <a:rPr lang="en-US" altLang="zh-CN" sz="1100" b="0" i="1" smtClean="0">
                           <a:solidFill>
                             <a:srgbClr val="C71485"/>
                           </a:solidFill>
@@ -7695,7 +7514,7 @@
                         <m:t> </m:t>
                       </m:r>
                       <m:r>
-                        <a:rPr lang="en-US" altLang="zh-CN" sz="1200" b="0" i="1" smtClean="0">
+                        <a:rPr lang="en-US" altLang="zh-CN" sz="1100" b="0" i="1" smtClean="0">
                           <a:solidFill>
                             <a:srgbClr val="C71485"/>
                           </a:solidFill>
@@ -7709,7 +7528,7 @@
                         <m:t>𝑔𝑢𝑠𝑡</m:t>
                       </m:r>
                       <m:r>
-                        <a:rPr lang="en-US" altLang="zh-CN" sz="1200" b="0" i="1" smtClean="0">
+                        <a:rPr lang="en-US" altLang="zh-CN" sz="1100" b="0" i="1" smtClean="0">
                           <a:solidFill>
                             <a:srgbClr val="C71485"/>
                           </a:solidFill>
@@ -7723,7 +7542,7 @@
                         <m:t>−</m:t>
                       </m:r>
                       <m:r>
-                        <a:rPr lang="en-US" altLang="zh-CN" sz="1200" b="0" i="1" smtClean="0">
+                        <a:rPr lang="en-US" altLang="zh-CN" sz="1100" b="0" i="1" smtClean="0">
                           <a:solidFill>
                             <a:srgbClr val="C71485"/>
                           </a:solidFill>
@@ -7739,7 +7558,7 @@
                     </m:oMath>
                   </m:oMathPara>
                 </a14:m>
-                <a:endParaRPr lang="zh-CN" altLang="en-US" sz="1200" dirty="0">
+                <a:endParaRPr lang="zh-CN" altLang="en-US" sz="1100" dirty="0">
                   <a:solidFill>
                     <a:srgbClr val="C71485"/>
                   </a:solidFill>
@@ -7753,7 +7572,7 @@
             </p:txBody>
           </p:sp>
         </mc:Choice>
-        <mc:Fallback>
+        <mc:Fallback xmlns="">
           <p:sp>
             <p:nvSpPr>
               <p:cNvPr id="7" name="文本框 6">
@@ -7770,16 +7589,16 @@
             </p:nvSpPr>
             <p:spPr>
               <a:xfrm rot="21422593">
-                <a:off x="8185423" y="3065580"/>
-                <a:ext cx="1306896" cy="276999"/>
+                <a:off x="8502096" y="3292230"/>
+                <a:ext cx="1214948" cy="261610"/>
               </a:xfrm>
               <a:prstGeom prst="rect">
                 <a:avLst/>
               </a:prstGeom>
               <a:blipFill>
-                <a:blip r:embed="rId27"/>
+                <a:blip r:embed="rId21"/>
                 <a:stretch>
-                  <a:fillRect l="-459" b="-8772"/>
+                  <a:fillRect b="-7273"/>
                 </a:stretch>
               </a:blipFill>
               <a:effectLst>
@@ -7817,8 +7636,8 @@
             </p:nvSpPr>
             <p:spPr>
               <a:xfrm rot="396168">
-                <a:off x="5049735" y="3844627"/>
-                <a:ext cx="1303947" cy="276999"/>
+                <a:off x="5851279" y="3941183"/>
+                <a:ext cx="1211998" cy="261610"/>
               </a:xfrm>
               <a:prstGeom prst="rect">
                 <a:avLst/>
@@ -7844,7 +7663,7 @@
                     </m:oMathParaPr>
                     <m:oMath xmlns:m="http://schemas.openxmlformats.org/officeDocument/2006/math">
                       <m:r>
-                        <a:rPr lang="en-US" altLang="zh-CN" sz="1200" b="0" i="1" smtClean="0">
+                        <a:rPr lang="en-US" altLang="zh-CN" sz="1100" b="0" i="1" smtClean="0">
                           <a:solidFill>
                             <a:srgbClr val="DB103A"/>
                           </a:solidFill>
@@ -7860,7 +7679,7 @@
                       <m:sSub>
                         <m:sSubPr>
                           <m:ctrlPr>
-                            <a:rPr lang="en-US" altLang="zh-CN" sz="1200" i="1" smtClean="0">
+                            <a:rPr lang="en-US" altLang="zh-CN" sz="1100" i="1" smtClean="0">
                               <a:solidFill>
                                 <a:srgbClr val="DB103A"/>
                               </a:solidFill>
@@ -7875,7 +7694,7 @@
                         </m:sSubPr>
                         <m:e>
                           <m:r>
-                            <a:rPr lang="en-US" altLang="zh-CN" sz="1200" b="0" i="1" smtClean="0">
+                            <a:rPr lang="en-US" altLang="zh-CN" sz="1100" b="0" i="1" smtClean="0">
                               <a:solidFill>
                                 <a:srgbClr val="DB103A"/>
                               </a:solidFill>
@@ -7891,7 +7710,7 @@
                         </m:e>
                         <m:sub>
                           <m:r>
-                            <a:rPr lang="en-US" altLang="zh-CN" sz="1200" b="0" i="1" smtClean="0">
+                            <a:rPr lang="en-US" altLang="zh-CN" sz="1100" b="0" i="1" smtClean="0">
                               <a:solidFill>
                                 <a:srgbClr val="DB103A"/>
                               </a:solidFill>
@@ -7907,7 +7726,7 @@
                         </m:sub>
                       </m:sSub>
                       <m:r>
-                        <a:rPr lang="en-US" altLang="zh-CN" sz="1200" b="0" i="1" smtClean="0">
+                        <a:rPr lang="en-US" altLang="zh-CN" sz="1100" b="0" i="1" smtClean="0">
                           <a:solidFill>
                             <a:srgbClr val="DB103A"/>
                           </a:solidFill>
@@ -7921,7 +7740,7 @@
                         <m:t> </m:t>
                       </m:r>
                       <m:r>
-                        <a:rPr lang="en-US" altLang="zh-CN" sz="1200" b="0" i="1" smtClean="0">
+                        <a:rPr lang="en-US" altLang="zh-CN" sz="1100" b="0" i="1" smtClean="0">
                           <a:solidFill>
                             <a:srgbClr val="DB103A"/>
                           </a:solidFill>
@@ -7935,7 +7754,7 @@
                         <m:t>𝑔𝑢𝑠𝑡</m:t>
                       </m:r>
                       <m:r>
-                        <a:rPr lang="en-US" altLang="zh-CN" sz="1200" b="0" i="1" smtClean="0">
+                        <a:rPr lang="en-US" altLang="zh-CN" sz="1100" b="0" i="1" smtClean="0">
                           <a:solidFill>
                             <a:srgbClr val="DB103A"/>
                           </a:solidFill>
@@ -7949,7 +7768,7 @@
                         <m:t>−</m:t>
                       </m:r>
                       <m:r>
-                        <a:rPr lang="en-US" altLang="zh-CN" sz="1200" b="0" i="1" smtClean="0">
+                        <a:rPr lang="en-US" altLang="zh-CN" sz="1100" b="0" i="1" smtClean="0">
                           <a:solidFill>
                             <a:srgbClr val="DB103A"/>
                           </a:solidFill>
@@ -7965,7 +7784,7 @@
                     </m:oMath>
                   </m:oMathPara>
                 </a14:m>
-                <a:endParaRPr lang="zh-CN" altLang="en-US" sz="1200" dirty="0">
+                <a:endParaRPr lang="zh-CN" altLang="en-US" sz="1100" dirty="0">
                   <a:solidFill>
                     <a:srgbClr val="DB103A"/>
                   </a:solidFill>
@@ -7996,14 +7815,14 @@
             </p:nvSpPr>
             <p:spPr>
               <a:xfrm rot="396168">
-                <a:off x="5049735" y="3844627"/>
-                <a:ext cx="1303947" cy="276999"/>
+                <a:off x="5851279" y="3941183"/>
+                <a:ext cx="1211998" cy="261610"/>
               </a:xfrm>
               <a:prstGeom prst="rect">
                 <a:avLst/>
               </a:prstGeom>
               <a:blipFill>
-                <a:blip r:embed="rId28"/>
+                <a:blip r:embed="rId22"/>
                 <a:stretch>
                   <a:fillRect/>
                 </a:stretch>
@@ -8027,8 +7846,8 @@
           </p:sp>
         </mc:Fallback>
       </mc:AlternateContent>
-      <mc:AlternateContent xmlns:mc="http://schemas.openxmlformats.org/markup-compatibility/2006">
-        <mc:Choice xmlns:a14="http://schemas.microsoft.com/office/drawing/2010/main" Requires="a14">
+      <mc:AlternateContent xmlns:mc="http://schemas.openxmlformats.org/markup-compatibility/2006" xmlns:a14="http://schemas.microsoft.com/office/drawing/2010/main">
+        <mc:Choice Requires="a14">
           <p:sp>
             <p:nvSpPr>
               <p:cNvPr id="10" name="文本框 9">
@@ -8043,8 +7862,8 @@
             </p:nvSpPr>
             <p:spPr>
               <a:xfrm rot="244308">
-                <a:off x="6600826" y="3591186"/>
-                <a:ext cx="1314784" cy="276999"/>
+                <a:off x="7232709" y="3745628"/>
+                <a:ext cx="1191352" cy="261610"/>
               </a:xfrm>
               <a:prstGeom prst="rect">
                 <a:avLst/>
@@ -8070,7 +7889,7 @@
                     </m:oMathParaPr>
                     <m:oMath xmlns:m="http://schemas.openxmlformats.org/officeDocument/2006/math">
                       <m:r>
-                        <a:rPr lang="en-US" altLang="zh-CN" sz="1200" b="0" i="1" smtClean="0">
+                        <a:rPr lang="en-US" altLang="zh-CN" sz="1100" b="0" i="1" smtClean="0">
                           <a:solidFill>
                             <a:srgbClr val="EC6133"/>
                           </a:solidFill>
@@ -8086,7 +7905,7 @@
                       <m:sSub>
                         <m:sSubPr>
                           <m:ctrlPr>
-                            <a:rPr lang="en-US" altLang="zh-CN" sz="1200" i="1" smtClean="0">
+                            <a:rPr lang="en-US" altLang="zh-CN" sz="1100" i="1" smtClean="0">
                               <a:solidFill>
                                 <a:srgbClr val="EC6133"/>
                               </a:solidFill>
@@ -8101,7 +7920,7 @@
                         </m:sSubPr>
                         <m:e>
                           <m:r>
-                            <a:rPr lang="en-US" altLang="zh-CN" sz="1200" b="0" i="1" smtClean="0">
+                            <a:rPr lang="en-US" altLang="zh-CN" sz="1100" b="0" i="1" smtClean="0">
                               <a:solidFill>
                                 <a:srgbClr val="EC6133"/>
                               </a:solidFill>
@@ -8120,7 +7939,7 @@
                             <m:rPr>
                               <m:sty m:val="p"/>
                             </m:rPr>
-                            <a:rPr lang="en-US" altLang="zh-CN" sz="1200" i="1">
+                            <a:rPr lang="en-US" altLang="zh-CN" sz="1100" i="1">
                               <a:solidFill>
                                 <a:srgbClr val="EC6133"/>
                               </a:solidFill>
@@ -8136,7 +7955,7 @@
                         </m:sub>
                       </m:sSub>
                       <m:r>
-                        <a:rPr lang="en-US" altLang="zh-CN" sz="1200" b="0" i="1" smtClean="0">
+                        <a:rPr lang="en-US" altLang="zh-CN" sz="1100" b="0" i="1" smtClean="0">
                           <a:solidFill>
                             <a:srgbClr val="EC6133"/>
                           </a:solidFill>
@@ -8150,7 +7969,7 @@
                         <m:t> </m:t>
                       </m:r>
                       <m:r>
-                        <a:rPr lang="en-US" altLang="zh-CN" sz="1200" b="0" i="1" smtClean="0">
+                        <a:rPr lang="en-US" altLang="zh-CN" sz="1100" b="0" i="1" smtClean="0">
                           <a:solidFill>
                             <a:srgbClr val="EC6133"/>
                           </a:solidFill>
@@ -8167,7 +7986,7 @@
                         <m:rPr>
                           <m:sty m:val="p"/>
                         </m:rPr>
-                        <a:rPr lang="en-US" altLang="zh-CN" sz="1200" i="1">
+                        <a:rPr lang="en-US" altLang="zh-CN" sz="1100" i="1">
                           <a:solidFill>
                             <a:srgbClr val="EC6133"/>
                           </a:solidFill>
@@ -8181,7 +8000,7 @@
                         <m:t>t</m:t>
                       </m:r>
                       <m:r>
-                        <a:rPr lang="en-US" altLang="zh-CN" sz="1200" b="0" i="1" smtClean="0">
+                        <a:rPr lang="en-US" altLang="zh-CN" sz="1100" b="0" i="1" smtClean="0">
                           <a:solidFill>
                             <a:srgbClr val="EC6133"/>
                           </a:solidFill>
@@ -8195,7 +8014,7 @@
                         <m:t>−</m:t>
                       </m:r>
                       <m:r>
-                        <a:rPr lang="en-US" altLang="zh-CN" sz="1200" b="0" i="1" smtClean="0">
+                        <a:rPr lang="en-US" altLang="zh-CN" sz="1100" b="0" i="1" smtClean="0">
                           <a:solidFill>
                             <a:srgbClr val="EC6133"/>
                           </a:solidFill>
@@ -8211,7 +8030,7 @@
                     </m:oMath>
                   </m:oMathPara>
                 </a14:m>
-                <a:endParaRPr lang="zh-CN" altLang="en-US" sz="1200" dirty="0">
+                <a:endParaRPr lang="zh-CN" altLang="en-US" sz="1100" dirty="0">
                   <a:solidFill>
                     <a:srgbClr val="EC6133"/>
                   </a:solidFill>
@@ -8225,7 +8044,7 @@
             </p:txBody>
           </p:sp>
         </mc:Choice>
-        <mc:Fallback>
+        <mc:Fallback xmlns="">
           <p:sp>
             <p:nvSpPr>
               <p:cNvPr id="10" name="文本框 9">
@@ -8242,14 +8061,14 @@
             </p:nvSpPr>
             <p:spPr>
               <a:xfrm rot="244308">
-                <a:off x="6600826" y="3591186"/>
-                <a:ext cx="1314784" cy="276999"/>
+                <a:off x="7232709" y="3745628"/>
+                <a:ext cx="1191352" cy="261610"/>
               </a:xfrm>
               <a:prstGeom prst="rect">
                 <a:avLst/>
               </a:prstGeom>
               <a:blipFill>
-                <a:blip r:embed="rId29"/>
+                <a:blip r:embed="rId23"/>
                 <a:stretch>
                   <a:fillRect/>
                 </a:stretch>
@@ -8273,8 +8092,8 @@
           </p:sp>
         </mc:Fallback>
       </mc:AlternateContent>
-      <mc:AlternateContent xmlns:mc="http://schemas.openxmlformats.org/markup-compatibility/2006">
-        <mc:Choice xmlns:a14="http://schemas.microsoft.com/office/drawing/2010/main" Requires="a14">
+      <mc:AlternateContent xmlns:mc="http://schemas.openxmlformats.org/markup-compatibility/2006" xmlns:a14="http://schemas.microsoft.com/office/drawing/2010/main">
+        <mc:Choice Requires="a14">
           <p:sp>
             <p:nvSpPr>
               <p:cNvPr id="11" name="文本框 10">
@@ -8289,8 +8108,8 @@
             </p:nvSpPr>
             <p:spPr>
               <a:xfrm rot="163166">
-                <a:off x="8185863" y="3428635"/>
-                <a:ext cx="1306896" cy="276999"/>
+                <a:off x="8502096" y="3600381"/>
+                <a:ext cx="1214948" cy="261610"/>
               </a:xfrm>
               <a:prstGeom prst="rect">
                 <a:avLst/>
@@ -8316,7 +8135,7 @@
                     </m:oMathParaPr>
                     <m:oMath xmlns:m="http://schemas.openxmlformats.org/officeDocument/2006/math">
                       <m:r>
-                        <a:rPr lang="en-US" altLang="zh-CN" sz="1200" b="0" i="1" smtClean="0">
+                        <a:rPr lang="en-US" altLang="zh-CN" sz="1100" b="0" i="1" smtClean="0">
                           <a:solidFill>
                             <a:srgbClr val="C71485"/>
                           </a:solidFill>
@@ -8332,7 +8151,7 @@
                       <m:sSub>
                         <m:sSubPr>
                           <m:ctrlPr>
-                            <a:rPr lang="en-US" altLang="zh-CN" sz="1200" i="1" smtClean="0">
+                            <a:rPr lang="en-US" altLang="zh-CN" sz="1100" i="1" smtClean="0">
                               <a:solidFill>
                                 <a:srgbClr val="C71485"/>
                               </a:solidFill>
@@ -8347,7 +8166,7 @@
                         </m:sSubPr>
                         <m:e>
                           <m:r>
-                            <a:rPr lang="en-US" altLang="zh-CN" sz="1200" b="0" i="1" smtClean="0">
+                            <a:rPr lang="en-US" altLang="zh-CN" sz="1100" b="0" i="1" smtClean="0">
                               <a:solidFill>
                                 <a:srgbClr val="C71485"/>
                               </a:solidFill>
@@ -8363,7 +8182,7 @@
                         </m:e>
                         <m:sub>
                           <m:r>
-                            <a:rPr lang="en-US" altLang="zh-CN" sz="1200" b="0" i="1" smtClean="0">
+                            <a:rPr lang="en-US" altLang="zh-CN" sz="1100" b="0" i="1" smtClean="0">
                               <a:solidFill>
                                 <a:srgbClr val="C71485"/>
                               </a:solidFill>
@@ -8379,7 +8198,7 @@
                         </m:sub>
                       </m:sSub>
                       <m:r>
-                        <a:rPr lang="en-US" altLang="zh-CN" sz="1200" b="0" i="1" smtClean="0">
+                        <a:rPr lang="en-US" altLang="zh-CN" sz="1100" b="0" i="1" smtClean="0">
                           <a:solidFill>
                             <a:srgbClr val="C71485"/>
                           </a:solidFill>
@@ -8393,7 +8212,7 @@
                         <m:t> </m:t>
                       </m:r>
                       <m:r>
-                        <a:rPr lang="en-US" altLang="zh-CN" sz="1200" b="0" i="1" smtClean="0">
+                        <a:rPr lang="en-US" altLang="zh-CN" sz="1100" b="0" i="1" smtClean="0">
                           <a:solidFill>
                             <a:srgbClr val="C71485"/>
                           </a:solidFill>
@@ -8407,7 +8226,7 @@
                         <m:t>𝑔𝑢𝑠𝑡</m:t>
                       </m:r>
                       <m:r>
-                        <a:rPr lang="en-US" altLang="zh-CN" sz="1200" b="0" i="1" smtClean="0">
+                        <a:rPr lang="en-US" altLang="zh-CN" sz="1100" b="0" i="1" smtClean="0">
                           <a:solidFill>
                             <a:srgbClr val="C71485"/>
                           </a:solidFill>
@@ -8421,7 +8240,7 @@
                         <m:t>−</m:t>
                       </m:r>
                       <m:r>
-                        <a:rPr lang="en-US" altLang="zh-CN" sz="1200" b="0" i="1" smtClean="0">
+                        <a:rPr lang="en-US" altLang="zh-CN" sz="1100" b="0" i="1" smtClean="0">
                           <a:solidFill>
                             <a:srgbClr val="C71485"/>
                           </a:solidFill>
@@ -8437,7 +8256,7 @@
                     </m:oMath>
                   </m:oMathPara>
                 </a14:m>
-                <a:endParaRPr lang="zh-CN" altLang="en-US" sz="1200" dirty="0">
+                <a:endParaRPr lang="zh-CN" altLang="en-US" sz="1100" dirty="0">
                   <a:solidFill>
                     <a:srgbClr val="C71485"/>
                   </a:solidFill>
@@ -8451,7 +8270,7 @@
             </p:txBody>
           </p:sp>
         </mc:Choice>
-        <mc:Fallback>
+        <mc:Fallback xmlns="">
           <p:sp>
             <p:nvSpPr>
               <p:cNvPr id="11" name="文本框 10">
@@ -8468,16 +8287,16 @@
             </p:nvSpPr>
             <p:spPr>
               <a:xfrm rot="163166">
-                <a:off x="8185863" y="3428635"/>
-                <a:ext cx="1306896" cy="276999"/>
+                <a:off x="8502096" y="3600381"/>
+                <a:ext cx="1214948" cy="261610"/>
               </a:xfrm>
               <a:prstGeom prst="rect">
                 <a:avLst/>
               </a:prstGeom>
               <a:blipFill>
-                <a:blip r:embed="rId30"/>
+                <a:blip r:embed="rId24"/>
                 <a:stretch>
-                  <a:fillRect b="-7143"/>
+                  <a:fillRect b="-5556"/>
                 </a:stretch>
               </a:blipFill>
               <a:effectLst>
@@ -8515,20 +8334,22 @@
             </p:nvSpPr>
             <p:spPr>
               <a:xfrm>
-                <a:off x="1617928" y="1757038"/>
-                <a:ext cx="602921" cy="338554"/>
+                <a:off x="1968836" y="2269761"/>
+                <a:ext cx="602922" cy="338554"/>
               </a:xfrm>
               <a:prstGeom prst="rect">
                 <a:avLst/>
               </a:prstGeom>
-              <a:noFill/>
+              <a:solidFill>
+                <a:schemeClr val="bg1"/>
+              </a:solidFill>
               <a:ln>
                 <a:solidFill>
                   <a:schemeClr val="bg1"/>
                 </a:solidFill>
               </a:ln>
               <a:effectLst>
-                <a:softEdge rad="38100"/>
+                <a:softEdge rad="50800"/>
               </a:effectLst>
             </p:spPr>
             <p:txBody>
@@ -8628,14 +8449,14 @@
             </p:nvSpPr>
             <p:spPr>
               <a:xfrm>
-                <a:off x="1617928" y="1757038"/>
-                <a:ext cx="602921" cy="338554"/>
+                <a:off x="1968836" y="2269761"/>
+                <a:ext cx="602922" cy="338554"/>
               </a:xfrm>
               <a:prstGeom prst="rect">
                 <a:avLst/>
               </a:prstGeom>
               <a:blipFill>
-                <a:blip r:embed="rId31"/>
+                <a:blip r:embed="rId25"/>
                 <a:stretch>
                   <a:fillRect b="-13793"/>
                 </a:stretch>
@@ -8646,7 +8467,7 @@
                 </a:solidFill>
               </a:ln>
               <a:effectLst>
-                <a:softEdge rad="38100"/>
+                <a:softEdge rad="50800"/>
               </a:effectLst>
             </p:spPr>
             <p:txBody>
@@ -8680,20 +8501,20 @@
             </p:nvSpPr>
             <p:spPr>
               <a:xfrm>
-                <a:off x="1617928" y="2200961"/>
+                <a:off x="1318164" y="2610585"/>
                 <a:ext cx="1625510" cy="391902"/>
               </a:xfrm>
               <a:prstGeom prst="rect">
                 <a:avLst/>
               </a:prstGeom>
-              <a:noFill/>
+              <a:solidFill>
+                <a:schemeClr val="bg1"/>
+              </a:solidFill>
               <a:ln>
-                <a:solidFill>
-                  <a:schemeClr val="bg1"/>
-                </a:solidFill>
+                <a:noFill/>
               </a:ln>
               <a:effectLst>
-                <a:softEdge rad="38100"/>
+                <a:softEdge rad="76200"/>
               </a:effectLst>
             </p:spPr>
             <p:txBody>
@@ -8828,25 +8649,23 @@
             </p:nvSpPr>
             <p:spPr>
               <a:xfrm>
-                <a:off x="1617928" y="2200961"/>
+                <a:off x="1318164" y="2610585"/>
                 <a:ext cx="1625510" cy="391902"/>
               </a:xfrm>
               <a:prstGeom prst="rect">
                 <a:avLst/>
               </a:prstGeom>
               <a:blipFill>
-                <a:blip r:embed="rId32"/>
+                <a:blip r:embed="rId26"/>
                 <a:stretch>
-                  <a:fillRect l="-1115" r="-1115" b="-19697"/>
+                  <a:fillRect l="-1498" r="-1498" b="-20000"/>
                 </a:stretch>
               </a:blipFill>
               <a:ln>
-                <a:solidFill>
-                  <a:schemeClr val="bg1"/>
-                </a:solidFill>
+                <a:noFill/>
               </a:ln>
               <a:effectLst>
-                <a:softEdge rad="38100"/>
+                <a:softEdge rad="76200"/>
               </a:effectLst>
             </p:spPr>
             <p:txBody>
@@ -8880,20 +8699,22 @@
             </p:nvSpPr>
             <p:spPr>
               <a:xfrm>
-                <a:off x="1617928" y="4998237"/>
+                <a:off x="1843794" y="4790331"/>
                 <a:ext cx="892937" cy="391902"/>
               </a:xfrm>
               <a:prstGeom prst="rect">
                 <a:avLst/>
               </a:prstGeom>
-              <a:noFill/>
+              <a:solidFill>
+                <a:schemeClr val="bg1"/>
+              </a:solidFill>
               <a:ln>
                 <a:solidFill>
                   <a:schemeClr val="bg1"/>
                 </a:solidFill>
               </a:ln>
               <a:effectLst>
-                <a:softEdge rad="38100"/>
+                <a:softEdge rad="63500"/>
               </a:effectLst>
             </p:spPr>
             <p:txBody>
@@ -9028,14 +8849,14 @@
             </p:nvSpPr>
             <p:spPr>
               <a:xfrm>
-                <a:off x="1617928" y="4998237"/>
+                <a:off x="1843794" y="4790331"/>
                 <a:ext cx="892937" cy="391902"/>
               </a:xfrm>
               <a:prstGeom prst="rect">
                 <a:avLst/>
               </a:prstGeom>
               <a:blipFill>
-                <a:blip r:embed="rId33"/>
+                <a:blip r:embed="rId27"/>
                 <a:stretch>
                   <a:fillRect b="-15152"/>
                 </a:stretch>
@@ -9046,7 +8867,7 @@
                 </a:solidFill>
               </a:ln>
               <a:effectLst>
-                <a:softEdge rad="38100"/>
+                <a:softEdge rad="63500"/>
               </a:effectLst>
             </p:spPr>
             <p:txBody>
@@ -9080,19 +8901,17 @@
             </p:nvSpPr>
             <p:spPr>
               <a:xfrm>
-                <a:off x="6067650" y="2204356"/>
+                <a:off x="6800094" y="2493709"/>
                 <a:ext cx="481927" cy="369332"/>
               </a:xfrm>
               <a:prstGeom prst="rect">
                 <a:avLst/>
               </a:prstGeom>
-              <a:noFill/>
+              <a:solidFill>
+                <a:schemeClr val="bg1"/>
+              </a:solidFill>
               <a:effectLst>
-                <a:outerShdw blurRad="63500" sx="102000" sy="102000" algn="ctr" rotWithShape="0">
-                  <a:prstClr val="black">
-                    <a:alpha val="40000"/>
-                  </a:prstClr>
-                </a:outerShdw>
+                <a:softEdge rad="127000"/>
               </a:effectLst>
             </p:spPr>
             <p:txBody>
@@ -9191,24 +9010,20 @@
             </p:nvSpPr>
             <p:spPr>
               <a:xfrm>
-                <a:off x="6067650" y="2204356"/>
+                <a:off x="6800094" y="2493709"/>
                 <a:ext cx="481927" cy="369332"/>
               </a:xfrm>
               <a:prstGeom prst="rect">
                 <a:avLst/>
               </a:prstGeom>
               <a:blipFill>
-                <a:blip r:embed="rId34"/>
+                <a:blip r:embed="rId28"/>
                 <a:stretch>
-                  <a:fillRect/>
+                  <a:fillRect l="-5063" b="-14754"/>
                 </a:stretch>
               </a:blipFill>
               <a:effectLst>
-                <a:outerShdw blurRad="63500" sx="102000" sy="102000" algn="ctr" rotWithShape="0">
-                  <a:prstClr val="black">
-                    <a:alpha val="40000"/>
-                  </a:prstClr>
-                </a:outerShdw>
+                <a:softEdge rad="127000"/>
               </a:effectLst>
             </p:spPr>
             <p:txBody>
@@ -9226,8 +9041,8 @@
           </p:sp>
         </mc:Fallback>
       </mc:AlternateContent>
-      <mc:AlternateContent xmlns:mc="http://schemas.openxmlformats.org/markup-compatibility/2006">
-        <mc:Choice xmlns:a14="http://schemas.microsoft.com/office/drawing/2010/main" Requires="a14">
+      <mc:AlternateContent xmlns:mc="http://schemas.openxmlformats.org/markup-compatibility/2006" xmlns:a14="http://schemas.microsoft.com/office/drawing/2010/main">
+        <mc:Choice Requires="a14">
           <p:sp>
             <p:nvSpPr>
               <p:cNvPr id="12" name="文本框 11">
@@ -9242,17 +9057,17 @@
             </p:nvSpPr>
             <p:spPr>
               <a:xfrm>
-                <a:off x="9743275" y="1073281"/>
+                <a:off x="10013573" y="1456574"/>
                 <a:ext cx="982961" cy="584775"/>
               </a:xfrm>
               <a:prstGeom prst="rect">
                 <a:avLst/>
               </a:prstGeom>
-              <a:noFill/>
+              <a:solidFill>
+                <a:schemeClr val="bg1"/>
+              </a:solidFill>
               <a:effectLst>
-                <a:outerShdw blurRad="88900" sx="107000" sy="107000" algn="ctr" rotWithShape="0">
-                  <a:prstClr val="black"/>
-                </a:outerShdw>
+                <a:softEdge rad="76200"/>
               </a:effectLst>
             </p:spPr>
             <p:txBody>
@@ -9342,7 +9157,7 @@
             </p:txBody>
           </p:sp>
         </mc:Choice>
-        <mc:Fallback>
+        <mc:Fallback xmlns="">
           <p:sp>
             <p:nvSpPr>
               <p:cNvPr id="12" name="文本框 11">
@@ -9359,22 +9174,20 @@
             </p:nvSpPr>
             <p:spPr>
               <a:xfrm>
-                <a:off x="9743275" y="1073281"/>
+                <a:off x="10013573" y="1456574"/>
                 <a:ext cx="982961" cy="584775"/>
               </a:xfrm>
               <a:prstGeom prst="rect">
                 <a:avLst/>
               </a:prstGeom>
               <a:blipFill>
-                <a:blip r:embed="rId35"/>
+                <a:blip r:embed="rId29"/>
                 <a:stretch>
-                  <a:fillRect/>
+                  <a:fillRect l="-8075" r="-13043" b="-14583"/>
                 </a:stretch>
               </a:blipFill>
               <a:effectLst>
-                <a:outerShdw blurRad="88900" sx="107000" sy="107000" algn="ctr" rotWithShape="0">
-                  <a:prstClr val="black"/>
-                </a:outerShdw>
+                <a:softEdge rad="76200"/>
               </a:effectLst>
             </p:spPr>
             <p:txBody>
@@ -9409,8 +9222,8 @@
         </p:nvCxnSpPr>
         <p:spPr>
           <a:xfrm flipH="1">
-            <a:off x="8962072" y="1365669"/>
-            <a:ext cx="781203" cy="794040"/>
+            <a:off x="9163630" y="1748962"/>
+            <a:ext cx="849943" cy="766827"/>
           </a:xfrm>
           <a:prstGeom prst="straightConnector1">
             <a:avLst/>
@@ -9437,8 +9250,8 @@
           </a:fontRef>
         </p:style>
       </p:cxnSp>
-      <mc:AlternateContent xmlns:mc="http://schemas.openxmlformats.org/markup-compatibility/2006">
-        <mc:Choice xmlns:a14="http://schemas.microsoft.com/office/drawing/2010/main" Requires="a14">
+      <mc:AlternateContent xmlns:mc="http://schemas.openxmlformats.org/markup-compatibility/2006" xmlns:a14="http://schemas.microsoft.com/office/drawing/2010/main">
+        <mc:Choice Requires="a14">
           <p:sp>
             <p:nvSpPr>
               <p:cNvPr id="29" name="文本框 28">
@@ -9453,7 +9266,7 @@
             </p:nvSpPr>
             <p:spPr>
               <a:xfrm>
-                <a:off x="9671346" y="2186777"/>
+                <a:off x="9892478" y="2445229"/>
                 <a:ext cx="982961" cy="338554"/>
               </a:xfrm>
               <a:prstGeom prst="rect">
@@ -9544,7 +9357,7 @@
             </p:txBody>
           </p:sp>
         </mc:Choice>
-        <mc:Fallback>
+        <mc:Fallback xmlns="">
           <p:sp>
             <p:nvSpPr>
               <p:cNvPr id="29" name="文本框 28">
@@ -9561,14 +9374,14 @@
             </p:nvSpPr>
             <p:spPr>
               <a:xfrm>
-                <a:off x="9671346" y="2186777"/>
+                <a:off x="9892478" y="2445229"/>
                 <a:ext cx="982961" cy="338554"/>
               </a:xfrm>
               <a:prstGeom prst="rect">
                 <a:avLst/>
               </a:prstGeom>
               <a:blipFill>
-                <a:blip r:embed="rId36"/>
+                <a:blip r:embed="rId30"/>
                 <a:stretch>
                   <a:fillRect r="-31034"/>
                 </a:stretch>
@@ -9611,8 +9424,8 @@
         </p:nvCxnSpPr>
         <p:spPr>
           <a:xfrm flipH="1">
-            <a:off x="9008148" y="2356054"/>
-            <a:ext cx="663198" cy="654318"/>
+            <a:off x="9122967" y="2614506"/>
+            <a:ext cx="769511" cy="605714"/>
           </a:xfrm>
           <a:prstGeom prst="straightConnector1">
             <a:avLst/>

--- a/01 - Loads and Fatigue/Annotation.pptx
+++ b/01 - Loads and Fatigue/Annotation.pptx
@@ -5,10 +5,11 @@
     <p:sldMasterId id="2147483648" r:id="rId1"/>
   </p:sldMasterIdLst>
   <p:notesMasterIdLst>
-    <p:notesMasterId r:id="rId3"/>
+    <p:notesMasterId r:id="rId4"/>
   </p:notesMasterIdLst>
   <p:sldIdLst>
     <p:sldId id="256" r:id="rId2"/>
+    <p:sldId id="257" r:id="rId3"/>
   </p:sldIdLst>
   <p:sldSz cx="12192000" cy="6858000"/>
   <p:notesSz cx="6858000" cy="9144000"/>
@@ -118,7 +119,7 @@
 <file path=ppt/revisionInfo.xml><?xml version="1.0" encoding="utf-8"?>
 <p1510:revInfo xmlns:a="http://schemas.openxmlformats.org/drawingml/2006/main" xmlns:r="http://schemas.openxmlformats.org/officeDocument/2006/relationships" xmlns:p1510="http://schemas.microsoft.com/office/powerpoint/2015/10/main">
   <p1510:revLst>
-    <p1510:client id="{C9DE8794-599A-48A2-8DAC-3CEC81A1BCD4}" v="1364" dt="2025-01-29T21:28:21.074"/>
+    <p1510:client id="{C9DE8794-599A-48A2-8DAC-3CEC81A1BCD4}" v="1423" dt="2025-01-30T12:53:53.997"/>
   </p1510:revLst>
 </p1510:revInfo>
 </file>
@@ -128,7 +129,7 @@
   <pc:docChgLst>
     <pc:chgData name="Li, Hanchen F" userId="3aee791e-6a2d-4da7-a77b-fbdf7bf15886" providerId="ADAL" clId="{C9DE8794-599A-48A2-8DAC-3CEC81A1BCD4}"/>
     <pc:docChg chg="undo custSel addSld modSld">
-      <pc:chgData name="Li, Hanchen F" userId="3aee791e-6a2d-4da7-a77b-fbdf7bf15886" providerId="ADAL" clId="{C9DE8794-599A-48A2-8DAC-3CEC81A1BCD4}" dt="2025-01-29T21:28:25.726" v="3218" actId="1076"/>
+      <pc:chgData name="Li, Hanchen F" userId="3aee791e-6a2d-4da7-a77b-fbdf7bf15886" providerId="ADAL" clId="{C9DE8794-599A-48A2-8DAC-3CEC81A1BCD4}" dt="2025-01-30T12:53:58.454" v="3345" actId="1076"/>
       <pc:docMkLst>
         <pc:docMk/>
       </pc:docMkLst>
@@ -411,6 +412,245 @@
           </ac:cxnSpMkLst>
         </pc:cxnChg>
       </pc:sldChg>
+      <pc:sldChg chg="addSp delSp modSp add mod">
+        <pc:chgData name="Li, Hanchen F" userId="3aee791e-6a2d-4da7-a77b-fbdf7bf15886" providerId="ADAL" clId="{C9DE8794-599A-48A2-8DAC-3CEC81A1BCD4}" dt="2025-01-30T12:53:58.454" v="3345" actId="1076"/>
+        <pc:sldMkLst>
+          <pc:docMk/>
+          <pc:sldMk cId="2232820269" sldId="257"/>
+        </pc:sldMkLst>
+        <pc:spChg chg="del">
+          <ac:chgData name="Li, Hanchen F" userId="3aee791e-6a2d-4da7-a77b-fbdf7bf15886" providerId="ADAL" clId="{C9DE8794-599A-48A2-8DAC-3CEC81A1BCD4}" dt="2025-01-30T12:47:40.143" v="3224" actId="478"/>
+          <ac:spMkLst>
+            <pc:docMk/>
+            <pc:sldMk cId="2232820269" sldId="257"/>
+            <ac:spMk id="3" creationId="{BAB3B2B5-CCE7-DFC6-1F18-0628FD266327}"/>
+          </ac:spMkLst>
+        </pc:spChg>
+        <pc:spChg chg="del">
+          <ac:chgData name="Li, Hanchen F" userId="3aee791e-6a2d-4da7-a77b-fbdf7bf15886" providerId="ADAL" clId="{C9DE8794-599A-48A2-8DAC-3CEC81A1BCD4}" dt="2025-01-30T12:47:37.011" v="3222" actId="478"/>
+          <ac:spMkLst>
+            <pc:docMk/>
+            <pc:sldMk cId="2232820269" sldId="257"/>
+            <ac:spMk id="4" creationId="{75716868-D269-E76A-A35F-8F25B2976E1B}"/>
+          </ac:spMkLst>
+        </pc:spChg>
+        <pc:spChg chg="del">
+          <ac:chgData name="Li, Hanchen F" userId="3aee791e-6a2d-4da7-a77b-fbdf7bf15886" providerId="ADAL" clId="{C9DE8794-599A-48A2-8DAC-3CEC81A1BCD4}" dt="2025-01-30T12:47:40.143" v="3224" actId="478"/>
+          <ac:spMkLst>
+            <pc:docMk/>
+            <pc:sldMk cId="2232820269" sldId="257"/>
+            <ac:spMk id="6" creationId="{8F0953BE-1CE8-33F8-EAD5-866C3BFA8DDD}"/>
+          </ac:spMkLst>
+        </pc:spChg>
+        <pc:spChg chg="del">
+          <ac:chgData name="Li, Hanchen F" userId="3aee791e-6a2d-4da7-a77b-fbdf7bf15886" providerId="ADAL" clId="{C9DE8794-599A-48A2-8DAC-3CEC81A1BCD4}" dt="2025-01-30T12:47:40.143" v="3224" actId="478"/>
+          <ac:spMkLst>
+            <pc:docMk/>
+            <pc:sldMk cId="2232820269" sldId="257"/>
+            <ac:spMk id="7" creationId="{DD457A6D-0D90-F533-7625-9EB66F6079B5}"/>
+          </ac:spMkLst>
+        </pc:spChg>
+        <pc:spChg chg="del">
+          <ac:chgData name="Li, Hanchen F" userId="3aee791e-6a2d-4da7-a77b-fbdf7bf15886" providerId="ADAL" clId="{C9DE8794-599A-48A2-8DAC-3CEC81A1BCD4}" dt="2025-01-30T12:47:43.543" v="3228" actId="478"/>
+          <ac:spMkLst>
+            <pc:docMk/>
+            <pc:sldMk cId="2232820269" sldId="257"/>
+            <ac:spMk id="8" creationId="{581F24E7-1CAC-B621-9F86-0AAEE6A01404}"/>
+          </ac:spMkLst>
+        </pc:spChg>
+        <pc:spChg chg="del">
+          <ac:chgData name="Li, Hanchen F" userId="3aee791e-6a2d-4da7-a77b-fbdf7bf15886" providerId="ADAL" clId="{C9DE8794-599A-48A2-8DAC-3CEC81A1BCD4}" dt="2025-01-30T12:47:40.143" v="3224" actId="478"/>
+          <ac:spMkLst>
+            <pc:docMk/>
+            <pc:sldMk cId="2232820269" sldId="257"/>
+            <ac:spMk id="10" creationId="{E753C41F-601A-09CF-614C-E8296C5AB5A9}"/>
+          </ac:spMkLst>
+        </pc:spChg>
+        <pc:spChg chg="del">
+          <ac:chgData name="Li, Hanchen F" userId="3aee791e-6a2d-4da7-a77b-fbdf7bf15886" providerId="ADAL" clId="{C9DE8794-599A-48A2-8DAC-3CEC81A1BCD4}" dt="2025-01-30T12:47:40.143" v="3224" actId="478"/>
+          <ac:spMkLst>
+            <pc:docMk/>
+            <pc:sldMk cId="2232820269" sldId="257"/>
+            <ac:spMk id="11" creationId="{1897326F-BBB9-A15B-D5AB-F91C87F23524}"/>
+          </ac:spMkLst>
+        </pc:spChg>
+        <pc:spChg chg="del">
+          <ac:chgData name="Li, Hanchen F" userId="3aee791e-6a2d-4da7-a77b-fbdf7bf15886" providerId="ADAL" clId="{C9DE8794-599A-48A2-8DAC-3CEC81A1BCD4}" dt="2025-01-30T12:47:39.077" v="3223" actId="478"/>
+          <ac:spMkLst>
+            <pc:docMk/>
+            <pc:sldMk cId="2232820269" sldId="257"/>
+            <ac:spMk id="12" creationId="{D1F4D268-5E88-39D5-CBC2-3FE8AC99FA69}"/>
+          </ac:spMkLst>
+        </pc:spChg>
+        <pc:spChg chg="del">
+          <ac:chgData name="Li, Hanchen F" userId="3aee791e-6a2d-4da7-a77b-fbdf7bf15886" providerId="ADAL" clId="{C9DE8794-599A-48A2-8DAC-3CEC81A1BCD4}" dt="2025-01-30T12:47:39.077" v="3223" actId="478"/>
+          <ac:spMkLst>
+            <pc:docMk/>
+            <pc:sldMk cId="2232820269" sldId="257"/>
+            <ac:spMk id="13" creationId="{A49F5B57-41E5-F4A3-EC67-241578B5BB7B}"/>
+          </ac:spMkLst>
+        </pc:spChg>
+        <pc:spChg chg="del">
+          <ac:chgData name="Li, Hanchen F" userId="3aee791e-6a2d-4da7-a77b-fbdf7bf15886" providerId="ADAL" clId="{C9DE8794-599A-48A2-8DAC-3CEC81A1BCD4}" dt="2025-01-30T12:47:39.077" v="3223" actId="478"/>
+          <ac:spMkLst>
+            <pc:docMk/>
+            <pc:sldMk cId="2232820269" sldId="257"/>
+            <ac:spMk id="14" creationId="{708D6662-CBE4-374C-7F5A-09207EE5A311}"/>
+          </ac:spMkLst>
+        </pc:spChg>
+        <pc:spChg chg="del">
+          <ac:chgData name="Li, Hanchen F" userId="3aee791e-6a2d-4da7-a77b-fbdf7bf15886" providerId="ADAL" clId="{C9DE8794-599A-48A2-8DAC-3CEC81A1BCD4}" dt="2025-01-30T12:47:39.077" v="3223" actId="478"/>
+          <ac:spMkLst>
+            <pc:docMk/>
+            <pc:sldMk cId="2232820269" sldId="257"/>
+            <ac:spMk id="15" creationId="{BD84DE20-4F41-08A0-A8D5-03C9AC6FBF91}"/>
+          </ac:spMkLst>
+        </pc:spChg>
+        <pc:spChg chg="del">
+          <ac:chgData name="Li, Hanchen F" userId="3aee791e-6a2d-4da7-a77b-fbdf7bf15886" providerId="ADAL" clId="{C9DE8794-599A-48A2-8DAC-3CEC81A1BCD4}" dt="2025-01-30T12:47:39.077" v="3223" actId="478"/>
+          <ac:spMkLst>
+            <pc:docMk/>
+            <pc:sldMk cId="2232820269" sldId="257"/>
+            <ac:spMk id="16" creationId="{22D3AC78-C14E-8AC6-82C8-E2B47DD8BC43}"/>
+          </ac:spMkLst>
+        </pc:spChg>
+        <pc:spChg chg="del">
+          <ac:chgData name="Li, Hanchen F" userId="3aee791e-6a2d-4da7-a77b-fbdf7bf15886" providerId="ADAL" clId="{C9DE8794-599A-48A2-8DAC-3CEC81A1BCD4}" dt="2025-01-30T12:47:40.143" v="3224" actId="478"/>
+          <ac:spMkLst>
+            <pc:docMk/>
+            <pc:sldMk cId="2232820269" sldId="257"/>
+            <ac:spMk id="17" creationId="{910B40D4-BA21-779B-C81C-B4901C61D91F}"/>
+          </ac:spMkLst>
+        </pc:spChg>
+        <pc:spChg chg="del">
+          <ac:chgData name="Li, Hanchen F" userId="3aee791e-6a2d-4da7-a77b-fbdf7bf15886" providerId="ADAL" clId="{C9DE8794-599A-48A2-8DAC-3CEC81A1BCD4}" dt="2025-01-30T12:47:39.077" v="3223" actId="478"/>
+          <ac:spMkLst>
+            <pc:docMk/>
+            <pc:sldMk cId="2232820269" sldId="257"/>
+            <ac:spMk id="19" creationId="{C30D92DB-4AD7-0DDB-5118-E0B4B3CEFB9B}"/>
+          </ac:spMkLst>
+        </pc:spChg>
+        <pc:spChg chg="del mod">
+          <ac:chgData name="Li, Hanchen F" userId="3aee791e-6a2d-4da7-a77b-fbdf7bf15886" providerId="ADAL" clId="{C9DE8794-599A-48A2-8DAC-3CEC81A1BCD4}" dt="2025-01-30T12:47:42.522" v="3227" actId="478"/>
+          <ac:spMkLst>
+            <pc:docMk/>
+            <pc:sldMk cId="2232820269" sldId="257"/>
+            <ac:spMk id="21" creationId="{CD6A75B7-CEDD-C1B0-D4B7-65AA9F7F5883}"/>
+          </ac:spMkLst>
+        </pc:spChg>
+        <pc:spChg chg="add mod">
+          <ac:chgData name="Li, Hanchen F" userId="3aee791e-6a2d-4da7-a77b-fbdf7bf15886" providerId="ADAL" clId="{C9DE8794-599A-48A2-8DAC-3CEC81A1BCD4}" dt="2025-01-30T12:53:36.994" v="3338" actId="1076"/>
+          <ac:spMkLst>
+            <pc:docMk/>
+            <pc:sldMk cId="2232820269" sldId="257"/>
+            <ac:spMk id="26" creationId="{DC860992-1A63-890B-CB58-9FA36CE47549}"/>
+          </ac:spMkLst>
+        </pc:spChg>
+        <pc:spChg chg="del">
+          <ac:chgData name="Li, Hanchen F" userId="3aee791e-6a2d-4da7-a77b-fbdf7bf15886" providerId="ADAL" clId="{C9DE8794-599A-48A2-8DAC-3CEC81A1BCD4}" dt="2025-01-30T12:47:41.245" v="3225" actId="478"/>
+          <ac:spMkLst>
+            <pc:docMk/>
+            <pc:sldMk cId="2232820269" sldId="257"/>
+            <ac:spMk id="27" creationId="{2F2C8325-ECB2-0C83-1DC0-ACC0C5FCC5AF}"/>
+          </ac:spMkLst>
+        </pc:spChg>
+        <pc:spChg chg="mod">
+          <ac:chgData name="Li, Hanchen F" userId="3aee791e-6a2d-4da7-a77b-fbdf7bf15886" providerId="ADAL" clId="{C9DE8794-599A-48A2-8DAC-3CEC81A1BCD4}" dt="2025-01-30T12:52:59.011" v="3313" actId="1076"/>
+          <ac:spMkLst>
+            <pc:docMk/>
+            <pc:sldMk cId="2232820269" sldId="257"/>
+            <ac:spMk id="28" creationId="{F849A053-3119-E2A5-FE8B-FDB53DED2C78}"/>
+          </ac:spMkLst>
+        </pc:spChg>
+        <pc:spChg chg="del">
+          <ac:chgData name="Li, Hanchen F" userId="3aee791e-6a2d-4da7-a77b-fbdf7bf15886" providerId="ADAL" clId="{C9DE8794-599A-48A2-8DAC-3CEC81A1BCD4}" dt="2025-01-30T12:47:39.077" v="3223" actId="478"/>
+          <ac:spMkLst>
+            <pc:docMk/>
+            <pc:sldMk cId="2232820269" sldId="257"/>
+            <ac:spMk id="29" creationId="{14B1C690-440D-A83D-5083-5B5A5363659D}"/>
+          </ac:spMkLst>
+        </pc:spChg>
+        <pc:spChg chg="del">
+          <ac:chgData name="Li, Hanchen F" userId="3aee791e-6a2d-4da7-a77b-fbdf7bf15886" providerId="ADAL" clId="{C9DE8794-599A-48A2-8DAC-3CEC81A1BCD4}" dt="2025-01-30T12:47:39.077" v="3223" actId="478"/>
+          <ac:spMkLst>
+            <pc:docMk/>
+            <pc:sldMk cId="2232820269" sldId="257"/>
+            <ac:spMk id="35" creationId="{5192D640-A566-1091-9375-C76AA88C1EEB}"/>
+          </ac:spMkLst>
+        </pc:spChg>
+        <pc:spChg chg="del">
+          <ac:chgData name="Li, Hanchen F" userId="3aee791e-6a2d-4da7-a77b-fbdf7bf15886" providerId="ADAL" clId="{C9DE8794-599A-48A2-8DAC-3CEC81A1BCD4}" dt="2025-01-30T12:47:39.077" v="3223" actId="478"/>
+          <ac:spMkLst>
+            <pc:docMk/>
+            <pc:sldMk cId="2232820269" sldId="257"/>
+            <ac:spMk id="39" creationId="{A85AC830-5637-7A29-A55C-24ED75AAB1D5}"/>
+          </ac:spMkLst>
+        </pc:spChg>
+        <pc:spChg chg="del">
+          <ac:chgData name="Li, Hanchen F" userId="3aee791e-6a2d-4da7-a77b-fbdf7bf15886" providerId="ADAL" clId="{C9DE8794-599A-48A2-8DAC-3CEC81A1BCD4}" dt="2025-01-30T12:47:39.077" v="3223" actId="478"/>
+          <ac:spMkLst>
+            <pc:docMk/>
+            <pc:sldMk cId="2232820269" sldId="257"/>
+            <ac:spMk id="51" creationId="{CBB945EB-5725-9A31-C10F-E91AF1649FCC}"/>
+          </ac:spMkLst>
+        </pc:spChg>
+        <pc:spChg chg="del">
+          <ac:chgData name="Li, Hanchen F" userId="3aee791e-6a2d-4da7-a77b-fbdf7bf15886" providerId="ADAL" clId="{C9DE8794-599A-48A2-8DAC-3CEC81A1BCD4}" dt="2025-01-30T12:47:35.974" v="3221" actId="478"/>
+          <ac:spMkLst>
+            <pc:docMk/>
+            <pc:sldMk cId="2232820269" sldId="257"/>
+            <ac:spMk id="58" creationId="{87F3B6A5-CD0A-5C7E-2888-DBC6F3ED3E36}"/>
+          </ac:spMkLst>
+        </pc:spChg>
+        <pc:spChg chg="mod">
+          <ac:chgData name="Li, Hanchen F" userId="3aee791e-6a2d-4da7-a77b-fbdf7bf15886" providerId="ADAL" clId="{C9DE8794-599A-48A2-8DAC-3CEC81A1BCD4}" dt="2025-01-30T12:53:58.454" v="3345" actId="1076"/>
+          <ac:spMkLst>
+            <pc:docMk/>
+            <pc:sldMk cId="2232820269" sldId="257"/>
+            <ac:spMk id="60" creationId="{BBC78EA3-7802-D5EE-5631-5D425FA3D49E}"/>
+          </ac:spMkLst>
+        </pc:spChg>
+        <pc:picChg chg="add mod ord">
+          <ac:chgData name="Li, Hanchen F" userId="3aee791e-6a2d-4da7-a77b-fbdf7bf15886" providerId="ADAL" clId="{C9DE8794-599A-48A2-8DAC-3CEC81A1BCD4}" dt="2025-01-30T12:51:57.027" v="3282" actId="208"/>
+          <ac:picMkLst>
+            <pc:docMk/>
+            <pc:sldMk cId="2232820269" sldId="257"/>
+            <ac:picMk id="22" creationId="{E98E146D-AB55-CA7B-8B9A-87D89AA97605}"/>
+          </ac:picMkLst>
+        </pc:picChg>
+        <pc:picChg chg="del">
+          <ac:chgData name="Li, Hanchen F" userId="3aee791e-6a2d-4da7-a77b-fbdf7bf15886" providerId="ADAL" clId="{C9DE8794-599A-48A2-8DAC-3CEC81A1BCD4}" dt="2025-01-30T12:47:32.340" v="3220" actId="478"/>
+          <ac:picMkLst>
+            <pc:docMk/>
+            <pc:sldMk cId="2232820269" sldId="257"/>
+            <ac:picMk id="24" creationId="{5BEE75B7-FF42-C2E6-F43A-C4A9530845A1}"/>
+          </ac:picMkLst>
+        </pc:picChg>
+        <pc:picChg chg="add mod ord">
+          <ac:chgData name="Li, Hanchen F" userId="3aee791e-6a2d-4da7-a77b-fbdf7bf15886" providerId="ADAL" clId="{C9DE8794-599A-48A2-8DAC-3CEC81A1BCD4}" dt="2025-01-30T12:51:45.729" v="3272" actId="167"/>
+          <ac:picMkLst>
+            <pc:docMk/>
+            <pc:sldMk cId="2232820269" sldId="257"/>
+            <ac:picMk id="25" creationId="{7F8D9B93-22C9-97BD-F42C-123735687F1D}"/>
+          </ac:picMkLst>
+        </pc:picChg>
+        <pc:cxnChg chg="del">
+          <ac:chgData name="Li, Hanchen F" userId="3aee791e-6a2d-4da7-a77b-fbdf7bf15886" providerId="ADAL" clId="{C9DE8794-599A-48A2-8DAC-3CEC81A1BCD4}" dt="2025-01-30T12:47:40.143" v="3224" actId="478"/>
+          <ac:cxnSpMkLst>
+            <pc:docMk/>
+            <pc:sldMk cId="2232820269" sldId="257"/>
+            <ac:cxnSpMk id="30" creationId="{1D435A86-7D0D-F8BA-65D6-9B0ACD73B429}"/>
+          </ac:cxnSpMkLst>
+        </pc:cxnChg>
+        <pc:cxnChg chg="del">
+          <ac:chgData name="Li, Hanchen F" userId="3aee791e-6a2d-4da7-a77b-fbdf7bf15886" providerId="ADAL" clId="{C9DE8794-599A-48A2-8DAC-3CEC81A1BCD4}" dt="2025-01-30T12:47:40.143" v="3224" actId="478"/>
+          <ac:cxnSpMkLst>
+            <pc:docMk/>
+            <pc:sldMk cId="2232820269" sldId="257"/>
+            <ac:cxnSpMk id="31" creationId="{E2867D9D-1EAE-0411-6670-9424D1F50F3A}"/>
+          </ac:cxnSpMkLst>
+        </pc:cxnChg>
+      </pc:sldChg>
     </pc:docChg>
   </pc:docChgLst>
 </pc:chgInfo>
@@ -498,7 +738,7 @@
           <a:p>
             <a:fld id="{8FB9B03E-5389-4B9C-999D-D8E7B42DF894}" type="datetimeFigureOut">
               <a:rPr lang="zh-CN" altLang="en-US" smtClean="0"/>
-              <a:t>2025/1/29</a:t>
+              <a:t>2025/1/30</a:t>
             </a:fld>
             <a:endParaRPr lang="zh-CN" altLang="en-US"/>
           </a:p>
@@ -849,6 +1089,114 @@
 </p:notes>
 </file>
 
+<file path=ppt/notesSlides/notesSlide2.xml><?xml version="1.0" encoding="utf-8"?>
+<p:notes xmlns:a="http://schemas.openxmlformats.org/drawingml/2006/main" xmlns:r="http://schemas.openxmlformats.org/officeDocument/2006/relationships" xmlns:p="http://schemas.openxmlformats.org/presentationml/2006/main">
+  <p:cSld>
+    <p:spTree>
+      <p:nvGrpSpPr>
+        <p:cNvPr id="1" name="">
+          <a:extLst>
+            <a:ext uri="{FF2B5EF4-FFF2-40B4-BE49-F238E27FC236}">
+              <a16:creationId xmlns:a16="http://schemas.microsoft.com/office/drawing/2014/main" id="{E8003BA7-9BFE-E498-A284-F3FE626E05D4}"/>
+            </a:ext>
+          </a:extLst>
+        </p:cNvPr>
+        <p:cNvGrpSpPr/>
+        <p:nvPr/>
+      </p:nvGrpSpPr>
+      <p:grpSpPr>
+        <a:xfrm>
+          <a:off x="0" y="0"/>
+          <a:ext cx="0" cy="0"/>
+          <a:chOff x="0" y="0"/>
+          <a:chExt cx="0" cy="0"/>
+        </a:xfrm>
+      </p:grpSpPr>
+      <p:sp>
+        <p:nvSpPr>
+          <p:cNvPr id="2" name="幻灯片图像占位符 1">
+            <a:extLst>
+              <a:ext uri="{FF2B5EF4-FFF2-40B4-BE49-F238E27FC236}">
+                <a16:creationId xmlns:a16="http://schemas.microsoft.com/office/drawing/2014/main" id="{E857EB10-1F19-AA63-92F9-FAAB51DF8196}"/>
+              </a:ext>
+            </a:extLst>
+          </p:cNvPr>
+          <p:cNvSpPr>
+            <a:spLocks noGrp="1" noRot="1" noChangeAspect="1"/>
+          </p:cNvSpPr>
+          <p:nvPr>
+            <p:ph type="sldImg"/>
+          </p:nvPr>
+        </p:nvSpPr>
+        <p:spPr/>
+      </p:sp>
+      <p:sp>
+        <p:nvSpPr>
+          <p:cNvPr id="3" name="备注占位符 2">
+            <a:extLst>
+              <a:ext uri="{FF2B5EF4-FFF2-40B4-BE49-F238E27FC236}">
+                <a16:creationId xmlns:a16="http://schemas.microsoft.com/office/drawing/2014/main" id="{AB7AEC3E-7B64-F50E-6BFE-D8D4FB5AB77C}"/>
+              </a:ext>
+            </a:extLst>
+          </p:cNvPr>
+          <p:cNvSpPr>
+            <a:spLocks noGrp="1"/>
+          </p:cNvSpPr>
+          <p:nvPr>
+            <p:ph type="body" idx="1"/>
+          </p:nvPr>
+        </p:nvSpPr>
+        <p:spPr/>
+        <p:txBody>
+          <a:bodyPr/>
+          <a:lstStyle/>
+          <a:p>
+            <a:endParaRPr lang="zh-CN" altLang="en-US" dirty="0"/>
+          </a:p>
+        </p:txBody>
+      </p:sp>
+      <p:sp>
+        <p:nvSpPr>
+          <p:cNvPr id="4" name="灯片编号占位符 3">
+            <a:extLst>
+              <a:ext uri="{FF2B5EF4-FFF2-40B4-BE49-F238E27FC236}">
+                <a16:creationId xmlns:a16="http://schemas.microsoft.com/office/drawing/2014/main" id="{1A6807DB-BF62-8778-4819-710FF11E2789}"/>
+              </a:ext>
+            </a:extLst>
+          </p:cNvPr>
+          <p:cNvSpPr>
+            <a:spLocks noGrp="1"/>
+          </p:cNvSpPr>
+          <p:nvPr>
+            <p:ph type="sldNum" sz="quarter" idx="5"/>
+          </p:nvPr>
+        </p:nvSpPr>
+        <p:spPr/>
+        <p:txBody>
+          <a:bodyPr/>
+          <a:lstStyle/>
+          <a:p>
+            <a:fld id="{E45D91BD-AA59-4C54-A23D-D76D9AF0E466}" type="slidenum">
+              <a:rPr lang="zh-CN" altLang="en-US" smtClean="0"/>
+              <a:t>2</a:t>
+            </a:fld>
+            <a:endParaRPr lang="zh-CN" altLang="en-US"/>
+          </a:p>
+        </p:txBody>
+      </p:sp>
+    </p:spTree>
+    <p:extLst>
+      <p:ext uri="{BB962C8B-B14F-4D97-AF65-F5344CB8AC3E}">
+        <p14:creationId xmlns:p14="http://schemas.microsoft.com/office/powerpoint/2010/main" val="2999572114"/>
+      </p:ext>
+    </p:extLst>
+  </p:cSld>
+  <p:clrMapOvr>
+    <a:masterClrMapping/>
+  </p:clrMapOvr>
+</p:notes>
+</file>
+
 <file path=ppt/slideLayouts/slideLayout1.xml><?xml version="1.0" encoding="utf-8"?>
 <p:sldLayout xmlns:a="http://schemas.openxmlformats.org/drawingml/2006/main" xmlns:r="http://schemas.openxmlformats.org/officeDocument/2006/relationships" xmlns:p="http://schemas.openxmlformats.org/presentationml/2006/main" type="title" preserve="1">
   <p:cSld name="标题幻灯片">
@@ -996,7 +1344,7 @@
           <a:p>
             <a:fld id="{F4112B75-22D4-4FE2-8E25-D0C9CB4A8A6E}" type="datetimeFigureOut">
               <a:rPr lang="zh-CN" altLang="en-US" smtClean="0"/>
-              <a:t>2025/1/29</a:t>
+              <a:t>2025/1/30</a:t>
             </a:fld>
             <a:endParaRPr lang="zh-CN" altLang="en-US"/>
           </a:p>
@@ -1194,7 +1542,7 @@
           <a:p>
             <a:fld id="{F4112B75-22D4-4FE2-8E25-D0C9CB4A8A6E}" type="datetimeFigureOut">
               <a:rPr lang="zh-CN" altLang="en-US" smtClean="0"/>
-              <a:t>2025/1/29</a:t>
+              <a:t>2025/1/30</a:t>
             </a:fld>
             <a:endParaRPr lang="zh-CN" altLang="en-US"/>
           </a:p>
@@ -1402,7 +1750,7 @@
           <a:p>
             <a:fld id="{F4112B75-22D4-4FE2-8E25-D0C9CB4A8A6E}" type="datetimeFigureOut">
               <a:rPr lang="zh-CN" altLang="en-US" smtClean="0"/>
-              <a:t>2025/1/29</a:t>
+              <a:t>2025/1/30</a:t>
             </a:fld>
             <a:endParaRPr lang="zh-CN" altLang="en-US"/>
           </a:p>
@@ -1600,7 +1948,7 @@
           <a:p>
             <a:fld id="{F4112B75-22D4-4FE2-8E25-D0C9CB4A8A6E}" type="datetimeFigureOut">
               <a:rPr lang="zh-CN" altLang="en-US" smtClean="0"/>
-              <a:t>2025/1/29</a:t>
+              <a:t>2025/1/30</a:t>
             </a:fld>
             <a:endParaRPr lang="zh-CN" altLang="en-US"/>
           </a:p>
@@ -1875,7 +2223,7 @@
           <a:p>
             <a:fld id="{F4112B75-22D4-4FE2-8E25-D0C9CB4A8A6E}" type="datetimeFigureOut">
               <a:rPr lang="zh-CN" altLang="en-US" smtClean="0"/>
-              <a:t>2025/1/29</a:t>
+              <a:t>2025/1/30</a:t>
             </a:fld>
             <a:endParaRPr lang="zh-CN" altLang="en-US"/>
           </a:p>
@@ -2140,7 +2488,7 @@
           <a:p>
             <a:fld id="{F4112B75-22D4-4FE2-8E25-D0C9CB4A8A6E}" type="datetimeFigureOut">
               <a:rPr lang="zh-CN" altLang="en-US" smtClean="0"/>
-              <a:t>2025/1/29</a:t>
+              <a:t>2025/1/30</a:t>
             </a:fld>
             <a:endParaRPr lang="zh-CN" altLang="en-US"/>
           </a:p>
@@ -2552,7 +2900,7 @@
           <a:p>
             <a:fld id="{F4112B75-22D4-4FE2-8E25-D0C9CB4A8A6E}" type="datetimeFigureOut">
               <a:rPr lang="zh-CN" altLang="en-US" smtClean="0"/>
-              <a:t>2025/1/29</a:t>
+              <a:t>2025/1/30</a:t>
             </a:fld>
             <a:endParaRPr lang="zh-CN" altLang="en-US"/>
           </a:p>
@@ -2693,7 +3041,7 @@
           <a:p>
             <a:fld id="{F4112B75-22D4-4FE2-8E25-D0C9CB4A8A6E}" type="datetimeFigureOut">
               <a:rPr lang="zh-CN" altLang="en-US" smtClean="0"/>
-              <a:t>2025/1/29</a:t>
+              <a:t>2025/1/30</a:t>
             </a:fld>
             <a:endParaRPr lang="zh-CN" altLang="en-US"/>
           </a:p>
@@ -2806,7 +3154,7 @@
           <a:p>
             <a:fld id="{F4112B75-22D4-4FE2-8E25-D0C9CB4A8A6E}" type="datetimeFigureOut">
               <a:rPr lang="zh-CN" altLang="en-US" smtClean="0"/>
-              <a:t>2025/1/29</a:t>
+              <a:t>2025/1/30</a:t>
             </a:fld>
             <a:endParaRPr lang="zh-CN" altLang="en-US"/>
           </a:p>
@@ -3117,7 +3465,7 @@
           <a:p>
             <a:fld id="{F4112B75-22D4-4FE2-8E25-D0C9CB4A8A6E}" type="datetimeFigureOut">
               <a:rPr lang="zh-CN" altLang="en-US" smtClean="0"/>
-              <a:t>2025/1/29</a:t>
+              <a:t>2025/1/30</a:t>
             </a:fld>
             <a:endParaRPr lang="zh-CN" altLang="en-US"/>
           </a:p>
@@ -3405,7 +3753,7 @@
           <a:p>
             <a:fld id="{F4112B75-22D4-4FE2-8E25-D0C9CB4A8A6E}" type="datetimeFigureOut">
               <a:rPr lang="zh-CN" altLang="en-US" smtClean="0"/>
-              <a:t>2025/1/29</a:t>
+              <a:t>2025/1/30</a:t>
             </a:fld>
             <a:endParaRPr lang="zh-CN" altLang="en-US"/>
           </a:p>
@@ -3646,7 +3994,7 @@
           <a:p>
             <a:fld id="{F4112B75-22D4-4FE2-8E25-D0C9CB4A8A6E}" type="datetimeFigureOut">
               <a:rPr lang="zh-CN" altLang="en-US" smtClean="0"/>
-              <a:t>2025/1/29</a:t>
+              <a:t>2025/1/30</a:t>
             </a:fld>
             <a:endParaRPr lang="zh-CN" altLang="en-US"/>
           </a:p>
@@ -5118,8 +5466,8 @@
           </p:sp>
         </mc:Fallback>
       </mc:AlternateContent>
-      <mc:AlternateContent xmlns:mc="http://schemas.openxmlformats.org/markup-compatibility/2006">
-        <mc:Choice xmlns:a14="http://schemas.microsoft.com/office/drawing/2010/main" Requires="a14">
+      <mc:AlternateContent xmlns:mc="http://schemas.openxmlformats.org/markup-compatibility/2006" xmlns:a14="http://schemas.microsoft.com/office/drawing/2010/main">
+        <mc:Choice Requires="a14">
           <p:sp>
             <p:nvSpPr>
               <p:cNvPr id="28" name="文本框 27">
@@ -5275,7 +5623,7 @@
             </p:txBody>
           </p:sp>
         </mc:Choice>
-        <mc:Fallback>
+        <mc:Fallback xmlns="">
           <p:sp>
             <p:nvSpPr>
               <p:cNvPr id="28" name="文本框 27">
@@ -9465,6 +9813,731 @@
 </p:sld>
 </file>
 
+<file path=ppt/slides/slide2.xml><?xml version="1.0" encoding="utf-8"?>
+<p:sld xmlns:a="http://schemas.openxmlformats.org/drawingml/2006/main" xmlns:r="http://schemas.openxmlformats.org/officeDocument/2006/relationships" xmlns:p="http://schemas.openxmlformats.org/presentationml/2006/main">
+  <p:cSld>
+    <p:spTree>
+      <p:nvGrpSpPr>
+        <p:cNvPr id="1" name="">
+          <a:extLst>
+            <a:ext uri="{FF2B5EF4-FFF2-40B4-BE49-F238E27FC236}">
+              <a16:creationId xmlns:a16="http://schemas.microsoft.com/office/drawing/2014/main" id="{4BAC063D-789E-F106-83C8-494D14D81EE9}"/>
+            </a:ext>
+          </a:extLst>
+        </p:cNvPr>
+        <p:cNvGrpSpPr/>
+        <p:nvPr/>
+      </p:nvGrpSpPr>
+      <p:grpSpPr>
+        <a:xfrm>
+          <a:off x="0" y="0"/>
+          <a:ext cx="0" cy="0"/>
+          <a:chOff x="0" y="0"/>
+          <a:chExt cx="0" cy="0"/>
+        </a:xfrm>
+      </p:grpSpPr>
+      <p:pic>
+        <p:nvPicPr>
+          <p:cNvPr id="25" name="图片 24">
+            <a:extLst>
+              <a:ext uri="{FF2B5EF4-FFF2-40B4-BE49-F238E27FC236}">
+                <a16:creationId xmlns:a16="http://schemas.microsoft.com/office/drawing/2014/main" id="{7F8D9B93-22C9-97BD-F42C-123735687F1D}"/>
+              </a:ext>
+            </a:extLst>
+          </p:cNvPr>
+          <p:cNvPicPr>
+            <a:picLocks noChangeAspect="1"/>
+          </p:cNvPicPr>
+          <p:nvPr/>
+        </p:nvPicPr>
+        <p:blipFill>
+          <a:blip r:embed="rId3">
+            <a:extLst>
+              <a:ext uri="{28A0092B-C50C-407E-A947-70E740481C1C}">
+                <a14:useLocalDpi xmlns:a14="http://schemas.microsoft.com/office/drawing/2010/main" val="0"/>
+              </a:ext>
+            </a:extLst>
+          </a:blip>
+          <a:srcRect/>
+          <a:stretch/>
+        </p:blipFill>
+        <p:spPr>
+          <a:xfrm>
+            <a:off x="1571625" y="1825355"/>
+            <a:ext cx="10017345" cy="2976918"/>
+          </a:xfrm>
+          <a:prstGeom prst="rect">
+            <a:avLst/>
+          </a:prstGeom>
+        </p:spPr>
+      </p:pic>
+      <p:pic>
+        <p:nvPicPr>
+          <p:cNvPr id="22" name="图片 21" descr="图表, 散点图&#10;&#10;描述已自动生成">
+            <a:extLst>
+              <a:ext uri="{FF2B5EF4-FFF2-40B4-BE49-F238E27FC236}">
+                <a16:creationId xmlns:a16="http://schemas.microsoft.com/office/drawing/2014/main" id="{E98E146D-AB55-CA7B-8B9A-87D89AA97605}"/>
+              </a:ext>
+            </a:extLst>
+          </p:cNvPr>
+          <p:cNvPicPr>
+            <a:picLocks noChangeAspect="1"/>
+          </p:cNvPicPr>
+          <p:nvPr/>
+        </p:nvPicPr>
+        <p:blipFill>
+          <a:blip r:embed="rId4">
+            <a:alphaModFix amt="0"/>
+            <a:extLst>
+              <a:ext uri="{28A0092B-C50C-407E-A947-70E740481C1C}">
+                <a14:useLocalDpi xmlns:a14="http://schemas.microsoft.com/office/drawing/2010/main" val="0"/>
+              </a:ext>
+            </a:extLst>
+          </a:blip>
+          <a:stretch>
+            <a:fillRect/>
+          </a:stretch>
+        </p:blipFill>
+        <p:spPr>
+          <a:xfrm>
+            <a:off x="1673535" y="1790271"/>
+            <a:ext cx="9434598" cy="3047086"/>
+          </a:xfrm>
+          <a:prstGeom prst="rect">
+            <a:avLst/>
+          </a:prstGeom>
+          <a:ln>
+            <a:solidFill>
+              <a:schemeClr val="tx1"/>
+            </a:solidFill>
+          </a:ln>
+        </p:spPr>
+      </p:pic>
+      <mc:AlternateContent xmlns:mc="http://schemas.openxmlformats.org/markup-compatibility/2006">
+        <mc:Choice xmlns:a14="http://schemas.microsoft.com/office/drawing/2010/main" Requires="a14">
+          <p:sp>
+            <p:nvSpPr>
+              <p:cNvPr id="28" name="文本框 27">
+                <a:extLst>
+                  <a:ext uri="{FF2B5EF4-FFF2-40B4-BE49-F238E27FC236}">
+                    <a16:creationId xmlns:a16="http://schemas.microsoft.com/office/drawing/2014/main" id="{F849A053-3119-E2A5-FE8B-FDB53DED2C78}"/>
+                  </a:ext>
+                </a:extLst>
+              </p:cNvPr>
+              <p:cNvSpPr txBox="1"/>
+              <p:nvPr/>
+            </p:nvSpPr>
+            <p:spPr>
+              <a:xfrm>
+                <a:off x="6687177" y="3731548"/>
+                <a:ext cx="2559932" cy="369332"/>
+              </a:xfrm>
+              <a:prstGeom prst="rect">
+                <a:avLst/>
+              </a:prstGeom>
+              <a:noFill/>
+              <a:effectLst>
+                <a:outerShdw blurRad="88900" sx="107000" sy="107000" algn="ctr" rotWithShape="0">
+                  <a:prstClr val="black"/>
+                </a:outerShdw>
+              </a:effectLst>
+            </p:spPr>
+            <p:txBody>
+              <a:bodyPr wrap="none" rtlCol="0">
+                <a:spAutoFit/>
+              </a:bodyPr>
+              <a:lstStyle/>
+              <a:p>
+                <a:pPr/>
+                <a14:m>
+                  <m:oMathPara xmlns:m="http://schemas.openxmlformats.org/officeDocument/2006/math">
+                    <m:oMathParaPr>
+                      <m:jc m:val="centerGroup"/>
+                    </m:oMathParaPr>
+                    <m:oMath xmlns:m="http://schemas.openxmlformats.org/officeDocument/2006/math">
+                      <m:sSub>
+                        <m:sSubPr>
+                          <m:ctrlPr>
+                            <a:rPr lang="en-US" altLang="zh-CN" i="1" smtClean="0">
+                              <a:solidFill>
+                                <a:schemeClr val="tx1"/>
+                              </a:solidFill>
+                              <a:effectLst>
+                                <a:outerShdw blurRad="127000" sx="107000" sy="107000" algn="ctr" rotWithShape="0">
+                                  <a:schemeClr val="bg1"/>
+                                </a:outerShdw>
+                              </a:effectLst>
+                              <a:latin typeface="Cambria Math" panose="02040503050406030204" pitchFamily="18" charset="0"/>
+                            </a:rPr>
+                          </m:ctrlPr>
+                        </m:sSubPr>
+                        <m:e>
+                          <m:r>
+                            <m:rPr>
+                              <m:sty m:val="p"/>
+                            </m:rPr>
+                            <a:rPr lang="en-US" altLang="zh-CN" i="1">
+                              <a:solidFill>
+                                <a:schemeClr val="tx1"/>
+                              </a:solidFill>
+                              <a:effectLst>
+                                <a:outerShdw blurRad="127000" sx="107000" sy="107000" algn="ctr" rotWithShape="0">
+                                  <a:schemeClr val="bg1"/>
+                                </a:outerShdw>
+                              </a:effectLst>
+                              <a:latin typeface="Cambria Math" panose="02040503050406030204" pitchFamily="18" charset="0"/>
+                            </a:rPr>
+                            <m:t>L</m:t>
+                          </m:r>
+                        </m:e>
+                        <m:sub>
+                          <m:r>
+                            <a:rPr lang="en-US" altLang="zh-CN" b="0" i="1" smtClean="0">
+                              <a:solidFill>
+                                <a:schemeClr val="tx1"/>
+                              </a:solidFill>
+                              <a:effectLst>
+                                <a:outerShdw blurRad="127000" sx="107000" sy="107000" algn="ctr" rotWithShape="0">
+                                  <a:schemeClr val="bg1"/>
+                                </a:outerShdw>
+                              </a:effectLst>
+                              <a:latin typeface="Cambria Math" panose="02040503050406030204" pitchFamily="18" charset="0"/>
+                            </a:rPr>
+                            <m:t>𝑚𝑖𝑛</m:t>
+                          </m:r>
+                          <m:r>
+                            <a:rPr lang="en-US" altLang="zh-CN" b="0" i="1" smtClean="0">
+                              <a:solidFill>
+                                <a:schemeClr val="tx1"/>
+                              </a:solidFill>
+                              <a:effectLst>
+                                <a:outerShdw blurRad="127000" sx="107000" sy="107000" algn="ctr" rotWithShape="0">
+                                  <a:schemeClr val="bg1"/>
+                                </a:outerShdw>
+                              </a:effectLst>
+                              <a:latin typeface="Cambria Math" panose="02040503050406030204" pitchFamily="18" charset="0"/>
+                            </a:rPr>
+                            <m:t>=</m:t>
+                          </m:r>
+                        </m:sub>
+                      </m:sSub>
+                      <m:r>
+                        <a:rPr lang="en-US" altLang="zh-CN" b="0" i="1" smtClean="0">
+                          <a:solidFill>
+                            <a:schemeClr val="tx1"/>
+                          </a:solidFill>
+                          <a:effectLst>
+                            <a:outerShdw blurRad="127000" sx="107000" sy="107000" algn="ctr" rotWithShape="0">
+                              <a:schemeClr val="bg1"/>
+                            </a:outerShdw>
+                          </a:effectLst>
+                          <a:latin typeface="Cambria Math" panose="02040503050406030204" pitchFamily="18" charset="0"/>
+                        </a:rPr>
+                        <m:t>=−220004</m:t>
+                      </m:r>
+                      <m:r>
+                        <a:rPr lang="en-US" altLang="zh-CN" b="0" i="1" smtClean="0">
+                          <a:solidFill>
+                            <a:schemeClr val="tx1"/>
+                          </a:solidFill>
+                          <a:effectLst>
+                            <a:outerShdw blurRad="127000" sx="107000" sy="107000" algn="ctr" rotWithShape="0">
+                              <a:schemeClr val="bg1"/>
+                            </a:outerShdw>
+                          </a:effectLst>
+                          <a:latin typeface="Cambria Math" panose="02040503050406030204" pitchFamily="18" charset="0"/>
+                        </a:rPr>
+                        <m:t>𝑁</m:t>
+                      </m:r>
+                      <m:r>
+                        <a:rPr lang="en-US" altLang="zh-CN" b="0" i="1" smtClean="0">
+                          <a:solidFill>
+                            <a:schemeClr val="tx1"/>
+                          </a:solidFill>
+                          <a:effectLst>
+                            <a:outerShdw blurRad="127000" sx="107000" sy="107000" algn="ctr" rotWithShape="0">
+                              <a:schemeClr val="bg1"/>
+                            </a:outerShdw>
+                          </a:effectLst>
+                          <a:latin typeface="Cambria Math" panose="02040503050406030204" pitchFamily="18" charset="0"/>
+                        </a:rPr>
+                        <m:t>/</m:t>
+                      </m:r>
+                      <m:r>
+                        <a:rPr lang="en-US" altLang="zh-CN" b="0" i="1" smtClean="0">
+                          <a:solidFill>
+                            <a:schemeClr val="tx1"/>
+                          </a:solidFill>
+                          <a:effectLst>
+                            <a:outerShdw blurRad="127000" sx="107000" sy="107000" algn="ctr" rotWithShape="0">
+                              <a:schemeClr val="bg1"/>
+                            </a:outerShdw>
+                          </a:effectLst>
+                          <a:latin typeface="Cambria Math" panose="02040503050406030204" pitchFamily="18" charset="0"/>
+                        </a:rPr>
+                        <m:t>𝑚</m:t>
+                      </m:r>
+                    </m:oMath>
+                  </m:oMathPara>
+                </a14:m>
+                <a:endParaRPr lang="zh-CN" altLang="en-US" i="1" dirty="0">
+                  <a:solidFill>
+                    <a:schemeClr val="tx1"/>
+                  </a:solidFill>
+                  <a:effectLst>
+                    <a:outerShdw blurRad="127000" sx="107000" sy="107000" algn="ctr" rotWithShape="0">
+                      <a:schemeClr val="bg1"/>
+                    </a:outerShdw>
+                  </a:effectLst>
+                </a:endParaRPr>
+              </a:p>
+            </p:txBody>
+          </p:sp>
+        </mc:Choice>
+        <mc:Fallback>
+          <p:sp>
+            <p:nvSpPr>
+              <p:cNvPr id="28" name="文本框 27">
+                <a:extLst>
+                  <a:ext uri="{FF2B5EF4-FFF2-40B4-BE49-F238E27FC236}">
+                    <a16:creationId xmlns:a16="http://schemas.microsoft.com/office/drawing/2014/main" id="{F849A053-3119-E2A5-FE8B-FDB53DED2C78}"/>
+                  </a:ext>
+                </a:extLst>
+              </p:cNvPr>
+              <p:cNvSpPr txBox="1">
+                <a:spLocks noRot="1" noChangeAspect="1" noMove="1" noResize="1" noEditPoints="1" noAdjustHandles="1" noChangeArrowheads="1" noChangeShapeType="1" noTextEdit="1"/>
+              </p:cNvSpPr>
+              <p:nvPr/>
+            </p:nvSpPr>
+            <p:spPr>
+              <a:xfrm>
+                <a:off x="6687177" y="3731548"/>
+                <a:ext cx="2559932" cy="369332"/>
+              </a:xfrm>
+              <a:prstGeom prst="rect">
+                <a:avLst/>
+              </a:prstGeom>
+              <a:blipFill>
+                <a:blip r:embed="rId5"/>
+                <a:stretch>
+                  <a:fillRect b="-1053"/>
+                </a:stretch>
+              </a:blipFill>
+              <a:effectLst>
+                <a:outerShdw blurRad="88900" sx="107000" sy="107000" algn="ctr" rotWithShape="0">
+                  <a:prstClr val="black"/>
+                </a:outerShdw>
+              </a:effectLst>
+            </p:spPr>
+            <p:txBody>
+              <a:bodyPr/>
+              <a:lstStyle/>
+              <a:p>
+                <a:r>
+                  <a:rPr lang="zh-CN" altLang="en-US">
+                    <a:noFill/>
+                  </a:rPr>
+                  <a:t> </a:t>
+                </a:r>
+              </a:p>
+            </p:txBody>
+          </p:sp>
+        </mc:Fallback>
+      </mc:AlternateContent>
+      <mc:AlternateContent xmlns:mc="http://schemas.openxmlformats.org/markup-compatibility/2006">
+        <mc:Choice xmlns:a14="http://schemas.microsoft.com/office/drawing/2010/main" Requires="a14">
+          <p:sp>
+            <p:nvSpPr>
+              <p:cNvPr id="60" name="文本框 59">
+                <a:extLst>
+                  <a:ext uri="{FF2B5EF4-FFF2-40B4-BE49-F238E27FC236}">
+                    <a16:creationId xmlns:a16="http://schemas.microsoft.com/office/drawing/2014/main" id="{BBC78EA3-7802-D5EE-5631-5D425FA3D49E}"/>
+                  </a:ext>
+                </a:extLst>
+              </p:cNvPr>
+              <p:cNvSpPr txBox="1"/>
+              <p:nvPr/>
+            </p:nvSpPr>
+            <p:spPr>
+              <a:xfrm>
+                <a:off x="9685459" y="3639215"/>
+                <a:ext cx="884537" cy="553998"/>
+              </a:xfrm>
+              <a:prstGeom prst="rect">
+                <a:avLst/>
+              </a:prstGeom>
+              <a:solidFill>
+                <a:schemeClr val="bg1"/>
+              </a:solidFill>
+              <a:effectLst>
+                <a:softEdge rad="76200"/>
+              </a:effectLst>
+            </p:spPr>
+            <p:txBody>
+              <a:bodyPr wrap="none" rtlCol="0">
+                <a:spAutoFit/>
+              </a:bodyPr>
+              <a:lstStyle/>
+              <a:p>
+                <a:pPr>
+                  <a:lnSpc>
+                    <a:spcPct val="150000"/>
+                  </a:lnSpc>
+                </a:pPr>
+                <a14:m>
+                  <m:oMathPara xmlns:m="http://schemas.openxmlformats.org/officeDocument/2006/math">
+                    <m:oMathParaPr>
+                      <m:jc m:val="centerGroup"/>
+                    </m:oMathParaPr>
+                    <m:oMath xmlns:m="http://schemas.openxmlformats.org/officeDocument/2006/math">
+                      <m:r>
+                        <a:rPr lang="en-US" altLang="zh-CN" sz="2000" b="0" i="1" smtClean="0">
+                          <a:solidFill>
+                            <a:schemeClr val="tx1"/>
+                          </a:solidFill>
+                          <a:effectLst>
+                            <a:outerShdw blurRad="127000" sx="107000" sy="107000" algn="ctr" rotWithShape="0">
+                              <a:schemeClr val="bg1"/>
+                            </a:outerShdw>
+                          </a:effectLst>
+                          <a:latin typeface="Cambria Math" panose="02040503050406030204" pitchFamily="18" charset="0"/>
+                        </a:rPr>
+                        <m:t>𝑛</m:t>
+                      </m:r>
+                      <m:r>
+                        <a:rPr lang="en-US" altLang="zh-CN" sz="2000" b="0" i="1" smtClean="0">
+                          <a:solidFill>
+                            <a:schemeClr val="tx1"/>
+                          </a:solidFill>
+                          <a:effectLst>
+                            <a:outerShdw blurRad="127000" sx="107000" sy="107000" algn="ctr" rotWithShape="0">
+                              <a:schemeClr val="bg1"/>
+                            </a:outerShdw>
+                          </a:effectLst>
+                          <a:latin typeface="Cambria Math" panose="02040503050406030204" pitchFamily="18" charset="0"/>
+                        </a:rPr>
+                        <m:t>=</m:t>
+                      </m:r>
+                      <m:r>
+                        <a:rPr lang="en-US" altLang="zh-CN" sz="2000" b="0" i="1" smtClean="0">
+                          <a:solidFill>
+                            <a:schemeClr val="tx1"/>
+                          </a:solidFill>
+                          <a:effectLst>
+                            <a:outerShdw blurRad="127000" sx="107000" sy="107000" algn="ctr" rotWithShape="0">
+                              <a:schemeClr val="bg1"/>
+                            </a:outerShdw>
+                          </a:effectLst>
+                          <a:latin typeface="Cambria Math" panose="02040503050406030204" pitchFamily="18" charset="0"/>
+                        </a:rPr>
+                        <m:t>1</m:t>
+                      </m:r>
+                    </m:oMath>
+                  </m:oMathPara>
+                </a14:m>
+                <a:endParaRPr lang="en-US" altLang="zh-CN" sz="2000" b="0" i="1" dirty="0">
+                  <a:solidFill>
+                    <a:schemeClr val="tx1"/>
+                  </a:solidFill>
+                  <a:effectLst>
+                    <a:outerShdw blurRad="127000" sx="107000" sy="107000" algn="ctr" rotWithShape="0">
+                      <a:schemeClr val="bg1"/>
+                    </a:outerShdw>
+                  </a:effectLst>
+                </a:endParaRPr>
+              </a:p>
+            </p:txBody>
+          </p:sp>
+        </mc:Choice>
+        <mc:Fallback>
+          <p:sp>
+            <p:nvSpPr>
+              <p:cNvPr id="60" name="文本框 59">
+                <a:extLst>
+                  <a:ext uri="{FF2B5EF4-FFF2-40B4-BE49-F238E27FC236}">
+                    <a16:creationId xmlns:a16="http://schemas.microsoft.com/office/drawing/2014/main" id="{BBC78EA3-7802-D5EE-5631-5D425FA3D49E}"/>
+                  </a:ext>
+                </a:extLst>
+              </p:cNvPr>
+              <p:cNvSpPr txBox="1">
+                <a:spLocks noRot="1" noChangeAspect="1" noMove="1" noResize="1" noEditPoints="1" noAdjustHandles="1" noChangeArrowheads="1" noChangeShapeType="1" noTextEdit="1"/>
+              </p:cNvSpPr>
+              <p:nvPr/>
+            </p:nvSpPr>
+            <p:spPr>
+              <a:xfrm>
+                <a:off x="9685459" y="3639215"/>
+                <a:ext cx="884537" cy="553998"/>
+              </a:xfrm>
+              <a:prstGeom prst="rect">
+                <a:avLst/>
+              </a:prstGeom>
+              <a:blipFill>
+                <a:blip r:embed="rId6"/>
+                <a:stretch>
+                  <a:fillRect/>
+                </a:stretch>
+              </a:blipFill>
+              <a:effectLst>
+                <a:softEdge rad="76200"/>
+              </a:effectLst>
+            </p:spPr>
+            <p:txBody>
+              <a:bodyPr/>
+              <a:lstStyle/>
+              <a:p>
+                <a:r>
+                  <a:rPr lang="zh-CN" altLang="en-US">
+                    <a:noFill/>
+                  </a:rPr>
+                  <a:t> </a:t>
+                </a:r>
+              </a:p>
+            </p:txBody>
+          </p:sp>
+        </mc:Fallback>
+      </mc:AlternateContent>
+      <mc:AlternateContent xmlns:mc="http://schemas.openxmlformats.org/markup-compatibility/2006">
+        <mc:Choice xmlns:a14="http://schemas.microsoft.com/office/drawing/2010/main" Requires="a14">
+          <p:sp>
+            <p:nvSpPr>
+              <p:cNvPr id="26" name="文本框 25">
+                <a:extLst>
+                  <a:ext uri="{FF2B5EF4-FFF2-40B4-BE49-F238E27FC236}">
+                    <a16:creationId xmlns:a16="http://schemas.microsoft.com/office/drawing/2014/main" id="{DC860992-1A63-890B-CB58-9FA36CE47549}"/>
+                  </a:ext>
+                </a:extLst>
+              </p:cNvPr>
+              <p:cNvSpPr txBox="1"/>
+              <p:nvPr/>
+            </p:nvSpPr>
+            <p:spPr>
+              <a:xfrm>
+                <a:off x="3138596" y="1790271"/>
+                <a:ext cx="2773254" cy="338554"/>
+              </a:xfrm>
+              <a:prstGeom prst="rect">
+                <a:avLst/>
+              </a:prstGeom>
+              <a:noFill/>
+              <a:effectLst>
+                <a:outerShdw blurRad="88900" sx="107000" sy="107000" algn="ctr" rotWithShape="0">
+                  <a:prstClr val="black"/>
+                </a:outerShdw>
+              </a:effectLst>
+            </p:spPr>
+            <p:txBody>
+              <a:bodyPr wrap="square" rtlCol="0">
+                <a:spAutoFit/>
+              </a:bodyPr>
+              <a:lstStyle/>
+              <a:p>
+                <a:pPr/>
+                <a14:m>
+                  <m:oMathPara xmlns:m="http://schemas.openxmlformats.org/officeDocument/2006/math">
+                    <m:oMathParaPr>
+                      <m:jc m:val="centerGroup"/>
+                    </m:oMathParaPr>
+                    <m:oMath xmlns:m="http://schemas.openxmlformats.org/officeDocument/2006/math">
+                      <m:sSub>
+                        <m:sSubPr>
+                          <m:ctrlPr>
+                            <a:rPr lang="en-US" altLang="zh-CN" sz="1600" i="1" smtClean="0">
+                              <a:solidFill>
+                                <a:schemeClr val="tx1"/>
+                              </a:solidFill>
+                              <a:effectLst>
+                                <a:outerShdw blurRad="127000" sx="107000" sy="107000" algn="ctr" rotWithShape="0">
+                                  <a:schemeClr val="bg1"/>
+                                </a:outerShdw>
+                              </a:effectLst>
+                              <a:latin typeface="Cambria Math" panose="02040503050406030204" pitchFamily="18" charset="0"/>
+                            </a:rPr>
+                          </m:ctrlPr>
+                        </m:sSubPr>
+                        <m:e>
+                          <m:r>
+                            <m:rPr>
+                              <m:sty m:val="p"/>
+                            </m:rPr>
+                            <a:rPr lang="en-US" altLang="zh-CN" sz="1600" i="1">
+                              <a:solidFill>
+                                <a:schemeClr val="tx1"/>
+                              </a:solidFill>
+                              <a:effectLst>
+                                <a:outerShdw blurRad="127000" sx="107000" sy="107000" algn="ctr" rotWithShape="0">
+                                  <a:schemeClr val="bg1"/>
+                                </a:outerShdw>
+                              </a:effectLst>
+                              <a:latin typeface="Cambria Math" panose="02040503050406030204" pitchFamily="18" charset="0"/>
+                            </a:rPr>
+                            <m:t>L</m:t>
+                          </m:r>
+                        </m:e>
+                        <m:sub>
+                          <m:r>
+                            <a:rPr lang="en-US" altLang="zh-CN" sz="1600" b="0" i="1" smtClean="0">
+                              <a:solidFill>
+                                <a:schemeClr val="tx1"/>
+                              </a:solidFill>
+                              <a:effectLst>
+                                <a:outerShdw blurRad="127000" sx="107000" sy="107000" algn="ctr" rotWithShape="0">
+                                  <a:schemeClr val="bg1"/>
+                                </a:outerShdw>
+                              </a:effectLst>
+                              <a:latin typeface="Cambria Math" panose="02040503050406030204" pitchFamily="18" charset="0"/>
+                            </a:rPr>
+                            <m:t>𝑚𝑎𝑥</m:t>
+                          </m:r>
+                          <m:r>
+                            <a:rPr lang="en-US" altLang="zh-CN" sz="1600" b="0" i="1" smtClean="0">
+                              <a:solidFill>
+                                <a:schemeClr val="tx1"/>
+                              </a:solidFill>
+                              <a:effectLst>
+                                <a:outerShdw blurRad="127000" sx="107000" sy="107000" algn="ctr" rotWithShape="0">
+                                  <a:schemeClr val="bg1"/>
+                                </a:outerShdw>
+                              </a:effectLst>
+                              <a:latin typeface="Cambria Math" panose="02040503050406030204" pitchFamily="18" charset="0"/>
+                            </a:rPr>
+                            <m:t>=</m:t>
+                          </m:r>
+                        </m:sub>
+                      </m:sSub>
+                      <m:r>
+                        <a:rPr lang="en-US" altLang="zh-CN" sz="1600" b="0" i="1" smtClean="0">
+                          <a:solidFill>
+                            <a:schemeClr val="tx1"/>
+                          </a:solidFill>
+                          <a:effectLst>
+                            <a:outerShdw blurRad="127000" sx="107000" sy="107000" algn="ctr" rotWithShape="0">
+                              <a:schemeClr val="bg1"/>
+                            </a:outerShdw>
+                          </a:effectLst>
+                          <a:latin typeface="Cambria Math" panose="02040503050406030204" pitchFamily="18" charset="0"/>
+                        </a:rPr>
+                        <m:t>=−2811.86</m:t>
+                      </m:r>
+                      <m:r>
+                        <m:rPr>
+                          <m:sty m:val="p"/>
+                        </m:rPr>
+                        <a:rPr lang="en-US" altLang="zh-CN" sz="1600" i="1">
+                          <a:effectLst>
+                            <a:outerShdw blurRad="127000" sx="107000" sy="107000" algn="ctr" rotWithShape="0">
+                              <a:schemeClr val="bg1"/>
+                            </a:outerShdw>
+                          </a:effectLst>
+                          <a:latin typeface="Cambria Math" panose="02040503050406030204" pitchFamily="18" charset="0"/>
+                        </a:rPr>
+                        <m:t>N</m:t>
+                      </m:r>
+                      <m:r>
+                        <a:rPr lang="en-US" altLang="zh-CN" sz="1600" i="1">
+                          <a:effectLst>
+                            <a:outerShdw blurRad="127000" sx="107000" sy="107000" algn="ctr" rotWithShape="0">
+                              <a:schemeClr val="bg1"/>
+                            </a:outerShdw>
+                          </a:effectLst>
+                          <a:latin typeface="Cambria Math" panose="02040503050406030204" pitchFamily="18" charset="0"/>
+                        </a:rPr>
+                        <m:t>/</m:t>
+                      </m:r>
+                      <m:r>
+                        <m:rPr>
+                          <m:sty m:val="p"/>
+                        </m:rPr>
+                        <a:rPr lang="en-US" altLang="zh-CN" sz="1600" i="1" smtClean="0">
+                          <a:effectLst>
+                            <a:outerShdw blurRad="127000" sx="107000" sy="107000" algn="ctr" rotWithShape="0">
+                              <a:schemeClr val="bg1"/>
+                            </a:outerShdw>
+                          </a:effectLst>
+                          <a:latin typeface="Cambria Math" panose="02040503050406030204" pitchFamily="18" charset="0"/>
+                        </a:rPr>
+                        <m:t>m</m:t>
+                      </m:r>
+                    </m:oMath>
+                  </m:oMathPara>
+                </a14:m>
+                <a:endParaRPr lang="zh-CN" altLang="en-US" sz="1600" i="1" dirty="0">
+                  <a:solidFill>
+                    <a:schemeClr val="tx1"/>
+                  </a:solidFill>
+                  <a:effectLst>
+                    <a:outerShdw blurRad="127000" sx="107000" sy="107000" algn="ctr" rotWithShape="0">
+                      <a:schemeClr val="bg1"/>
+                    </a:outerShdw>
+                  </a:effectLst>
+                </a:endParaRPr>
+              </a:p>
+            </p:txBody>
+          </p:sp>
+        </mc:Choice>
+        <mc:Fallback>
+          <p:sp>
+            <p:nvSpPr>
+              <p:cNvPr id="26" name="文本框 25">
+                <a:extLst>
+                  <a:ext uri="{FF2B5EF4-FFF2-40B4-BE49-F238E27FC236}">
+                    <a16:creationId xmlns:a16="http://schemas.microsoft.com/office/drawing/2014/main" id="{DC860992-1A63-890B-CB58-9FA36CE47549}"/>
+                  </a:ext>
+                </a:extLst>
+              </p:cNvPr>
+              <p:cNvSpPr txBox="1">
+                <a:spLocks noRot="1" noChangeAspect="1" noMove="1" noResize="1" noEditPoints="1" noAdjustHandles="1" noChangeArrowheads="1" noChangeShapeType="1" noTextEdit="1"/>
+              </p:cNvSpPr>
+              <p:nvPr/>
+            </p:nvSpPr>
+            <p:spPr>
+              <a:xfrm>
+                <a:off x="3138596" y="1790271"/>
+                <a:ext cx="2773254" cy="338554"/>
+              </a:xfrm>
+              <a:prstGeom prst="rect">
+                <a:avLst/>
+              </a:prstGeom>
+              <a:blipFill>
+                <a:blip r:embed="rId7"/>
+                <a:stretch>
+                  <a:fillRect/>
+                </a:stretch>
+              </a:blipFill>
+              <a:effectLst>
+                <a:outerShdw blurRad="88900" sx="107000" sy="107000" algn="ctr" rotWithShape="0">
+                  <a:prstClr val="black"/>
+                </a:outerShdw>
+              </a:effectLst>
+            </p:spPr>
+            <p:txBody>
+              <a:bodyPr/>
+              <a:lstStyle/>
+              <a:p>
+                <a:r>
+                  <a:rPr lang="zh-CN" altLang="en-US">
+                    <a:noFill/>
+                  </a:rPr>
+                  <a:t> </a:t>
+                </a:r>
+              </a:p>
+            </p:txBody>
+          </p:sp>
+        </mc:Fallback>
+      </mc:AlternateContent>
+    </p:spTree>
+    <p:extLst>
+      <p:ext uri="{BB962C8B-B14F-4D97-AF65-F5344CB8AC3E}">
+        <p14:creationId xmlns:p14="http://schemas.microsoft.com/office/powerpoint/2010/main" val="2232820269"/>
+      </p:ext>
+    </p:extLst>
+  </p:cSld>
+  <p:clrMapOvr>
+    <a:masterClrMapping/>
+  </p:clrMapOvr>
+</p:sld>
+</file>
+
 <file path=ppt/theme/theme1.xml><?xml version="1.0" encoding="utf-8"?>
 <a:theme xmlns:a="http://schemas.openxmlformats.org/drawingml/2006/main" name="Office 主题​​">
   <a:themeElements>

--- a/01 - Loads and Fatigue/Annotation.pptx
+++ b/01 - Loads and Fatigue/Annotation.pptx
@@ -119,7 +119,7 @@
 <file path=ppt/revisionInfo.xml><?xml version="1.0" encoding="utf-8"?>
 <p1510:revInfo xmlns:a="http://schemas.openxmlformats.org/drawingml/2006/main" xmlns:r="http://schemas.openxmlformats.org/officeDocument/2006/relationships" xmlns:p1510="http://schemas.microsoft.com/office/powerpoint/2015/10/main">
   <p1510:revLst>
-    <p1510:client id="{C9DE8794-599A-48A2-8DAC-3CEC81A1BCD4}" v="1423" dt="2025-01-30T12:53:53.997"/>
+    <p1510:client id="{C9DE8794-599A-48A2-8DAC-3CEC81A1BCD4}" v="1432" dt="2025-01-30T22:17:21.939"/>
   </p1510:revLst>
 </p1510:revInfo>
 </file>
@@ -129,12 +129,12 @@
   <pc:docChgLst>
     <pc:chgData name="Li, Hanchen F" userId="3aee791e-6a2d-4da7-a77b-fbdf7bf15886" providerId="ADAL" clId="{C9DE8794-599A-48A2-8DAC-3CEC81A1BCD4}"/>
     <pc:docChg chg="undo custSel addSld modSld">
-      <pc:chgData name="Li, Hanchen F" userId="3aee791e-6a2d-4da7-a77b-fbdf7bf15886" providerId="ADAL" clId="{C9DE8794-599A-48A2-8DAC-3CEC81A1BCD4}" dt="2025-01-30T12:53:58.454" v="3345" actId="1076"/>
+      <pc:chgData name="Li, Hanchen F" userId="3aee791e-6a2d-4da7-a77b-fbdf7bf15886" providerId="ADAL" clId="{C9DE8794-599A-48A2-8DAC-3CEC81A1BCD4}" dt="2025-01-30T22:17:21.939" v="3357" actId="207"/>
       <pc:docMkLst>
         <pc:docMk/>
       </pc:docMkLst>
       <pc:sldChg chg="addSp delSp modSp new mod">
-        <pc:chgData name="Li, Hanchen F" userId="3aee791e-6a2d-4da7-a77b-fbdf7bf15886" providerId="ADAL" clId="{C9DE8794-599A-48A2-8DAC-3CEC81A1BCD4}" dt="2025-01-29T21:28:25.726" v="3218" actId="1076"/>
+        <pc:chgData name="Li, Hanchen F" userId="3aee791e-6a2d-4da7-a77b-fbdf7bf15886" providerId="ADAL" clId="{C9DE8794-599A-48A2-8DAC-3CEC81A1BCD4}" dt="2025-01-30T22:17:21.939" v="3357" actId="207"/>
         <pc:sldMkLst>
           <pc:docMk/>
           <pc:sldMk cId="3020923075" sldId="256"/>
@@ -161,6 +161,14 @@
             <pc:docMk/>
             <pc:sldMk cId="3020923075" sldId="256"/>
             <ac:spMk id="4" creationId="{AB217CA2-E2DD-E3E9-0BC0-75478F81E2B7}"/>
+          </ac:spMkLst>
+        </pc:spChg>
+        <pc:spChg chg="add mod">
+          <ac:chgData name="Li, Hanchen F" userId="3aee791e-6a2d-4da7-a77b-fbdf7bf15886" providerId="ADAL" clId="{C9DE8794-599A-48A2-8DAC-3CEC81A1BCD4}" dt="2025-01-30T22:17:18.807" v="3356" actId="207"/>
+          <ac:spMkLst>
+            <pc:docMk/>
+            <pc:sldMk cId="3020923075" sldId="256"/>
+            <ac:spMk id="5" creationId="{0BCAA60A-112C-DFBA-1090-BE14880AF7C7}"/>
           </ac:spMkLst>
         </pc:spChg>
         <pc:spChg chg="add mod">
@@ -289,6 +297,14 @@
             <pc:docMk/>
             <pc:sldMk cId="3020923075" sldId="256"/>
             <ac:spMk id="22" creationId="{79DEBD6C-A9B1-51C9-839A-CBC1E6655FDD}"/>
+          </ac:spMkLst>
+        </pc:spChg>
+        <pc:spChg chg="add mod">
+          <ac:chgData name="Li, Hanchen F" userId="3aee791e-6a2d-4da7-a77b-fbdf7bf15886" providerId="ADAL" clId="{C9DE8794-599A-48A2-8DAC-3CEC81A1BCD4}" dt="2025-01-30T22:17:21.939" v="3357" actId="207"/>
+          <ac:spMkLst>
+            <pc:docMk/>
+            <pc:sldMk cId="3020923075" sldId="256"/>
+            <ac:spMk id="22" creationId="{C2A6C15E-1A83-1447-FD41-3617AE16B234}"/>
           </ac:spMkLst>
         </pc:spChg>
         <pc:spChg chg="add mod">
@@ -9800,6 +9816,332 @@
           </a:fontRef>
         </p:style>
       </p:cxnSp>
+      <mc:AlternateContent xmlns:mc="http://schemas.openxmlformats.org/markup-compatibility/2006">
+        <mc:Choice xmlns:a14="http://schemas.microsoft.com/office/drawing/2010/main" Requires="a14">
+          <p:sp>
+            <p:nvSpPr>
+              <p:cNvPr id="5" name="文本框 4">
+                <a:extLst>
+                  <a:ext uri="{FF2B5EF4-FFF2-40B4-BE49-F238E27FC236}">
+                    <a16:creationId xmlns:a16="http://schemas.microsoft.com/office/drawing/2014/main" id="{0BCAA60A-112C-DFBA-1090-BE14880AF7C7}"/>
+                  </a:ext>
+                </a:extLst>
+              </p:cNvPr>
+              <p:cNvSpPr txBox="1"/>
+              <p:nvPr/>
+            </p:nvSpPr>
+            <p:spPr>
+              <a:xfrm>
+                <a:off x="8818107" y="1186108"/>
+                <a:ext cx="597215" cy="369332"/>
+              </a:xfrm>
+              <a:prstGeom prst="rect">
+                <a:avLst/>
+              </a:prstGeom>
+              <a:solidFill>
+                <a:schemeClr val="bg1"/>
+              </a:solidFill>
+              <a:effectLst>
+                <a:softEdge rad="76200"/>
+              </a:effectLst>
+            </p:spPr>
+            <p:txBody>
+              <a:bodyPr wrap="none" rtlCol="0">
+                <a:spAutoFit/>
+              </a:bodyPr>
+              <a:lstStyle/>
+              <a:p>
+                <a:pPr/>
+                <a14:m>
+                  <m:oMathPara xmlns:m="http://schemas.openxmlformats.org/officeDocument/2006/math">
+                    <m:oMathParaPr>
+                      <m:jc m:val="centerGroup"/>
+                    </m:oMathParaPr>
+                    <m:oMath xmlns:m="http://schemas.openxmlformats.org/officeDocument/2006/math">
+                      <m:sSub>
+                        <m:sSubPr>
+                          <m:ctrlPr>
+                            <a:rPr lang="en-US" altLang="zh-CN" i="1" smtClean="0">
+                              <a:solidFill>
+                                <a:srgbClr val="03BDFC"/>
+                              </a:solidFill>
+                              <a:effectLst>
+                                <a:outerShdw blurRad="127000" sx="107000" sy="107000" algn="ctr" rotWithShape="0">
+                                  <a:schemeClr val="bg1"/>
+                                </a:outerShdw>
+                              </a:effectLst>
+                              <a:latin typeface="Cambria Math" panose="02040503050406030204" pitchFamily="18" charset="0"/>
+                            </a:rPr>
+                          </m:ctrlPr>
+                        </m:sSubPr>
+                        <m:e>
+                          <m:r>
+                            <a:rPr lang="en-US" altLang="zh-CN" b="0" i="1" smtClean="0">
+                              <a:solidFill>
+                                <a:srgbClr val="03BDFC"/>
+                              </a:solidFill>
+                              <a:effectLst>
+                                <a:outerShdw blurRad="127000" sx="107000" sy="107000" algn="ctr" rotWithShape="0">
+                                  <a:schemeClr val="bg1"/>
+                                </a:outerShdw>
+                              </a:effectLst>
+                              <a:latin typeface="Cambria Math" panose="02040503050406030204" pitchFamily="18" charset="0"/>
+                            </a:rPr>
+                            <m:t>𝑉</m:t>
+                          </m:r>
+                        </m:e>
+                        <m:sub>
+                          <m:r>
+                            <a:rPr lang="en-US" altLang="zh-CN" b="0" i="1" smtClean="0">
+                              <a:solidFill>
+                                <a:srgbClr val="03BDFC"/>
+                              </a:solidFill>
+                              <a:effectLst>
+                                <a:outerShdw blurRad="127000" sx="107000" sy="107000" algn="ctr" rotWithShape="0">
+                                  <a:schemeClr val="bg1"/>
+                                </a:outerShdw>
+                              </a:effectLst>
+                              <a:latin typeface="Cambria Math" panose="02040503050406030204" pitchFamily="18" charset="0"/>
+                            </a:rPr>
+                            <m:t>𝐴</m:t>
+                          </m:r>
+                          <m:r>
+                            <a:rPr lang="en-US" altLang="zh-CN" b="0" i="1" smtClean="0">
+                              <a:solidFill>
+                                <a:srgbClr val="03BDFC"/>
+                              </a:solidFill>
+                              <a:effectLst>
+                                <a:outerShdw blurRad="127000" sx="107000" sy="107000" algn="ctr" rotWithShape="0">
+                                  <a:schemeClr val="bg1"/>
+                                </a:outerShdw>
+                              </a:effectLst>
+                              <a:latin typeface="Cambria Math" panose="02040503050406030204" pitchFamily="18" charset="0"/>
+                            </a:rPr>
+                            <m:t>𝑈</m:t>
+                          </m:r>
+                        </m:sub>
+                      </m:sSub>
+                    </m:oMath>
+                  </m:oMathPara>
+                </a14:m>
+                <a:endParaRPr lang="zh-CN" altLang="en-US" dirty="0">
+                  <a:solidFill>
+                    <a:srgbClr val="03BDFC"/>
+                  </a:solidFill>
+                  <a:effectLst>
+                    <a:outerShdw blurRad="127000" sx="107000" sy="107000" algn="ctr" rotWithShape="0">
+                      <a:schemeClr val="bg1"/>
+                    </a:outerShdw>
+                  </a:effectLst>
+                </a:endParaRPr>
+              </a:p>
+            </p:txBody>
+          </p:sp>
+        </mc:Choice>
+        <mc:Fallback>
+          <p:sp>
+            <p:nvSpPr>
+              <p:cNvPr id="5" name="文本框 4">
+                <a:extLst>
+                  <a:ext uri="{FF2B5EF4-FFF2-40B4-BE49-F238E27FC236}">
+                    <a16:creationId xmlns:a16="http://schemas.microsoft.com/office/drawing/2014/main" id="{0BCAA60A-112C-DFBA-1090-BE14880AF7C7}"/>
+                  </a:ext>
+                </a:extLst>
+              </p:cNvPr>
+              <p:cNvSpPr txBox="1">
+                <a:spLocks noRot="1" noChangeAspect="1" noMove="1" noResize="1" noEditPoints="1" noAdjustHandles="1" noChangeArrowheads="1" noChangeShapeType="1" noTextEdit="1"/>
+              </p:cNvSpPr>
+              <p:nvPr/>
+            </p:nvSpPr>
+            <p:spPr>
+              <a:xfrm>
+                <a:off x="8818107" y="1186108"/>
+                <a:ext cx="597215" cy="369332"/>
+              </a:xfrm>
+              <a:prstGeom prst="rect">
+                <a:avLst/>
+              </a:prstGeom>
+              <a:blipFill>
+                <a:blip r:embed="rId31"/>
+                <a:stretch>
+                  <a:fillRect l="-5102" b="-15000"/>
+                </a:stretch>
+              </a:blipFill>
+              <a:effectLst>
+                <a:softEdge rad="76200"/>
+              </a:effectLst>
+            </p:spPr>
+            <p:txBody>
+              <a:bodyPr/>
+              <a:lstStyle/>
+              <a:p>
+                <a:r>
+                  <a:rPr lang="zh-CN" altLang="en-US">
+                    <a:noFill/>
+                  </a:rPr>
+                  <a:t> </a:t>
+                </a:r>
+              </a:p>
+            </p:txBody>
+          </p:sp>
+        </mc:Fallback>
+      </mc:AlternateContent>
+      <mc:AlternateContent xmlns:mc="http://schemas.openxmlformats.org/markup-compatibility/2006">
+        <mc:Choice xmlns:a14="http://schemas.microsoft.com/office/drawing/2010/main" Requires="a14">
+          <p:sp>
+            <p:nvSpPr>
+              <p:cNvPr id="22" name="文本框 21">
+                <a:extLst>
+                  <a:ext uri="{FF2B5EF4-FFF2-40B4-BE49-F238E27FC236}">
+                    <a16:creationId xmlns:a16="http://schemas.microsoft.com/office/drawing/2014/main" id="{C2A6C15E-1A83-1447-FD41-3617AE16B234}"/>
+                  </a:ext>
+                </a:extLst>
+              </p:cNvPr>
+              <p:cNvSpPr txBox="1"/>
+              <p:nvPr/>
+            </p:nvSpPr>
+            <p:spPr>
+              <a:xfrm>
+                <a:off x="9425350" y="1189238"/>
+                <a:ext cx="616707" cy="369332"/>
+              </a:xfrm>
+              <a:prstGeom prst="rect">
+                <a:avLst/>
+              </a:prstGeom>
+              <a:solidFill>
+                <a:schemeClr val="bg1"/>
+              </a:solidFill>
+              <a:effectLst>
+                <a:softEdge rad="76200"/>
+              </a:effectLst>
+            </p:spPr>
+            <p:txBody>
+              <a:bodyPr wrap="none" rtlCol="0">
+                <a:spAutoFit/>
+              </a:bodyPr>
+              <a:lstStyle/>
+              <a:p>
+                <a:pPr/>
+                <a14:m>
+                  <m:oMathPara xmlns:m="http://schemas.openxmlformats.org/officeDocument/2006/math">
+                    <m:oMathParaPr>
+                      <m:jc m:val="centerGroup"/>
+                    </m:oMathParaPr>
+                    <m:oMath xmlns:m="http://schemas.openxmlformats.org/officeDocument/2006/math">
+                      <m:sSub>
+                        <m:sSubPr>
+                          <m:ctrlPr>
+                            <a:rPr lang="en-US" altLang="zh-CN" i="1" smtClean="0">
+                              <a:solidFill>
+                                <a:srgbClr val="03BDFC"/>
+                              </a:solidFill>
+                              <a:effectLst>
+                                <a:outerShdw blurRad="127000" sx="107000" sy="107000" algn="ctr" rotWithShape="0">
+                                  <a:schemeClr val="bg1"/>
+                                </a:outerShdw>
+                              </a:effectLst>
+                              <a:latin typeface="Cambria Math" panose="02040503050406030204" pitchFamily="18" charset="0"/>
+                            </a:rPr>
+                          </m:ctrlPr>
+                        </m:sSubPr>
+                        <m:e>
+                          <m:r>
+                            <a:rPr lang="en-US" altLang="zh-CN" b="0" i="1" smtClean="0">
+                              <a:solidFill>
+                                <a:srgbClr val="03BDFC"/>
+                              </a:solidFill>
+                              <a:effectLst>
+                                <a:outerShdw blurRad="127000" sx="107000" sy="107000" algn="ctr" rotWithShape="0">
+                                  <a:schemeClr val="bg1"/>
+                                </a:outerShdw>
+                              </a:effectLst>
+                              <a:latin typeface="Cambria Math" panose="02040503050406030204" pitchFamily="18" charset="0"/>
+                            </a:rPr>
+                            <m:t>𝑉</m:t>
+                          </m:r>
+                        </m:e>
+                        <m:sub>
+                          <m:r>
+                            <a:rPr lang="en-US" altLang="zh-CN" b="0" i="1" smtClean="0">
+                              <a:solidFill>
+                                <a:srgbClr val="03BDFC"/>
+                              </a:solidFill>
+                              <a:effectLst>
+                                <a:outerShdw blurRad="127000" sx="107000" sy="107000" algn="ctr" rotWithShape="0">
+                                  <a:schemeClr val="bg1"/>
+                                </a:outerShdw>
+                              </a:effectLst>
+                              <a:latin typeface="Cambria Math" panose="02040503050406030204" pitchFamily="18" charset="0"/>
+                            </a:rPr>
+                            <m:t>𝐷𝑈</m:t>
+                          </m:r>
+                        </m:sub>
+                      </m:sSub>
+                    </m:oMath>
+                  </m:oMathPara>
+                </a14:m>
+                <a:endParaRPr lang="zh-CN" altLang="en-US" dirty="0">
+                  <a:solidFill>
+                    <a:srgbClr val="03BDFC"/>
+                  </a:solidFill>
+                  <a:effectLst>
+                    <a:outerShdw blurRad="127000" sx="107000" sy="107000" algn="ctr" rotWithShape="0">
+                      <a:schemeClr val="bg1"/>
+                    </a:outerShdw>
+                  </a:effectLst>
+                </a:endParaRPr>
+              </a:p>
+            </p:txBody>
+          </p:sp>
+        </mc:Choice>
+        <mc:Fallback>
+          <p:sp>
+            <p:nvSpPr>
+              <p:cNvPr id="22" name="文本框 21">
+                <a:extLst>
+                  <a:ext uri="{FF2B5EF4-FFF2-40B4-BE49-F238E27FC236}">
+                    <a16:creationId xmlns:a16="http://schemas.microsoft.com/office/drawing/2014/main" id="{C2A6C15E-1A83-1447-FD41-3617AE16B234}"/>
+                  </a:ext>
+                </a:extLst>
+              </p:cNvPr>
+              <p:cNvSpPr txBox="1">
+                <a:spLocks noRot="1" noChangeAspect="1" noMove="1" noResize="1" noEditPoints="1" noAdjustHandles="1" noChangeArrowheads="1" noChangeShapeType="1" noTextEdit="1"/>
+              </p:cNvSpPr>
+              <p:nvPr/>
+            </p:nvSpPr>
+            <p:spPr>
+              <a:xfrm>
+                <a:off x="9425350" y="1189238"/>
+                <a:ext cx="616707" cy="369332"/>
+              </a:xfrm>
+              <a:prstGeom prst="rect">
+                <a:avLst/>
+              </a:prstGeom>
+              <a:blipFill>
+                <a:blip r:embed="rId32"/>
+                <a:stretch>
+                  <a:fillRect l="-2970" b="-14754"/>
+                </a:stretch>
+              </a:blipFill>
+              <a:effectLst>
+                <a:softEdge rad="76200"/>
+              </a:effectLst>
+            </p:spPr>
+            <p:txBody>
+              <a:bodyPr/>
+              <a:lstStyle/>
+              <a:p>
+                <a:r>
+                  <a:rPr lang="zh-CN" altLang="en-US">
+                    <a:noFill/>
+                  </a:rPr>
+                  <a:t> </a:t>
+                </a:r>
+              </a:p>
+            </p:txBody>
+          </p:sp>
+        </mc:Fallback>
+      </mc:AlternateContent>
     </p:spTree>
     <p:extLst>
       <p:ext uri="{BB962C8B-B14F-4D97-AF65-F5344CB8AC3E}">
@@ -9913,8 +10255,8 @@
           </a:ln>
         </p:spPr>
       </p:pic>
-      <mc:AlternateContent xmlns:mc="http://schemas.openxmlformats.org/markup-compatibility/2006">
-        <mc:Choice xmlns:a14="http://schemas.microsoft.com/office/drawing/2010/main" Requires="a14">
+      <mc:AlternateContent xmlns:mc="http://schemas.openxmlformats.org/markup-compatibility/2006" xmlns:a14="http://schemas.microsoft.com/office/drawing/2010/main">
+        <mc:Choice Requires="a14">
           <p:sp>
             <p:nvSpPr>
               <p:cNvPr id="28" name="文本框 27">
@@ -10094,7 +10436,7 @@
             </p:txBody>
           </p:sp>
         </mc:Choice>
-        <mc:Fallback>
+        <mc:Fallback xmlns="">
           <p:sp>
             <p:nvSpPr>
               <p:cNvPr id="28" name="文本框 27">
@@ -10144,8 +10486,8 @@
           </p:sp>
         </mc:Fallback>
       </mc:AlternateContent>
-      <mc:AlternateContent xmlns:mc="http://schemas.openxmlformats.org/markup-compatibility/2006">
-        <mc:Choice xmlns:a14="http://schemas.microsoft.com/office/drawing/2010/main" Requires="a14">
+      <mc:AlternateContent xmlns:mc="http://schemas.openxmlformats.org/markup-compatibility/2006" xmlns:a14="http://schemas.microsoft.com/office/drawing/2010/main">
+        <mc:Choice Requires="a14">
           <p:sp>
             <p:nvSpPr>
               <p:cNvPr id="60" name="文本框 59">
@@ -10216,21 +10558,7 @@
                           </a:effectLst>
                           <a:latin typeface="Cambria Math" panose="02040503050406030204" pitchFamily="18" charset="0"/>
                         </a:rPr>
-                        <m:t>=</m:t>
-                      </m:r>
-                      <m:r>
-                        <a:rPr lang="en-US" altLang="zh-CN" sz="2000" b="0" i="1" smtClean="0">
-                          <a:solidFill>
-                            <a:schemeClr val="tx1"/>
-                          </a:solidFill>
-                          <a:effectLst>
-                            <a:outerShdw blurRad="127000" sx="107000" sy="107000" algn="ctr" rotWithShape="0">
-                              <a:schemeClr val="bg1"/>
-                            </a:outerShdw>
-                          </a:effectLst>
-                          <a:latin typeface="Cambria Math" panose="02040503050406030204" pitchFamily="18" charset="0"/>
-                        </a:rPr>
-                        <m:t>1</m:t>
+                        <m:t>=1</m:t>
                       </m:r>
                     </m:oMath>
                   </m:oMathPara>
@@ -10249,7 +10577,7 @@
             </p:txBody>
           </p:sp>
         </mc:Choice>
-        <mc:Fallback>
+        <mc:Fallback xmlns="">
           <p:sp>
             <p:nvSpPr>
               <p:cNvPr id="60" name="文本框 59">
@@ -10297,8 +10625,8 @@
           </p:sp>
         </mc:Fallback>
       </mc:AlternateContent>
-      <mc:AlternateContent xmlns:mc="http://schemas.openxmlformats.org/markup-compatibility/2006">
-        <mc:Choice xmlns:a14="http://schemas.microsoft.com/office/drawing/2010/main" Requires="a14">
+      <mc:AlternateContent xmlns:mc="http://schemas.openxmlformats.org/markup-compatibility/2006" xmlns:a14="http://schemas.microsoft.com/office/drawing/2010/main">
+        <mc:Choice Requires="a14">
           <p:sp>
             <p:nvSpPr>
               <p:cNvPr id="26" name="文本框 25">
@@ -10475,7 +10803,7 @@
             </p:txBody>
           </p:sp>
         </mc:Choice>
-        <mc:Fallback>
+        <mc:Fallback xmlns="">
           <p:sp>
             <p:nvSpPr>
               <p:cNvPr id="26" name="文本框 25">

--- a/01 - Loads and Fatigue/Annotation.pptx
+++ b/01 - Loads and Fatigue/Annotation.pptx
@@ -119,7 +119,7 @@
 <file path=ppt/revisionInfo.xml><?xml version="1.0" encoding="utf-8"?>
 <p1510:revInfo xmlns:a="http://schemas.openxmlformats.org/drawingml/2006/main" xmlns:r="http://schemas.openxmlformats.org/officeDocument/2006/relationships" xmlns:p1510="http://schemas.microsoft.com/office/powerpoint/2015/10/main">
   <p1510:revLst>
-    <p1510:client id="{C9DE8794-599A-48A2-8DAC-3CEC81A1BCD4}" v="1432" dt="2025-01-30T22:17:21.939"/>
+    <p1510:client id="{C9DE8794-599A-48A2-8DAC-3CEC81A1BCD4}" v="1442" dt="2025-01-31T22:19:17.130"/>
   </p1510:revLst>
 </p1510:revInfo>
 </file>
@@ -129,7 +129,7 @@
   <pc:docChgLst>
     <pc:chgData name="Li, Hanchen F" userId="3aee791e-6a2d-4da7-a77b-fbdf7bf15886" providerId="ADAL" clId="{C9DE8794-599A-48A2-8DAC-3CEC81A1BCD4}"/>
     <pc:docChg chg="undo custSel addSld modSld">
-      <pc:chgData name="Li, Hanchen F" userId="3aee791e-6a2d-4da7-a77b-fbdf7bf15886" providerId="ADAL" clId="{C9DE8794-599A-48A2-8DAC-3CEC81A1BCD4}" dt="2025-01-30T22:17:21.939" v="3357" actId="207"/>
+      <pc:chgData name="Li, Hanchen F" userId="3aee791e-6a2d-4da7-a77b-fbdf7bf15886" providerId="ADAL" clId="{C9DE8794-599A-48A2-8DAC-3CEC81A1BCD4}" dt="2025-01-31T22:19:20.374" v="3502" actId="167"/>
       <pc:docMkLst>
         <pc:docMk/>
       </pc:docMkLst>
@@ -292,14 +292,6 @@
           </ac:spMkLst>
         </pc:spChg>
         <pc:spChg chg="add mod">
-          <ac:chgData name="Li, Hanchen F" userId="3aee791e-6a2d-4da7-a77b-fbdf7bf15886" providerId="ADAL" clId="{C9DE8794-599A-48A2-8DAC-3CEC81A1BCD4}" dt="2025-01-29T18:42:35.116" v="2978" actId="571"/>
-          <ac:spMkLst>
-            <pc:docMk/>
-            <pc:sldMk cId="3020923075" sldId="256"/>
-            <ac:spMk id="22" creationId="{79DEBD6C-A9B1-51C9-839A-CBC1E6655FDD}"/>
-          </ac:spMkLst>
-        </pc:spChg>
-        <pc:spChg chg="add mod">
           <ac:chgData name="Li, Hanchen F" userId="3aee791e-6a2d-4da7-a77b-fbdf7bf15886" providerId="ADAL" clId="{C9DE8794-599A-48A2-8DAC-3CEC81A1BCD4}" dt="2025-01-30T22:17:21.939" v="3357" actId="207"/>
           <ac:spMkLst>
             <pc:docMk/>
@@ -379,14 +371,6 @@
             <ac:spMk id="60" creationId="{01C5EC58-269F-88A8-16C3-413B68A74ABF}"/>
           </ac:spMkLst>
         </pc:spChg>
-        <pc:picChg chg="add del mod ord modCrop">
-          <ac:chgData name="Li, Hanchen F" userId="3aee791e-6a2d-4da7-a77b-fbdf7bf15886" providerId="ADAL" clId="{C9DE8794-599A-48A2-8DAC-3CEC81A1BCD4}" dt="2025-01-29T18:44:33.826" v="2985" actId="478"/>
-          <ac:picMkLst>
-            <pc:docMk/>
-            <pc:sldMk cId="3020923075" sldId="256"/>
-            <ac:picMk id="5" creationId="{CD001FED-6B7F-33FF-2C98-BE858642F915}"/>
-          </ac:picMkLst>
-        </pc:picChg>
         <pc:picChg chg="add mod ord">
           <ac:chgData name="Li, Hanchen F" userId="3aee791e-6a2d-4da7-a77b-fbdf7bf15886" providerId="ADAL" clId="{C9DE8794-599A-48A2-8DAC-3CEC81A1BCD4}" dt="2025-01-29T21:28:21.073" v="3217" actId="14826"/>
           <ac:picMkLst>
@@ -429,7 +413,7 @@
         </pc:cxnChg>
       </pc:sldChg>
       <pc:sldChg chg="addSp delSp modSp add mod">
-        <pc:chgData name="Li, Hanchen F" userId="3aee791e-6a2d-4da7-a77b-fbdf7bf15886" providerId="ADAL" clId="{C9DE8794-599A-48A2-8DAC-3CEC81A1BCD4}" dt="2025-01-30T12:53:58.454" v="3345" actId="1076"/>
+        <pc:chgData name="Li, Hanchen F" userId="3aee791e-6a2d-4da7-a77b-fbdf7bf15886" providerId="ADAL" clId="{C9DE8794-599A-48A2-8DAC-3CEC81A1BCD4}" dt="2025-01-31T22:19:20.374" v="3502" actId="167"/>
         <pc:sldMkLst>
           <pc:docMk/>
           <pc:sldMk cId="2232820269" sldId="257"/>
@@ -555,7 +539,7 @@
           </ac:spMkLst>
         </pc:spChg>
         <pc:spChg chg="add mod">
-          <ac:chgData name="Li, Hanchen F" userId="3aee791e-6a2d-4da7-a77b-fbdf7bf15886" providerId="ADAL" clId="{C9DE8794-599A-48A2-8DAC-3CEC81A1BCD4}" dt="2025-01-30T12:53:36.994" v="3338" actId="1076"/>
+          <ac:chgData name="Li, Hanchen F" userId="3aee791e-6a2d-4da7-a77b-fbdf7bf15886" providerId="ADAL" clId="{C9DE8794-599A-48A2-8DAC-3CEC81A1BCD4}" dt="2025-01-31T22:16:03.509" v="3426" actId="1076"/>
           <ac:spMkLst>
             <pc:docMk/>
             <pc:sldMk cId="2232820269" sldId="257"/>
@@ -571,7 +555,7 @@
           </ac:spMkLst>
         </pc:spChg>
         <pc:spChg chg="mod">
-          <ac:chgData name="Li, Hanchen F" userId="3aee791e-6a2d-4da7-a77b-fbdf7bf15886" providerId="ADAL" clId="{C9DE8794-599A-48A2-8DAC-3CEC81A1BCD4}" dt="2025-01-30T12:52:59.011" v="3313" actId="1076"/>
+          <ac:chgData name="Li, Hanchen F" userId="3aee791e-6a2d-4da7-a77b-fbdf7bf15886" providerId="ADAL" clId="{C9DE8794-599A-48A2-8DAC-3CEC81A1BCD4}" dt="2025-01-31T22:16:09.334" v="3427" actId="1076"/>
           <ac:spMkLst>
             <pc:docMk/>
             <pc:sldMk cId="2232820269" sldId="257"/>
@@ -619,7 +603,7 @@
           </ac:spMkLst>
         </pc:spChg>
         <pc:spChg chg="mod">
-          <ac:chgData name="Li, Hanchen F" userId="3aee791e-6a2d-4da7-a77b-fbdf7bf15886" providerId="ADAL" clId="{C9DE8794-599A-48A2-8DAC-3CEC81A1BCD4}" dt="2025-01-30T12:53:58.454" v="3345" actId="1076"/>
+          <ac:chgData name="Li, Hanchen F" userId="3aee791e-6a2d-4da7-a77b-fbdf7bf15886" providerId="ADAL" clId="{C9DE8794-599A-48A2-8DAC-3CEC81A1BCD4}" dt="2025-01-31T22:16:36.343" v="3499" actId="114"/>
           <ac:spMkLst>
             <pc:docMk/>
             <pc:sldMk cId="2232820269" sldId="257"/>
@@ -627,7 +611,23 @@
           </ac:spMkLst>
         </pc:spChg>
         <pc:picChg chg="add mod ord">
-          <ac:chgData name="Li, Hanchen F" userId="3aee791e-6a2d-4da7-a77b-fbdf7bf15886" providerId="ADAL" clId="{C9DE8794-599A-48A2-8DAC-3CEC81A1BCD4}" dt="2025-01-30T12:51:57.027" v="3282" actId="208"/>
+          <ac:chgData name="Li, Hanchen F" userId="3aee791e-6a2d-4da7-a77b-fbdf7bf15886" providerId="ADAL" clId="{C9DE8794-599A-48A2-8DAC-3CEC81A1BCD4}" dt="2025-01-31T22:19:20.374" v="3502" actId="167"/>
+          <ac:picMkLst>
+            <pc:docMk/>
+            <pc:sldMk cId="2232820269" sldId="257"/>
+            <ac:picMk id="3" creationId="{13446596-27F9-CFF2-DE40-B34930D51878}"/>
+          </ac:picMkLst>
+        </pc:picChg>
+        <pc:picChg chg="add mod ord">
+          <ac:chgData name="Li, Hanchen F" userId="3aee791e-6a2d-4da7-a77b-fbdf7bf15886" providerId="ADAL" clId="{C9DE8794-599A-48A2-8DAC-3CEC81A1BCD4}" dt="2025-01-31T22:19:06.284" v="3500" actId="167"/>
+          <ac:picMkLst>
+            <pc:docMk/>
+            <pc:sldMk cId="2232820269" sldId="257"/>
+            <ac:picMk id="5" creationId="{055E21E2-F582-4E47-0F14-338D922C960F}"/>
+          </ac:picMkLst>
+        </pc:picChg>
+        <pc:picChg chg="add del mod ord">
+          <ac:chgData name="Li, Hanchen F" userId="3aee791e-6a2d-4da7-a77b-fbdf7bf15886" providerId="ADAL" clId="{C9DE8794-599A-48A2-8DAC-3CEC81A1BCD4}" dt="2025-01-31T22:13:53.337" v="3358" actId="478"/>
           <ac:picMkLst>
             <pc:docMk/>
             <pc:sldMk cId="2232820269" sldId="257"/>
@@ -642,8 +642,8 @@
             <ac:picMk id="24" creationId="{5BEE75B7-FF42-C2E6-F43A-C4A9530845A1}"/>
           </ac:picMkLst>
         </pc:picChg>
-        <pc:picChg chg="add mod ord">
-          <ac:chgData name="Li, Hanchen F" userId="3aee791e-6a2d-4da7-a77b-fbdf7bf15886" providerId="ADAL" clId="{C9DE8794-599A-48A2-8DAC-3CEC81A1BCD4}" dt="2025-01-30T12:51:45.729" v="3272" actId="167"/>
+        <pc:picChg chg="add del mod ord">
+          <ac:chgData name="Li, Hanchen F" userId="3aee791e-6a2d-4da7-a77b-fbdf7bf15886" providerId="ADAL" clId="{C9DE8794-599A-48A2-8DAC-3CEC81A1BCD4}" dt="2025-01-31T22:13:54.249" v="3359" actId="478"/>
           <ac:picMkLst>
             <pc:docMk/>
             <pc:sldMk cId="2232820269" sldId="257"/>
@@ -754,7 +754,7 @@
           <a:p>
             <a:fld id="{8FB9B03E-5389-4B9C-999D-D8E7B42DF894}" type="datetimeFigureOut">
               <a:rPr lang="zh-CN" altLang="en-US" smtClean="0"/>
-              <a:t>2025/1/30</a:t>
+              <a:t>2025/1/31</a:t>
             </a:fld>
             <a:endParaRPr lang="zh-CN" altLang="en-US"/>
           </a:p>
@@ -1360,7 +1360,7 @@
           <a:p>
             <a:fld id="{F4112B75-22D4-4FE2-8E25-D0C9CB4A8A6E}" type="datetimeFigureOut">
               <a:rPr lang="zh-CN" altLang="en-US" smtClean="0"/>
-              <a:t>2025/1/30</a:t>
+              <a:t>2025/1/31</a:t>
             </a:fld>
             <a:endParaRPr lang="zh-CN" altLang="en-US"/>
           </a:p>
@@ -1558,7 +1558,7 @@
           <a:p>
             <a:fld id="{F4112B75-22D4-4FE2-8E25-D0C9CB4A8A6E}" type="datetimeFigureOut">
               <a:rPr lang="zh-CN" altLang="en-US" smtClean="0"/>
-              <a:t>2025/1/30</a:t>
+              <a:t>2025/1/31</a:t>
             </a:fld>
             <a:endParaRPr lang="zh-CN" altLang="en-US"/>
           </a:p>
@@ -1766,7 +1766,7 @@
           <a:p>
             <a:fld id="{F4112B75-22D4-4FE2-8E25-D0C9CB4A8A6E}" type="datetimeFigureOut">
               <a:rPr lang="zh-CN" altLang="en-US" smtClean="0"/>
-              <a:t>2025/1/30</a:t>
+              <a:t>2025/1/31</a:t>
             </a:fld>
             <a:endParaRPr lang="zh-CN" altLang="en-US"/>
           </a:p>
@@ -1964,7 +1964,7 @@
           <a:p>
             <a:fld id="{F4112B75-22D4-4FE2-8E25-D0C9CB4A8A6E}" type="datetimeFigureOut">
               <a:rPr lang="zh-CN" altLang="en-US" smtClean="0"/>
-              <a:t>2025/1/30</a:t>
+              <a:t>2025/1/31</a:t>
             </a:fld>
             <a:endParaRPr lang="zh-CN" altLang="en-US"/>
           </a:p>
@@ -2239,7 +2239,7 @@
           <a:p>
             <a:fld id="{F4112B75-22D4-4FE2-8E25-D0C9CB4A8A6E}" type="datetimeFigureOut">
               <a:rPr lang="zh-CN" altLang="en-US" smtClean="0"/>
-              <a:t>2025/1/30</a:t>
+              <a:t>2025/1/31</a:t>
             </a:fld>
             <a:endParaRPr lang="zh-CN" altLang="en-US"/>
           </a:p>
@@ -2504,7 +2504,7 @@
           <a:p>
             <a:fld id="{F4112B75-22D4-4FE2-8E25-D0C9CB4A8A6E}" type="datetimeFigureOut">
               <a:rPr lang="zh-CN" altLang="en-US" smtClean="0"/>
-              <a:t>2025/1/30</a:t>
+              <a:t>2025/1/31</a:t>
             </a:fld>
             <a:endParaRPr lang="zh-CN" altLang="en-US"/>
           </a:p>
@@ -2916,7 +2916,7 @@
           <a:p>
             <a:fld id="{F4112B75-22D4-4FE2-8E25-D0C9CB4A8A6E}" type="datetimeFigureOut">
               <a:rPr lang="zh-CN" altLang="en-US" smtClean="0"/>
-              <a:t>2025/1/30</a:t>
+              <a:t>2025/1/31</a:t>
             </a:fld>
             <a:endParaRPr lang="zh-CN" altLang="en-US"/>
           </a:p>
@@ -3057,7 +3057,7 @@
           <a:p>
             <a:fld id="{F4112B75-22D4-4FE2-8E25-D0C9CB4A8A6E}" type="datetimeFigureOut">
               <a:rPr lang="zh-CN" altLang="en-US" smtClean="0"/>
-              <a:t>2025/1/30</a:t>
+              <a:t>2025/1/31</a:t>
             </a:fld>
             <a:endParaRPr lang="zh-CN" altLang="en-US"/>
           </a:p>
@@ -3170,7 +3170,7 @@
           <a:p>
             <a:fld id="{F4112B75-22D4-4FE2-8E25-D0C9CB4A8A6E}" type="datetimeFigureOut">
               <a:rPr lang="zh-CN" altLang="en-US" smtClean="0"/>
-              <a:t>2025/1/30</a:t>
+              <a:t>2025/1/31</a:t>
             </a:fld>
             <a:endParaRPr lang="zh-CN" altLang="en-US"/>
           </a:p>
@@ -3481,7 +3481,7 @@
           <a:p>
             <a:fld id="{F4112B75-22D4-4FE2-8E25-D0C9CB4A8A6E}" type="datetimeFigureOut">
               <a:rPr lang="zh-CN" altLang="en-US" smtClean="0"/>
-              <a:t>2025/1/30</a:t>
+              <a:t>2025/1/31</a:t>
             </a:fld>
             <a:endParaRPr lang="zh-CN" altLang="en-US"/>
           </a:p>
@@ -3769,7 +3769,7 @@
           <a:p>
             <a:fld id="{F4112B75-22D4-4FE2-8E25-D0C9CB4A8A6E}" type="datetimeFigureOut">
               <a:rPr lang="zh-CN" altLang="en-US" smtClean="0"/>
-              <a:t>2025/1/30</a:t>
+              <a:t>2025/1/31</a:t>
             </a:fld>
             <a:endParaRPr lang="zh-CN" altLang="en-US"/>
           </a:p>
@@ -4010,7 +4010,7 @@
           <a:p>
             <a:fld id="{F4112B75-22D4-4FE2-8E25-D0C9CB4A8A6E}" type="datetimeFigureOut">
               <a:rPr lang="zh-CN" altLang="en-US" smtClean="0"/>
-              <a:t>2025/1/30</a:t>
+              <a:t>2025/1/31</a:t>
             </a:fld>
             <a:endParaRPr lang="zh-CN" altLang="en-US"/>
           </a:p>
@@ -9816,8 +9816,8 @@
           </a:fontRef>
         </p:style>
       </p:cxnSp>
-      <mc:AlternateContent xmlns:mc="http://schemas.openxmlformats.org/markup-compatibility/2006">
-        <mc:Choice xmlns:a14="http://schemas.microsoft.com/office/drawing/2010/main" Requires="a14">
+      <mc:AlternateContent xmlns:mc="http://schemas.openxmlformats.org/markup-compatibility/2006" xmlns:a14="http://schemas.microsoft.com/office/drawing/2010/main">
+        <mc:Choice Requires="a14">
           <p:sp>
             <p:nvSpPr>
               <p:cNvPr id="5" name="文本框 4">
@@ -9903,21 +9903,7 @@
                               </a:effectLst>
                               <a:latin typeface="Cambria Math" panose="02040503050406030204" pitchFamily="18" charset="0"/>
                             </a:rPr>
-                            <m:t>𝐴</m:t>
-                          </m:r>
-                          <m:r>
-                            <a:rPr lang="en-US" altLang="zh-CN" b="0" i="1" smtClean="0">
-                              <a:solidFill>
-                                <a:srgbClr val="03BDFC"/>
-                              </a:solidFill>
-                              <a:effectLst>
-                                <a:outerShdw blurRad="127000" sx="107000" sy="107000" algn="ctr" rotWithShape="0">
-                                  <a:schemeClr val="bg1"/>
-                                </a:outerShdw>
-                              </a:effectLst>
-                              <a:latin typeface="Cambria Math" panose="02040503050406030204" pitchFamily="18" charset="0"/>
-                            </a:rPr>
-                            <m:t>𝑈</m:t>
+                            <m:t>𝐴𝑈</m:t>
                           </m:r>
                         </m:sub>
                       </m:sSub>
@@ -9938,7 +9924,7 @@
             </p:txBody>
           </p:sp>
         </mc:Choice>
-        <mc:Fallback>
+        <mc:Fallback xmlns="">
           <p:sp>
             <p:nvSpPr>
               <p:cNvPr id="5" name="文本框 4">
@@ -9986,8 +9972,8 @@
           </p:sp>
         </mc:Fallback>
       </mc:AlternateContent>
-      <mc:AlternateContent xmlns:mc="http://schemas.openxmlformats.org/markup-compatibility/2006">
-        <mc:Choice xmlns:a14="http://schemas.microsoft.com/office/drawing/2010/main" Requires="a14">
+      <mc:AlternateContent xmlns:mc="http://schemas.openxmlformats.org/markup-compatibility/2006" xmlns:a14="http://schemas.microsoft.com/office/drawing/2010/main">
+        <mc:Choice Requires="a14">
           <p:sp>
             <p:nvSpPr>
               <p:cNvPr id="22" name="文本框 21">
@@ -10094,7 +10080,7 @@
             </p:txBody>
           </p:sp>
         </mc:Choice>
-        <mc:Fallback>
+        <mc:Fallback xmlns="">
           <p:sp>
             <p:nvSpPr>
               <p:cNvPr id="22" name="文本框 21">
@@ -10180,10 +10166,10 @@
       </p:grpSpPr>
       <p:pic>
         <p:nvPicPr>
-          <p:cNvPr id="25" name="图片 24">
+          <p:cNvPr id="3" name="图片 2">
             <a:extLst>
               <a:ext uri="{FF2B5EF4-FFF2-40B4-BE49-F238E27FC236}">
-                <a16:creationId xmlns:a16="http://schemas.microsoft.com/office/drawing/2014/main" id="{7F8D9B93-22C9-97BD-F42C-123735687F1D}"/>
+                <a16:creationId xmlns:a16="http://schemas.microsoft.com/office/drawing/2014/main" id="{13446596-27F9-CFF2-DE40-B34930D51878}"/>
               </a:ext>
             </a:extLst>
           </p:cNvPr>
@@ -10205,8 +10191,8 @@
         </p:blipFill>
         <p:spPr>
           <a:xfrm>
-            <a:off x="1571625" y="1825355"/>
-            <a:ext cx="10017345" cy="2976918"/>
+            <a:off x="2420392" y="1910890"/>
+            <a:ext cx="7433617" cy="3611208"/>
           </a:xfrm>
           <a:prstGeom prst="rect">
             <a:avLst/>
@@ -10215,10 +10201,10 @@
       </p:pic>
       <p:pic>
         <p:nvPicPr>
-          <p:cNvPr id="22" name="图片 21" descr="图表, 散点图&#10;&#10;描述已自动生成">
+          <p:cNvPr id="5" name="图片 4" descr="图表, 折线图&#10;&#10;描述已自动生成">
             <a:extLst>
               <a:ext uri="{FF2B5EF4-FFF2-40B4-BE49-F238E27FC236}">
-                <a16:creationId xmlns:a16="http://schemas.microsoft.com/office/drawing/2014/main" id="{E98E146D-AB55-CA7B-8B9A-87D89AA97605}"/>
+                <a16:creationId xmlns:a16="http://schemas.microsoft.com/office/drawing/2014/main" id="{055E21E2-F582-4E47-0F14-338D922C960F}"/>
               </a:ext>
             </a:extLst>
           </p:cNvPr>
@@ -10242,8 +10228,8 @@
         </p:blipFill>
         <p:spPr>
           <a:xfrm>
-            <a:off x="1673535" y="1790271"/>
-            <a:ext cx="9434598" cy="3047086"/>
+            <a:off x="2638080" y="1910870"/>
+            <a:ext cx="6898826" cy="3496949"/>
           </a:xfrm>
           <a:prstGeom prst="rect">
             <a:avLst/>
@@ -10271,8 +10257,8 @@
             </p:nvSpPr>
             <p:spPr>
               <a:xfrm>
-                <a:off x="6687177" y="3731548"/>
-                <a:ext cx="2559932" cy="369332"/>
+                <a:off x="3839199" y="4252248"/>
+                <a:ext cx="2298001" cy="338554"/>
               </a:xfrm>
               <a:prstGeom prst="rect">
                 <a:avLst/>
@@ -10300,7 +10286,7 @@
                       <m:sSub>
                         <m:sSubPr>
                           <m:ctrlPr>
-                            <a:rPr lang="en-US" altLang="zh-CN" i="1" smtClean="0">
+                            <a:rPr lang="en-US" altLang="zh-CN" sz="1600" i="1" smtClean="0">
                               <a:solidFill>
                                 <a:schemeClr val="tx1"/>
                               </a:solidFill>
@@ -10318,7 +10304,7 @@
                             <m:rPr>
                               <m:sty m:val="p"/>
                             </m:rPr>
-                            <a:rPr lang="en-US" altLang="zh-CN" i="1">
+                            <a:rPr lang="en-US" altLang="zh-CN" sz="1600" i="1">
                               <a:solidFill>
                                 <a:schemeClr val="tx1"/>
                               </a:solidFill>
@@ -10334,7 +10320,7 @@
                         </m:e>
                         <m:sub>
                           <m:r>
-                            <a:rPr lang="en-US" altLang="zh-CN" b="0" i="1" smtClean="0">
+                            <a:rPr lang="en-US" altLang="zh-CN" sz="1600" b="0" i="1" smtClean="0">
                               <a:solidFill>
                                 <a:schemeClr val="tx1"/>
                               </a:solidFill>
@@ -10348,7 +10334,7 @@
                             <m:t>𝑚𝑖𝑛</m:t>
                           </m:r>
                           <m:r>
-                            <a:rPr lang="en-US" altLang="zh-CN" b="0" i="1" smtClean="0">
+                            <a:rPr lang="en-US" altLang="zh-CN" sz="1600" b="0" i="1" smtClean="0">
                               <a:solidFill>
                                 <a:schemeClr val="tx1"/>
                               </a:solidFill>
@@ -10364,7 +10350,7 @@
                         </m:sub>
                       </m:sSub>
                       <m:r>
-                        <a:rPr lang="en-US" altLang="zh-CN" b="0" i="1" smtClean="0">
+                        <a:rPr lang="en-US" altLang="zh-CN" sz="1600" b="0" i="1" smtClean="0">
                           <a:solidFill>
                             <a:schemeClr val="tx1"/>
                           </a:solidFill>
@@ -10378,7 +10364,7 @@
                         <m:t>=−220004</m:t>
                       </m:r>
                       <m:r>
-                        <a:rPr lang="en-US" altLang="zh-CN" b="0" i="1" smtClean="0">
+                        <a:rPr lang="en-US" altLang="zh-CN" sz="1600" b="0" i="1" smtClean="0">
                           <a:solidFill>
                             <a:schemeClr val="tx1"/>
                           </a:solidFill>
@@ -10392,7 +10378,7 @@
                         <m:t>𝑁</m:t>
                       </m:r>
                       <m:r>
-                        <a:rPr lang="en-US" altLang="zh-CN" b="0" i="1" smtClean="0">
+                        <a:rPr lang="en-US" altLang="zh-CN" sz="1600" b="0" i="1" smtClean="0">
                           <a:solidFill>
                             <a:schemeClr val="tx1"/>
                           </a:solidFill>
@@ -10406,7 +10392,7 @@
                         <m:t>/</m:t>
                       </m:r>
                       <m:r>
-                        <a:rPr lang="en-US" altLang="zh-CN" b="0" i="1" smtClean="0">
+                        <a:rPr lang="en-US" altLang="zh-CN" sz="1600" b="0" i="1" smtClean="0">
                           <a:solidFill>
                             <a:schemeClr val="tx1"/>
                           </a:solidFill>
@@ -10422,7 +10408,7 @@
                     </m:oMath>
                   </m:oMathPara>
                 </a14:m>
-                <a:endParaRPr lang="zh-CN" altLang="en-US" i="1" dirty="0">
+                <a:endParaRPr lang="zh-CN" altLang="en-US" sz="1600" i="1" dirty="0">
                   <a:solidFill>
                     <a:schemeClr val="tx1"/>
                   </a:solidFill>
@@ -10453,8 +10439,8 @@
             </p:nvSpPr>
             <p:spPr>
               <a:xfrm>
-                <a:off x="6687177" y="3731548"/>
-                <a:ext cx="2559932" cy="369332"/>
+                <a:off x="3839199" y="4252248"/>
+                <a:ext cx="2298001" cy="338554"/>
               </a:xfrm>
               <a:prstGeom prst="rect">
                 <a:avLst/>
@@ -10462,7 +10448,7 @@
               <a:blipFill>
                 <a:blip r:embed="rId5"/>
                 <a:stretch>
-                  <a:fillRect b="-1053"/>
+                  <a:fillRect/>
                 </a:stretch>
               </a:blipFill>
               <a:effectLst>
@@ -10502,8 +10488,8 @@
             </p:nvSpPr>
             <p:spPr>
               <a:xfrm>
-                <a:off x="9685459" y="3639215"/>
-                <a:ext cx="884537" cy="553998"/>
+                <a:off x="8406752" y="4252248"/>
+                <a:ext cx="813813" cy="507831"/>
               </a:xfrm>
               <a:prstGeom prst="rect">
                 <a:avLst/>
@@ -10533,7 +10519,10 @@
                     </m:oMathParaPr>
                     <m:oMath xmlns:m="http://schemas.openxmlformats.org/officeDocument/2006/math">
                       <m:r>
-                        <a:rPr lang="en-US" altLang="zh-CN" sz="2000" b="0" i="1" smtClean="0">
+                        <m:rPr>
+                          <m:sty m:val="p"/>
+                        </m:rPr>
+                        <a:rPr lang="en-US" altLang="zh-CN" b="0" i="0" smtClean="0">
                           <a:solidFill>
                             <a:schemeClr val="tx1"/>
                           </a:solidFill>
@@ -10544,10 +10533,10 @@
                           </a:effectLst>
                           <a:latin typeface="Cambria Math" panose="02040503050406030204" pitchFamily="18" charset="0"/>
                         </a:rPr>
-                        <m:t>𝑛</m:t>
+                        <m:t>n</m:t>
                       </m:r>
                       <m:r>
-                        <a:rPr lang="en-US" altLang="zh-CN" sz="2000" b="0" i="1" smtClean="0">
+                        <a:rPr lang="en-US" altLang="zh-CN" b="0" i="0" smtClean="0">
                           <a:solidFill>
                             <a:schemeClr val="tx1"/>
                           </a:solidFill>
@@ -10563,7 +10552,7 @@
                     </m:oMath>
                   </m:oMathPara>
                 </a14:m>
-                <a:endParaRPr lang="en-US" altLang="zh-CN" sz="2000" b="0" i="1" dirty="0">
+                <a:endParaRPr lang="en-US" altLang="zh-CN" b="0" dirty="0">
                   <a:solidFill>
                     <a:schemeClr val="tx1"/>
                   </a:solidFill>
@@ -10594,8 +10583,8 @@
             </p:nvSpPr>
             <p:spPr>
               <a:xfrm>
-                <a:off x="9685459" y="3639215"/>
-                <a:ext cx="884537" cy="553998"/>
+                <a:off x="8406752" y="4252248"/>
+                <a:ext cx="813813" cy="507831"/>
               </a:xfrm>
               <a:prstGeom prst="rect">
                 <a:avLst/>
@@ -10641,7 +10630,7 @@
             </p:nvSpPr>
             <p:spPr>
               <a:xfrm>
-                <a:off x="3138596" y="1790271"/>
+                <a:off x="3185945" y="2614626"/>
                 <a:ext cx="2773254" cy="338554"/>
               </a:xfrm>
               <a:prstGeom prst="rect">
@@ -10820,7 +10809,7 @@
             </p:nvSpPr>
             <p:spPr>
               <a:xfrm>
-                <a:off x="3138596" y="1790271"/>
+                <a:off x="3185945" y="2614626"/>
                 <a:ext cx="2773254" cy="338554"/>
               </a:xfrm>
               <a:prstGeom prst="rect">
